--- a/3주차.pptx
+++ b/3주차.pptx
@@ -5,24 +5,25 @@
     <p:sldMasterId id="2147483648" r:id="rId1"/>
   </p:sldMasterIdLst>
   <p:notesMasterIdLst>
-    <p:notesMasterId r:id="rId17"/>
+    <p:notesMasterId r:id="rId18"/>
   </p:notesMasterIdLst>
   <p:sldIdLst>
     <p:sldId id="262" r:id="rId2"/>
     <p:sldId id="263" r:id="rId3"/>
     <p:sldId id="268" r:id="rId4"/>
     <p:sldId id="272" r:id="rId5"/>
-    <p:sldId id="274" r:id="rId6"/>
-    <p:sldId id="276" r:id="rId7"/>
-    <p:sldId id="278" r:id="rId8"/>
-    <p:sldId id="273" r:id="rId9"/>
-    <p:sldId id="275" r:id="rId10"/>
-    <p:sldId id="277" r:id="rId11"/>
-    <p:sldId id="270" r:id="rId12"/>
-    <p:sldId id="266" r:id="rId13"/>
-    <p:sldId id="265" r:id="rId14"/>
-    <p:sldId id="260" r:id="rId15"/>
-    <p:sldId id="264" r:id="rId16"/>
+    <p:sldId id="270" r:id="rId6"/>
+    <p:sldId id="274" r:id="rId7"/>
+    <p:sldId id="276" r:id="rId8"/>
+    <p:sldId id="278" r:id="rId9"/>
+    <p:sldId id="279" r:id="rId10"/>
+    <p:sldId id="280" r:id="rId11"/>
+    <p:sldId id="283" r:id="rId12"/>
+    <p:sldId id="281" r:id="rId13"/>
+    <p:sldId id="282" r:id="rId14"/>
+    <p:sldId id="273" r:id="rId15"/>
+    <p:sldId id="275" r:id="rId16"/>
+    <p:sldId id="277" r:id="rId17"/>
   </p:sldIdLst>
   <p:sldSz cx="12192000" cy="6858000"/>
   <p:notesSz cx="6858000" cy="9144000"/>
@@ -214,7 +215,7 @@
           <a:p>
             <a:fld id="{8403E68E-9B88-4DB5-BADA-D5AB9607083E}" type="datetimeFigureOut">
               <a:rPr lang="ko-KR" altLang="en-US" smtClean="0"/>
-              <a:t>2021-07-20</a:t>
+              <a:t>2021-07-21</a:t>
             </a:fld>
             <a:endParaRPr lang="ko-KR" altLang="en-US"/>
           </a:p>
@@ -481,6 +482,1902 @@
 </p:notesMaster>
 </file>
 
+<file path=ppt/notesSlides/notesSlide1.xml><?xml version="1.0" encoding="utf-8"?>
+<p:notes xmlns:a="http://schemas.openxmlformats.org/drawingml/2006/main" xmlns:r="http://schemas.openxmlformats.org/officeDocument/2006/relationships" xmlns:p="http://schemas.openxmlformats.org/presentationml/2006/main">
+  <p:cSld>
+    <p:spTree>
+      <p:nvGrpSpPr>
+        <p:cNvPr id="1" name=""/>
+        <p:cNvGrpSpPr/>
+        <p:nvPr/>
+      </p:nvGrpSpPr>
+      <p:grpSpPr>
+        <a:xfrm>
+          <a:off x="0" y="0"/>
+          <a:ext cx="0" cy="0"/>
+          <a:chOff x="0" y="0"/>
+          <a:chExt cx="0" cy="0"/>
+        </a:xfrm>
+      </p:grpSpPr>
+      <p:sp>
+        <p:nvSpPr>
+          <p:cNvPr id="2" name="슬라이드 이미지 개체 틀 1"/>
+          <p:cNvSpPr>
+            <a:spLocks noGrp="1" noRot="1" noChangeAspect="1"/>
+          </p:cNvSpPr>
+          <p:nvPr>
+            <p:ph type="sldImg"/>
+          </p:nvPr>
+        </p:nvSpPr>
+        <p:spPr/>
+      </p:sp>
+      <p:sp>
+        <p:nvSpPr>
+          <p:cNvPr id="3" name="슬라이드 노트 개체 틀 2"/>
+          <p:cNvSpPr>
+            <a:spLocks noGrp="1"/>
+          </p:cNvSpPr>
+          <p:nvPr>
+            <p:ph type="body" idx="1"/>
+          </p:nvPr>
+        </p:nvSpPr>
+        <p:spPr/>
+        <p:txBody>
+          <a:bodyPr/>
+          <a:lstStyle/>
+          <a:p>
+            <a:endParaRPr lang="ko-KR" altLang="en-US" dirty="0"/>
+          </a:p>
+        </p:txBody>
+      </p:sp>
+      <p:sp>
+        <p:nvSpPr>
+          <p:cNvPr id="4" name="슬라이드 번호 개체 틀 3"/>
+          <p:cNvSpPr>
+            <a:spLocks noGrp="1"/>
+          </p:cNvSpPr>
+          <p:nvPr>
+            <p:ph type="sldNum" sz="quarter" idx="5"/>
+          </p:nvPr>
+        </p:nvSpPr>
+        <p:spPr/>
+        <p:txBody>
+          <a:bodyPr/>
+          <a:lstStyle/>
+          <a:p>
+            <a:fld id="{5FAAA766-79CA-47E4-9E45-0D897C7C3898}" type="slidenum">
+              <a:rPr lang="ko-KR" altLang="en-US" smtClean="0"/>
+              <a:t>7</a:t>
+            </a:fld>
+            <a:endParaRPr lang="ko-KR" altLang="en-US"/>
+          </a:p>
+        </p:txBody>
+      </p:sp>
+    </p:spTree>
+    <p:extLst>
+      <p:ext uri="{BB962C8B-B14F-4D97-AF65-F5344CB8AC3E}">
+        <p14:creationId xmlns:p14="http://schemas.microsoft.com/office/powerpoint/2010/main" val="3682945681"/>
+      </p:ext>
+    </p:extLst>
+  </p:cSld>
+  <p:clrMapOvr>
+    <a:masterClrMapping/>
+  </p:clrMapOvr>
+</p:notes>
+</file>
+
+<file path=ppt/notesSlides/notesSlide2.xml><?xml version="1.0" encoding="utf-8"?>
+<p:notes xmlns:a="http://schemas.openxmlformats.org/drawingml/2006/main" xmlns:r="http://schemas.openxmlformats.org/officeDocument/2006/relationships" xmlns:p="http://schemas.openxmlformats.org/presentationml/2006/main">
+  <p:cSld>
+    <p:spTree>
+      <p:nvGrpSpPr>
+        <p:cNvPr id="1" name=""/>
+        <p:cNvGrpSpPr/>
+        <p:nvPr/>
+      </p:nvGrpSpPr>
+      <p:grpSpPr>
+        <a:xfrm>
+          <a:off x="0" y="0"/>
+          <a:ext cx="0" cy="0"/>
+          <a:chOff x="0" y="0"/>
+          <a:chExt cx="0" cy="0"/>
+        </a:xfrm>
+      </p:grpSpPr>
+      <p:sp>
+        <p:nvSpPr>
+          <p:cNvPr id="2" name="슬라이드 이미지 개체 틀 1"/>
+          <p:cNvSpPr>
+            <a:spLocks noGrp="1" noRot="1" noChangeAspect="1"/>
+          </p:cNvSpPr>
+          <p:nvPr>
+            <p:ph type="sldImg"/>
+          </p:nvPr>
+        </p:nvSpPr>
+        <p:spPr/>
+      </p:sp>
+      <p:sp>
+        <p:nvSpPr>
+          <p:cNvPr id="3" name="슬라이드 노트 개체 틀 2"/>
+          <p:cNvSpPr>
+            <a:spLocks noGrp="1"/>
+          </p:cNvSpPr>
+          <p:nvPr>
+            <p:ph type="body" idx="1"/>
+          </p:nvPr>
+        </p:nvSpPr>
+        <p:spPr/>
+        <p:txBody>
+          <a:bodyPr/>
+          <a:lstStyle/>
+          <a:p>
+            <a:pPr fontAlgn="base" latinLnBrk="1"/>
+            <a:r>
+              <a:rPr lang="en-US" altLang="ko-KR" sz="1200" kern="1200" dirty="0">
+                <a:solidFill>
+                  <a:schemeClr val="tx1"/>
+                </a:solidFill>
+                <a:effectLst/>
+                <a:latin typeface="+mn-lt"/>
+                <a:ea typeface="+mn-ea"/>
+                <a:cs typeface="+mn-cs"/>
+              </a:rPr>
+              <a:t>1. </a:t>
+            </a:r>
+            <a:r>
+              <a:rPr lang="ko-KR" altLang="en-US" sz="1200" kern="1200" dirty="0">
+                <a:solidFill>
+                  <a:schemeClr val="tx1"/>
+                </a:solidFill>
+                <a:effectLst/>
+                <a:latin typeface="+mn-lt"/>
+                <a:ea typeface="+mn-ea"/>
+                <a:cs typeface="+mn-cs"/>
+              </a:rPr>
+              <a:t>모든 모델은 거의 모든 설정에서 </a:t>
+            </a:r>
+            <a:r>
+              <a:rPr lang="en-US" altLang="ko-KR" sz="1200" kern="1200" dirty="0">
+                <a:solidFill>
+                  <a:schemeClr val="tx1"/>
+                </a:solidFill>
+                <a:effectLst/>
+                <a:latin typeface="+mn-lt"/>
+                <a:ea typeface="+mn-ea"/>
+                <a:cs typeface="+mn-cs"/>
+              </a:rPr>
+              <a:t>"</a:t>
+            </a:r>
+            <a:r>
+              <a:rPr lang="ko-KR" altLang="en-US" sz="1200" kern="1200" dirty="0">
+                <a:solidFill>
+                  <a:schemeClr val="tx1"/>
+                </a:solidFill>
+                <a:effectLst/>
+                <a:latin typeface="+mn-lt"/>
+                <a:ea typeface="+mn-ea"/>
+                <a:cs typeface="+mn-cs"/>
+              </a:rPr>
+              <a:t>무작위 추측</a:t>
+            </a:r>
+            <a:r>
+              <a:rPr lang="en-US" altLang="ko-KR" sz="1200" kern="1200" dirty="0">
+                <a:solidFill>
+                  <a:schemeClr val="tx1"/>
+                </a:solidFill>
+                <a:effectLst/>
+                <a:latin typeface="+mn-lt"/>
+                <a:ea typeface="+mn-ea"/>
+                <a:cs typeface="+mn-cs"/>
+              </a:rPr>
+              <a:t>" </a:t>
+            </a:r>
+            <a:r>
+              <a:rPr lang="ko-KR" altLang="en-US" sz="1200" kern="1200" dirty="0">
+                <a:solidFill>
+                  <a:schemeClr val="tx1"/>
+                </a:solidFill>
+                <a:effectLst/>
+                <a:latin typeface="+mn-lt"/>
+                <a:ea typeface="+mn-ea"/>
+                <a:cs typeface="+mn-cs"/>
+              </a:rPr>
+              <a:t>기준선을 크게 능가합니다</a:t>
+            </a:r>
+            <a:r>
+              <a:rPr lang="en-US" altLang="ko-KR" sz="1200" kern="1200" dirty="0">
+                <a:solidFill>
+                  <a:schemeClr val="tx1"/>
+                </a:solidFill>
+                <a:effectLst/>
+                <a:latin typeface="+mn-lt"/>
+                <a:ea typeface="+mn-ea"/>
+                <a:cs typeface="+mn-cs"/>
+              </a:rPr>
+              <a:t>. </a:t>
+            </a:r>
+            <a:r>
+              <a:rPr lang="ko-KR" altLang="en-US" sz="1200" kern="1200" dirty="0">
+                <a:solidFill>
+                  <a:schemeClr val="tx1"/>
+                </a:solidFill>
+                <a:effectLst/>
+                <a:latin typeface="+mn-lt"/>
+                <a:ea typeface="+mn-ea"/>
+                <a:cs typeface="+mn-cs"/>
+              </a:rPr>
+              <a:t>이는 모델이 이러한 시간 연속 이미지에서 의미 있는 인과 관계 지식을 추출하는 방법을 학습할 수 있고 시각적 신호에서 학습 인과 관계 지식이 현재 미래의 인과관계 지식을 얻기 위한 텍스트 기반 접근에 대한 좋은 보완이 될 수 있음을 보여줍니다</a:t>
+            </a:r>
+            <a:r>
+              <a:rPr lang="en-US" altLang="ko-KR" sz="1200" kern="1200" dirty="0">
+                <a:solidFill>
+                  <a:schemeClr val="tx1"/>
+                </a:solidFill>
+                <a:effectLst/>
+                <a:latin typeface="+mn-lt"/>
+                <a:ea typeface="+mn-ea"/>
+                <a:cs typeface="+mn-cs"/>
+              </a:rPr>
+              <a:t>. </a:t>
+            </a:r>
+            <a:endParaRPr lang="ko-KR" altLang="en-US" sz="1200" kern="1200" dirty="0">
+              <a:solidFill>
+                <a:schemeClr val="tx1"/>
+              </a:solidFill>
+              <a:effectLst/>
+              <a:latin typeface="+mn-lt"/>
+              <a:ea typeface="+mn-ea"/>
+              <a:cs typeface="+mn-cs"/>
+            </a:endParaRPr>
+          </a:p>
+          <a:p>
+            <a:pPr fontAlgn="base" latinLnBrk="1"/>
+            <a:r>
+              <a:rPr lang="en-US" altLang="ko-KR" sz="1200" kern="1200" dirty="0">
+                <a:solidFill>
+                  <a:schemeClr val="tx1"/>
+                </a:solidFill>
+                <a:effectLst/>
+                <a:latin typeface="+mn-lt"/>
+                <a:ea typeface="+mn-ea"/>
+                <a:cs typeface="+mn-cs"/>
+              </a:rPr>
+              <a:t>2. </a:t>
+            </a:r>
+            <a:r>
+              <a:rPr lang="ko-KR" altLang="en-US" sz="1200" kern="1200" dirty="0">
+                <a:solidFill>
+                  <a:schemeClr val="tx1"/>
+                </a:solidFill>
+                <a:effectLst/>
+                <a:latin typeface="+mn-lt"/>
+                <a:ea typeface="+mn-ea"/>
+                <a:cs typeface="+mn-cs"/>
+              </a:rPr>
+              <a:t>컨텍스트 정보의 도움으로 </a:t>
+            </a:r>
+            <a:r>
+              <a:rPr lang="en-US" altLang="ko-KR" sz="1200" kern="1200" dirty="0">
+                <a:solidFill>
+                  <a:schemeClr val="tx1"/>
+                </a:solidFill>
+                <a:effectLst/>
+                <a:latin typeface="+mn-lt"/>
+                <a:ea typeface="+mn-ea"/>
+                <a:cs typeface="+mn-cs"/>
+              </a:rPr>
+              <a:t>VCC</a:t>
+            </a:r>
+            <a:r>
+              <a:rPr lang="ko-KR" altLang="en-US" sz="1200" kern="1200" dirty="0">
+                <a:solidFill>
+                  <a:schemeClr val="tx1"/>
+                </a:solidFill>
+                <a:effectLst/>
+                <a:latin typeface="+mn-lt"/>
+                <a:ea typeface="+mn-ea"/>
+                <a:cs typeface="+mn-cs"/>
+              </a:rPr>
+              <a:t>는 대부분의 실험 설정에서 기준선 </a:t>
+            </a:r>
+            <a:r>
+              <a:rPr lang="en-US" altLang="ko-KR" sz="1200" kern="1200" dirty="0">
+                <a:solidFill>
+                  <a:schemeClr val="tx1"/>
+                </a:solidFill>
+                <a:effectLst/>
+                <a:latin typeface="+mn-lt"/>
+                <a:ea typeface="+mn-ea"/>
+                <a:cs typeface="+mn-cs"/>
+              </a:rPr>
+              <a:t>'</a:t>
+            </a:r>
+            <a:r>
+              <a:rPr lang="ko-KR" altLang="en-US" sz="1200" kern="1200" dirty="0">
+                <a:solidFill>
+                  <a:schemeClr val="tx1"/>
+                </a:solidFill>
+                <a:effectLst/>
+                <a:latin typeface="+mn-lt"/>
+                <a:ea typeface="+mn-ea"/>
+                <a:cs typeface="+mn-cs"/>
+              </a:rPr>
+              <a:t>컨텍스트 없음</a:t>
+            </a:r>
+            <a:r>
+              <a:rPr lang="en-US" altLang="ko-KR" sz="1200" kern="1200" dirty="0">
+                <a:solidFill>
+                  <a:schemeClr val="tx1"/>
+                </a:solidFill>
+                <a:effectLst/>
+                <a:latin typeface="+mn-lt"/>
+                <a:ea typeface="+mn-ea"/>
+                <a:cs typeface="+mn-cs"/>
+              </a:rPr>
+              <a:t>' </a:t>
+            </a:r>
+            <a:r>
+              <a:rPr lang="ko-KR" altLang="en-US" sz="1200" kern="1200" dirty="0">
+                <a:solidFill>
+                  <a:schemeClr val="tx1"/>
+                </a:solidFill>
+                <a:effectLst/>
+                <a:latin typeface="+mn-lt"/>
+                <a:ea typeface="+mn-ea"/>
+                <a:cs typeface="+mn-cs"/>
+              </a:rPr>
+              <a:t>모델을 능가합니다</a:t>
+            </a:r>
+            <a:r>
+              <a:rPr lang="en-US" altLang="ko-KR" sz="1200" kern="1200" dirty="0">
+                <a:solidFill>
+                  <a:schemeClr val="tx1"/>
+                </a:solidFill>
+                <a:effectLst/>
+                <a:latin typeface="+mn-lt"/>
+                <a:ea typeface="+mn-ea"/>
+                <a:cs typeface="+mn-cs"/>
+              </a:rPr>
+              <a:t>. </a:t>
+            </a:r>
+            <a:r>
+              <a:rPr lang="ko-KR" altLang="en-US" sz="1200" kern="1200" dirty="0">
+                <a:solidFill>
+                  <a:schemeClr val="tx1"/>
+                </a:solidFill>
+                <a:effectLst/>
+                <a:latin typeface="+mn-lt"/>
+                <a:ea typeface="+mn-ea"/>
+                <a:cs typeface="+mn-cs"/>
+              </a:rPr>
+              <a:t>이는 컨텍스트의 중요성을 증명하고 일부 인과 관계는 특정 컨텍스트에서만 의미가 있다는 이전 관찰과 일치합니다</a:t>
+            </a:r>
+            <a:r>
+              <a:rPr lang="en-US" altLang="ko-KR" sz="1200" kern="1200" dirty="0">
+                <a:solidFill>
+                  <a:schemeClr val="tx1"/>
+                </a:solidFill>
+                <a:effectLst/>
+                <a:latin typeface="+mn-lt"/>
+                <a:ea typeface="+mn-ea"/>
+                <a:cs typeface="+mn-cs"/>
+              </a:rPr>
+              <a:t>.</a:t>
+            </a:r>
+            <a:endParaRPr lang="ko-KR" altLang="en-US" sz="1200" kern="1200" dirty="0">
+              <a:solidFill>
+                <a:schemeClr val="tx1"/>
+              </a:solidFill>
+              <a:effectLst/>
+              <a:latin typeface="+mn-lt"/>
+              <a:ea typeface="+mn-ea"/>
+              <a:cs typeface="+mn-cs"/>
+            </a:endParaRPr>
+          </a:p>
+          <a:p>
+            <a:pPr fontAlgn="base" latinLnBrk="1"/>
+            <a:r>
+              <a:rPr lang="en-US" altLang="ko-KR" sz="1200" kern="1200" dirty="0">
+                <a:solidFill>
+                  <a:schemeClr val="tx1"/>
+                </a:solidFill>
+                <a:effectLst/>
+                <a:latin typeface="+mn-lt"/>
+                <a:ea typeface="+mn-ea"/>
+                <a:cs typeface="+mn-cs"/>
+              </a:rPr>
+              <a:t>3. </a:t>
+            </a:r>
+            <a:r>
+              <a:rPr lang="ko-KR" altLang="en-US" sz="1200" kern="1200" dirty="0">
+                <a:solidFill>
+                  <a:schemeClr val="tx1"/>
+                </a:solidFill>
+                <a:effectLst/>
+                <a:latin typeface="+mn-lt"/>
+                <a:ea typeface="+mn-ea"/>
+                <a:cs typeface="+mn-cs"/>
+              </a:rPr>
+              <a:t>제안된 </a:t>
+            </a:r>
+            <a:r>
+              <a:rPr lang="en-US" altLang="ko-KR" sz="1200" kern="1200" dirty="0">
+                <a:solidFill>
+                  <a:schemeClr val="tx1"/>
+                </a:solidFill>
+                <a:effectLst/>
+                <a:latin typeface="+mn-lt"/>
+                <a:ea typeface="+mn-ea"/>
+                <a:cs typeface="+mn-cs"/>
+              </a:rPr>
+              <a:t>VCC </a:t>
+            </a:r>
+            <a:r>
+              <a:rPr lang="ko-KR" altLang="en-US" sz="1200" kern="1200" dirty="0">
+                <a:solidFill>
+                  <a:schemeClr val="tx1"/>
+                </a:solidFill>
+                <a:effectLst/>
+                <a:latin typeface="+mn-lt"/>
+                <a:ea typeface="+mn-ea"/>
+                <a:cs typeface="+mn-cs"/>
+              </a:rPr>
+              <a:t>모델은 </a:t>
+            </a:r>
+            <a:r>
+              <a:rPr lang="en-US" altLang="ko-KR" sz="1200" kern="1200" dirty="0">
+                <a:solidFill>
+                  <a:schemeClr val="tx1"/>
+                </a:solidFill>
+                <a:effectLst/>
+                <a:latin typeface="+mn-lt"/>
+                <a:ea typeface="+mn-ea"/>
+                <a:cs typeface="+mn-cs"/>
+              </a:rPr>
+              <a:t>'No Attention' </a:t>
+            </a:r>
+            <a:r>
+              <a:rPr lang="ko-KR" altLang="en-US" sz="1200" kern="1200" dirty="0">
+                <a:solidFill>
+                  <a:schemeClr val="tx1"/>
+                </a:solidFill>
+                <a:effectLst/>
+                <a:latin typeface="+mn-lt"/>
+                <a:ea typeface="+mn-ea"/>
+                <a:cs typeface="+mn-cs"/>
+              </a:rPr>
+              <a:t>모델보다 훨씬 우수한 성능을 보여 물체 감지 모듈에 의해 도입된 노이즈의 영향과 제안된 교차 주의 모듈의 효율성을 보여줍니다</a:t>
+            </a:r>
+            <a:r>
+              <a:rPr lang="en-US" altLang="ko-KR" sz="1200" kern="1200" dirty="0">
+                <a:solidFill>
+                  <a:schemeClr val="tx1"/>
+                </a:solidFill>
+                <a:effectLst/>
+                <a:latin typeface="+mn-lt"/>
+                <a:ea typeface="+mn-ea"/>
+                <a:cs typeface="+mn-cs"/>
+              </a:rPr>
+              <a:t>.</a:t>
+            </a:r>
+            <a:endParaRPr lang="ko-KR" altLang="en-US" sz="1200" kern="1200" dirty="0">
+              <a:solidFill>
+                <a:schemeClr val="tx1"/>
+              </a:solidFill>
+              <a:effectLst/>
+              <a:latin typeface="+mn-lt"/>
+              <a:ea typeface="+mn-ea"/>
+              <a:cs typeface="+mn-cs"/>
+            </a:endParaRPr>
+          </a:p>
+          <a:p>
+            <a:pPr marL="0" marR="0" lvl="0" indent="0" algn="l" defTabSz="914400" rtl="0" eaLnBrk="1" fontAlgn="auto" latinLnBrk="1" hangingPunct="1">
+              <a:lnSpc>
+                <a:spcPct val="100000"/>
+              </a:lnSpc>
+              <a:spcBef>
+                <a:spcPts val="0"/>
+              </a:spcBef>
+              <a:spcAft>
+                <a:spcPts val="0"/>
+              </a:spcAft>
+              <a:buClrTx/>
+              <a:buSzTx/>
+              <a:buFontTx/>
+              <a:buNone/>
+              <a:tabLst/>
+              <a:defRPr/>
+            </a:pPr>
+            <a:r>
+              <a:rPr lang="en-US" altLang="ko-KR" sz="1200" kern="1200" dirty="0">
+                <a:solidFill>
+                  <a:schemeClr val="tx1"/>
+                </a:solidFill>
+                <a:effectLst/>
+                <a:latin typeface="+mn-lt"/>
+                <a:ea typeface="+mn-ea"/>
+                <a:cs typeface="+mn-cs"/>
+              </a:rPr>
+              <a:t>4.</a:t>
+            </a:r>
+            <a:r>
+              <a:rPr lang="ko-KR" altLang="en-US" sz="1200" kern="1200" dirty="0">
+                <a:solidFill>
+                  <a:schemeClr val="tx1"/>
+                </a:solidFill>
+                <a:effectLst/>
+                <a:latin typeface="+mn-lt"/>
+                <a:ea typeface="+mn-ea"/>
+                <a:cs typeface="+mn-cs"/>
+              </a:rPr>
+              <a:t>이벤트 텍스트 표현과 </a:t>
+            </a:r>
+            <a:r>
+              <a:rPr lang="en-US" altLang="ko-KR" sz="1200" kern="1200" dirty="0" err="1">
+                <a:solidFill>
+                  <a:schemeClr val="tx1"/>
+                </a:solidFill>
+                <a:effectLst/>
+                <a:latin typeface="+mn-lt"/>
+                <a:ea typeface="+mn-ea"/>
+                <a:cs typeface="+mn-cs"/>
+              </a:rPr>
+              <a:t>ResNet</a:t>
+            </a:r>
+            <a:r>
+              <a:rPr lang="ko-KR" altLang="en-US" sz="1200" kern="1200" dirty="0">
+                <a:solidFill>
+                  <a:schemeClr val="tx1"/>
+                </a:solidFill>
+                <a:effectLst/>
+                <a:latin typeface="+mn-lt"/>
+                <a:ea typeface="+mn-ea"/>
+                <a:cs typeface="+mn-cs"/>
+              </a:rPr>
+              <a:t>으로 </a:t>
+            </a:r>
+            <a:r>
+              <a:rPr lang="ko-KR" altLang="en-US" sz="1200" kern="1200" dirty="0" err="1">
+                <a:solidFill>
+                  <a:schemeClr val="tx1"/>
+                </a:solidFill>
+                <a:effectLst/>
+                <a:latin typeface="+mn-lt"/>
+                <a:ea typeface="+mn-ea"/>
+                <a:cs typeface="+mn-cs"/>
+              </a:rPr>
+              <a:t>인코딩된</a:t>
+            </a:r>
+            <a:r>
+              <a:rPr lang="ko-KR" altLang="en-US" sz="1200" kern="1200" dirty="0">
+                <a:solidFill>
+                  <a:schemeClr val="tx1"/>
+                </a:solidFill>
+                <a:effectLst/>
+                <a:latin typeface="+mn-lt"/>
+                <a:ea typeface="+mn-ea"/>
+                <a:cs typeface="+mn-cs"/>
+              </a:rPr>
+              <a:t> 이미지 표현이 서로 완벽하게 일치하지 않을 수 있는 서로 다른 의미 공간</a:t>
+            </a:r>
+            <a:r>
+              <a:rPr lang="en-US" altLang="ko-KR" sz="1200" kern="1200" dirty="0">
+                <a:solidFill>
+                  <a:schemeClr val="tx1"/>
+                </a:solidFill>
+                <a:effectLst/>
+                <a:latin typeface="+mn-lt"/>
+                <a:ea typeface="+mn-ea"/>
+                <a:cs typeface="+mn-cs"/>
+              </a:rPr>
+              <a:t>(</a:t>
+            </a:r>
+            <a:r>
+              <a:rPr lang="ko-KR" altLang="en-US" sz="1200" kern="1200" dirty="0">
+                <a:solidFill>
+                  <a:schemeClr val="tx1"/>
+                </a:solidFill>
+                <a:effectLst/>
+                <a:latin typeface="+mn-lt"/>
+                <a:ea typeface="+mn-ea"/>
+                <a:cs typeface="+mn-cs"/>
+              </a:rPr>
+              <a:t>하나는 언어 및 하나는 비전</a:t>
+            </a:r>
+            <a:r>
+              <a:rPr lang="en-US" altLang="ko-KR" sz="1200" kern="1200" dirty="0">
+                <a:solidFill>
+                  <a:schemeClr val="tx1"/>
+                </a:solidFill>
+                <a:effectLst/>
+                <a:latin typeface="+mn-lt"/>
+                <a:ea typeface="+mn-ea"/>
+                <a:cs typeface="+mn-cs"/>
+              </a:rPr>
+              <a:t>)</a:t>
+            </a:r>
+            <a:r>
+              <a:rPr lang="ko-KR" altLang="en-US" sz="1200" kern="1200" dirty="0">
+                <a:solidFill>
+                  <a:schemeClr val="tx1"/>
+                </a:solidFill>
+                <a:effectLst/>
+                <a:latin typeface="+mn-lt"/>
+                <a:ea typeface="+mn-ea"/>
+                <a:cs typeface="+mn-cs"/>
+              </a:rPr>
+              <a:t>에 있는 벡터라는 것입니다</a:t>
+            </a:r>
+            <a:r>
+              <a:rPr lang="en-US" altLang="ko-KR" sz="1200" kern="1200" dirty="0">
+                <a:solidFill>
+                  <a:schemeClr val="tx1"/>
+                </a:solidFill>
+                <a:effectLst/>
+                <a:latin typeface="+mn-lt"/>
+                <a:ea typeface="+mn-ea"/>
+                <a:cs typeface="+mn-cs"/>
+              </a:rPr>
+              <a:t>.</a:t>
+            </a:r>
+            <a:endParaRPr lang="ko-KR" altLang="en-US" sz="1200" kern="1200" dirty="0">
+              <a:solidFill>
+                <a:schemeClr val="tx1"/>
+              </a:solidFill>
+              <a:effectLst/>
+              <a:latin typeface="+mn-lt"/>
+              <a:ea typeface="+mn-ea"/>
+              <a:cs typeface="+mn-cs"/>
+            </a:endParaRPr>
+          </a:p>
+          <a:p>
+            <a:endParaRPr lang="ko-KR" altLang="en-US" dirty="0"/>
+          </a:p>
+        </p:txBody>
+      </p:sp>
+      <p:sp>
+        <p:nvSpPr>
+          <p:cNvPr id="4" name="슬라이드 번호 개체 틀 3"/>
+          <p:cNvSpPr>
+            <a:spLocks noGrp="1"/>
+          </p:cNvSpPr>
+          <p:nvPr>
+            <p:ph type="sldNum" sz="quarter" idx="5"/>
+          </p:nvPr>
+        </p:nvSpPr>
+        <p:spPr/>
+        <p:txBody>
+          <a:bodyPr/>
+          <a:lstStyle/>
+          <a:p>
+            <a:fld id="{5FAAA766-79CA-47E4-9E45-0D897C7C3898}" type="slidenum">
+              <a:rPr lang="ko-KR" altLang="en-US" smtClean="0"/>
+              <a:t>10</a:t>
+            </a:fld>
+            <a:endParaRPr lang="ko-KR" altLang="en-US"/>
+          </a:p>
+        </p:txBody>
+      </p:sp>
+    </p:spTree>
+    <p:extLst>
+      <p:ext uri="{BB962C8B-B14F-4D97-AF65-F5344CB8AC3E}">
+        <p14:creationId xmlns:p14="http://schemas.microsoft.com/office/powerpoint/2010/main" val="3126392580"/>
+      </p:ext>
+    </p:extLst>
+  </p:cSld>
+  <p:clrMapOvr>
+    <a:masterClrMapping/>
+  </p:clrMapOvr>
+</p:notes>
+</file>
+
+<file path=ppt/notesSlides/notesSlide3.xml><?xml version="1.0" encoding="utf-8"?>
+<p:notes xmlns:a="http://schemas.openxmlformats.org/drawingml/2006/main" xmlns:r="http://schemas.openxmlformats.org/officeDocument/2006/relationships" xmlns:p="http://schemas.openxmlformats.org/presentationml/2006/main">
+  <p:cSld>
+    <p:spTree>
+      <p:nvGrpSpPr>
+        <p:cNvPr id="1" name=""/>
+        <p:cNvGrpSpPr/>
+        <p:nvPr/>
+      </p:nvGrpSpPr>
+      <p:grpSpPr>
+        <a:xfrm>
+          <a:off x="0" y="0"/>
+          <a:ext cx="0" cy="0"/>
+          <a:chOff x="0" y="0"/>
+          <a:chExt cx="0" cy="0"/>
+        </a:xfrm>
+      </p:grpSpPr>
+      <p:sp>
+        <p:nvSpPr>
+          <p:cNvPr id="2" name="슬라이드 이미지 개체 틀 1"/>
+          <p:cNvSpPr>
+            <a:spLocks noGrp="1" noRot="1" noChangeAspect="1"/>
+          </p:cNvSpPr>
+          <p:nvPr>
+            <p:ph type="sldImg"/>
+          </p:nvPr>
+        </p:nvSpPr>
+        <p:spPr/>
+      </p:sp>
+      <p:sp>
+        <p:nvSpPr>
+          <p:cNvPr id="3" name="슬라이드 노트 개체 틀 2"/>
+          <p:cNvSpPr>
+            <a:spLocks noGrp="1"/>
+          </p:cNvSpPr>
+          <p:nvPr>
+            <p:ph type="body" idx="1"/>
+          </p:nvPr>
+        </p:nvSpPr>
+        <p:spPr/>
+        <p:txBody>
+          <a:bodyPr/>
+          <a:lstStyle/>
+          <a:p>
+            <a:pPr fontAlgn="base" latinLnBrk="1"/>
+            <a:r>
+              <a:rPr lang="en-US" altLang="ko-KR" sz="1200" kern="1200" dirty="0">
+                <a:solidFill>
+                  <a:schemeClr val="tx1"/>
+                </a:solidFill>
+                <a:effectLst/>
+                <a:latin typeface="+mn-lt"/>
+                <a:ea typeface="+mn-ea"/>
+                <a:cs typeface="+mn-cs"/>
+              </a:rPr>
+              <a:t>1. </a:t>
+            </a:r>
+            <a:r>
+              <a:rPr lang="ko-KR" altLang="en-US" sz="1200" kern="1200" dirty="0">
+                <a:solidFill>
+                  <a:schemeClr val="tx1"/>
+                </a:solidFill>
+                <a:effectLst/>
+                <a:latin typeface="+mn-lt"/>
+                <a:ea typeface="+mn-ea"/>
+                <a:cs typeface="+mn-cs"/>
+              </a:rPr>
+              <a:t>모든 모델은 거의 모든 설정에서 </a:t>
+            </a:r>
+            <a:r>
+              <a:rPr lang="en-US" altLang="ko-KR" sz="1200" kern="1200" dirty="0">
+                <a:solidFill>
+                  <a:schemeClr val="tx1"/>
+                </a:solidFill>
+                <a:effectLst/>
+                <a:latin typeface="+mn-lt"/>
+                <a:ea typeface="+mn-ea"/>
+                <a:cs typeface="+mn-cs"/>
+              </a:rPr>
+              <a:t>"</a:t>
+            </a:r>
+            <a:r>
+              <a:rPr lang="ko-KR" altLang="en-US" sz="1200" kern="1200" dirty="0">
+                <a:solidFill>
+                  <a:schemeClr val="tx1"/>
+                </a:solidFill>
+                <a:effectLst/>
+                <a:latin typeface="+mn-lt"/>
+                <a:ea typeface="+mn-ea"/>
+                <a:cs typeface="+mn-cs"/>
+              </a:rPr>
+              <a:t>무작위 추측</a:t>
+            </a:r>
+            <a:r>
+              <a:rPr lang="en-US" altLang="ko-KR" sz="1200" kern="1200" dirty="0">
+                <a:solidFill>
+                  <a:schemeClr val="tx1"/>
+                </a:solidFill>
+                <a:effectLst/>
+                <a:latin typeface="+mn-lt"/>
+                <a:ea typeface="+mn-ea"/>
+                <a:cs typeface="+mn-cs"/>
+              </a:rPr>
+              <a:t>" </a:t>
+            </a:r>
+            <a:r>
+              <a:rPr lang="ko-KR" altLang="en-US" sz="1200" kern="1200" dirty="0">
+                <a:solidFill>
+                  <a:schemeClr val="tx1"/>
+                </a:solidFill>
+                <a:effectLst/>
+                <a:latin typeface="+mn-lt"/>
+                <a:ea typeface="+mn-ea"/>
+                <a:cs typeface="+mn-cs"/>
+              </a:rPr>
+              <a:t>기준선을 크게 능가합니다</a:t>
+            </a:r>
+            <a:r>
+              <a:rPr lang="en-US" altLang="ko-KR" sz="1200" kern="1200" dirty="0">
+                <a:solidFill>
+                  <a:schemeClr val="tx1"/>
+                </a:solidFill>
+                <a:effectLst/>
+                <a:latin typeface="+mn-lt"/>
+                <a:ea typeface="+mn-ea"/>
+                <a:cs typeface="+mn-cs"/>
+              </a:rPr>
+              <a:t>. </a:t>
+            </a:r>
+            <a:r>
+              <a:rPr lang="ko-KR" altLang="en-US" sz="1200" kern="1200" dirty="0">
+                <a:solidFill>
+                  <a:schemeClr val="tx1"/>
+                </a:solidFill>
+                <a:effectLst/>
+                <a:latin typeface="+mn-lt"/>
+                <a:ea typeface="+mn-ea"/>
+                <a:cs typeface="+mn-cs"/>
+              </a:rPr>
+              <a:t>이는 모델이 이러한 시간 연속 이미지에서 의미 있는 인과 관계 지식을 추출하는 방법을 학습할 수 있고 시각적 신호에서 학습 인과 관계 지식이 현재 미래의 인과관계 지식을 얻기 위한 텍스트 기반 접근에 대한 좋은 보완이 될 수 있음을 보여줍니다</a:t>
+            </a:r>
+            <a:r>
+              <a:rPr lang="en-US" altLang="ko-KR" sz="1200" kern="1200" dirty="0">
+                <a:solidFill>
+                  <a:schemeClr val="tx1"/>
+                </a:solidFill>
+                <a:effectLst/>
+                <a:latin typeface="+mn-lt"/>
+                <a:ea typeface="+mn-ea"/>
+                <a:cs typeface="+mn-cs"/>
+              </a:rPr>
+              <a:t>. </a:t>
+            </a:r>
+            <a:endParaRPr lang="ko-KR" altLang="en-US" sz="1200" kern="1200" dirty="0">
+              <a:solidFill>
+                <a:schemeClr val="tx1"/>
+              </a:solidFill>
+              <a:effectLst/>
+              <a:latin typeface="+mn-lt"/>
+              <a:ea typeface="+mn-ea"/>
+              <a:cs typeface="+mn-cs"/>
+            </a:endParaRPr>
+          </a:p>
+          <a:p>
+            <a:pPr fontAlgn="base" latinLnBrk="1"/>
+            <a:r>
+              <a:rPr lang="en-US" altLang="ko-KR" sz="1200" kern="1200" dirty="0">
+                <a:solidFill>
+                  <a:schemeClr val="tx1"/>
+                </a:solidFill>
+                <a:effectLst/>
+                <a:latin typeface="+mn-lt"/>
+                <a:ea typeface="+mn-ea"/>
+                <a:cs typeface="+mn-cs"/>
+              </a:rPr>
+              <a:t>2. </a:t>
+            </a:r>
+            <a:r>
+              <a:rPr lang="ko-KR" altLang="en-US" sz="1200" kern="1200" dirty="0">
+                <a:solidFill>
+                  <a:schemeClr val="tx1"/>
+                </a:solidFill>
+                <a:effectLst/>
+                <a:latin typeface="+mn-lt"/>
+                <a:ea typeface="+mn-ea"/>
+                <a:cs typeface="+mn-cs"/>
+              </a:rPr>
+              <a:t>컨텍스트 정보의 도움으로 </a:t>
+            </a:r>
+            <a:r>
+              <a:rPr lang="en-US" altLang="ko-KR" sz="1200" kern="1200" dirty="0">
+                <a:solidFill>
+                  <a:schemeClr val="tx1"/>
+                </a:solidFill>
+                <a:effectLst/>
+                <a:latin typeface="+mn-lt"/>
+                <a:ea typeface="+mn-ea"/>
+                <a:cs typeface="+mn-cs"/>
+              </a:rPr>
+              <a:t>VCC</a:t>
+            </a:r>
+            <a:r>
+              <a:rPr lang="ko-KR" altLang="en-US" sz="1200" kern="1200" dirty="0">
+                <a:solidFill>
+                  <a:schemeClr val="tx1"/>
+                </a:solidFill>
+                <a:effectLst/>
+                <a:latin typeface="+mn-lt"/>
+                <a:ea typeface="+mn-ea"/>
+                <a:cs typeface="+mn-cs"/>
+              </a:rPr>
+              <a:t>는 대부분의 실험 설정에서 기준선 </a:t>
+            </a:r>
+            <a:r>
+              <a:rPr lang="en-US" altLang="ko-KR" sz="1200" kern="1200" dirty="0">
+                <a:solidFill>
+                  <a:schemeClr val="tx1"/>
+                </a:solidFill>
+                <a:effectLst/>
+                <a:latin typeface="+mn-lt"/>
+                <a:ea typeface="+mn-ea"/>
+                <a:cs typeface="+mn-cs"/>
+              </a:rPr>
+              <a:t>'</a:t>
+            </a:r>
+            <a:r>
+              <a:rPr lang="ko-KR" altLang="en-US" sz="1200" kern="1200" dirty="0">
+                <a:solidFill>
+                  <a:schemeClr val="tx1"/>
+                </a:solidFill>
+                <a:effectLst/>
+                <a:latin typeface="+mn-lt"/>
+                <a:ea typeface="+mn-ea"/>
+                <a:cs typeface="+mn-cs"/>
+              </a:rPr>
+              <a:t>컨텍스트 없음</a:t>
+            </a:r>
+            <a:r>
+              <a:rPr lang="en-US" altLang="ko-KR" sz="1200" kern="1200" dirty="0">
+                <a:solidFill>
+                  <a:schemeClr val="tx1"/>
+                </a:solidFill>
+                <a:effectLst/>
+                <a:latin typeface="+mn-lt"/>
+                <a:ea typeface="+mn-ea"/>
+                <a:cs typeface="+mn-cs"/>
+              </a:rPr>
+              <a:t>' </a:t>
+            </a:r>
+            <a:r>
+              <a:rPr lang="ko-KR" altLang="en-US" sz="1200" kern="1200" dirty="0">
+                <a:solidFill>
+                  <a:schemeClr val="tx1"/>
+                </a:solidFill>
+                <a:effectLst/>
+                <a:latin typeface="+mn-lt"/>
+                <a:ea typeface="+mn-ea"/>
+                <a:cs typeface="+mn-cs"/>
+              </a:rPr>
+              <a:t>모델을 능가합니다</a:t>
+            </a:r>
+            <a:r>
+              <a:rPr lang="en-US" altLang="ko-KR" sz="1200" kern="1200" dirty="0">
+                <a:solidFill>
+                  <a:schemeClr val="tx1"/>
+                </a:solidFill>
+                <a:effectLst/>
+                <a:latin typeface="+mn-lt"/>
+                <a:ea typeface="+mn-ea"/>
+                <a:cs typeface="+mn-cs"/>
+              </a:rPr>
+              <a:t>. </a:t>
+            </a:r>
+            <a:r>
+              <a:rPr lang="ko-KR" altLang="en-US" sz="1200" kern="1200" dirty="0">
+                <a:solidFill>
+                  <a:schemeClr val="tx1"/>
+                </a:solidFill>
+                <a:effectLst/>
+                <a:latin typeface="+mn-lt"/>
+                <a:ea typeface="+mn-ea"/>
+                <a:cs typeface="+mn-cs"/>
+              </a:rPr>
+              <a:t>이는 컨텍스트의 중요성을 증명하고 일부 인과 관계는 특정 컨텍스트에서만 의미가 있다는 이전 관찰과 일치합니다</a:t>
+            </a:r>
+            <a:r>
+              <a:rPr lang="en-US" altLang="ko-KR" sz="1200" kern="1200" dirty="0">
+                <a:solidFill>
+                  <a:schemeClr val="tx1"/>
+                </a:solidFill>
+                <a:effectLst/>
+                <a:latin typeface="+mn-lt"/>
+                <a:ea typeface="+mn-ea"/>
+                <a:cs typeface="+mn-cs"/>
+              </a:rPr>
+              <a:t>.</a:t>
+            </a:r>
+            <a:endParaRPr lang="ko-KR" altLang="en-US" sz="1200" kern="1200" dirty="0">
+              <a:solidFill>
+                <a:schemeClr val="tx1"/>
+              </a:solidFill>
+              <a:effectLst/>
+              <a:latin typeface="+mn-lt"/>
+              <a:ea typeface="+mn-ea"/>
+              <a:cs typeface="+mn-cs"/>
+            </a:endParaRPr>
+          </a:p>
+          <a:p>
+            <a:pPr fontAlgn="base" latinLnBrk="1"/>
+            <a:r>
+              <a:rPr lang="en-US" altLang="ko-KR" sz="1200" kern="1200" dirty="0">
+                <a:solidFill>
+                  <a:schemeClr val="tx1"/>
+                </a:solidFill>
+                <a:effectLst/>
+                <a:latin typeface="+mn-lt"/>
+                <a:ea typeface="+mn-ea"/>
+                <a:cs typeface="+mn-cs"/>
+              </a:rPr>
+              <a:t>3. </a:t>
+            </a:r>
+            <a:r>
+              <a:rPr lang="ko-KR" altLang="en-US" sz="1200" kern="1200" dirty="0">
+                <a:solidFill>
+                  <a:schemeClr val="tx1"/>
+                </a:solidFill>
+                <a:effectLst/>
+                <a:latin typeface="+mn-lt"/>
+                <a:ea typeface="+mn-ea"/>
+                <a:cs typeface="+mn-cs"/>
+              </a:rPr>
+              <a:t>제안된 </a:t>
+            </a:r>
+            <a:r>
+              <a:rPr lang="en-US" altLang="ko-KR" sz="1200" kern="1200" dirty="0">
+                <a:solidFill>
+                  <a:schemeClr val="tx1"/>
+                </a:solidFill>
+                <a:effectLst/>
+                <a:latin typeface="+mn-lt"/>
+                <a:ea typeface="+mn-ea"/>
+                <a:cs typeface="+mn-cs"/>
+              </a:rPr>
+              <a:t>VCC </a:t>
+            </a:r>
+            <a:r>
+              <a:rPr lang="ko-KR" altLang="en-US" sz="1200" kern="1200" dirty="0">
+                <a:solidFill>
+                  <a:schemeClr val="tx1"/>
+                </a:solidFill>
+                <a:effectLst/>
+                <a:latin typeface="+mn-lt"/>
+                <a:ea typeface="+mn-ea"/>
+                <a:cs typeface="+mn-cs"/>
+              </a:rPr>
+              <a:t>모델은 </a:t>
+            </a:r>
+            <a:r>
+              <a:rPr lang="en-US" altLang="ko-KR" sz="1200" kern="1200" dirty="0">
+                <a:solidFill>
+                  <a:schemeClr val="tx1"/>
+                </a:solidFill>
+                <a:effectLst/>
+                <a:latin typeface="+mn-lt"/>
+                <a:ea typeface="+mn-ea"/>
+                <a:cs typeface="+mn-cs"/>
+              </a:rPr>
+              <a:t>'No Attention' </a:t>
+            </a:r>
+            <a:r>
+              <a:rPr lang="ko-KR" altLang="en-US" sz="1200" kern="1200" dirty="0">
+                <a:solidFill>
+                  <a:schemeClr val="tx1"/>
+                </a:solidFill>
+                <a:effectLst/>
+                <a:latin typeface="+mn-lt"/>
+                <a:ea typeface="+mn-ea"/>
+                <a:cs typeface="+mn-cs"/>
+              </a:rPr>
+              <a:t>모델보다 훨씬 우수한 성능을 보여 물체 감지 모듈에 의해 도입된 노이즈의 영향과 제안된 교차 주의 모듈의 효율성을 보여줍니다</a:t>
+            </a:r>
+            <a:r>
+              <a:rPr lang="en-US" altLang="ko-KR" sz="1200" kern="1200" dirty="0">
+                <a:solidFill>
+                  <a:schemeClr val="tx1"/>
+                </a:solidFill>
+                <a:effectLst/>
+                <a:latin typeface="+mn-lt"/>
+                <a:ea typeface="+mn-ea"/>
+                <a:cs typeface="+mn-cs"/>
+              </a:rPr>
+              <a:t>.</a:t>
+            </a:r>
+            <a:endParaRPr lang="ko-KR" altLang="en-US" sz="1200" kern="1200" dirty="0">
+              <a:solidFill>
+                <a:schemeClr val="tx1"/>
+              </a:solidFill>
+              <a:effectLst/>
+              <a:latin typeface="+mn-lt"/>
+              <a:ea typeface="+mn-ea"/>
+              <a:cs typeface="+mn-cs"/>
+            </a:endParaRPr>
+          </a:p>
+          <a:p>
+            <a:pPr marL="0" marR="0" lvl="0" indent="0" algn="l" defTabSz="914400" rtl="0" eaLnBrk="1" fontAlgn="auto" latinLnBrk="1" hangingPunct="1">
+              <a:lnSpc>
+                <a:spcPct val="100000"/>
+              </a:lnSpc>
+              <a:spcBef>
+                <a:spcPts val="0"/>
+              </a:spcBef>
+              <a:spcAft>
+                <a:spcPts val="0"/>
+              </a:spcAft>
+              <a:buClrTx/>
+              <a:buSzTx/>
+              <a:buFontTx/>
+              <a:buNone/>
+              <a:tabLst/>
+              <a:defRPr/>
+            </a:pPr>
+            <a:r>
+              <a:rPr lang="en-US" altLang="ko-KR" sz="1200" kern="1200" dirty="0">
+                <a:solidFill>
+                  <a:schemeClr val="tx1"/>
+                </a:solidFill>
+                <a:effectLst/>
+                <a:latin typeface="+mn-lt"/>
+                <a:ea typeface="+mn-ea"/>
+                <a:cs typeface="+mn-cs"/>
+              </a:rPr>
+              <a:t>4.</a:t>
+            </a:r>
+            <a:r>
+              <a:rPr lang="ko-KR" altLang="en-US" sz="1200" kern="1200" dirty="0">
+                <a:solidFill>
+                  <a:schemeClr val="tx1"/>
+                </a:solidFill>
+                <a:effectLst/>
+                <a:latin typeface="+mn-lt"/>
+                <a:ea typeface="+mn-ea"/>
+                <a:cs typeface="+mn-cs"/>
+              </a:rPr>
+              <a:t>이벤트 텍스트 표현과 </a:t>
+            </a:r>
+            <a:r>
+              <a:rPr lang="en-US" altLang="ko-KR" sz="1200" kern="1200" dirty="0" err="1">
+                <a:solidFill>
+                  <a:schemeClr val="tx1"/>
+                </a:solidFill>
+                <a:effectLst/>
+                <a:latin typeface="+mn-lt"/>
+                <a:ea typeface="+mn-ea"/>
+                <a:cs typeface="+mn-cs"/>
+              </a:rPr>
+              <a:t>ResNet</a:t>
+            </a:r>
+            <a:r>
+              <a:rPr lang="ko-KR" altLang="en-US" sz="1200" kern="1200" dirty="0">
+                <a:solidFill>
+                  <a:schemeClr val="tx1"/>
+                </a:solidFill>
+                <a:effectLst/>
+                <a:latin typeface="+mn-lt"/>
+                <a:ea typeface="+mn-ea"/>
+                <a:cs typeface="+mn-cs"/>
+              </a:rPr>
+              <a:t>으로 </a:t>
+            </a:r>
+            <a:r>
+              <a:rPr lang="ko-KR" altLang="en-US" sz="1200" kern="1200" dirty="0" err="1">
+                <a:solidFill>
+                  <a:schemeClr val="tx1"/>
+                </a:solidFill>
+                <a:effectLst/>
+                <a:latin typeface="+mn-lt"/>
+                <a:ea typeface="+mn-ea"/>
+                <a:cs typeface="+mn-cs"/>
+              </a:rPr>
+              <a:t>인코딩된</a:t>
+            </a:r>
+            <a:r>
+              <a:rPr lang="ko-KR" altLang="en-US" sz="1200" kern="1200" dirty="0">
+                <a:solidFill>
+                  <a:schemeClr val="tx1"/>
+                </a:solidFill>
+                <a:effectLst/>
+                <a:latin typeface="+mn-lt"/>
+                <a:ea typeface="+mn-ea"/>
+                <a:cs typeface="+mn-cs"/>
+              </a:rPr>
+              <a:t> 이미지 표현이 서로 완벽하게 일치하지 않을 수 있는 서로 다른 의미 공간</a:t>
+            </a:r>
+            <a:r>
+              <a:rPr lang="en-US" altLang="ko-KR" sz="1200" kern="1200" dirty="0">
+                <a:solidFill>
+                  <a:schemeClr val="tx1"/>
+                </a:solidFill>
+                <a:effectLst/>
+                <a:latin typeface="+mn-lt"/>
+                <a:ea typeface="+mn-ea"/>
+                <a:cs typeface="+mn-cs"/>
+              </a:rPr>
+              <a:t>(</a:t>
+            </a:r>
+            <a:r>
+              <a:rPr lang="ko-KR" altLang="en-US" sz="1200" kern="1200" dirty="0">
+                <a:solidFill>
+                  <a:schemeClr val="tx1"/>
+                </a:solidFill>
+                <a:effectLst/>
+                <a:latin typeface="+mn-lt"/>
+                <a:ea typeface="+mn-ea"/>
+                <a:cs typeface="+mn-cs"/>
+              </a:rPr>
+              <a:t>하나는 언어 및 하나는 비전</a:t>
+            </a:r>
+            <a:r>
+              <a:rPr lang="en-US" altLang="ko-KR" sz="1200" kern="1200" dirty="0">
+                <a:solidFill>
+                  <a:schemeClr val="tx1"/>
+                </a:solidFill>
+                <a:effectLst/>
+                <a:latin typeface="+mn-lt"/>
+                <a:ea typeface="+mn-ea"/>
+                <a:cs typeface="+mn-cs"/>
+              </a:rPr>
+              <a:t>)</a:t>
+            </a:r>
+            <a:r>
+              <a:rPr lang="ko-KR" altLang="en-US" sz="1200" kern="1200" dirty="0">
+                <a:solidFill>
+                  <a:schemeClr val="tx1"/>
+                </a:solidFill>
+                <a:effectLst/>
+                <a:latin typeface="+mn-lt"/>
+                <a:ea typeface="+mn-ea"/>
+                <a:cs typeface="+mn-cs"/>
+              </a:rPr>
+              <a:t>에 있는 벡터라는 것입니다</a:t>
+            </a:r>
+            <a:r>
+              <a:rPr lang="en-US" altLang="ko-KR" sz="1200" kern="1200" dirty="0">
+                <a:solidFill>
+                  <a:schemeClr val="tx1"/>
+                </a:solidFill>
+                <a:effectLst/>
+                <a:latin typeface="+mn-lt"/>
+                <a:ea typeface="+mn-ea"/>
+                <a:cs typeface="+mn-cs"/>
+              </a:rPr>
+              <a:t>.</a:t>
+            </a:r>
+            <a:endParaRPr lang="ko-KR" altLang="en-US" sz="1200" kern="1200" dirty="0">
+              <a:solidFill>
+                <a:schemeClr val="tx1"/>
+              </a:solidFill>
+              <a:effectLst/>
+              <a:latin typeface="+mn-lt"/>
+              <a:ea typeface="+mn-ea"/>
+              <a:cs typeface="+mn-cs"/>
+            </a:endParaRPr>
+          </a:p>
+          <a:p>
+            <a:endParaRPr lang="ko-KR" altLang="en-US" dirty="0"/>
+          </a:p>
+        </p:txBody>
+      </p:sp>
+      <p:sp>
+        <p:nvSpPr>
+          <p:cNvPr id="4" name="슬라이드 번호 개체 틀 3"/>
+          <p:cNvSpPr>
+            <a:spLocks noGrp="1"/>
+          </p:cNvSpPr>
+          <p:nvPr>
+            <p:ph type="sldNum" sz="quarter" idx="5"/>
+          </p:nvPr>
+        </p:nvSpPr>
+        <p:spPr/>
+        <p:txBody>
+          <a:bodyPr/>
+          <a:lstStyle/>
+          <a:p>
+            <a:fld id="{5FAAA766-79CA-47E4-9E45-0D897C7C3898}" type="slidenum">
+              <a:rPr lang="ko-KR" altLang="en-US" smtClean="0"/>
+              <a:t>11</a:t>
+            </a:fld>
+            <a:endParaRPr lang="ko-KR" altLang="en-US"/>
+          </a:p>
+        </p:txBody>
+      </p:sp>
+    </p:spTree>
+    <p:extLst>
+      <p:ext uri="{BB962C8B-B14F-4D97-AF65-F5344CB8AC3E}">
+        <p14:creationId xmlns:p14="http://schemas.microsoft.com/office/powerpoint/2010/main" val="478644654"/>
+      </p:ext>
+    </p:extLst>
+  </p:cSld>
+  <p:clrMapOvr>
+    <a:masterClrMapping/>
+  </p:clrMapOvr>
+</p:notes>
+</file>
+
+<file path=ppt/notesSlides/notesSlide4.xml><?xml version="1.0" encoding="utf-8"?>
+<p:notes xmlns:a="http://schemas.openxmlformats.org/drawingml/2006/main" xmlns:r="http://schemas.openxmlformats.org/officeDocument/2006/relationships" xmlns:p="http://schemas.openxmlformats.org/presentationml/2006/main">
+  <p:cSld>
+    <p:spTree>
+      <p:nvGrpSpPr>
+        <p:cNvPr id="1" name=""/>
+        <p:cNvGrpSpPr/>
+        <p:nvPr/>
+      </p:nvGrpSpPr>
+      <p:grpSpPr>
+        <a:xfrm>
+          <a:off x="0" y="0"/>
+          <a:ext cx="0" cy="0"/>
+          <a:chOff x="0" y="0"/>
+          <a:chExt cx="0" cy="0"/>
+        </a:xfrm>
+      </p:grpSpPr>
+      <p:sp>
+        <p:nvSpPr>
+          <p:cNvPr id="2" name="슬라이드 이미지 개체 틀 1"/>
+          <p:cNvSpPr>
+            <a:spLocks noGrp="1" noRot="1" noChangeAspect="1"/>
+          </p:cNvSpPr>
+          <p:nvPr>
+            <p:ph type="sldImg"/>
+          </p:nvPr>
+        </p:nvSpPr>
+        <p:spPr/>
+      </p:sp>
+      <p:sp>
+        <p:nvSpPr>
+          <p:cNvPr id="3" name="슬라이드 노트 개체 틀 2"/>
+          <p:cNvSpPr>
+            <a:spLocks noGrp="1"/>
+          </p:cNvSpPr>
+          <p:nvPr>
+            <p:ph type="body" idx="1"/>
+          </p:nvPr>
+        </p:nvSpPr>
+        <p:spPr/>
+        <p:txBody>
+          <a:bodyPr/>
+          <a:lstStyle/>
+          <a:p>
+            <a:pPr fontAlgn="base" latinLnBrk="1"/>
+            <a:r>
+              <a:rPr lang="en-US" altLang="ko-KR" sz="1200" kern="1200" dirty="0">
+                <a:solidFill>
+                  <a:schemeClr val="tx1"/>
+                </a:solidFill>
+                <a:effectLst/>
+                <a:latin typeface="+mn-lt"/>
+                <a:ea typeface="+mn-ea"/>
+                <a:cs typeface="+mn-cs"/>
+              </a:rPr>
+              <a:t>1. </a:t>
+            </a:r>
+            <a:r>
+              <a:rPr lang="ko-KR" altLang="en-US" sz="1200" kern="1200" dirty="0">
+                <a:solidFill>
+                  <a:schemeClr val="tx1"/>
+                </a:solidFill>
+                <a:effectLst/>
+                <a:latin typeface="+mn-lt"/>
+                <a:ea typeface="+mn-ea"/>
+                <a:cs typeface="+mn-cs"/>
+              </a:rPr>
+              <a:t>모든 모델은 거의 모든 설정에서 </a:t>
+            </a:r>
+            <a:r>
+              <a:rPr lang="en-US" altLang="ko-KR" sz="1200" kern="1200" dirty="0">
+                <a:solidFill>
+                  <a:schemeClr val="tx1"/>
+                </a:solidFill>
+                <a:effectLst/>
+                <a:latin typeface="+mn-lt"/>
+                <a:ea typeface="+mn-ea"/>
+                <a:cs typeface="+mn-cs"/>
+              </a:rPr>
+              <a:t>"</a:t>
+            </a:r>
+            <a:r>
+              <a:rPr lang="ko-KR" altLang="en-US" sz="1200" kern="1200" dirty="0">
+                <a:solidFill>
+                  <a:schemeClr val="tx1"/>
+                </a:solidFill>
+                <a:effectLst/>
+                <a:latin typeface="+mn-lt"/>
+                <a:ea typeface="+mn-ea"/>
+                <a:cs typeface="+mn-cs"/>
+              </a:rPr>
+              <a:t>무작위 추측</a:t>
+            </a:r>
+            <a:r>
+              <a:rPr lang="en-US" altLang="ko-KR" sz="1200" kern="1200" dirty="0">
+                <a:solidFill>
+                  <a:schemeClr val="tx1"/>
+                </a:solidFill>
+                <a:effectLst/>
+                <a:latin typeface="+mn-lt"/>
+                <a:ea typeface="+mn-ea"/>
+                <a:cs typeface="+mn-cs"/>
+              </a:rPr>
+              <a:t>" </a:t>
+            </a:r>
+            <a:r>
+              <a:rPr lang="ko-KR" altLang="en-US" sz="1200" kern="1200" dirty="0">
+                <a:solidFill>
+                  <a:schemeClr val="tx1"/>
+                </a:solidFill>
+                <a:effectLst/>
+                <a:latin typeface="+mn-lt"/>
+                <a:ea typeface="+mn-ea"/>
+                <a:cs typeface="+mn-cs"/>
+              </a:rPr>
+              <a:t>기준선을 크게 능가합니다</a:t>
+            </a:r>
+            <a:r>
+              <a:rPr lang="en-US" altLang="ko-KR" sz="1200" kern="1200" dirty="0">
+                <a:solidFill>
+                  <a:schemeClr val="tx1"/>
+                </a:solidFill>
+                <a:effectLst/>
+                <a:latin typeface="+mn-lt"/>
+                <a:ea typeface="+mn-ea"/>
+                <a:cs typeface="+mn-cs"/>
+              </a:rPr>
+              <a:t>. </a:t>
+            </a:r>
+            <a:r>
+              <a:rPr lang="ko-KR" altLang="en-US" sz="1200" kern="1200" dirty="0">
+                <a:solidFill>
+                  <a:schemeClr val="tx1"/>
+                </a:solidFill>
+                <a:effectLst/>
+                <a:latin typeface="+mn-lt"/>
+                <a:ea typeface="+mn-ea"/>
+                <a:cs typeface="+mn-cs"/>
+              </a:rPr>
+              <a:t>이는 모델이 이러한 시간 연속 이미지에서 의미 있는 인과 관계 지식을 추출하는 방법을 학습할 수 있고 시각적 신호에서 학습 인과 관계 지식이 현재 미래의 인과관계 지식을 얻기 위한 텍스트 기반 접근에 대한 좋은 보완이 될 수 있음을 보여줍니다</a:t>
+            </a:r>
+            <a:r>
+              <a:rPr lang="en-US" altLang="ko-KR" sz="1200" kern="1200" dirty="0">
+                <a:solidFill>
+                  <a:schemeClr val="tx1"/>
+                </a:solidFill>
+                <a:effectLst/>
+                <a:latin typeface="+mn-lt"/>
+                <a:ea typeface="+mn-ea"/>
+                <a:cs typeface="+mn-cs"/>
+              </a:rPr>
+              <a:t>. </a:t>
+            </a:r>
+            <a:endParaRPr lang="ko-KR" altLang="en-US" sz="1200" kern="1200" dirty="0">
+              <a:solidFill>
+                <a:schemeClr val="tx1"/>
+              </a:solidFill>
+              <a:effectLst/>
+              <a:latin typeface="+mn-lt"/>
+              <a:ea typeface="+mn-ea"/>
+              <a:cs typeface="+mn-cs"/>
+            </a:endParaRPr>
+          </a:p>
+          <a:p>
+            <a:pPr fontAlgn="base" latinLnBrk="1"/>
+            <a:r>
+              <a:rPr lang="en-US" altLang="ko-KR" sz="1200" kern="1200" dirty="0">
+                <a:solidFill>
+                  <a:schemeClr val="tx1"/>
+                </a:solidFill>
+                <a:effectLst/>
+                <a:latin typeface="+mn-lt"/>
+                <a:ea typeface="+mn-ea"/>
+                <a:cs typeface="+mn-cs"/>
+              </a:rPr>
+              <a:t>2. </a:t>
+            </a:r>
+            <a:r>
+              <a:rPr lang="ko-KR" altLang="en-US" sz="1200" kern="1200" dirty="0">
+                <a:solidFill>
+                  <a:schemeClr val="tx1"/>
+                </a:solidFill>
+                <a:effectLst/>
+                <a:latin typeface="+mn-lt"/>
+                <a:ea typeface="+mn-ea"/>
+                <a:cs typeface="+mn-cs"/>
+              </a:rPr>
+              <a:t>컨텍스트 정보의 도움으로 </a:t>
+            </a:r>
+            <a:r>
+              <a:rPr lang="en-US" altLang="ko-KR" sz="1200" kern="1200" dirty="0">
+                <a:solidFill>
+                  <a:schemeClr val="tx1"/>
+                </a:solidFill>
+                <a:effectLst/>
+                <a:latin typeface="+mn-lt"/>
+                <a:ea typeface="+mn-ea"/>
+                <a:cs typeface="+mn-cs"/>
+              </a:rPr>
+              <a:t>VCC</a:t>
+            </a:r>
+            <a:r>
+              <a:rPr lang="ko-KR" altLang="en-US" sz="1200" kern="1200" dirty="0">
+                <a:solidFill>
+                  <a:schemeClr val="tx1"/>
+                </a:solidFill>
+                <a:effectLst/>
+                <a:latin typeface="+mn-lt"/>
+                <a:ea typeface="+mn-ea"/>
+                <a:cs typeface="+mn-cs"/>
+              </a:rPr>
+              <a:t>는 대부분의 실험 설정에서 기준선 </a:t>
+            </a:r>
+            <a:r>
+              <a:rPr lang="en-US" altLang="ko-KR" sz="1200" kern="1200" dirty="0">
+                <a:solidFill>
+                  <a:schemeClr val="tx1"/>
+                </a:solidFill>
+                <a:effectLst/>
+                <a:latin typeface="+mn-lt"/>
+                <a:ea typeface="+mn-ea"/>
+                <a:cs typeface="+mn-cs"/>
+              </a:rPr>
+              <a:t>'</a:t>
+            </a:r>
+            <a:r>
+              <a:rPr lang="ko-KR" altLang="en-US" sz="1200" kern="1200" dirty="0">
+                <a:solidFill>
+                  <a:schemeClr val="tx1"/>
+                </a:solidFill>
+                <a:effectLst/>
+                <a:latin typeface="+mn-lt"/>
+                <a:ea typeface="+mn-ea"/>
+                <a:cs typeface="+mn-cs"/>
+              </a:rPr>
+              <a:t>컨텍스트 없음</a:t>
+            </a:r>
+            <a:r>
+              <a:rPr lang="en-US" altLang="ko-KR" sz="1200" kern="1200" dirty="0">
+                <a:solidFill>
+                  <a:schemeClr val="tx1"/>
+                </a:solidFill>
+                <a:effectLst/>
+                <a:latin typeface="+mn-lt"/>
+                <a:ea typeface="+mn-ea"/>
+                <a:cs typeface="+mn-cs"/>
+              </a:rPr>
+              <a:t>' </a:t>
+            </a:r>
+            <a:r>
+              <a:rPr lang="ko-KR" altLang="en-US" sz="1200" kern="1200" dirty="0">
+                <a:solidFill>
+                  <a:schemeClr val="tx1"/>
+                </a:solidFill>
+                <a:effectLst/>
+                <a:latin typeface="+mn-lt"/>
+                <a:ea typeface="+mn-ea"/>
+                <a:cs typeface="+mn-cs"/>
+              </a:rPr>
+              <a:t>모델을 능가합니다</a:t>
+            </a:r>
+            <a:r>
+              <a:rPr lang="en-US" altLang="ko-KR" sz="1200" kern="1200" dirty="0">
+                <a:solidFill>
+                  <a:schemeClr val="tx1"/>
+                </a:solidFill>
+                <a:effectLst/>
+                <a:latin typeface="+mn-lt"/>
+                <a:ea typeface="+mn-ea"/>
+                <a:cs typeface="+mn-cs"/>
+              </a:rPr>
+              <a:t>. </a:t>
+            </a:r>
+            <a:r>
+              <a:rPr lang="ko-KR" altLang="en-US" sz="1200" kern="1200" dirty="0">
+                <a:solidFill>
+                  <a:schemeClr val="tx1"/>
+                </a:solidFill>
+                <a:effectLst/>
+                <a:latin typeface="+mn-lt"/>
+                <a:ea typeface="+mn-ea"/>
+                <a:cs typeface="+mn-cs"/>
+              </a:rPr>
+              <a:t>이는 컨텍스트의 중요성을 증명하고 일부 인과 관계는 특정 컨텍스트에서만 의미가 있다는 이전 관찰과 일치합니다</a:t>
+            </a:r>
+            <a:r>
+              <a:rPr lang="en-US" altLang="ko-KR" sz="1200" kern="1200" dirty="0">
+                <a:solidFill>
+                  <a:schemeClr val="tx1"/>
+                </a:solidFill>
+                <a:effectLst/>
+                <a:latin typeface="+mn-lt"/>
+                <a:ea typeface="+mn-ea"/>
+                <a:cs typeface="+mn-cs"/>
+              </a:rPr>
+              <a:t>.</a:t>
+            </a:r>
+            <a:endParaRPr lang="ko-KR" altLang="en-US" sz="1200" kern="1200" dirty="0">
+              <a:solidFill>
+                <a:schemeClr val="tx1"/>
+              </a:solidFill>
+              <a:effectLst/>
+              <a:latin typeface="+mn-lt"/>
+              <a:ea typeface="+mn-ea"/>
+              <a:cs typeface="+mn-cs"/>
+            </a:endParaRPr>
+          </a:p>
+          <a:p>
+            <a:pPr fontAlgn="base" latinLnBrk="1"/>
+            <a:r>
+              <a:rPr lang="en-US" altLang="ko-KR" sz="1200" kern="1200" dirty="0">
+                <a:solidFill>
+                  <a:schemeClr val="tx1"/>
+                </a:solidFill>
+                <a:effectLst/>
+                <a:latin typeface="+mn-lt"/>
+                <a:ea typeface="+mn-ea"/>
+                <a:cs typeface="+mn-cs"/>
+              </a:rPr>
+              <a:t>3. </a:t>
+            </a:r>
+            <a:r>
+              <a:rPr lang="ko-KR" altLang="en-US" sz="1200" kern="1200" dirty="0">
+                <a:solidFill>
+                  <a:schemeClr val="tx1"/>
+                </a:solidFill>
+                <a:effectLst/>
+                <a:latin typeface="+mn-lt"/>
+                <a:ea typeface="+mn-ea"/>
+                <a:cs typeface="+mn-cs"/>
+              </a:rPr>
+              <a:t>제안된 </a:t>
+            </a:r>
+            <a:r>
+              <a:rPr lang="en-US" altLang="ko-KR" sz="1200" kern="1200" dirty="0">
+                <a:solidFill>
+                  <a:schemeClr val="tx1"/>
+                </a:solidFill>
+                <a:effectLst/>
+                <a:latin typeface="+mn-lt"/>
+                <a:ea typeface="+mn-ea"/>
+                <a:cs typeface="+mn-cs"/>
+              </a:rPr>
+              <a:t>VCC </a:t>
+            </a:r>
+            <a:r>
+              <a:rPr lang="ko-KR" altLang="en-US" sz="1200" kern="1200" dirty="0">
+                <a:solidFill>
+                  <a:schemeClr val="tx1"/>
+                </a:solidFill>
+                <a:effectLst/>
+                <a:latin typeface="+mn-lt"/>
+                <a:ea typeface="+mn-ea"/>
+                <a:cs typeface="+mn-cs"/>
+              </a:rPr>
+              <a:t>모델은 </a:t>
+            </a:r>
+            <a:r>
+              <a:rPr lang="en-US" altLang="ko-KR" sz="1200" kern="1200" dirty="0">
+                <a:solidFill>
+                  <a:schemeClr val="tx1"/>
+                </a:solidFill>
+                <a:effectLst/>
+                <a:latin typeface="+mn-lt"/>
+                <a:ea typeface="+mn-ea"/>
+                <a:cs typeface="+mn-cs"/>
+              </a:rPr>
+              <a:t>'No Attention' </a:t>
+            </a:r>
+            <a:r>
+              <a:rPr lang="ko-KR" altLang="en-US" sz="1200" kern="1200" dirty="0">
+                <a:solidFill>
+                  <a:schemeClr val="tx1"/>
+                </a:solidFill>
+                <a:effectLst/>
+                <a:latin typeface="+mn-lt"/>
+                <a:ea typeface="+mn-ea"/>
+                <a:cs typeface="+mn-cs"/>
+              </a:rPr>
+              <a:t>모델보다 훨씬 우수한 성능을 보여 물체 감지 모듈에 의해 도입된 노이즈의 영향과 제안된 교차 주의 모듈의 효율성을 보여줍니다</a:t>
+            </a:r>
+            <a:r>
+              <a:rPr lang="en-US" altLang="ko-KR" sz="1200" kern="1200" dirty="0">
+                <a:solidFill>
+                  <a:schemeClr val="tx1"/>
+                </a:solidFill>
+                <a:effectLst/>
+                <a:latin typeface="+mn-lt"/>
+                <a:ea typeface="+mn-ea"/>
+                <a:cs typeface="+mn-cs"/>
+              </a:rPr>
+              <a:t>.</a:t>
+            </a:r>
+            <a:endParaRPr lang="ko-KR" altLang="en-US" sz="1200" kern="1200" dirty="0">
+              <a:solidFill>
+                <a:schemeClr val="tx1"/>
+              </a:solidFill>
+              <a:effectLst/>
+              <a:latin typeface="+mn-lt"/>
+              <a:ea typeface="+mn-ea"/>
+              <a:cs typeface="+mn-cs"/>
+            </a:endParaRPr>
+          </a:p>
+          <a:p>
+            <a:pPr marL="0" marR="0" lvl="0" indent="0" algn="l" defTabSz="914400" rtl="0" eaLnBrk="1" fontAlgn="auto" latinLnBrk="1" hangingPunct="1">
+              <a:lnSpc>
+                <a:spcPct val="100000"/>
+              </a:lnSpc>
+              <a:spcBef>
+                <a:spcPts val="0"/>
+              </a:spcBef>
+              <a:spcAft>
+                <a:spcPts val="0"/>
+              </a:spcAft>
+              <a:buClrTx/>
+              <a:buSzTx/>
+              <a:buFontTx/>
+              <a:buNone/>
+              <a:tabLst/>
+              <a:defRPr/>
+            </a:pPr>
+            <a:r>
+              <a:rPr lang="en-US" altLang="ko-KR" sz="1200" kern="1200" dirty="0">
+                <a:solidFill>
+                  <a:schemeClr val="tx1"/>
+                </a:solidFill>
+                <a:effectLst/>
+                <a:latin typeface="+mn-lt"/>
+                <a:ea typeface="+mn-ea"/>
+                <a:cs typeface="+mn-cs"/>
+              </a:rPr>
+              <a:t>4.</a:t>
+            </a:r>
+            <a:r>
+              <a:rPr lang="ko-KR" altLang="en-US" sz="1200" kern="1200" dirty="0">
+                <a:solidFill>
+                  <a:schemeClr val="tx1"/>
+                </a:solidFill>
+                <a:effectLst/>
+                <a:latin typeface="+mn-lt"/>
+                <a:ea typeface="+mn-ea"/>
+                <a:cs typeface="+mn-cs"/>
+              </a:rPr>
+              <a:t>이벤트 텍스트 표현과 </a:t>
+            </a:r>
+            <a:r>
+              <a:rPr lang="en-US" altLang="ko-KR" sz="1200" kern="1200" dirty="0" err="1">
+                <a:solidFill>
+                  <a:schemeClr val="tx1"/>
+                </a:solidFill>
+                <a:effectLst/>
+                <a:latin typeface="+mn-lt"/>
+                <a:ea typeface="+mn-ea"/>
+                <a:cs typeface="+mn-cs"/>
+              </a:rPr>
+              <a:t>ResNet</a:t>
+            </a:r>
+            <a:r>
+              <a:rPr lang="ko-KR" altLang="en-US" sz="1200" kern="1200" dirty="0">
+                <a:solidFill>
+                  <a:schemeClr val="tx1"/>
+                </a:solidFill>
+                <a:effectLst/>
+                <a:latin typeface="+mn-lt"/>
+                <a:ea typeface="+mn-ea"/>
+                <a:cs typeface="+mn-cs"/>
+              </a:rPr>
+              <a:t>으로 </a:t>
+            </a:r>
+            <a:r>
+              <a:rPr lang="ko-KR" altLang="en-US" sz="1200" kern="1200" dirty="0" err="1">
+                <a:solidFill>
+                  <a:schemeClr val="tx1"/>
+                </a:solidFill>
+                <a:effectLst/>
+                <a:latin typeface="+mn-lt"/>
+                <a:ea typeface="+mn-ea"/>
+                <a:cs typeface="+mn-cs"/>
+              </a:rPr>
+              <a:t>인코딩된</a:t>
+            </a:r>
+            <a:r>
+              <a:rPr lang="ko-KR" altLang="en-US" sz="1200" kern="1200" dirty="0">
+                <a:solidFill>
+                  <a:schemeClr val="tx1"/>
+                </a:solidFill>
+                <a:effectLst/>
+                <a:latin typeface="+mn-lt"/>
+                <a:ea typeface="+mn-ea"/>
+                <a:cs typeface="+mn-cs"/>
+              </a:rPr>
+              <a:t> 이미지 표현이 서로 완벽하게 일치하지 않을 수 있는 서로 다른 의미 공간</a:t>
+            </a:r>
+            <a:r>
+              <a:rPr lang="en-US" altLang="ko-KR" sz="1200" kern="1200" dirty="0">
+                <a:solidFill>
+                  <a:schemeClr val="tx1"/>
+                </a:solidFill>
+                <a:effectLst/>
+                <a:latin typeface="+mn-lt"/>
+                <a:ea typeface="+mn-ea"/>
+                <a:cs typeface="+mn-cs"/>
+              </a:rPr>
+              <a:t>(</a:t>
+            </a:r>
+            <a:r>
+              <a:rPr lang="ko-KR" altLang="en-US" sz="1200" kern="1200" dirty="0">
+                <a:solidFill>
+                  <a:schemeClr val="tx1"/>
+                </a:solidFill>
+                <a:effectLst/>
+                <a:latin typeface="+mn-lt"/>
+                <a:ea typeface="+mn-ea"/>
+                <a:cs typeface="+mn-cs"/>
+              </a:rPr>
+              <a:t>하나는 언어 및 하나는 비전</a:t>
+            </a:r>
+            <a:r>
+              <a:rPr lang="en-US" altLang="ko-KR" sz="1200" kern="1200" dirty="0">
+                <a:solidFill>
+                  <a:schemeClr val="tx1"/>
+                </a:solidFill>
+                <a:effectLst/>
+                <a:latin typeface="+mn-lt"/>
+                <a:ea typeface="+mn-ea"/>
+                <a:cs typeface="+mn-cs"/>
+              </a:rPr>
+              <a:t>)</a:t>
+            </a:r>
+            <a:r>
+              <a:rPr lang="ko-KR" altLang="en-US" sz="1200" kern="1200" dirty="0">
+                <a:solidFill>
+                  <a:schemeClr val="tx1"/>
+                </a:solidFill>
+                <a:effectLst/>
+                <a:latin typeface="+mn-lt"/>
+                <a:ea typeface="+mn-ea"/>
+                <a:cs typeface="+mn-cs"/>
+              </a:rPr>
+              <a:t>에 있는 벡터라는 것입니다</a:t>
+            </a:r>
+            <a:r>
+              <a:rPr lang="en-US" altLang="ko-KR" sz="1200" kern="1200" dirty="0">
+                <a:solidFill>
+                  <a:schemeClr val="tx1"/>
+                </a:solidFill>
+                <a:effectLst/>
+                <a:latin typeface="+mn-lt"/>
+                <a:ea typeface="+mn-ea"/>
+                <a:cs typeface="+mn-cs"/>
+              </a:rPr>
+              <a:t>.</a:t>
+            </a:r>
+            <a:endParaRPr lang="ko-KR" altLang="en-US" sz="1200" kern="1200" dirty="0">
+              <a:solidFill>
+                <a:schemeClr val="tx1"/>
+              </a:solidFill>
+              <a:effectLst/>
+              <a:latin typeface="+mn-lt"/>
+              <a:ea typeface="+mn-ea"/>
+              <a:cs typeface="+mn-cs"/>
+            </a:endParaRPr>
+          </a:p>
+          <a:p>
+            <a:endParaRPr lang="ko-KR" altLang="en-US" dirty="0"/>
+          </a:p>
+        </p:txBody>
+      </p:sp>
+      <p:sp>
+        <p:nvSpPr>
+          <p:cNvPr id="4" name="슬라이드 번호 개체 틀 3"/>
+          <p:cNvSpPr>
+            <a:spLocks noGrp="1"/>
+          </p:cNvSpPr>
+          <p:nvPr>
+            <p:ph type="sldNum" sz="quarter" idx="5"/>
+          </p:nvPr>
+        </p:nvSpPr>
+        <p:spPr/>
+        <p:txBody>
+          <a:bodyPr/>
+          <a:lstStyle/>
+          <a:p>
+            <a:fld id="{5FAAA766-79CA-47E4-9E45-0D897C7C3898}" type="slidenum">
+              <a:rPr lang="ko-KR" altLang="en-US" smtClean="0"/>
+              <a:t>12</a:t>
+            </a:fld>
+            <a:endParaRPr lang="ko-KR" altLang="en-US"/>
+          </a:p>
+        </p:txBody>
+      </p:sp>
+    </p:spTree>
+    <p:extLst>
+      <p:ext uri="{BB962C8B-B14F-4D97-AF65-F5344CB8AC3E}">
+        <p14:creationId xmlns:p14="http://schemas.microsoft.com/office/powerpoint/2010/main" val="2199834657"/>
+      </p:ext>
+    </p:extLst>
+  </p:cSld>
+  <p:clrMapOvr>
+    <a:masterClrMapping/>
+  </p:clrMapOvr>
+</p:notes>
+</file>
+
 <file path=ppt/slideLayouts/slideLayout1.xml><?xml version="1.0" encoding="utf-8"?>
 <p:sldLayout xmlns:a="http://schemas.openxmlformats.org/drawingml/2006/main" xmlns:r="http://schemas.openxmlformats.org/officeDocument/2006/relationships" xmlns:p="http://schemas.openxmlformats.org/presentationml/2006/main" type="title" preserve="1">
   <p:cSld name="제목 슬라이드">
@@ -628,7 +2525,7 @@
           <a:p>
             <a:fld id="{81824485-37D6-4A4E-B3C2-55E690D391A0}" type="datetime1">
               <a:rPr lang="ko-KR" altLang="en-US" smtClean="0"/>
-              <a:t>2021-07-20</a:t>
+              <a:t>2021-07-21</a:t>
             </a:fld>
             <a:endParaRPr lang="ko-KR" altLang="en-US"/>
           </a:p>
@@ -826,7 +2723,7 @@
           <a:p>
             <a:fld id="{3DF715B5-1D12-4CA6-88BA-3982FCF342B2}" type="datetime1">
               <a:rPr lang="ko-KR" altLang="en-US" smtClean="0"/>
-              <a:t>2021-07-20</a:t>
+              <a:t>2021-07-21</a:t>
             </a:fld>
             <a:endParaRPr lang="ko-KR" altLang="en-US"/>
           </a:p>
@@ -1034,7 +2931,7 @@
           <a:p>
             <a:fld id="{13D876F9-D66F-4450-8B0D-7B53B1CAD061}" type="datetime1">
               <a:rPr lang="ko-KR" altLang="en-US" smtClean="0"/>
-              <a:t>2021-07-20</a:t>
+              <a:t>2021-07-21</a:t>
             </a:fld>
             <a:endParaRPr lang="ko-KR" altLang="en-US"/>
           </a:p>
@@ -1232,7 +3129,7 @@
           <a:p>
             <a:fld id="{4DF80924-3D40-475B-A14E-A89456D8CB0D}" type="datetime1">
               <a:rPr lang="ko-KR" altLang="en-US" smtClean="0"/>
-              <a:t>2021-07-20</a:t>
+              <a:t>2021-07-21</a:t>
             </a:fld>
             <a:endParaRPr lang="ko-KR" altLang="en-US"/>
           </a:p>
@@ -1507,7 +3404,7 @@
           <a:p>
             <a:fld id="{27271DA4-6E68-43A7-BA9A-44AAD2A570A2}" type="datetime1">
               <a:rPr lang="ko-KR" altLang="en-US" smtClean="0"/>
-              <a:t>2021-07-20</a:t>
+              <a:t>2021-07-21</a:t>
             </a:fld>
             <a:endParaRPr lang="ko-KR" altLang="en-US"/>
           </a:p>
@@ -1772,7 +3669,7 @@
           <a:p>
             <a:fld id="{FB8660EF-7488-4688-B47B-499D7661BB9A}" type="datetime1">
               <a:rPr lang="ko-KR" altLang="en-US" smtClean="0"/>
-              <a:t>2021-07-20</a:t>
+              <a:t>2021-07-21</a:t>
             </a:fld>
             <a:endParaRPr lang="ko-KR" altLang="en-US"/>
           </a:p>
@@ -2184,7 +4081,7 @@
           <a:p>
             <a:fld id="{B2A0DCBC-07E3-4F51-A8B0-7DDB83A3B59C}" type="datetime1">
               <a:rPr lang="ko-KR" altLang="en-US" smtClean="0"/>
-              <a:t>2021-07-20</a:t>
+              <a:t>2021-07-21</a:t>
             </a:fld>
             <a:endParaRPr lang="ko-KR" altLang="en-US"/>
           </a:p>
@@ -2325,7 +4222,7 @@
           <a:p>
             <a:fld id="{B8772A87-66B2-4830-AD9F-DE65303EA9D0}" type="datetime1">
               <a:rPr lang="ko-KR" altLang="en-US" smtClean="0"/>
-              <a:t>2021-07-20</a:t>
+              <a:t>2021-07-21</a:t>
             </a:fld>
             <a:endParaRPr lang="ko-KR" altLang="en-US"/>
           </a:p>
@@ -2438,7 +4335,7 @@
           <a:p>
             <a:fld id="{C338DA32-DAFA-4ECD-8F80-B4DE9A5BE697}" type="datetime1">
               <a:rPr lang="ko-KR" altLang="en-US" smtClean="0"/>
-              <a:t>2021-07-20</a:t>
+              <a:t>2021-07-21</a:t>
             </a:fld>
             <a:endParaRPr lang="ko-KR" altLang="en-US"/>
           </a:p>
@@ -2749,7 +4646,7 @@
           <a:p>
             <a:fld id="{650E3E3D-B19B-4A86-A742-753C828A8F1C}" type="datetime1">
               <a:rPr lang="ko-KR" altLang="en-US" smtClean="0"/>
-              <a:t>2021-07-20</a:t>
+              <a:t>2021-07-21</a:t>
             </a:fld>
             <a:endParaRPr lang="ko-KR" altLang="en-US"/>
           </a:p>
@@ -3037,7 +4934,7 @@
           <a:p>
             <a:fld id="{95E62AEA-E495-403A-8773-B058821D500F}" type="datetime1">
               <a:rPr lang="ko-KR" altLang="en-US" smtClean="0"/>
-              <a:t>2021-07-20</a:t>
+              <a:t>2021-07-21</a:t>
             </a:fld>
             <a:endParaRPr lang="ko-KR" altLang="en-US"/>
           </a:p>
@@ -3278,7 +5175,7 @@
           <a:p>
             <a:fld id="{AD2AA275-37EC-4747-8BBB-86137B98CC85}" type="datetime1">
               <a:rPr lang="ko-KR" altLang="en-US" smtClean="0"/>
-              <a:t>2021-07-20</a:t>
+              <a:t>2021-07-21</a:t>
             </a:fld>
             <a:endParaRPr lang="ko-KR" altLang="en-US"/>
           </a:p>
@@ -4007,10 +5904,10 @@
       </p:sp>
       <p:sp>
         <p:nvSpPr>
-          <p:cNvPr id="9" name="TextBox 8">
-            <a:extLst>
-              <a:ext uri="{FF2B5EF4-FFF2-40B4-BE49-F238E27FC236}">
-                <a16:creationId xmlns:a16="http://schemas.microsoft.com/office/drawing/2014/main" id="{19B6216F-12C7-418D-A944-6484C1992BBE}"/>
+          <p:cNvPr id="55" name="TextBox 54">
+            <a:extLst>
+              <a:ext uri="{FF2B5EF4-FFF2-40B4-BE49-F238E27FC236}">
+                <a16:creationId xmlns:a16="http://schemas.microsoft.com/office/drawing/2014/main" id="{CBBBF288-44D8-4FF6-993A-6C8D9DC5BA53}"/>
               </a:ext>
             </a:extLst>
           </p:cNvPr>
@@ -4035,29 +5932,297 @@
           <a:p>
             <a:r>
               <a:rPr lang="en-US" altLang="ko-KR" sz="2400" dirty="0"/>
-              <a:t>Annotation – image </a:t>
-            </a:r>
-            <a:r>
-              <a:rPr lang="ko-KR" altLang="en-US" sz="2400" dirty="0"/>
-              <a:t>일치 시키고 </a:t>
-            </a:r>
-            <a:r>
-              <a:rPr lang="ko-KR" altLang="en-US" sz="2400" dirty="0" err="1"/>
-              <a:t>실행시</a:t>
-            </a:r>
-            <a:r>
-              <a:rPr lang="ko-KR" altLang="en-US" sz="2400" dirty="0"/>
-              <a:t> 결과</a:t>
-            </a:r>
+              <a:t>Experiment</a:t>
+            </a:r>
+            <a:endParaRPr lang="ko-KR" altLang="en-US" sz="2400" dirty="0"/>
+          </a:p>
+        </p:txBody>
+      </p:sp>
+      <p:sp>
+        <p:nvSpPr>
+          <p:cNvPr id="3" name="TextBox 2">
+            <a:extLst>
+              <a:ext uri="{FF2B5EF4-FFF2-40B4-BE49-F238E27FC236}">
+                <a16:creationId xmlns:a16="http://schemas.microsoft.com/office/drawing/2014/main" id="{2C5B06A3-6BDD-43AF-B788-0416C5CEABA2}"/>
+              </a:ext>
+            </a:extLst>
+          </p:cNvPr>
+          <p:cNvSpPr txBox="1"/>
+          <p:nvPr/>
+        </p:nvSpPr>
+        <p:spPr>
+          <a:xfrm>
+            <a:off x="231339" y="1211445"/>
+            <a:ext cx="10411853" cy="4846007"/>
+          </a:xfrm>
+          <a:prstGeom prst="rect">
+            <a:avLst/>
+          </a:prstGeom>
+          <a:noFill/>
+        </p:spPr>
+        <p:txBody>
+          <a:bodyPr wrap="square" rtlCol="0">
+            <a:spAutoFit/>
+          </a:bodyPr>
+          <a:lstStyle/>
+          <a:p>
+            <a:pPr marL="285750" indent="-285750" fontAlgn="base">
+              <a:lnSpc>
+                <a:spcPct val="150000"/>
+              </a:lnSpc>
+              <a:buFont typeface="Arial" panose="020B0604020202020204" pitchFamily="34" charset="0"/>
+              <a:buChar char="•"/>
+            </a:pPr>
+            <a:r>
+              <a:rPr lang="ko-KR" altLang="en-US" sz="1600" dirty="0"/>
+              <a:t>기준 지표</a:t>
+            </a:r>
+            <a:endParaRPr lang="en-US" altLang="ko-KR" sz="1600" dirty="0"/>
+          </a:p>
+          <a:p>
+            <a:pPr marL="285750" indent="-285750" fontAlgn="base">
+              <a:lnSpc>
+                <a:spcPct val="150000"/>
+              </a:lnSpc>
+              <a:buFontTx/>
+              <a:buChar char="-"/>
+            </a:pPr>
+            <a:r>
+              <a:rPr lang="en-US" altLang="ko-KR" sz="1600" dirty="0"/>
+              <a:t>Model</a:t>
+            </a:r>
+            <a:r>
+              <a:rPr lang="ko-KR" altLang="en-US" sz="1600" dirty="0"/>
+              <a:t>의 결과 값인 </a:t>
+            </a:r>
+            <a:r>
+              <a:rPr lang="en-US" altLang="ko-KR" sz="1600" dirty="0"/>
+              <a:t>prediction </a:t>
+            </a:r>
+            <a:r>
+              <a:rPr lang="ko-KR" altLang="en-US" sz="1600" dirty="0"/>
+              <a:t>값에 따라서</a:t>
+            </a:r>
+            <a:r>
+              <a:rPr lang="en-US" altLang="ko-KR" sz="1600" dirty="0"/>
+              <a:t> e2</a:t>
+            </a:r>
+            <a:r>
+              <a:rPr lang="ko-KR" altLang="en-US" sz="1600" dirty="0"/>
+              <a:t>의 순위를 정한다</a:t>
+            </a:r>
+            <a:endParaRPr lang="en-US" altLang="ko-KR" sz="1600" dirty="0"/>
+          </a:p>
+          <a:p>
+            <a:pPr marL="285750" indent="-285750" fontAlgn="base">
+              <a:lnSpc>
+                <a:spcPct val="150000"/>
+              </a:lnSpc>
+              <a:buFontTx/>
+              <a:buChar char="-"/>
+            </a:pPr>
+            <a:r>
+              <a:rPr lang="ko-KR" altLang="en-US" sz="1600" dirty="0"/>
+              <a:t>순위 안에 </a:t>
+            </a:r>
+            <a:r>
+              <a:rPr lang="en-US" altLang="ko-KR" sz="1600" dirty="0" err="1"/>
+              <a:t>gt</a:t>
+            </a:r>
+            <a:r>
+              <a:rPr lang="ko-KR" altLang="en-US" sz="1600" dirty="0"/>
+              <a:t>가 포함된 비율을 계산하고 비디오 종류 별로 평균 값 도출</a:t>
+            </a:r>
+            <a:r>
+              <a:rPr lang="en-US" altLang="ko-KR" sz="1600" dirty="0"/>
+              <a:t>.</a:t>
+            </a:r>
+          </a:p>
+          <a:p>
+            <a:pPr marL="285750" indent="-285750" fontAlgn="base">
+              <a:lnSpc>
+                <a:spcPct val="150000"/>
+              </a:lnSpc>
+              <a:buFontTx/>
+              <a:buChar char="-"/>
+            </a:pPr>
+            <a:endParaRPr lang="en-US" altLang="ko-KR" sz="1600" dirty="0"/>
+          </a:p>
+          <a:p>
+            <a:pPr marL="285750" indent="-285750" fontAlgn="base">
+              <a:lnSpc>
+                <a:spcPct val="150000"/>
+              </a:lnSpc>
+              <a:buFont typeface="Arial" panose="020B0604020202020204" pitchFamily="34" charset="0"/>
+              <a:buChar char="•"/>
+            </a:pPr>
+            <a:r>
+              <a:rPr lang="ko-KR" altLang="en-US" sz="1600" dirty="0"/>
+              <a:t>비교 모델</a:t>
+            </a:r>
+            <a:endParaRPr lang="en-US" altLang="ko-KR" sz="1600" dirty="0"/>
+          </a:p>
+          <a:p>
+            <a:pPr marL="285750" indent="-285750" fontAlgn="base">
+              <a:lnSpc>
+                <a:spcPct val="150000"/>
+              </a:lnSpc>
+              <a:buFontTx/>
+              <a:buChar char="-"/>
+            </a:pPr>
+            <a:r>
+              <a:rPr lang="en-US" altLang="ko-KR" sz="1600" dirty="0"/>
+              <a:t>Radom guess : </a:t>
+            </a:r>
+            <a:r>
+              <a:rPr lang="ko-KR" altLang="en-US" sz="1600" dirty="0"/>
+              <a:t>무작위로 순위를 정한다</a:t>
+            </a:r>
+            <a:r>
+              <a:rPr lang="en-US" altLang="ko-KR" sz="1600" dirty="0"/>
+              <a:t>.</a:t>
+            </a:r>
+          </a:p>
+          <a:p>
+            <a:pPr marL="285750" indent="-285750" fontAlgn="base">
+              <a:lnSpc>
+                <a:spcPct val="150000"/>
+              </a:lnSpc>
+              <a:buFontTx/>
+              <a:buChar char="-"/>
+            </a:pPr>
+            <a:r>
+              <a:rPr lang="en-US" altLang="ko-KR" sz="1600" dirty="0"/>
+              <a:t>No Visual</a:t>
+            </a:r>
+            <a:r>
+              <a:rPr lang="ko-KR" altLang="en-US" sz="1600" dirty="0"/>
+              <a:t> </a:t>
+            </a:r>
+            <a:r>
+              <a:rPr lang="en-US" altLang="ko-KR" sz="1600" dirty="0"/>
+              <a:t>context : context </a:t>
+            </a:r>
+            <a:r>
+              <a:rPr lang="ko-KR" altLang="en-US" sz="1600" dirty="0"/>
+              <a:t>값을 넣지 않는다</a:t>
+            </a:r>
+            <a:r>
+              <a:rPr lang="en-US" altLang="ko-KR" sz="1600" dirty="0"/>
+              <a:t>.</a:t>
+            </a:r>
+          </a:p>
+          <a:p>
+            <a:pPr marL="285750" indent="-285750" fontAlgn="base">
+              <a:lnSpc>
+                <a:spcPct val="150000"/>
+              </a:lnSpc>
+              <a:buFontTx/>
+              <a:buChar char="-"/>
+            </a:pPr>
+            <a:r>
+              <a:rPr lang="en-US" altLang="ko-KR" sz="1600" dirty="0"/>
+              <a:t>No Attention : attention </a:t>
+            </a:r>
+            <a:r>
+              <a:rPr lang="ko-KR" altLang="en-US" sz="1600" dirty="0"/>
+              <a:t>값 넣지 않는다</a:t>
+            </a:r>
+            <a:r>
+              <a:rPr lang="en-US" altLang="ko-KR" sz="1600" dirty="0"/>
+              <a:t>.</a:t>
+            </a:r>
+          </a:p>
+          <a:p>
+            <a:pPr marL="285750" indent="-285750" fontAlgn="base">
+              <a:lnSpc>
+                <a:spcPct val="150000"/>
+              </a:lnSpc>
+              <a:buFontTx/>
+              <a:buChar char="-"/>
+            </a:pPr>
+            <a:r>
+              <a:rPr lang="en-US" altLang="ko-KR" sz="1600" dirty="0" err="1"/>
+              <a:t>ResNet</a:t>
+            </a:r>
+            <a:r>
+              <a:rPr lang="en-US" altLang="ko-KR" sz="1600" dirty="0"/>
+              <a:t> as Context : context </a:t>
+            </a:r>
+            <a:r>
+              <a:rPr lang="ko-KR" altLang="en-US" sz="1600" dirty="0"/>
+              <a:t>값으로 </a:t>
+            </a:r>
+            <a:r>
+              <a:rPr lang="en-US" altLang="ko-KR" sz="1600" dirty="0"/>
+              <a:t>resnet-152 </a:t>
+            </a:r>
+            <a:r>
+              <a:rPr lang="ko-KR" altLang="en-US" sz="1600" dirty="0"/>
+              <a:t>값을 사용한다</a:t>
+            </a:r>
+            <a:r>
+              <a:rPr lang="en-US" altLang="ko-KR" sz="1600" dirty="0"/>
+              <a:t>.</a:t>
+            </a:r>
+          </a:p>
+          <a:p>
+            <a:pPr marL="285750" indent="-285750" fontAlgn="base">
+              <a:lnSpc>
+                <a:spcPct val="150000"/>
+              </a:lnSpc>
+              <a:buFontTx/>
+              <a:buChar char="-"/>
+            </a:pPr>
+            <a:r>
+              <a:rPr lang="en-US" altLang="ko-KR" sz="1600" dirty="0"/>
+              <a:t>VCC Model : attention, context </a:t>
+            </a:r>
+            <a:r>
+              <a:rPr lang="ko-KR" altLang="en-US" sz="1600" dirty="0"/>
+              <a:t>모두 적용한다</a:t>
+            </a:r>
+            <a:r>
+              <a:rPr lang="en-US" altLang="ko-KR" sz="1600" dirty="0"/>
+              <a:t>.</a:t>
+            </a:r>
+          </a:p>
+          <a:p>
+            <a:pPr marL="285750" indent="-285750" fontAlgn="base">
+              <a:lnSpc>
+                <a:spcPct val="150000"/>
+              </a:lnSpc>
+              <a:buFont typeface="Arial" panose="020B0604020202020204" pitchFamily="34" charset="0"/>
+              <a:buChar char="•"/>
+            </a:pPr>
+            <a:endParaRPr lang="en-US" altLang="ko-KR" sz="1600" dirty="0"/>
+          </a:p>
+          <a:p>
+            <a:pPr fontAlgn="base">
+              <a:lnSpc>
+                <a:spcPct val="150000"/>
+              </a:lnSpc>
+            </a:pPr>
+            <a:endParaRPr lang="en-US" altLang="ko-KR" sz="1600" dirty="0"/>
+          </a:p>
+          <a:p>
+            <a:pPr marL="285750" indent="-285750" fontAlgn="base">
+              <a:lnSpc>
+                <a:spcPct val="150000"/>
+              </a:lnSpc>
+              <a:buFont typeface="Arial" panose="020B0604020202020204" pitchFamily="34" charset="0"/>
+              <a:buChar char="•"/>
+            </a:pPr>
+            <a:endParaRPr lang="en-US" altLang="ko-KR" sz="1600" dirty="0"/>
           </a:p>
         </p:txBody>
       </p:sp>
       <p:pic>
         <p:nvPicPr>
-          <p:cNvPr id="2" name="그림 1">
-            <a:extLst>
-              <a:ext uri="{FF2B5EF4-FFF2-40B4-BE49-F238E27FC236}">
-                <a16:creationId xmlns:a16="http://schemas.microsoft.com/office/drawing/2014/main" id="{AAC592B9-43C4-4073-9083-C5465B887F5E}"/>
+          <p:cNvPr id="12" name="그림 11">
+            <a:extLst>
+              <a:ext uri="{FF2B5EF4-FFF2-40B4-BE49-F238E27FC236}">
+                <a16:creationId xmlns:a16="http://schemas.microsoft.com/office/drawing/2014/main" id="{97AFE044-7C63-4067-AB43-CEE9C8B4D41B}"/>
               </a:ext>
             </a:extLst>
           </p:cNvPr>
@@ -4067,15 +6232,15 @@
           <p:nvPr/>
         </p:nvPicPr>
         <p:blipFill>
-          <a:blip r:embed="rId2"/>
+          <a:blip r:embed="rId3"/>
           <a:stretch>
             <a:fillRect/>
           </a:stretch>
         </p:blipFill>
         <p:spPr>
           <a:xfrm>
-            <a:off x="359833" y="1007762"/>
-            <a:ext cx="11011598" cy="5932033"/>
+            <a:off x="7212505" y="2506978"/>
+            <a:ext cx="4748156" cy="3245237"/>
           </a:xfrm>
           <a:prstGeom prst="rect">
             <a:avLst/>
@@ -4085,7 +6250,7 @@
     </p:spTree>
     <p:extLst>
       <p:ext uri="{BB962C8B-B14F-4D97-AF65-F5344CB8AC3E}">
-        <p14:creationId xmlns:p14="http://schemas.microsoft.com/office/powerpoint/2010/main" val="1040332507"/>
+        <p14:creationId xmlns:p14="http://schemas.microsoft.com/office/powerpoint/2010/main" val="3993434962"/>
       </p:ext>
     </p:extLst>
   </p:cSld>
@@ -4174,10 +6339,44 @@
       </p:sp>
       <p:sp>
         <p:nvSpPr>
-          <p:cNvPr id="6" name="TextBox 5">
-            <a:extLst>
-              <a:ext uri="{FF2B5EF4-FFF2-40B4-BE49-F238E27FC236}">
-                <a16:creationId xmlns:a16="http://schemas.microsoft.com/office/drawing/2014/main" id="{1D6E4ECC-748D-4C14-934B-E2D3728E0594}"/>
+          <p:cNvPr id="4" name="슬라이드 번호 개체 틀 3">
+            <a:extLst>
+              <a:ext uri="{FF2B5EF4-FFF2-40B4-BE49-F238E27FC236}">
+                <a16:creationId xmlns:a16="http://schemas.microsoft.com/office/drawing/2014/main" id="{B11A7AB9-7540-40FD-94B6-0135A3ED289C}"/>
+              </a:ext>
+            </a:extLst>
+          </p:cNvPr>
+          <p:cNvSpPr>
+            <a:spLocks noGrp="1"/>
+          </p:cNvSpPr>
+          <p:nvPr>
+            <p:ph type="sldNum" sz="quarter" idx="12"/>
+          </p:nvPr>
+        </p:nvSpPr>
+        <p:spPr>
+          <a:xfrm>
+            <a:off x="8563187" y="6379936"/>
+            <a:ext cx="2743200" cy="365125"/>
+          </a:xfrm>
+        </p:spPr>
+        <p:txBody>
+          <a:bodyPr/>
+          <a:lstStyle/>
+          <a:p>
+            <a:fld id="{C3EC3709-AF19-4BC3-8020-8E9C5E0E1F7D}" type="slidenum">
+              <a:rPr lang="ko-KR" altLang="en-US" smtClean="0"/>
+              <a:t>11</a:t>
+            </a:fld>
+            <a:endParaRPr lang="ko-KR" altLang="en-US"/>
+          </a:p>
+        </p:txBody>
+      </p:sp>
+      <p:sp>
+        <p:nvSpPr>
+          <p:cNvPr id="55" name="TextBox 54">
+            <a:extLst>
+              <a:ext uri="{FF2B5EF4-FFF2-40B4-BE49-F238E27FC236}">
+                <a16:creationId xmlns:a16="http://schemas.microsoft.com/office/drawing/2014/main" id="{CBBBF288-44D8-4FF6-993A-6C8D9DC5BA53}"/>
               </a:ext>
             </a:extLst>
           </p:cNvPr>
@@ -4186,8 +6385,8 @@
         </p:nvSpPr>
         <p:spPr>
           <a:xfrm>
-            <a:off x="578834" y="1319219"/>
-            <a:ext cx="11435601" cy="3958007"/>
+            <a:off x="231339" y="182031"/>
+            <a:ext cx="11782163" cy="461665"/>
           </a:xfrm>
           <a:prstGeom prst="rect">
             <a:avLst/>
@@ -4201,181 +6400,49 @@
           <a:lstStyle/>
           <a:p>
             <a:r>
-              <a:rPr lang="en-US" altLang="ko-KR" dirty="0"/>
-              <a:t>Vis-Causal Dataset</a:t>
-            </a:r>
-          </a:p>
-          <a:p>
-            <a:endParaRPr lang="en-US" altLang="ko-KR" dirty="0"/>
-          </a:p>
-          <a:p>
-            <a:endParaRPr lang="en-US" altLang="ko-KR" dirty="0"/>
-          </a:p>
-          <a:p>
-            <a:pPr algn="just" fontAlgn="base">
-              <a:lnSpc>
-                <a:spcPct val="160000"/>
-              </a:lnSpc>
-            </a:pPr>
-            <a:r>
-              <a:rPr lang="en-US" altLang="ko-KR" sz="1400" kern="0" dirty="0">
-                <a:solidFill>
-                  <a:srgbClr val="000000"/>
-                </a:solidFill>
-                <a:latin typeface="맑은 고딕 Semilight" panose="020B0502040204020203" pitchFamily="50" charset="-127"/>
-                <a:ea typeface="맑은 고딕 Semilight" panose="020B0502040204020203" pitchFamily="50" charset="-127"/>
-              </a:rPr>
-              <a:t>image_1": </a:t>
-            </a:r>
-          </a:p>
-          <a:p>
-            <a:pPr algn="just" fontAlgn="base">
-              <a:lnSpc>
-                <a:spcPct val="160000"/>
-              </a:lnSpc>
-            </a:pPr>
-            <a:r>
-              <a:rPr lang="en-US" altLang="ko-KR" sz="1400" kern="0" dirty="0">
-                <a:solidFill>
-                  <a:srgbClr val="000000"/>
-                </a:solidFill>
-                <a:latin typeface="맑은 고딕 Semilight" panose="020B0502040204020203" pitchFamily="50" charset="-127"/>
-                <a:ea typeface="맑은 고딕 Semilight" panose="020B0502040204020203" pitchFamily="50" charset="-127"/>
-              </a:rPr>
-              <a:t>{</a:t>
-            </a:r>
-          </a:p>
-          <a:p>
-            <a:pPr algn="just" fontAlgn="base">
-              <a:lnSpc>
-                <a:spcPct val="160000"/>
-              </a:lnSpc>
-            </a:pPr>
-            <a:r>
-              <a:rPr lang="en-US" altLang="ko-KR" sz="1400" kern="0" dirty="0">
-                <a:solidFill>
-                  <a:srgbClr val="000000"/>
-                </a:solidFill>
-                <a:latin typeface="맑은 고딕 Semilight" panose="020B0502040204020203" pitchFamily="50" charset="-127"/>
-                <a:ea typeface="맑은 고딕 Semilight" panose="020B0502040204020203" pitchFamily="50" charset="-127"/>
-              </a:rPr>
-              <a:t>"entity": {"man": 0.4155610633921273, "building": 0.68810488779749, "leaf": 0.4959944162342506, "tree": 0.832587724520954, "window": 0.7762394739372568, "beach": 0.22491798294614407, "rock": 0.20255080373836484, "shirt": 0.5135474643024482, "fence": 0.16829996415725537, "pole": 0.10635410946508468, "track": 0.12555851471070892, "short": 0.5676629611283379, "street": 0.1365042762653402}, </a:t>
-            </a:r>
-            <a:endParaRPr lang="en-US" altLang="ko-KR" sz="1400" kern="0" dirty="0">
-              <a:solidFill>
-                <a:srgbClr val="000000"/>
-              </a:solidFill>
-              <a:latin typeface="함초롬바탕" panose="02030604000101010101" pitchFamily="18" charset="-127"/>
-            </a:endParaRPr>
-          </a:p>
-          <a:p>
-            <a:pPr algn="just" fontAlgn="base">
-              <a:lnSpc>
-                <a:spcPct val="160000"/>
-              </a:lnSpc>
-            </a:pPr>
-            <a:r>
-              <a:rPr lang="en-US" altLang="ko-KR" sz="1400" kern="0" dirty="0">
-                <a:solidFill>
-                  <a:srgbClr val="000000"/>
-                </a:solidFill>
-                <a:latin typeface="맑은 고딕 Semilight" panose="020B0502040204020203" pitchFamily="50" charset="-127"/>
-                <a:ea typeface="맑은 고딕 Semilight" panose="020B0502040204020203" pitchFamily="50" charset="-127"/>
-              </a:rPr>
-              <a:t>"event": {}, </a:t>
-            </a:r>
-            <a:endParaRPr lang="en-US" altLang="ko-KR" sz="1400" kern="0" dirty="0">
-              <a:solidFill>
-                <a:srgbClr val="000000"/>
-              </a:solidFill>
-              <a:latin typeface="함초롬바탕" panose="02030604000101010101" pitchFamily="18" charset="-127"/>
-            </a:endParaRPr>
-          </a:p>
-          <a:p>
-            <a:pPr algn="just" fontAlgn="base">
-              <a:lnSpc>
-                <a:spcPct val="160000"/>
-              </a:lnSpc>
-            </a:pPr>
-            <a:r>
-              <a:rPr lang="en-US" altLang="ko-KR" sz="1400" kern="0" dirty="0">
-                <a:solidFill>
-                  <a:srgbClr val="000000"/>
-                </a:solidFill>
-                <a:latin typeface="맑은 고딕 Semilight" panose="020B0502040204020203" pitchFamily="50" charset="-127"/>
-                <a:ea typeface="맑은 고딕 Semilight" panose="020B0502040204020203" pitchFamily="50" charset="-127"/>
-              </a:rPr>
-              <a:t>"path": "images/validation/v0_im1.jpg“</a:t>
-            </a:r>
-          </a:p>
-          <a:p>
-            <a:pPr algn="just" fontAlgn="base">
-              <a:lnSpc>
-                <a:spcPct val="160000"/>
-              </a:lnSpc>
-            </a:pPr>
-            <a:r>
-              <a:rPr lang="en-US" altLang="ko-KR" sz="1400" kern="0" dirty="0">
-                <a:solidFill>
-                  <a:srgbClr val="000000"/>
-                </a:solidFill>
-                <a:latin typeface="맑은 고딕 Semilight" panose="020B0502040204020203" pitchFamily="50" charset="-127"/>
-                <a:ea typeface="맑은 고딕 Semilight" panose="020B0502040204020203" pitchFamily="50" charset="-127"/>
-              </a:rPr>
-              <a:t>}, </a:t>
-            </a:r>
-            <a:endParaRPr lang="en-US" altLang="ko-KR" sz="1400" kern="0" dirty="0">
-              <a:solidFill>
-                <a:srgbClr val="000000"/>
-              </a:solidFill>
-              <a:latin typeface="함초롬바탕" panose="02030604000101010101" pitchFamily="18" charset="-127"/>
-            </a:endParaRPr>
-          </a:p>
-          <a:p>
-            <a:endParaRPr lang="en-US" altLang="ko-KR" dirty="0"/>
+              <a:rPr lang="en-US" altLang="ko-KR" sz="2400" dirty="0"/>
+              <a:t>Result Analysis </a:t>
+            </a:r>
+            <a:endParaRPr lang="ko-KR" altLang="en-US" sz="2400" dirty="0"/>
           </a:p>
         </p:txBody>
       </p:sp>
-      <p:sp>
-        <p:nvSpPr>
-          <p:cNvPr id="4" name="슬라이드 번호 개체 틀 3">
-            <a:extLst>
-              <a:ext uri="{FF2B5EF4-FFF2-40B4-BE49-F238E27FC236}">
-                <a16:creationId xmlns:a16="http://schemas.microsoft.com/office/drawing/2014/main" id="{B11A7AB9-7540-40FD-94B6-0135A3ED289C}"/>
-              </a:ext>
-            </a:extLst>
-          </p:cNvPr>
-          <p:cNvSpPr>
-            <a:spLocks noGrp="1"/>
-          </p:cNvSpPr>
-          <p:nvPr>
-            <p:ph type="sldNum" sz="quarter" idx="12"/>
-          </p:nvPr>
-        </p:nvSpPr>
+      <p:pic>
+        <p:nvPicPr>
+          <p:cNvPr id="7" name="그림 6">
+            <a:extLst>
+              <a:ext uri="{FF2B5EF4-FFF2-40B4-BE49-F238E27FC236}">
+                <a16:creationId xmlns:a16="http://schemas.microsoft.com/office/drawing/2014/main" id="{A82034E3-9F63-45E8-B72F-B0DA5449AC8F}"/>
+              </a:ext>
+            </a:extLst>
+          </p:cNvPr>
+          <p:cNvPicPr>
+            <a:picLocks noChangeAspect="1"/>
+          </p:cNvPicPr>
+          <p:nvPr/>
+        </p:nvPicPr>
+        <p:blipFill>
+          <a:blip r:embed="rId3"/>
+          <a:stretch>
+            <a:fillRect/>
+          </a:stretch>
+        </p:blipFill>
         <p:spPr>
           <a:xfrm>
-            <a:off x="8563187" y="6379936"/>
-            <a:ext cx="2743200" cy="365125"/>
+            <a:off x="1782487" y="1130036"/>
+            <a:ext cx="7678824" cy="3585503"/>
           </a:xfrm>
+          <a:prstGeom prst="rect">
+            <a:avLst/>
+          </a:prstGeom>
         </p:spPr>
-        <p:txBody>
-          <a:bodyPr/>
-          <a:lstStyle/>
-          <a:p>
-            <a:fld id="{C3EC3709-AF19-4BC3-8020-8E9C5E0E1F7D}" type="slidenum">
-              <a:rPr lang="ko-KR" altLang="en-US" smtClean="0"/>
-              <a:t>11</a:t>
-            </a:fld>
-            <a:endParaRPr lang="ko-KR" altLang="en-US"/>
-          </a:p>
-        </p:txBody>
-      </p:sp>
-      <p:sp>
-        <p:nvSpPr>
-          <p:cNvPr id="24" name="TextBox 23">
-            <a:extLst>
-              <a:ext uri="{FF2B5EF4-FFF2-40B4-BE49-F238E27FC236}">
-                <a16:creationId xmlns:a16="http://schemas.microsoft.com/office/drawing/2014/main" id="{299DE50D-4CE3-4279-998B-FF7DC271F1E3}"/>
+      </p:pic>
+      <p:sp>
+        <p:nvSpPr>
+          <p:cNvPr id="2" name="TextBox 1">
+            <a:extLst>
+              <a:ext uri="{FF2B5EF4-FFF2-40B4-BE49-F238E27FC236}">
+                <a16:creationId xmlns:a16="http://schemas.microsoft.com/office/drawing/2014/main" id="{00E34E3A-849F-4BB9-9BDE-9329F2BB8351}"/>
               </a:ext>
             </a:extLst>
           </p:cNvPr>
@@ -4384,8 +6451,8 @@
         </p:nvSpPr>
         <p:spPr>
           <a:xfrm>
-            <a:off x="360218" y="160712"/>
-            <a:ext cx="4017818" cy="523220"/>
+            <a:off x="479232" y="5075087"/>
+            <a:ext cx="9941442" cy="1200329"/>
           </a:xfrm>
           <a:prstGeom prst="rect">
             <a:avLst/>
@@ -4398,22 +6465,96 @@
           </a:bodyPr>
           <a:lstStyle/>
           <a:p>
-            <a:r>
-              <a:rPr lang="en-US" altLang="ko-KR" sz="2800" dirty="0"/>
-              <a:t> </a:t>
-            </a:r>
-            <a:r>
-              <a:rPr lang="en-US" altLang="ko-KR" sz="2800" dirty="0" err="1"/>
-              <a:t>DataSet</a:t>
-            </a:r>
-            <a:endParaRPr lang="ko-KR" altLang="en-US" sz="2800" dirty="0"/>
+            <a:pPr marL="285750" indent="-285750" fontAlgn="base">
+              <a:buFontTx/>
+              <a:buChar char="-"/>
+            </a:pPr>
+            <a:r>
+              <a:rPr lang="en-US" altLang="ko-KR" dirty="0" err="1"/>
+              <a:t>R@n</a:t>
+            </a:r>
+            <a:r>
+              <a:rPr lang="en-US" altLang="ko-KR" dirty="0"/>
+              <a:t> : </a:t>
+            </a:r>
+            <a:r>
+              <a:rPr lang="ko-KR" altLang="en-US" dirty="0"/>
+              <a:t>정답 문장이 </a:t>
+            </a:r>
+            <a:r>
+              <a:rPr lang="en-US" altLang="ko-KR" dirty="0"/>
+              <a:t>model</a:t>
+            </a:r>
+            <a:r>
+              <a:rPr lang="ko-KR" altLang="en-US" dirty="0"/>
+              <a:t>의 순위에서 </a:t>
+            </a:r>
+            <a:r>
+              <a:rPr lang="en-US" altLang="ko-KR" dirty="0"/>
+              <a:t>n</a:t>
+            </a:r>
+            <a:r>
+              <a:rPr lang="ko-KR" altLang="en-US" dirty="0"/>
+              <a:t>번째 순위에 들어있는 비율 </a:t>
+            </a:r>
+            <a:endParaRPr lang="en-US" altLang="ko-KR" dirty="0"/>
+          </a:p>
+          <a:p>
+            <a:pPr marL="285750" indent="-285750" fontAlgn="base">
+              <a:buFontTx/>
+              <a:buChar char="-"/>
+            </a:pPr>
+            <a:r>
+              <a:rPr lang="en-US" altLang="ko-KR" dirty="0"/>
+              <a:t>Random guess </a:t>
+            </a:r>
+            <a:r>
+              <a:rPr lang="ko-KR" altLang="en-US" dirty="0"/>
+              <a:t>가장 하한 값</a:t>
+            </a:r>
+            <a:r>
+              <a:rPr lang="en-US" altLang="ko-KR" dirty="0"/>
+              <a:t>.</a:t>
+            </a:r>
+          </a:p>
+          <a:p>
+            <a:pPr marL="285750" indent="-285750" fontAlgn="base">
+              <a:buFontTx/>
+              <a:buChar char="-"/>
+            </a:pPr>
+            <a:r>
+              <a:rPr lang="ko-KR" altLang="en-US" dirty="0"/>
+              <a:t>대부분 </a:t>
+            </a:r>
+            <a:r>
+              <a:rPr lang="en-US" altLang="ko-KR" dirty="0"/>
+              <a:t>VCC model</a:t>
+            </a:r>
+            <a:r>
+              <a:rPr lang="ko-KR" altLang="en-US" dirty="0"/>
+              <a:t>이 값이 크다</a:t>
+            </a:r>
+            <a:r>
+              <a:rPr lang="en-US" altLang="ko-KR" dirty="0"/>
+              <a:t>.</a:t>
+            </a:r>
+          </a:p>
+          <a:p>
+            <a:pPr marL="285750" indent="-285750" fontAlgn="base">
+              <a:buFontTx/>
+              <a:buChar char="-"/>
+            </a:pPr>
+            <a:r>
+              <a:rPr lang="en-US" altLang="ko-KR" dirty="0"/>
+              <a:t>VCC &lt; ‘No context’</a:t>
+            </a:r>
           </a:p>
         </p:txBody>
       </p:sp>
     </p:spTree>
     <p:extLst>
       <p:ext uri="{BB962C8B-B14F-4D97-AF65-F5344CB8AC3E}">
-        <p14:creationId xmlns:p14="http://schemas.microsoft.com/office/powerpoint/2010/main" val="2837819447"/>
+        <p14:creationId xmlns:p14="http://schemas.microsoft.com/office/powerpoint/2010/main" val="3519093223"/>
       </p:ext>
     </p:extLst>
   </p:cSld>
@@ -4502,10 +6643,44 @@
       </p:sp>
       <p:sp>
         <p:nvSpPr>
-          <p:cNvPr id="9" name="TextBox 8">
-            <a:extLst>
-              <a:ext uri="{FF2B5EF4-FFF2-40B4-BE49-F238E27FC236}">
-                <a16:creationId xmlns:a16="http://schemas.microsoft.com/office/drawing/2014/main" id="{6751EDA1-7052-4FC5-90E8-A7950631D08D}"/>
+          <p:cNvPr id="4" name="슬라이드 번호 개체 틀 3">
+            <a:extLst>
+              <a:ext uri="{FF2B5EF4-FFF2-40B4-BE49-F238E27FC236}">
+                <a16:creationId xmlns:a16="http://schemas.microsoft.com/office/drawing/2014/main" id="{B11A7AB9-7540-40FD-94B6-0135A3ED289C}"/>
+              </a:ext>
+            </a:extLst>
+          </p:cNvPr>
+          <p:cNvSpPr>
+            <a:spLocks noGrp="1"/>
+          </p:cNvSpPr>
+          <p:nvPr>
+            <p:ph type="sldNum" sz="quarter" idx="12"/>
+          </p:nvPr>
+        </p:nvSpPr>
+        <p:spPr>
+          <a:xfrm>
+            <a:off x="8563187" y="6379936"/>
+            <a:ext cx="2743200" cy="365125"/>
+          </a:xfrm>
+        </p:spPr>
+        <p:txBody>
+          <a:bodyPr/>
+          <a:lstStyle/>
+          <a:p>
+            <a:fld id="{C3EC3709-AF19-4BC3-8020-8E9C5E0E1F7D}" type="slidenum">
+              <a:rPr lang="ko-KR" altLang="en-US" smtClean="0"/>
+              <a:t>12</a:t>
+            </a:fld>
+            <a:endParaRPr lang="ko-KR" altLang="en-US"/>
+          </a:p>
+        </p:txBody>
+      </p:sp>
+      <p:sp>
+        <p:nvSpPr>
+          <p:cNvPr id="55" name="TextBox 54">
+            <a:extLst>
+              <a:ext uri="{FF2B5EF4-FFF2-40B4-BE49-F238E27FC236}">
+                <a16:creationId xmlns:a16="http://schemas.microsoft.com/office/drawing/2014/main" id="{CBBBF288-44D8-4FF6-993A-6C8D9DC5BA53}"/>
               </a:ext>
             </a:extLst>
           </p:cNvPr>
@@ -4514,8 +6689,8 @@
         </p:nvSpPr>
         <p:spPr>
           <a:xfrm>
-            <a:off x="360218" y="160712"/>
-            <a:ext cx="4017818" cy="523220"/>
+            <a:off x="231339" y="182031"/>
+            <a:ext cx="11782163" cy="461665"/>
           </a:xfrm>
           <a:prstGeom prst="rect">
             <a:avLst/>
@@ -4529,19 +6704,19 @@
           <a:lstStyle/>
           <a:p>
             <a:r>
-              <a:rPr lang="en-US" altLang="ko-KR" sz="2800" dirty="0"/>
-              <a:t>Approach </a:t>
-            </a:r>
-            <a:endParaRPr lang="ko-KR" altLang="en-US" sz="2800" dirty="0"/>
+              <a:rPr lang="en-US" altLang="ko-KR" sz="2400" dirty="0"/>
+              <a:t>Conclusion</a:t>
+            </a:r>
+            <a:endParaRPr lang="ko-KR" altLang="en-US" sz="2400" dirty="0"/>
           </a:p>
         </p:txBody>
       </p:sp>
       <p:sp>
         <p:nvSpPr>
-          <p:cNvPr id="6" name="TextBox 5">
-            <a:extLst>
-              <a:ext uri="{FF2B5EF4-FFF2-40B4-BE49-F238E27FC236}">
-                <a16:creationId xmlns:a16="http://schemas.microsoft.com/office/drawing/2014/main" id="{1D6E4ECC-748D-4C14-934B-E2D3728E0594}"/>
+          <p:cNvPr id="3" name="TextBox 2">
+            <a:extLst>
+              <a:ext uri="{FF2B5EF4-FFF2-40B4-BE49-F238E27FC236}">
+                <a16:creationId xmlns:a16="http://schemas.microsoft.com/office/drawing/2014/main" id="{2C5B06A3-6BDD-43AF-B788-0416C5CEABA2}"/>
               </a:ext>
             </a:extLst>
           </p:cNvPr>
@@ -4550,8 +6725,8 @@
         </p:nvSpPr>
         <p:spPr>
           <a:xfrm>
-            <a:off x="505785" y="1386841"/>
-            <a:ext cx="11435601" cy="4524315"/>
+            <a:off x="231339" y="1043645"/>
+            <a:ext cx="10411853" cy="2031325"/>
           </a:xfrm>
           <a:prstGeom prst="rect">
             <a:avLst/>
@@ -4564,284 +6739,109 @@
           </a:bodyPr>
           <a:lstStyle/>
           <a:p>
-            <a:pPr marL="285750" indent="-285750">
-              <a:lnSpc>
-                <a:spcPct val="150000"/>
-              </a:lnSpc>
+            <a:pPr marL="285750" indent="-285750" fontAlgn="base">
               <a:buFont typeface="Arial" panose="020B0604020202020204" pitchFamily="34" charset="0"/>
               <a:buChar char="•"/>
             </a:pPr>
             <a:r>
               <a:rPr lang="ko-KR" altLang="en-US" dirty="0"/>
-              <a:t>이미지와 감지된 사람 </a:t>
+              <a:t>시간에 따른 이미지로부터 인과관계 지식을 학습할 가능성을 탐구한다</a:t>
             </a:r>
             <a:r>
               <a:rPr lang="en-US" altLang="ko-KR" dirty="0"/>
-              <a:t> :  V = {v0, v1, ..</a:t>
-            </a:r>
-            <a:r>
-              <a:rPr lang="en-US" altLang="ko-KR" dirty="0" err="1"/>
-              <a:t>vk</a:t>
-            </a:r>
-            <a:r>
-              <a:rPr lang="en-US" altLang="ko-KR" dirty="0"/>
-              <a:t>}</a:t>
-            </a:r>
-          </a:p>
-          <a:p>
-            <a:pPr marL="285750" indent="-285750">
-              <a:lnSpc>
-                <a:spcPct val="150000"/>
-              </a:lnSpc>
+              <a:t>. </a:t>
+            </a:r>
+          </a:p>
+          <a:p>
+            <a:pPr marL="285750" indent="-285750" fontAlgn="base">
               <a:buFont typeface="Arial" panose="020B0604020202020204" pitchFamily="34" charset="0"/>
               <a:buChar char="•"/>
             </a:pPr>
             <a:r>
               <a:rPr lang="ko-KR" altLang="en-US" dirty="0"/>
-              <a:t>사건 설명 </a:t>
+              <a:t>이를 위해 먼저 작업을 공식적으로 정의한 다음 두 가지 설정에서 </a:t>
             </a:r>
             <a:r>
               <a:rPr lang="en-US" altLang="ko-KR" dirty="0"/>
-              <a:t>: e </a:t>
-            </a:r>
-          </a:p>
-          <a:p>
-            <a:pPr marL="285750" indent="-285750">
-              <a:lnSpc>
-                <a:spcPct val="150000"/>
-              </a:lnSpc>
+              <a:t>4,000</a:t>
+            </a:r>
+            <a:r>
+              <a:rPr lang="ko-KR" altLang="en-US" dirty="0"/>
+              <a:t>개의 이미지 쌍</a:t>
+            </a:r>
+            <a:r>
+              <a:rPr lang="en-US" altLang="ko-KR" dirty="0"/>
+              <a:t>, 23,558</a:t>
+            </a:r>
+            <a:r>
+              <a:rPr lang="ko-KR" altLang="en-US" dirty="0"/>
+              <a:t>개의 이벤트 쌍 및 인과 관계 주석을 포함하는 고품질 데이터 세트 </a:t>
+            </a:r>
+            <a:r>
+              <a:rPr lang="en-US" altLang="ko-KR" dirty="0"/>
+              <a:t>Vis-Causal</a:t>
+            </a:r>
+            <a:r>
+              <a:rPr lang="ko-KR" altLang="en-US" dirty="0"/>
+              <a:t>을 생성합니다</a:t>
+            </a:r>
+            <a:r>
+              <a:rPr lang="en-US" altLang="ko-KR" dirty="0"/>
+              <a:t>.</a:t>
+            </a:r>
+            <a:endParaRPr lang="ko-KR" altLang="en-US" dirty="0"/>
+          </a:p>
+          <a:p>
+            <a:pPr marL="285750" indent="-285750" fontAlgn="base">
               <a:buFont typeface="Arial" panose="020B0604020202020204" pitchFamily="34" charset="0"/>
               <a:buChar char="•"/>
             </a:pPr>
             <a:r>
               <a:rPr lang="ko-KR" altLang="en-US" dirty="0"/>
-              <a:t>장소 설명 </a:t>
+              <a:t>수집된 데이터 세트 외에도 </a:t>
             </a:r>
             <a:r>
               <a:rPr lang="en-US" altLang="ko-KR" dirty="0"/>
-              <a:t>p</a:t>
-            </a:r>
-          </a:p>
-          <a:p>
-            <a:pPr marL="285750" indent="-285750">
-              <a:lnSpc>
-                <a:spcPct val="150000"/>
-              </a:lnSpc>
+              <a:t>VCC(Vision-Contextual Causal) </a:t>
+            </a:r>
+            <a:r>
+              <a:rPr lang="ko-KR" altLang="en-US" dirty="0"/>
+              <a:t>모델을 제안하여 사전 훈련된 강력한 텍스트 및 시각적 표현과 세심한 훈련을 통해 시각적 신호에서 컨텍스트 인과 관계를 직접 획득할 수 있음을 보여줍니다</a:t>
+            </a:r>
+            <a:r>
+              <a:rPr lang="en-US" altLang="ko-KR" dirty="0"/>
+              <a:t>. </a:t>
+            </a:r>
+          </a:p>
+          <a:p>
+            <a:pPr marL="285750" indent="-285750" fontAlgn="base">
               <a:buFont typeface="Arial" panose="020B0604020202020204" pitchFamily="34" charset="0"/>
               <a:buChar char="•"/>
             </a:pPr>
             <a:r>
               <a:rPr lang="ko-KR" altLang="en-US" dirty="0"/>
-              <a:t>추론 유형 </a:t>
+              <a:t>추가 분석에 따르면 </a:t>
             </a:r>
             <a:r>
               <a:rPr lang="en-US" altLang="ko-KR" dirty="0"/>
-              <a:t>r. </a:t>
-            </a:r>
-          </a:p>
-          <a:p>
-            <a:endParaRPr lang="pt-BR" altLang="ko-KR" dirty="0"/>
-          </a:p>
-          <a:p>
-            <a:pPr marL="285750" indent="-285750">
-              <a:buFontTx/>
-              <a:buChar char="-"/>
-            </a:pPr>
-            <a:r>
-              <a:rPr lang="pt-BR" altLang="ko-KR" dirty="0"/>
-              <a:t>&gt; </a:t>
+              <a:t>VCC</a:t>
             </a:r>
             <a:r>
               <a:rPr lang="ko-KR" altLang="en-US" dirty="0"/>
-              <a:t>각 문장 시작과 끝 토큰 추가</a:t>
+              <a:t>가 모든 기준 방법을 능가할 수 있지만 여전히 완벽하지는 않습니다</a:t>
             </a:r>
             <a:r>
               <a:rPr lang="en-US" altLang="ko-KR" dirty="0"/>
-              <a:t>.</a:t>
-            </a:r>
-          </a:p>
-          <a:p>
-            <a:pPr marL="285750" indent="-285750">
-              <a:buFontTx/>
-              <a:buChar char="-"/>
-            </a:pPr>
-            <a:r>
-              <a:rPr lang="en-US" altLang="ko-KR" dirty="0"/>
-              <a:t>&gt; </a:t>
-            </a:r>
-            <a:r>
-              <a:rPr lang="ko-KR" altLang="en-US" dirty="0"/>
-              <a:t>문장 내 단어의 위치 의미 </a:t>
-            </a:r>
-            <a:r>
-              <a:rPr lang="en-US" altLang="ko-KR" dirty="0"/>
-              <a:t>position embedding</a:t>
-            </a:r>
-            <a:r>
-              <a:rPr lang="ko-KR" altLang="en-US" dirty="0"/>
-              <a:t> 추가</a:t>
-            </a:r>
-            <a:endParaRPr lang="en-US" altLang="ko-KR" dirty="0"/>
-          </a:p>
-          <a:p>
-            <a:pPr marL="285750" indent="-285750">
-              <a:buFontTx/>
-              <a:buChar char="-"/>
-            </a:pPr>
-            <a:r>
-              <a:rPr lang="en-US" altLang="ko-KR" dirty="0"/>
-              <a:t>&gt; </a:t>
-            </a:r>
-            <a:r>
-              <a:rPr lang="en-US" altLang="ko-KR" dirty="0" err="1"/>
-              <a:t>RoI</a:t>
-            </a:r>
-            <a:r>
-              <a:rPr lang="ko-KR" altLang="en-US" dirty="0"/>
-              <a:t> </a:t>
-            </a:r>
-            <a:r>
-              <a:rPr lang="en-US" altLang="ko-KR" dirty="0"/>
-              <a:t>feature</a:t>
-            </a:r>
-            <a:r>
-              <a:rPr lang="ko-KR" altLang="en-US" dirty="0"/>
-              <a:t>와 </a:t>
-            </a:r>
-            <a:r>
-              <a:rPr lang="en-US" altLang="ko-KR" dirty="0"/>
-              <a:t>person id embedding</a:t>
-            </a:r>
-            <a:r>
-              <a:rPr lang="ko-KR" altLang="en-US" dirty="0"/>
-              <a:t>을 합한다</a:t>
-            </a:r>
-            <a:r>
-              <a:rPr lang="en-US" altLang="ko-KR" dirty="0"/>
-              <a:t>.</a:t>
-            </a:r>
-          </a:p>
-          <a:p>
-            <a:pPr marL="285750" indent="-285750">
-              <a:buFontTx/>
-              <a:buChar char="-"/>
-            </a:pPr>
-            <a:endParaRPr lang="en-US" altLang="ko-KR" dirty="0"/>
-          </a:p>
-          <a:p>
-            <a:pPr marL="285750" indent="-285750">
-              <a:buFont typeface="Arial" panose="020B0604020202020204" pitchFamily="34" charset="0"/>
-              <a:buChar char="•"/>
-            </a:pPr>
-            <a:r>
-              <a:rPr lang="ko-KR" altLang="en-US" dirty="0"/>
-              <a:t>추론 집합 </a:t>
-            </a:r>
-            <a:r>
-              <a:rPr lang="pt-BR" altLang="ko-KR" dirty="0"/>
-              <a:t>H = {s r 1 , sr 2 , ...sr |H| }</a:t>
-            </a:r>
-          </a:p>
-          <a:p>
-            <a:pPr marL="285750" indent="-285750">
-              <a:buFontTx/>
-              <a:buChar char="-"/>
-            </a:pPr>
-            <a:endParaRPr lang="pt-BR" altLang="ko-KR" dirty="0"/>
-          </a:p>
-          <a:p>
-            <a:pPr marL="285750" indent="-285750">
-              <a:buFont typeface="Arial" panose="020B0604020202020204" pitchFamily="34" charset="0"/>
-              <a:buChar char="•"/>
-            </a:pPr>
-            <a:r>
-              <a:rPr lang="ko-KR" altLang="en-US" dirty="0"/>
-              <a:t>이미지만 주어지는 경우에도 추론 집합을 생성해낸다</a:t>
-            </a:r>
-            <a:r>
-              <a:rPr lang="en-US" altLang="ko-KR" dirty="0"/>
-              <a:t>.</a:t>
-            </a:r>
-            <a:endParaRPr lang="pt-BR" altLang="ko-KR" dirty="0"/>
-          </a:p>
-          <a:p>
-            <a:endParaRPr lang="en-US" altLang="ko-KR" dirty="0"/>
-          </a:p>
-          <a:p>
-            <a:r>
-              <a:rPr lang="en-US" altLang="ko-KR" dirty="0"/>
-              <a:t>	</a:t>
-            </a:r>
+              <a:t>. </a:t>
+            </a:r>
+            <a:endParaRPr lang="ko-KR" altLang="en-US" dirty="0"/>
           </a:p>
         </p:txBody>
       </p:sp>
-      <p:sp>
-        <p:nvSpPr>
-          <p:cNvPr id="4" name="슬라이드 번호 개체 틀 3">
-            <a:extLst>
-              <a:ext uri="{FF2B5EF4-FFF2-40B4-BE49-F238E27FC236}">
-                <a16:creationId xmlns:a16="http://schemas.microsoft.com/office/drawing/2014/main" id="{B11A7AB9-7540-40FD-94B6-0135A3ED289C}"/>
-              </a:ext>
-            </a:extLst>
-          </p:cNvPr>
-          <p:cNvSpPr>
-            <a:spLocks noGrp="1"/>
-          </p:cNvSpPr>
-          <p:nvPr>
-            <p:ph type="sldNum" sz="quarter" idx="12"/>
-          </p:nvPr>
-        </p:nvSpPr>
-        <p:spPr>
-          <a:xfrm>
-            <a:off x="8563187" y="6379936"/>
-            <a:ext cx="2743200" cy="365125"/>
-          </a:xfrm>
-        </p:spPr>
-        <p:txBody>
-          <a:bodyPr/>
-          <a:lstStyle/>
-          <a:p>
-            <a:fld id="{C3EC3709-AF19-4BC3-8020-8E9C5E0E1F7D}" type="slidenum">
-              <a:rPr lang="ko-KR" altLang="en-US" smtClean="0"/>
-              <a:t>12</a:t>
-            </a:fld>
-            <a:endParaRPr lang="ko-KR" altLang="en-US"/>
-          </a:p>
-        </p:txBody>
-      </p:sp>
-      <p:pic>
-        <p:nvPicPr>
-          <p:cNvPr id="2" name="그림 1">
-            <a:extLst>
-              <a:ext uri="{FF2B5EF4-FFF2-40B4-BE49-F238E27FC236}">
-                <a16:creationId xmlns:a16="http://schemas.microsoft.com/office/drawing/2014/main" id="{437CB6B4-4C50-4456-B68C-7DC5BC5924FA}"/>
-              </a:ext>
-            </a:extLst>
-          </p:cNvPr>
-          <p:cNvPicPr>
-            <a:picLocks noChangeAspect="1"/>
-          </p:cNvPicPr>
-          <p:nvPr/>
-        </p:nvPicPr>
-        <p:blipFill rotWithShape="1">
-          <a:blip r:embed="rId2"/>
-          <a:srcRect l="5774" r="3862"/>
-          <a:stretch/>
-        </p:blipFill>
-        <p:spPr>
-          <a:xfrm>
-            <a:off x="6762308" y="1925568"/>
-            <a:ext cx="5247168" cy="2848450"/>
-          </a:xfrm>
-          <a:prstGeom prst="rect">
-            <a:avLst/>
-          </a:prstGeom>
-        </p:spPr>
-      </p:pic>
     </p:spTree>
     <p:extLst>
       <p:ext uri="{BB962C8B-B14F-4D97-AF65-F5344CB8AC3E}">
-        <p14:creationId xmlns:p14="http://schemas.microsoft.com/office/powerpoint/2010/main" val="4125743565"/>
+        <p14:creationId xmlns:p14="http://schemas.microsoft.com/office/powerpoint/2010/main" val="1245178148"/>
       </p:ext>
     </p:extLst>
   </p:cSld>
@@ -4930,10 +6930,44 @@
       </p:sp>
       <p:sp>
         <p:nvSpPr>
+          <p:cNvPr id="4" name="슬라이드 번호 개체 틀 3">
+            <a:extLst>
+              <a:ext uri="{FF2B5EF4-FFF2-40B4-BE49-F238E27FC236}">
+                <a16:creationId xmlns:a16="http://schemas.microsoft.com/office/drawing/2014/main" id="{B11A7AB9-7540-40FD-94B6-0135A3ED289C}"/>
+              </a:ext>
+            </a:extLst>
+          </p:cNvPr>
+          <p:cNvSpPr>
+            <a:spLocks noGrp="1"/>
+          </p:cNvSpPr>
+          <p:nvPr>
+            <p:ph type="sldNum" sz="quarter" idx="12"/>
+          </p:nvPr>
+        </p:nvSpPr>
+        <p:spPr>
+          <a:xfrm>
+            <a:off x="8563187" y="6379936"/>
+            <a:ext cx="2743200" cy="365125"/>
+          </a:xfrm>
+        </p:spPr>
+        <p:txBody>
+          <a:bodyPr/>
+          <a:lstStyle/>
+          <a:p>
+            <a:fld id="{C3EC3709-AF19-4BC3-8020-8E9C5E0E1F7D}" type="slidenum">
+              <a:rPr lang="ko-KR" altLang="en-US" smtClean="0"/>
+              <a:t>13</a:t>
+            </a:fld>
+            <a:endParaRPr lang="ko-KR" altLang="en-US"/>
+          </a:p>
+        </p:txBody>
+      </p:sp>
+      <p:sp>
+        <p:nvSpPr>
           <p:cNvPr id="9" name="TextBox 8">
             <a:extLst>
               <a:ext uri="{FF2B5EF4-FFF2-40B4-BE49-F238E27FC236}">
-                <a16:creationId xmlns:a16="http://schemas.microsoft.com/office/drawing/2014/main" id="{6751EDA1-7052-4FC5-90E8-A7950631D08D}"/>
+                <a16:creationId xmlns:a16="http://schemas.microsoft.com/office/drawing/2014/main" id="{19B6216F-12C7-418D-A944-6484C1992BBE}"/>
               </a:ext>
             </a:extLst>
           </p:cNvPr>
@@ -4942,8 +6976,8 @@
         </p:nvSpPr>
         <p:spPr>
           <a:xfrm>
-            <a:off x="360218" y="160712"/>
-            <a:ext cx="4017818" cy="523220"/>
+            <a:off x="231339" y="182031"/>
+            <a:ext cx="11782163" cy="461665"/>
           </a:xfrm>
           <a:prstGeom prst="rect">
             <a:avLst/>
@@ -4957,171 +6991,26 @@
           <a:lstStyle/>
           <a:p>
             <a:r>
-              <a:rPr lang="en-US" altLang="ko-KR" sz="2800" dirty="0" err="1"/>
-              <a:t>Evalutation</a:t>
-            </a:r>
-            <a:r>
-              <a:rPr lang="en-US" altLang="ko-KR" sz="2800" dirty="0"/>
+              <a:rPr lang="ko-KR" altLang="en-US" sz="2400"/>
+              <a:t>실행</a:t>
+            </a:r>
+            <a:r>
+              <a:rPr lang="en-US" altLang="ko-KR" sz="2400" dirty="0"/>
               <a:t> </a:t>
             </a:r>
-            <a:endParaRPr lang="ko-KR" altLang="en-US" sz="2800" dirty="0"/>
-          </a:p>
-        </p:txBody>
-      </p:sp>
-      <p:sp>
-        <p:nvSpPr>
-          <p:cNvPr id="4" name="슬라이드 번호 개체 틀 3">
-            <a:extLst>
-              <a:ext uri="{FF2B5EF4-FFF2-40B4-BE49-F238E27FC236}">
-                <a16:creationId xmlns:a16="http://schemas.microsoft.com/office/drawing/2014/main" id="{B11A7AB9-7540-40FD-94B6-0135A3ED289C}"/>
-              </a:ext>
-            </a:extLst>
-          </p:cNvPr>
-          <p:cNvSpPr>
-            <a:spLocks noGrp="1"/>
-          </p:cNvSpPr>
-          <p:nvPr>
-            <p:ph type="sldNum" sz="quarter" idx="12"/>
-          </p:nvPr>
-        </p:nvSpPr>
-        <p:spPr>
-          <a:xfrm>
-            <a:off x="8563187" y="6379936"/>
-            <a:ext cx="2743200" cy="365125"/>
-          </a:xfrm>
-        </p:spPr>
-        <p:txBody>
-          <a:bodyPr/>
-          <a:lstStyle/>
-          <a:p>
-            <a:fld id="{C3EC3709-AF19-4BC3-8020-8E9C5E0E1F7D}" type="slidenum">
-              <a:rPr lang="ko-KR" altLang="en-US" smtClean="0"/>
-              <a:t>13</a:t>
-            </a:fld>
-            <a:endParaRPr lang="ko-KR" altLang="en-US"/>
-          </a:p>
-        </p:txBody>
-      </p:sp>
-      <p:sp>
-        <p:nvSpPr>
-          <p:cNvPr id="11" name="TextBox 10">
-            <a:extLst>
-              <a:ext uri="{FF2B5EF4-FFF2-40B4-BE49-F238E27FC236}">
-                <a16:creationId xmlns:a16="http://schemas.microsoft.com/office/drawing/2014/main" id="{F59BD7AC-7C25-428D-9D2A-984C83151C9D}"/>
-              </a:ext>
-            </a:extLst>
-          </p:cNvPr>
-          <p:cNvSpPr txBox="1"/>
-          <p:nvPr/>
-        </p:nvSpPr>
-        <p:spPr>
-          <a:xfrm>
-            <a:off x="717973" y="1266613"/>
-            <a:ext cx="10993120" cy="1200329"/>
-          </a:xfrm>
-          <a:prstGeom prst="rect">
-            <a:avLst/>
-          </a:prstGeom>
-          <a:noFill/>
-        </p:spPr>
-        <p:txBody>
-          <a:bodyPr wrap="square" rtlCol="0">
-            <a:spAutoFit/>
-          </a:bodyPr>
-          <a:lstStyle/>
-          <a:p>
-            <a:pPr marL="285750" indent="-285750">
-              <a:lnSpc>
-                <a:spcPct val="150000"/>
-              </a:lnSpc>
-              <a:buFont typeface="Arial" panose="020B0604020202020204" pitchFamily="34" charset="0"/>
-              <a:buChar char="•"/>
-            </a:pPr>
-            <a:r>
-              <a:rPr lang="en-US" altLang="ko-KR" dirty="0"/>
-              <a:t>Batch</a:t>
-            </a:r>
-            <a:r>
-              <a:rPr lang="ko-KR" altLang="en-US" dirty="0"/>
-              <a:t> </a:t>
-            </a:r>
-            <a:r>
-              <a:rPr lang="en-US" altLang="ko-KR" dirty="0"/>
-              <a:t>size</a:t>
-            </a:r>
-            <a:r>
-              <a:rPr lang="ko-KR" altLang="en-US" dirty="0"/>
-              <a:t>를 </a:t>
-            </a:r>
-            <a:r>
-              <a:rPr lang="en-US" altLang="ko-KR" dirty="0"/>
-              <a:t>64-&gt;32-&gt;4 </a:t>
-            </a:r>
-            <a:r>
-              <a:rPr lang="ko-KR" altLang="en-US" dirty="0"/>
-              <a:t>로 줄이며 실행을 하였지만 반복적인</a:t>
-            </a:r>
-            <a:r>
-              <a:rPr lang="en-US" altLang="ko-KR" dirty="0"/>
-              <a:t>out of memory  </a:t>
-            </a:r>
-            <a:r>
-              <a:rPr lang="ko-KR" altLang="en-US" dirty="0"/>
-              <a:t>문제 발생</a:t>
-            </a:r>
-            <a:r>
-              <a:rPr lang="en-US" altLang="ko-KR" dirty="0"/>
-              <a:t>.</a:t>
-            </a:r>
-          </a:p>
-          <a:p>
-            <a:pPr marL="342900" indent="-342900">
-              <a:lnSpc>
-                <a:spcPct val="150000"/>
-              </a:lnSpc>
-              <a:buFont typeface="Arial" panose="020B0604020202020204" pitchFamily="34" charset="0"/>
-              <a:buChar char="•"/>
-            </a:pPr>
-            <a:r>
-              <a:rPr lang="en-US" altLang="ko-KR" dirty="0"/>
-              <a:t>Import torch </a:t>
-            </a:r>
-            <a:r>
-              <a:rPr lang="en-US" altLang="ko-KR" dirty="0" err="1"/>
-              <a:t>Torch.cuda.cache_empty</a:t>
-            </a:r>
-            <a:r>
-              <a:rPr lang="en-US" altLang="ko-KR" dirty="0"/>
-              <a:t>()</a:t>
-            </a:r>
-            <a:r>
-              <a:rPr lang="ko-KR" altLang="en-US" dirty="0"/>
-              <a:t>를</a:t>
-            </a:r>
-            <a:r>
-              <a:rPr lang="en-US" altLang="ko-KR" dirty="0"/>
-              <a:t>  </a:t>
-            </a:r>
-            <a:r>
-              <a:rPr lang="ko-KR" altLang="en-US" dirty="0"/>
-              <a:t>사용하여 메모리를 비워 보았지만 같은 문제가 발생하였다</a:t>
-            </a:r>
-            <a:r>
-              <a:rPr lang="en-US" altLang="ko-KR" dirty="0"/>
-              <a:t>.</a:t>
-            </a:r>
-          </a:p>
-          <a:p>
-            <a:endParaRPr lang="ko-KR" altLang="en-US" dirty="0"/>
+            <a:r>
+              <a:rPr lang="ko-KR" altLang="en-US" sz="2400" dirty="0"/>
+              <a:t>결과</a:t>
+            </a:r>
           </a:p>
         </p:txBody>
       </p:sp>
       <p:pic>
         <p:nvPicPr>
-          <p:cNvPr id="12" name="그림 11">
-            <a:extLst>
-              <a:ext uri="{FF2B5EF4-FFF2-40B4-BE49-F238E27FC236}">
-                <a16:creationId xmlns:a16="http://schemas.microsoft.com/office/drawing/2014/main" id="{27735493-6687-4AAF-926D-FF6DFCF38F53}"/>
+          <p:cNvPr id="11" name="Picture 3">
+            <a:extLst>
+              <a:ext uri="{FF2B5EF4-FFF2-40B4-BE49-F238E27FC236}">
+                <a16:creationId xmlns:a16="http://schemas.microsoft.com/office/drawing/2014/main" id="{B1537176-CF14-4EBA-B2AF-0337A722EA85}"/>
               </a:ext>
             </a:extLst>
           </p:cNvPr>
@@ -5131,25 +7020,32 @@
           <p:nvPr/>
         </p:nvPicPr>
         <p:blipFill>
-          <a:blip r:embed="rId2"/>
+          <a:blip r:embed="rId2">
+            <a:extLst/>
+          </a:blip>
           <a:stretch>
             <a:fillRect/>
           </a:stretch>
         </p:blipFill>
         <p:spPr>
           <a:xfrm>
-            <a:off x="2612715" y="3260746"/>
-            <a:ext cx="5665311" cy="2577867"/>
+            <a:off x="571499" y="1195160"/>
+            <a:ext cx="10428291" cy="5549901"/>
           </a:xfrm>
           <a:prstGeom prst="rect">
             <a:avLst/>
           </a:prstGeom>
+          <a:noFill/>
+          <a:ln>
+            <a:noFill/>
+          </a:ln>
+          <a:effectLst/>
         </p:spPr>
       </p:pic>
     </p:spTree>
     <p:extLst>
       <p:ext uri="{BB962C8B-B14F-4D97-AF65-F5344CB8AC3E}">
-        <p14:creationId xmlns:p14="http://schemas.microsoft.com/office/powerpoint/2010/main" val="2951588750"/>
+        <p14:creationId xmlns:p14="http://schemas.microsoft.com/office/powerpoint/2010/main" val="619552536"/>
       </p:ext>
     </p:extLst>
   </p:cSld>
@@ -5238,10 +7134,44 @@
       </p:sp>
       <p:sp>
         <p:nvSpPr>
+          <p:cNvPr id="4" name="슬라이드 번호 개체 틀 3">
+            <a:extLst>
+              <a:ext uri="{FF2B5EF4-FFF2-40B4-BE49-F238E27FC236}">
+                <a16:creationId xmlns:a16="http://schemas.microsoft.com/office/drawing/2014/main" id="{B11A7AB9-7540-40FD-94B6-0135A3ED289C}"/>
+              </a:ext>
+            </a:extLst>
+          </p:cNvPr>
+          <p:cNvSpPr>
+            <a:spLocks noGrp="1"/>
+          </p:cNvSpPr>
+          <p:nvPr>
+            <p:ph type="sldNum" sz="quarter" idx="12"/>
+          </p:nvPr>
+        </p:nvSpPr>
+        <p:spPr>
+          <a:xfrm>
+            <a:off x="8563187" y="6379936"/>
+            <a:ext cx="2743200" cy="365125"/>
+          </a:xfrm>
+        </p:spPr>
+        <p:txBody>
+          <a:bodyPr/>
+          <a:lstStyle/>
+          <a:p>
+            <a:fld id="{C3EC3709-AF19-4BC3-8020-8E9C5E0E1F7D}" type="slidenum">
+              <a:rPr lang="ko-KR" altLang="en-US" smtClean="0"/>
+              <a:t>14</a:t>
+            </a:fld>
+            <a:endParaRPr lang="ko-KR" altLang="en-US"/>
+          </a:p>
+        </p:txBody>
+      </p:sp>
+      <p:sp>
+        <p:nvSpPr>
           <p:cNvPr id="9" name="TextBox 8">
             <a:extLst>
               <a:ext uri="{FF2B5EF4-FFF2-40B4-BE49-F238E27FC236}">
-                <a16:creationId xmlns:a16="http://schemas.microsoft.com/office/drawing/2014/main" id="{6751EDA1-7052-4FC5-90E8-A7950631D08D}"/>
+                <a16:creationId xmlns:a16="http://schemas.microsoft.com/office/drawing/2014/main" id="{19B6216F-12C7-418D-A944-6484C1992BBE}"/>
               </a:ext>
             </a:extLst>
           </p:cNvPr>
@@ -5250,8 +7180,8 @@
         </p:nvSpPr>
         <p:spPr>
           <a:xfrm>
-            <a:off x="360218" y="160712"/>
-            <a:ext cx="4017818" cy="523220"/>
+            <a:off x="231339" y="182031"/>
+            <a:ext cx="11782163" cy="461665"/>
           </a:xfrm>
           <a:prstGeom prst="rect">
             <a:avLst/>
@@ -5265,450 +7195,65 @@
           <a:lstStyle/>
           <a:p>
             <a:r>
-              <a:rPr lang="ko-KR" altLang="en-US" sz="2800" dirty="0"/>
-              <a:t>학습 내용</a:t>
+              <a:rPr lang="en-US" altLang="ko-KR" sz="2400" dirty="0"/>
+              <a:t>test Result </a:t>
+            </a:r>
+            <a:r>
+              <a:rPr lang="ko-KR" altLang="en-US" sz="2400" dirty="0"/>
+              <a:t>일치 </a:t>
+            </a:r>
+            <a:r>
+              <a:rPr lang="ko-KR" altLang="en-US" sz="2400" dirty="0" err="1"/>
+              <a:t>안했을</a:t>
+            </a:r>
+            <a:r>
+              <a:rPr lang="ko-KR" altLang="en-US" sz="2400" dirty="0"/>
+              <a:t> 때 결과</a:t>
             </a:r>
           </a:p>
         </p:txBody>
       </p:sp>
-      <p:sp>
-        <p:nvSpPr>
-          <p:cNvPr id="4" name="슬라이드 번호 개체 틀 3">
-            <a:extLst>
-              <a:ext uri="{FF2B5EF4-FFF2-40B4-BE49-F238E27FC236}">
-                <a16:creationId xmlns:a16="http://schemas.microsoft.com/office/drawing/2014/main" id="{94914979-2046-440F-8040-5BDAC328493F}"/>
-              </a:ext>
-            </a:extLst>
-          </p:cNvPr>
-          <p:cNvSpPr>
-            <a:spLocks noGrp="1"/>
-          </p:cNvSpPr>
-          <p:nvPr>
-            <p:ph type="sldNum" sz="quarter" idx="12"/>
-          </p:nvPr>
-        </p:nvSpPr>
-        <p:spPr/>
-        <p:txBody>
-          <a:bodyPr/>
-          <a:lstStyle/>
-          <a:p>
-            <a:fld id="{C3EC3709-AF19-4BC3-8020-8E9C5E0E1F7D}" type="slidenum">
-              <a:rPr lang="ko-KR" altLang="en-US" smtClean="0"/>
-              <a:t>14</a:t>
-            </a:fld>
-            <a:endParaRPr lang="ko-KR" altLang="en-US"/>
-          </a:p>
-        </p:txBody>
-      </p:sp>
-      <p:grpSp>
-        <p:nvGrpSpPr>
-          <p:cNvPr id="15" name="그룹 14">
-            <a:extLst>
-              <a:ext uri="{FF2B5EF4-FFF2-40B4-BE49-F238E27FC236}">
-                <a16:creationId xmlns:a16="http://schemas.microsoft.com/office/drawing/2014/main" id="{D425F6E0-048C-4CEB-AD8B-66A98105B284}"/>
-              </a:ext>
-            </a:extLst>
-          </p:cNvPr>
-          <p:cNvGrpSpPr/>
+      <p:pic>
+        <p:nvPicPr>
+          <p:cNvPr id="11" name="Picture 3">
+            <a:extLst>
+              <a:ext uri="{FF2B5EF4-FFF2-40B4-BE49-F238E27FC236}">
+                <a16:creationId xmlns:a16="http://schemas.microsoft.com/office/drawing/2014/main" id="{B1537176-CF14-4EBA-B2AF-0337A722EA85}"/>
+              </a:ext>
+            </a:extLst>
+          </p:cNvPr>
+          <p:cNvPicPr>
+            <a:picLocks noChangeAspect="1"/>
+          </p:cNvPicPr>
           <p:nvPr/>
-        </p:nvGrpSpPr>
-        <p:grpSpPr>
+        </p:nvPicPr>
+        <p:blipFill>
+          <a:blip r:embed="rId2">
+            <a:extLst/>
+          </a:blip>
+          <a:stretch>
+            <a:fillRect/>
+          </a:stretch>
+        </p:blipFill>
+        <p:spPr>
           <a:xfrm>
-            <a:off x="360217" y="986443"/>
-            <a:ext cx="11831783" cy="5582601"/>
-            <a:chOff x="360218" y="1097592"/>
-            <a:chExt cx="11831783" cy="5582601"/>
+            <a:off x="571499" y="1195160"/>
+            <a:ext cx="10428291" cy="5549901"/>
           </a:xfrm>
-        </p:grpSpPr>
-        <p:sp>
-          <p:nvSpPr>
-            <p:cNvPr id="2" name="TextBox 1">
-              <a:extLst>
-                <a:ext uri="{FF2B5EF4-FFF2-40B4-BE49-F238E27FC236}">
-                  <a16:creationId xmlns:a16="http://schemas.microsoft.com/office/drawing/2014/main" id="{15F8723D-EE4A-4EDC-88AE-97C128821D62}"/>
-                </a:ext>
-              </a:extLst>
-            </p:cNvPr>
-            <p:cNvSpPr txBox="1"/>
-            <p:nvPr/>
-          </p:nvSpPr>
-          <p:spPr>
-            <a:xfrm>
-              <a:off x="360218" y="1097592"/>
-              <a:ext cx="11831783" cy="3362780"/>
-            </a:xfrm>
-            <a:prstGeom prst="rect">
-              <a:avLst/>
-            </a:prstGeom>
+          <a:prstGeom prst="rect">
+            <a:avLst/>
+          </a:prstGeom>
+          <a:noFill/>
+          <a:ln>
             <a:noFill/>
-          </p:spPr>
-          <p:txBody>
-            <a:bodyPr wrap="square" rtlCol="0">
-              <a:spAutoFit/>
-            </a:bodyPr>
-            <a:lstStyle/>
-            <a:p>
-              <a:pPr marL="285750" indent="-285750">
-                <a:lnSpc>
-                  <a:spcPct val="150000"/>
-                </a:lnSpc>
-                <a:buFont typeface="Arial" panose="020B0604020202020204" pitchFamily="34" charset="0"/>
-                <a:buChar char="•"/>
-              </a:pPr>
-              <a:r>
-                <a:rPr lang="en-US" altLang="ko-KR" dirty="0"/>
-                <a:t>Seq2seq :</a:t>
-              </a:r>
-            </a:p>
-            <a:p>
-              <a:pPr marL="742950" lvl="1" indent="-285750">
-                <a:lnSpc>
-                  <a:spcPct val="150000"/>
-                </a:lnSpc>
-                <a:buFontTx/>
-                <a:buChar char="-"/>
-              </a:pPr>
-              <a:r>
-                <a:rPr lang="ko-KR" altLang="en-US" dirty="0"/>
-                <a:t>입력된 시퀀스로부터 다른 도메인의 시퀀스를 출력</a:t>
-              </a:r>
-              <a:r>
-                <a:rPr lang="en-US" altLang="ko-KR" dirty="0"/>
-                <a:t>.</a:t>
-              </a:r>
-            </a:p>
-            <a:p>
-              <a:pPr marL="742950" lvl="1" indent="-285750">
-                <a:lnSpc>
-                  <a:spcPct val="150000"/>
-                </a:lnSpc>
-                <a:buFontTx/>
-                <a:buChar char="-"/>
-              </a:pPr>
-              <a:r>
-                <a:rPr lang="en-US" altLang="ko-KR" dirty="0"/>
-                <a:t>Encoder – decoder</a:t>
-              </a:r>
-              <a:r>
-                <a:rPr lang="ko-KR" altLang="en-US" dirty="0"/>
-                <a:t> 구조</a:t>
-              </a:r>
-              <a:endParaRPr lang="en-US" altLang="ko-KR" dirty="0"/>
-            </a:p>
-            <a:p>
-              <a:pPr marL="742950" lvl="1" indent="-285750">
-                <a:lnSpc>
-                  <a:spcPct val="150000"/>
-                </a:lnSpc>
-                <a:buFontTx/>
-                <a:buChar char="-"/>
-              </a:pPr>
-              <a:r>
-                <a:rPr lang="ko-KR" altLang="en-US" dirty="0"/>
-                <a:t>인코더는 입력 문장을 받고 </a:t>
-              </a:r>
-              <a:r>
-                <a:rPr lang="ko-KR" altLang="en-US" dirty="0" err="1"/>
-                <a:t>디코더는</a:t>
-              </a:r>
-              <a:r>
-                <a:rPr lang="ko-KR" altLang="en-US" dirty="0"/>
-                <a:t> 문장을 출력한다</a:t>
-              </a:r>
-              <a:r>
-                <a:rPr lang="en-US" altLang="ko-KR" dirty="0"/>
-                <a:t>.</a:t>
-              </a:r>
-            </a:p>
-            <a:p>
-              <a:pPr marL="742950" lvl="1" indent="-285750">
-                <a:lnSpc>
-                  <a:spcPct val="150000"/>
-                </a:lnSpc>
-                <a:buFontTx/>
-                <a:buChar char="-"/>
-              </a:pPr>
-              <a:r>
-                <a:rPr lang="ko-KR" altLang="en-US" dirty="0"/>
-                <a:t>입력되는 단어는 단어를 벡터로 변환하는 </a:t>
-              </a:r>
-              <a:r>
-                <a:rPr lang="en-US" altLang="ko-KR" dirty="0"/>
-                <a:t>embedding </a:t>
-              </a:r>
-              <a:r>
-                <a:rPr lang="ko-KR" altLang="en-US" dirty="0"/>
-                <a:t>과정을 거친다</a:t>
-              </a:r>
-              <a:r>
-                <a:rPr lang="en-US" altLang="ko-KR" dirty="0"/>
-                <a:t>.</a:t>
-              </a:r>
-            </a:p>
-            <a:p>
-              <a:pPr marL="742950" lvl="1" indent="-285750">
-                <a:lnSpc>
-                  <a:spcPct val="150000"/>
-                </a:lnSpc>
-                <a:buFontTx/>
-                <a:buChar char="-"/>
-              </a:pPr>
-              <a:r>
-                <a:rPr lang="en-US" altLang="ko-KR" dirty="0"/>
-                <a:t>encoder</a:t>
-              </a:r>
-              <a:r>
-                <a:rPr lang="ko-KR" altLang="en-US" dirty="0"/>
-                <a:t>는 </a:t>
-              </a:r>
-              <a:r>
-                <a:rPr lang="en-US" altLang="ko-KR" dirty="0" err="1"/>
-                <a:t>lstm</a:t>
-              </a:r>
-              <a:r>
-                <a:rPr lang="en-US" altLang="ko-KR" dirty="0"/>
-                <a:t> </a:t>
-              </a:r>
-              <a:r>
-                <a:rPr lang="ko-KR" altLang="en-US" dirty="0"/>
-                <a:t>셀의 마지막 시점의 은닉 상태인 컨텍스트 벡터를 </a:t>
-              </a:r>
-              <a:r>
-                <a:rPr lang="en-US" altLang="ko-KR" dirty="0"/>
-                <a:t>decoder</a:t>
-              </a:r>
-              <a:r>
-                <a:rPr lang="ko-KR" altLang="en-US" dirty="0"/>
-                <a:t>로 넘겨준다</a:t>
-              </a:r>
-              <a:r>
-                <a:rPr lang="en-US" altLang="ko-KR" dirty="0"/>
-                <a:t>.</a:t>
-              </a:r>
-            </a:p>
-            <a:p>
-              <a:pPr marL="742950" lvl="1" indent="-285750">
-                <a:lnSpc>
-                  <a:spcPct val="150000"/>
-                </a:lnSpc>
-                <a:buFontTx/>
-                <a:buChar char="-"/>
-              </a:pPr>
-              <a:r>
-                <a:rPr lang="en-US" altLang="ko-KR" dirty="0"/>
-                <a:t>Decoder</a:t>
-              </a:r>
-              <a:r>
-                <a:rPr lang="ko-KR" altLang="en-US" dirty="0"/>
-                <a:t>는 </a:t>
-              </a:r>
-              <a:r>
-                <a:rPr lang="en-US" altLang="ko-KR" dirty="0"/>
-                <a:t>&lt;</a:t>
-              </a:r>
-              <a:r>
-                <a:rPr lang="en-US" altLang="ko-KR" dirty="0" err="1"/>
-                <a:t>sos</a:t>
-              </a:r>
-              <a:r>
-                <a:rPr lang="en-US" altLang="ko-KR" dirty="0"/>
-                <a:t>&gt; </a:t>
-              </a:r>
-              <a:r>
-                <a:rPr lang="ko-KR" altLang="en-US" dirty="0"/>
-                <a:t>입력으로 시작되어 </a:t>
-              </a:r>
-              <a:r>
-                <a:rPr lang="en-US" altLang="ko-KR" dirty="0"/>
-                <a:t>&lt;</a:t>
-              </a:r>
-              <a:r>
-                <a:rPr lang="en-US" altLang="ko-KR" dirty="0" err="1"/>
-                <a:t>eos</a:t>
-              </a:r>
-              <a:r>
-                <a:rPr lang="en-US" altLang="ko-KR" dirty="0"/>
-                <a:t>&gt; </a:t>
-              </a:r>
-              <a:r>
-                <a:rPr lang="ko-KR" altLang="en-US" dirty="0"/>
-                <a:t>토큰이 나오기 전까지 </a:t>
-              </a:r>
-              <a:r>
-                <a:rPr lang="en-US" altLang="ko-KR" dirty="0" err="1"/>
-                <a:t>softmax</a:t>
-              </a:r>
-              <a:r>
-                <a:rPr lang="ko-KR" altLang="en-US" dirty="0"/>
-                <a:t>로 다음에 등장할 확률이 높은 단어를 예측한다</a:t>
-              </a:r>
-              <a:r>
-                <a:rPr lang="en-US" altLang="ko-KR" dirty="0"/>
-                <a:t>.</a:t>
-              </a:r>
-            </a:p>
-          </p:txBody>
-        </p:sp>
-        <p:grpSp>
-          <p:nvGrpSpPr>
-            <p:cNvPr id="13" name="그룹 12">
-              <a:extLst>
-                <a:ext uri="{FF2B5EF4-FFF2-40B4-BE49-F238E27FC236}">
-                  <a16:creationId xmlns:a16="http://schemas.microsoft.com/office/drawing/2014/main" id="{5C6145CC-0261-475A-BDF8-B7B3E7A42C31}"/>
-                </a:ext>
-              </a:extLst>
-            </p:cNvPr>
-            <p:cNvGrpSpPr/>
-            <p:nvPr/>
-          </p:nvGrpSpPr>
-          <p:grpSpPr>
-            <a:xfrm>
-              <a:off x="3232453" y="4010266"/>
-              <a:ext cx="5999375" cy="1919635"/>
-              <a:chOff x="2711491" y="3622771"/>
-              <a:chExt cx="6894937" cy="2656644"/>
-            </a:xfrm>
-          </p:grpSpPr>
-          <p:pic>
-            <p:nvPicPr>
-              <p:cNvPr id="6" name="그림 5">
-                <a:extLst>
-                  <a:ext uri="{FF2B5EF4-FFF2-40B4-BE49-F238E27FC236}">
-                    <a16:creationId xmlns:a16="http://schemas.microsoft.com/office/drawing/2014/main" id="{7E40AD50-E723-49A1-83F7-37B4C91C0045}"/>
-                  </a:ext>
-                </a:extLst>
-              </p:cNvPr>
-              <p:cNvPicPr>
-                <a:picLocks noChangeAspect="1"/>
-              </p:cNvPicPr>
-              <p:nvPr/>
-            </p:nvPicPr>
-            <p:blipFill rotWithShape="1">
-              <a:blip r:embed="rId2"/>
-              <a:srcRect r="48651" b="-73"/>
-              <a:stretch/>
-            </p:blipFill>
-            <p:spPr>
-              <a:xfrm>
-                <a:off x="2711491" y="3991755"/>
-                <a:ext cx="4123162" cy="2287660"/>
-              </a:xfrm>
-              <a:prstGeom prst="rect">
-                <a:avLst/>
-              </a:prstGeom>
-            </p:spPr>
-          </p:pic>
-          <p:pic>
-            <p:nvPicPr>
-              <p:cNvPr id="12" name="그림 11">
-                <a:extLst>
-                  <a:ext uri="{FF2B5EF4-FFF2-40B4-BE49-F238E27FC236}">
-                    <a16:creationId xmlns:a16="http://schemas.microsoft.com/office/drawing/2014/main" id="{B46D51F6-245B-4283-9ACA-545B416635F8}"/>
-                  </a:ext>
-                </a:extLst>
-              </p:cNvPr>
-              <p:cNvPicPr>
-                <a:picLocks noChangeAspect="1"/>
-              </p:cNvPicPr>
-              <p:nvPr/>
-            </p:nvPicPr>
-            <p:blipFill>
-              <a:blip r:embed="rId3"/>
-              <a:stretch>
-                <a:fillRect/>
-              </a:stretch>
-            </p:blipFill>
-            <p:spPr>
-              <a:xfrm>
-                <a:off x="6834653" y="3622771"/>
-                <a:ext cx="2771775" cy="2533650"/>
-              </a:xfrm>
-              <a:prstGeom prst="rect">
-                <a:avLst/>
-              </a:prstGeom>
-            </p:spPr>
-          </p:pic>
-        </p:grpSp>
-        <p:sp>
-          <p:nvSpPr>
-            <p:cNvPr id="14" name="TextBox 13">
-              <a:extLst>
-                <a:ext uri="{FF2B5EF4-FFF2-40B4-BE49-F238E27FC236}">
-                  <a16:creationId xmlns:a16="http://schemas.microsoft.com/office/drawing/2014/main" id="{A915CD85-F06E-49F9-9838-E22497C792BA}"/>
-                </a:ext>
-              </a:extLst>
-            </p:cNvPr>
-            <p:cNvSpPr txBox="1"/>
-            <p:nvPr/>
-          </p:nvSpPr>
-          <p:spPr>
-            <a:xfrm>
-              <a:off x="360218" y="5810403"/>
-              <a:ext cx="10952480" cy="869790"/>
-            </a:xfrm>
-            <a:prstGeom prst="rect">
-              <a:avLst/>
-            </a:prstGeom>
-            <a:noFill/>
-          </p:spPr>
-          <p:txBody>
-            <a:bodyPr wrap="square" rtlCol="0">
-              <a:spAutoFit/>
-            </a:bodyPr>
-            <a:lstStyle/>
-            <a:p>
-              <a:pPr marL="285750" indent="-285750">
-                <a:lnSpc>
-                  <a:spcPct val="150000"/>
-                </a:lnSpc>
-                <a:buFont typeface="Arial" panose="020B0604020202020204" pitchFamily="34" charset="0"/>
-                <a:buChar char="•"/>
-              </a:pPr>
-              <a:r>
-                <a:rPr lang="en-US" altLang="ko-KR" dirty="0"/>
-                <a:t>Transformer :</a:t>
-              </a:r>
-            </a:p>
-            <a:p>
-              <a:pPr marL="742950" lvl="1" indent="-285750">
-                <a:lnSpc>
-                  <a:spcPct val="150000"/>
-                </a:lnSpc>
-                <a:buFontTx/>
-                <a:buChar char="-"/>
-              </a:pPr>
-              <a:r>
-                <a:rPr lang="en-US" altLang="ko-KR" dirty="0"/>
-                <a:t>Seq2seq </a:t>
-              </a:r>
-              <a:r>
-                <a:rPr lang="ko-KR" altLang="en-US" dirty="0"/>
-                <a:t>모델의 문제점인 정보손실과 기울기 소실을 보정하기 위한 </a:t>
-              </a:r>
-              <a:r>
-                <a:rPr lang="en-US" altLang="ko-KR" dirty="0"/>
-                <a:t>attention</a:t>
-              </a:r>
-              <a:r>
-                <a:rPr lang="ko-KR" altLang="en-US" dirty="0"/>
-                <a:t> </a:t>
-              </a:r>
-              <a:r>
-                <a:rPr lang="en-US" altLang="ko-KR" dirty="0"/>
-                <a:t>mechanism </a:t>
-              </a:r>
-              <a:r>
-                <a:rPr lang="ko-KR" altLang="en-US" dirty="0"/>
-                <a:t>사용</a:t>
-              </a:r>
-            </a:p>
-          </p:txBody>
-        </p:sp>
-      </p:grpSp>
+          </a:ln>
+          <a:effectLst/>
+        </p:spPr>
+      </p:pic>
     </p:spTree>
     <p:extLst>
       <p:ext uri="{BB962C8B-B14F-4D97-AF65-F5344CB8AC3E}">
-        <p14:creationId xmlns:p14="http://schemas.microsoft.com/office/powerpoint/2010/main" val="536102422"/>
+        <p14:creationId xmlns:p14="http://schemas.microsoft.com/office/powerpoint/2010/main" val="227201468"/>
       </p:ext>
     </p:extLst>
   </p:cSld>
@@ -5797,10 +7342,44 @@
       </p:sp>
       <p:sp>
         <p:nvSpPr>
+          <p:cNvPr id="4" name="슬라이드 번호 개체 틀 3">
+            <a:extLst>
+              <a:ext uri="{FF2B5EF4-FFF2-40B4-BE49-F238E27FC236}">
+                <a16:creationId xmlns:a16="http://schemas.microsoft.com/office/drawing/2014/main" id="{B11A7AB9-7540-40FD-94B6-0135A3ED289C}"/>
+              </a:ext>
+            </a:extLst>
+          </p:cNvPr>
+          <p:cNvSpPr>
+            <a:spLocks noGrp="1"/>
+          </p:cNvSpPr>
+          <p:nvPr>
+            <p:ph type="sldNum" sz="quarter" idx="12"/>
+          </p:nvPr>
+        </p:nvSpPr>
+        <p:spPr>
+          <a:xfrm>
+            <a:off x="8563187" y="6379936"/>
+            <a:ext cx="2743200" cy="365125"/>
+          </a:xfrm>
+        </p:spPr>
+        <p:txBody>
+          <a:bodyPr/>
+          <a:lstStyle/>
+          <a:p>
+            <a:fld id="{C3EC3709-AF19-4BC3-8020-8E9C5E0E1F7D}" type="slidenum">
+              <a:rPr lang="ko-KR" altLang="en-US" smtClean="0"/>
+              <a:t>15</a:t>
+            </a:fld>
+            <a:endParaRPr lang="ko-KR" altLang="en-US"/>
+          </a:p>
+        </p:txBody>
+      </p:sp>
+      <p:sp>
+        <p:nvSpPr>
           <p:cNvPr id="9" name="TextBox 8">
             <a:extLst>
               <a:ext uri="{FF2B5EF4-FFF2-40B4-BE49-F238E27FC236}">
-                <a16:creationId xmlns:a16="http://schemas.microsoft.com/office/drawing/2014/main" id="{6751EDA1-7052-4FC5-90E8-A7950631D08D}"/>
+                <a16:creationId xmlns:a16="http://schemas.microsoft.com/office/drawing/2014/main" id="{19B6216F-12C7-418D-A944-6484C1992BBE}"/>
               </a:ext>
             </a:extLst>
           </p:cNvPr>
@@ -5809,8 +7388,8 @@
         </p:nvSpPr>
         <p:spPr>
           <a:xfrm>
-            <a:off x="360218" y="160712"/>
-            <a:ext cx="4017818" cy="523220"/>
+            <a:off x="231339" y="182031"/>
+            <a:ext cx="11782163" cy="461665"/>
           </a:xfrm>
           <a:prstGeom prst="rect">
             <a:avLst/>
@@ -5824,197 +7403,35 @@
           <a:lstStyle/>
           <a:p>
             <a:r>
-              <a:rPr lang="en-US" altLang="ko-KR" sz="2800" dirty="0"/>
-              <a:t>Visual-causality</a:t>
-            </a:r>
-            <a:endParaRPr lang="ko-KR" altLang="en-US" sz="2800" dirty="0"/>
-          </a:p>
-        </p:txBody>
-      </p:sp>
-      <p:sp>
-        <p:nvSpPr>
-          <p:cNvPr id="4" name="슬라이드 번호 개체 틀 3">
-            <a:extLst>
-              <a:ext uri="{FF2B5EF4-FFF2-40B4-BE49-F238E27FC236}">
-                <a16:creationId xmlns:a16="http://schemas.microsoft.com/office/drawing/2014/main" id="{94914979-2046-440F-8040-5BDAC328493F}"/>
-              </a:ext>
-            </a:extLst>
-          </p:cNvPr>
-          <p:cNvSpPr>
-            <a:spLocks noGrp="1"/>
-          </p:cNvSpPr>
-          <p:nvPr>
-            <p:ph type="sldNum" sz="quarter" idx="12"/>
-          </p:nvPr>
-        </p:nvSpPr>
-        <p:spPr/>
-        <p:txBody>
-          <a:bodyPr/>
-          <a:lstStyle/>
-          <a:p>
-            <a:fld id="{C3EC3709-AF19-4BC3-8020-8E9C5E0E1F7D}" type="slidenum">
-              <a:rPr lang="ko-KR" altLang="en-US" smtClean="0"/>
-              <a:t>15</a:t>
-            </a:fld>
-            <a:endParaRPr lang="ko-KR" altLang="en-US" dirty="0"/>
-          </a:p>
-        </p:txBody>
-      </p:sp>
-      <p:sp>
-        <p:nvSpPr>
-          <p:cNvPr id="3" name="TextBox 2">
-            <a:extLst>
-              <a:ext uri="{FF2B5EF4-FFF2-40B4-BE49-F238E27FC236}">
-                <a16:creationId xmlns:a16="http://schemas.microsoft.com/office/drawing/2014/main" id="{A6B5E4E6-EB24-4642-AB62-6DA7D0A44C72}"/>
-              </a:ext>
-            </a:extLst>
-          </p:cNvPr>
-          <p:cNvSpPr txBox="1"/>
-          <p:nvPr/>
-        </p:nvSpPr>
-        <p:spPr>
-          <a:xfrm>
-            <a:off x="360218" y="4181664"/>
-            <a:ext cx="11085731" cy="1891352"/>
-          </a:xfrm>
-          <a:prstGeom prst="rect">
-            <a:avLst/>
-          </a:prstGeom>
-          <a:noFill/>
-        </p:spPr>
-        <p:txBody>
-          <a:bodyPr wrap="square" rtlCol="0">
-            <a:spAutoFit/>
-          </a:bodyPr>
-          <a:lstStyle/>
-          <a:p>
-            <a:pPr marL="285750" indent="-285750">
-              <a:lnSpc>
-                <a:spcPct val="150000"/>
-              </a:lnSpc>
-              <a:buFont typeface="Arial" panose="020B0604020202020204" pitchFamily="34" charset="0"/>
-              <a:buChar char="•"/>
-            </a:pPr>
-            <a:r>
-              <a:rPr lang="ko-KR" altLang="en-US" sz="1600" dirty="0"/>
-              <a:t>인과 관계 지식은 문서에 형식적으로 표현되는 경우가 거의 없으며 순수한 텍스트 기반 접근 방식은 모든 인과 관계 지식을 다루는 데 어려움을 겪을 수 있다</a:t>
-            </a:r>
-            <a:r>
-              <a:rPr lang="en-US" altLang="ko-KR" sz="1600" dirty="0"/>
-              <a:t>. </a:t>
-            </a:r>
-          </a:p>
-          <a:p>
-            <a:pPr marL="285750" indent="-285750">
-              <a:lnSpc>
-                <a:spcPct val="150000"/>
-              </a:lnSpc>
-              <a:buFont typeface="Arial" panose="020B0604020202020204" pitchFamily="34" charset="0"/>
-              <a:buChar char="•"/>
-            </a:pPr>
-            <a:r>
-              <a:rPr lang="ko-KR" altLang="en-US" sz="1600" dirty="0"/>
-              <a:t>순차적 이미지로부터 나타날</a:t>
-            </a:r>
-            <a:r>
-              <a:rPr lang="en-US" altLang="ko-KR" sz="1600" dirty="0"/>
+              <a:rPr lang="en-US" altLang="ko-KR" sz="2400" dirty="0"/>
+              <a:t>Dataset</a:t>
+            </a:r>
+            <a:r>
+              <a:rPr lang="ko-KR" altLang="en-US" sz="2400" dirty="0"/>
               <a:t> </a:t>
             </a:r>
             <a:r>
-              <a:rPr lang="ko-KR" altLang="en-US" sz="1600" dirty="0"/>
-              <a:t>수 있는 인과관계를 식별한다</a:t>
-            </a:r>
-            <a:r>
-              <a:rPr lang="en-US" altLang="ko-KR" sz="1600" dirty="0"/>
-              <a:t>. (</a:t>
-            </a:r>
-            <a:r>
-              <a:rPr lang="ko-KR" altLang="en-US" sz="1600" dirty="0"/>
-              <a:t>이미지에서 나타난 사건</a:t>
-            </a:r>
-            <a:r>
-              <a:rPr lang="en-US" altLang="ko-KR" sz="1600" dirty="0"/>
-              <a:t>1</a:t>
-            </a:r>
-            <a:r>
-              <a:rPr lang="ko-KR" altLang="en-US" sz="1600" dirty="0"/>
-              <a:t> 결과가 되는 사건</a:t>
-            </a:r>
-            <a:r>
-              <a:rPr lang="en-US" altLang="ko-KR" sz="1600" dirty="0"/>
-              <a:t>2</a:t>
-            </a:r>
-            <a:r>
-              <a:rPr lang="ko-KR" altLang="en-US" sz="1600" dirty="0"/>
-              <a:t> 찾는 것</a:t>
-            </a:r>
-            <a:r>
-              <a:rPr lang="en-US" altLang="ko-KR" sz="1600" dirty="0"/>
-              <a:t>)</a:t>
-            </a:r>
-          </a:p>
-          <a:p>
-            <a:pPr marL="285750" indent="-285750">
-              <a:lnSpc>
-                <a:spcPct val="150000"/>
-              </a:lnSpc>
-              <a:buFont typeface="Arial" panose="020B0604020202020204" pitchFamily="34" charset="0"/>
-              <a:buChar char="•"/>
-            </a:pPr>
-            <a:r>
-              <a:rPr lang="en-US" altLang="ko-KR" sz="1600" dirty="0" err="1"/>
-              <a:t>Visaul</a:t>
-            </a:r>
-            <a:r>
-              <a:rPr lang="en-US" altLang="ko-KR" sz="1600" dirty="0"/>
-              <a:t>-Causal dataset : </a:t>
-            </a:r>
-            <a:r>
-              <a:rPr lang="ko-KR" altLang="en-US" sz="1600" dirty="0"/>
-              <a:t>이미지</a:t>
-            </a:r>
-            <a:r>
-              <a:rPr lang="en-US" altLang="ko-KR" sz="1600" dirty="0"/>
+              <a:rPr lang="en-US" altLang="ko-KR" sz="2400" dirty="0"/>
+              <a:t>–</a:t>
+            </a:r>
+            <a:r>
+              <a:rPr lang="ko-KR" altLang="en-US" sz="2400" dirty="0"/>
               <a:t> </a:t>
             </a:r>
             <a:r>
-              <a:rPr lang="ko-KR" altLang="en-US" sz="1600" dirty="0"/>
-              <a:t>쌍에 나타날 수 있는 사건 주석 데이터 </a:t>
-            </a:r>
-            <a:r>
-              <a:rPr lang="en-US" altLang="ko-KR" sz="1600" dirty="0"/>
-              <a:t>. </a:t>
-            </a:r>
-          </a:p>
-          <a:p>
-            <a:pPr marL="285750" indent="-285750">
-              <a:lnSpc>
-                <a:spcPct val="150000"/>
-              </a:lnSpc>
-              <a:buFont typeface="Arial" panose="020B0604020202020204" pitchFamily="34" charset="0"/>
-              <a:buChar char="•"/>
-            </a:pPr>
-            <a:r>
-              <a:rPr lang="en-US" altLang="ko-KR" sz="1600" dirty="0"/>
-              <a:t>VCC model  : </a:t>
-            </a:r>
-            <a:r>
-              <a:rPr lang="ko-KR" altLang="en-US" sz="1600" dirty="0"/>
-              <a:t>인과 관계를 예측하기 위해 사건의 시각적 맥락과 맥락적 표현 모두를 활용</a:t>
-            </a:r>
-            <a:r>
-              <a:rPr lang="en-US" altLang="ko-KR" sz="1600" dirty="0"/>
-              <a:t>.</a:t>
-            </a:r>
+              <a:rPr lang="en-US" altLang="ko-KR" sz="2400" dirty="0"/>
+              <a:t>Vis-Causal analysis </a:t>
+            </a:r>
+            <a:endParaRPr lang="ko-KR" altLang="en-US" sz="2400" dirty="0"/>
           </a:p>
         </p:txBody>
       </p:sp>
       <p:pic>
         <p:nvPicPr>
-          <p:cNvPr id="5" name="그림 4">
-            <a:extLst>
-              <a:ext uri="{FF2B5EF4-FFF2-40B4-BE49-F238E27FC236}">
-                <a16:creationId xmlns:a16="http://schemas.microsoft.com/office/drawing/2014/main" id="{1D114C9D-44AC-4654-A9B1-E1744FAE7709}"/>
+          <p:cNvPr id="6" name="Picture 5">
+            <a:extLst>
+              <a:ext uri="{FF2B5EF4-FFF2-40B4-BE49-F238E27FC236}">
+                <a16:creationId xmlns:a16="http://schemas.microsoft.com/office/drawing/2014/main" id="{3BB0137C-1E5A-41A6-BE2E-2BDB9FFDE2C8}"/>
               </a:ext>
             </a:extLst>
           </p:cNvPr>
@@ -6024,25 +7441,32 @@
           <p:nvPr/>
         </p:nvPicPr>
         <p:blipFill>
-          <a:blip r:embed="rId2"/>
+          <a:blip r:embed="rId2">
+            <a:extLst/>
+          </a:blip>
           <a:stretch>
             <a:fillRect/>
           </a:stretch>
         </p:blipFill>
         <p:spPr>
           <a:xfrm>
-            <a:off x="3358266" y="986443"/>
-            <a:ext cx="5252334" cy="2784643"/>
+            <a:off x="499533" y="941160"/>
+            <a:ext cx="10893523" cy="5803901"/>
           </a:xfrm>
           <a:prstGeom prst="rect">
             <a:avLst/>
           </a:prstGeom>
+          <a:noFill/>
+          <a:ln>
+            <a:noFill/>
+          </a:ln>
+          <a:effectLst/>
         </p:spPr>
       </p:pic>
     </p:spTree>
     <p:extLst>
       <p:ext uri="{BB962C8B-B14F-4D97-AF65-F5344CB8AC3E}">
-        <p14:creationId xmlns:p14="http://schemas.microsoft.com/office/powerpoint/2010/main" val="4082790587"/>
+        <p14:creationId xmlns:p14="http://schemas.microsoft.com/office/powerpoint/2010/main" val="2529998378"/>
       </p:ext>
     </p:extLst>
   </p:cSld>
@@ -6052,7 +7476,7 @@
 </p:sld>
 </file>
 
-<file path=ppt/slides/slide2.xml><?xml version="1.0" encoding="utf-8"?>
+<file path=ppt/slides/slide16.xml><?xml version="1.0" encoding="utf-8"?>
 <p:sld xmlns:a="http://schemas.openxmlformats.org/drawingml/2006/main" xmlns:r="http://schemas.openxmlformats.org/officeDocument/2006/relationships" xmlns:p="http://schemas.openxmlformats.org/presentationml/2006/main">
   <p:cSld>
     <p:spTree>
@@ -6131,10 +7555,44 @@
       </p:sp>
       <p:sp>
         <p:nvSpPr>
+          <p:cNvPr id="4" name="슬라이드 번호 개체 틀 3">
+            <a:extLst>
+              <a:ext uri="{FF2B5EF4-FFF2-40B4-BE49-F238E27FC236}">
+                <a16:creationId xmlns:a16="http://schemas.microsoft.com/office/drawing/2014/main" id="{B11A7AB9-7540-40FD-94B6-0135A3ED289C}"/>
+              </a:ext>
+            </a:extLst>
+          </p:cNvPr>
+          <p:cNvSpPr>
+            <a:spLocks noGrp="1"/>
+          </p:cNvSpPr>
+          <p:nvPr>
+            <p:ph type="sldNum" sz="quarter" idx="12"/>
+          </p:nvPr>
+        </p:nvSpPr>
+        <p:spPr>
+          <a:xfrm>
+            <a:off x="8563187" y="6379936"/>
+            <a:ext cx="2743200" cy="365125"/>
+          </a:xfrm>
+        </p:spPr>
+        <p:txBody>
+          <a:bodyPr/>
+          <a:lstStyle/>
+          <a:p>
+            <a:fld id="{C3EC3709-AF19-4BC3-8020-8E9C5E0E1F7D}" type="slidenum">
+              <a:rPr lang="ko-KR" altLang="en-US" smtClean="0"/>
+              <a:t>16</a:t>
+            </a:fld>
+            <a:endParaRPr lang="ko-KR" altLang="en-US"/>
+          </a:p>
+        </p:txBody>
+      </p:sp>
+      <p:sp>
+        <p:nvSpPr>
           <p:cNvPr id="9" name="TextBox 8">
             <a:extLst>
               <a:ext uri="{FF2B5EF4-FFF2-40B4-BE49-F238E27FC236}">
-                <a16:creationId xmlns:a16="http://schemas.microsoft.com/office/drawing/2014/main" id="{6751EDA1-7052-4FC5-90E8-A7950631D08D}"/>
+                <a16:creationId xmlns:a16="http://schemas.microsoft.com/office/drawing/2014/main" id="{19B6216F-12C7-418D-A944-6484C1992BBE}"/>
               </a:ext>
             </a:extLst>
           </p:cNvPr>
@@ -6159,434 +7617,57 @@
           <a:p>
             <a:r>
               <a:rPr lang="en-US" altLang="ko-KR" sz="2400" dirty="0"/>
-              <a:t>Introduction </a:t>
-            </a:r>
-            <a:endParaRPr lang="ko-KR" altLang="en-US" sz="2400" dirty="0"/>
+              <a:t>Annotation – image </a:t>
+            </a:r>
+            <a:r>
+              <a:rPr lang="ko-KR" altLang="en-US" sz="2400" dirty="0"/>
+              <a:t>일치 시키고 </a:t>
+            </a:r>
+            <a:r>
+              <a:rPr lang="ko-KR" altLang="en-US" sz="2400" dirty="0" err="1"/>
+              <a:t>실행시</a:t>
+            </a:r>
+            <a:r>
+              <a:rPr lang="ko-KR" altLang="en-US" sz="2400" dirty="0"/>
+              <a:t> 결과</a:t>
+            </a:r>
           </a:p>
         </p:txBody>
       </p:sp>
-      <p:sp>
-        <p:nvSpPr>
-          <p:cNvPr id="6" name="TextBox 5">
-            <a:extLst>
-              <a:ext uri="{FF2B5EF4-FFF2-40B4-BE49-F238E27FC236}">
-                <a16:creationId xmlns:a16="http://schemas.microsoft.com/office/drawing/2014/main" id="{1D6E4ECC-748D-4C14-934B-E2D3728E0594}"/>
-              </a:ext>
-            </a:extLst>
-          </p:cNvPr>
-          <p:cNvSpPr txBox="1"/>
+      <p:pic>
+        <p:nvPicPr>
+          <p:cNvPr id="2" name="그림 1">
+            <a:extLst>
+              <a:ext uri="{FF2B5EF4-FFF2-40B4-BE49-F238E27FC236}">
+                <a16:creationId xmlns:a16="http://schemas.microsoft.com/office/drawing/2014/main" id="{AAC592B9-43C4-4073-9083-C5465B887F5E}"/>
+              </a:ext>
+            </a:extLst>
+          </p:cNvPr>
+          <p:cNvPicPr>
+            <a:picLocks noChangeAspect="1"/>
+          </p:cNvPicPr>
           <p:nvPr/>
-        </p:nvSpPr>
+        </p:nvPicPr>
+        <p:blipFill>
+          <a:blip r:embed="rId2"/>
+          <a:stretch>
+            <a:fillRect/>
+          </a:stretch>
+        </p:blipFill>
         <p:spPr>
           <a:xfrm>
-            <a:off x="257759" y="1127181"/>
-            <a:ext cx="11729322" cy="5584670"/>
+            <a:off x="359833" y="1007762"/>
+            <a:ext cx="11011598" cy="5932033"/>
           </a:xfrm>
           <a:prstGeom prst="rect">
             <a:avLst/>
           </a:prstGeom>
-          <a:noFill/>
         </p:spPr>
-        <p:txBody>
-          <a:bodyPr wrap="square" rtlCol="0">
-            <a:spAutoFit/>
-          </a:bodyPr>
-          <a:lstStyle/>
-          <a:p>
-            <a:pPr marL="285750" indent="-285750">
-              <a:lnSpc>
-                <a:spcPct val="150000"/>
-              </a:lnSpc>
-              <a:buFont typeface="Arial" panose="020B0604020202020204" pitchFamily="34" charset="0"/>
-              <a:buChar char="•"/>
-            </a:pPr>
-            <a:r>
-              <a:rPr lang="en-US" altLang="ko-KR" sz="1600" dirty="0"/>
-              <a:t>LEARNING CONTEXTUAL CAUSALITY FROM TIME-CONSECUTIVE IMAGES. </a:t>
-            </a:r>
-            <a:r>
-              <a:rPr lang="en-US" altLang="ko-KR" sz="1600" dirty="0" err="1"/>
-              <a:t>ArXiv</a:t>
-            </a:r>
-            <a:r>
-              <a:rPr lang="en-US" altLang="ko-KR" sz="1600" dirty="0"/>
-              <a:t> </a:t>
-            </a:r>
-            <a:r>
-              <a:rPr lang="ko-KR" altLang="en-US" sz="1600" dirty="0"/>
-              <a:t>버전</a:t>
-            </a:r>
-            <a:r>
-              <a:rPr lang="en-US" altLang="ko-KR" sz="1600" dirty="0"/>
-              <a:t>. December 15, 2020</a:t>
-            </a:r>
-          </a:p>
-          <a:p>
-            <a:pPr>
-              <a:lnSpc>
-                <a:spcPct val="150000"/>
-              </a:lnSpc>
-            </a:pPr>
-            <a:r>
-              <a:rPr lang="en-US" altLang="ko-KR" sz="1600" dirty="0" err="1"/>
-              <a:t>Hongming</a:t>
-            </a:r>
-            <a:r>
-              <a:rPr lang="en-US" altLang="ko-KR" sz="1600" dirty="0"/>
-              <a:t> Zhang, </a:t>
-            </a:r>
-            <a:r>
-              <a:rPr lang="en-US" altLang="ko-KR" sz="1600" dirty="0" err="1"/>
-              <a:t>Yintong</a:t>
-            </a:r>
-            <a:r>
-              <a:rPr lang="en-US" altLang="ko-KR" sz="1600" dirty="0"/>
-              <a:t> </a:t>
-            </a:r>
-            <a:r>
-              <a:rPr lang="en-US" altLang="ko-KR" sz="1600" dirty="0" err="1"/>
-              <a:t>Huo,Department</a:t>
-            </a:r>
-            <a:r>
-              <a:rPr lang="en-US" altLang="ko-KR" sz="1600" dirty="0"/>
-              <a:t> of Computer Science and Engineering, HKUST ,Department of Computer Science and Engineering, CUHK</a:t>
-            </a:r>
-          </a:p>
-          <a:p>
-            <a:pPr marL="285750" indent="-285750">
-              <a:lnSpc>
-                <a:spcPct val="150000"/>
-              </a:lnSpc>
-              <a:buFont typeface="Arial" panose="020B0604020202020204" pitchFamily="34" charset="0"/>
-              <a:buChar char="•"/>
-            </a:pPr>
-            <a:endParaRPr lang="en-US" altLang="ko-KR" sz="1600" dirty="0"/>
-          </a:p>
-          <a:p>
-            <a:pPr marL="285750" indent="-285750">
-              <a:lnSpc>
-                <a:spcPct val="150000"/>
-              </a:lnSpc>
-              <a:buFont typeface="Arial" panose="020B0604020202020204" pitchFamily="34" charset="0"/>
-              <a:buChar char="•"/>
-            </a:pPr>
-            <a:r>
-              <a:rPr lang="ko-KR" altLang="en-US" sz="1600" dirty="0"/>
-              <a:t>텍스트 기반 인과성 지식 획득 방법 보다 확장 가능한 방법을 탐색</a:t>
-            </a:r>
-            <a:r>
-              <a:rPr lang="en-US" altLang="ko-KR" sz="1600" dirty="0"/>
-              <a:t>-&gt; </a:t>
-            </a:r>
-            <a:r>
-              <a:rPr lang="ko-KR" altLang="en-US" sz="1600" dirty="0"/>
-              <a:t>시각적 신호에서 인과 관계를 학습한다</a:t>
-            </a:r>
-            <a:r>
-              <a:rPr lang="en-US" altLang="ko-KR" sz="1600" dirty="0"/>
-              <a:t>.</a:t>
-            </a:r>
-          </a:p>
-          <a:p>
-            <a:pPr lvl="1">
-              <a:lnSpc>
-                <a:spcPct val="150000"/>
-              </a:lnSpc>
-            </a:pPr>
-            <a:r>
-              <a:rPr lang="en-US" altLang="ko-KR" sz="1600" dirty="0"/>
-              <a:t>Ex.</a:t>
-            </a:r>
-            <a:r>
-              <a:rPr lang="ko-KR" altLang="en-US" sz="1600" dirty="0"/>
-              <a:t> </a:t>
-            </a:r>
-            <a:r>
-              <a:rPr lang="en-US" altLang="ko-KR" sz="1600" dirty="0"/>
-              <a:t>‘In</a:t>
-            </a:r>
-            <a:r>
-              <a:rPr lang="ko-KR" altLang="en-US" sz="1600" dirty="0"/>
-              <a:t> </a:t>
-            </a:r>
-            <a:r>
-              <a:rPr lang="en-US" altLang="ko-KR" sz="1600" dirty="0"/>
-              <a:t>meeting</a:t>
-            </a:r>
-            <a:r>
-              <a:rPr lang="ko-KR" altLang="en-US" sz="1600" dirty="0"/>
-              <a:t> </a:t>
-            </a:r>
-            <a:r>
-              <a:rPr lang="en-US" altLang="ko-KR" sz="1600" dirty="0"/>
-              <a:t>situation’ , ‘</a:t>
-            </a:r>
-            <a:r>
-              <a:rPr lang="en-US" altLang="ko-KR" sz="1600" dirty="0" err="1"/>
-              <a:t>Threy</a:t>
-            </a:r>
-            <a:r>
-              <a:rPr lang="ko-KR" altLang="en-US" sz="1600" dirty="0"/>
-              <a:t> </a:t>
-            </a:r>
-            <a:r>
-              <a:rPr lang="en-US" altLang="ko-KR" sz="1600" dirty="0"/>
-              <a:t>are</a:t>
-            </a:r>
-            <a:r>
-              <a:rPr lang="ko-KR" altLang="en-US" sz="1600" dirty="0"/>
-              <a:t>  </a:t>
-            </a:r>
-            <a:r>
-              <a:rPr lang="en-US" altLang="ko-KR" sz="1600" dirty="0"/>
-              <a:t>hungry’. Ai </a:t>
-            </a:r>
-            <a:r>
-              <a:rPr lang="ko-KR" altLang="en-US" sz="1600" dirty="0"/>
-              <a:t>비서는</a:t>
-            </a:r>
-            <a:r>
-              <a:rPr lang="en-US" altLang="ko-KR" sz="1600" dirty="0"/>
-              <a:t> ‘order</a:t>
-            </a:r>
-            <a:r>
-              <a:rPr lang="ko-KR" altLang="en-US" sz="1600" dirty="0"/>
-              <a:t> </a:t>
-            </a:r>
-            <a:r>
-              <a:rPr lang="en-US" altLang="ko-KR" sz="1600" dirty="0"/>
-              <a:t>food.’ </a:t>
-            </a:r>
-            <a:r>
-              <a:rPr lang="ko-KR" altLang="en-US" sz="1600" dirty="0"/>
-              <a:t>를 제안할 것이다</a:t>
-            </a:r>
-            <a:r>
-              <a:rPr lang="en-US" altLang="ko-KR" sz="1600" dirty="0"/>
-              <a:t>. (‘being</a:t>
-            </a:r>
-            <a:r>
-              <a:rPr lang="ko-KR" altLang="en-US" sz="1600" dirty="0"/>
-              <a:t> </a:t>
-            </a:r>
-            <a:r>
-              <a:rPr lang="en-US" altLang="ko-KR" sz="1600" dirty="0"/>
-              <a:t>hungry’</a:t>
-            </a:r>
-            <a:r>
-              <a:rPr lang="ko-KR" altLang="en-US" sz="1600" dirty="0"/>
-              <a:t>가</a:t>
-            </a:r>
-            <a:r>
-              <a:rPr lang="en-US" altLang="ko-KR" sz="1600" dirty="0"/>
-              <a:t> ‘eat food’</a:t>
-            </a:r>
-            <a:r>
-              <a:rPr lang="ko-KR" altLang="en-US" sz="1600" dirty="0"/>
-              <a:t>의 원인이 되었기 때문</a:t>
-            </a:r>
-            <a:r>
-              <a:rPr lang="en-US" altLang="ko-KR" sz="1600" dirty="0"/>
-              <a:t>) </a:t>
-            </a:r>
-            <a:r>
-              <a:rPr lang="ko-KR" altLang="en-US" sz="1600" dirty="0"/>
-              <a:t>그러나 맥락을 파악한다면 회의 후에 </a:t>
-            </a:r>
-            <a:r>
-              <a:rPr lang="en-US" altLang="ko-KR" sz="1600" dirty="0"/>
-              <a:t>‘order food’</a:t>
-            </a:r>
-            <a:r>
-              <a:rPr lang="ko-KR" altLang="en-US" sz="1600" dirty="0"/>
-              <a:t> 를 추천할 것이다</a:t>
-            </a:r>
-            <a:r>
-              <a:rPr lang="en-US" altLang="ko-KR" sz="1600" dirty="0"/>
-              <a:t>.</a:t>
-            </a:r>
-            <a:r>
-              <a:rPr lang="ko-KR" altLang="en-US" sz="1600" dirty="0"/>
-              <a:t> 두 문장의 인과관계는 회의 중에서는 어울리지 않기 때문</a:t>
-            </a:r>
-            <a:r>
-              <a:rPr lang="en-US" altLang="ko-KR" sz="1600" dirty="0"/>
-              <a:t> </a:t>
-            </a:r>
-          </a:p>
-          <a:p>
-            <a:pPr marL="285750" indent="-285750">
-              <a:lnSpc>
-                <a:spcPct val="150000"/>
-              </a:lnSpc>
-              <a:buFont typeface="Arial" panose="020B0604020202020204" pitchFamily="34" charset="0"/>
-              <a:buChar char="•"/>
-            </a:pPr>
-            <a:endParaRPr lang="en-US" altLang="ko-KR" sz="1600" dirty="0"/>
-          </a:p>
-          <a:p>
-            <a:pPr marL="285750" indent="-285750" fontAlgn="base">
-              <a:lnSpc>
-                <a:spcPct val="150000"/>
-              </a:lnSpc>
-              <a:buFont typeface="Arial" panose="020B0604020202020204" pitchFamily="34" charset="0"/>
-              <a:buChar char="•"/>
-            </a:pPr>
-            <a:r>
-              <a:rPr lang="ko-KR" altLang="en-US" sz="1600" dirty="0"/>
-              <a:t>이 논문의 기여</a:t>
-            </a:r>
-            <a:endParaRPr lang="en-US" altLang="ko-KR" sz="1600" dirty="0"/>
-          </a:p>
-          <a:p>
-            <a:pPr lvl="1" fontAlgn="base">
-              <a:lnSpc>
-                <a:spcPct val="150000"/>
-              </a:lnSpc>
-            </a:pPr>
-            <a:r>
-              <a:rPr lang="en-US" altLang="ko-KR" sz="1600" dirty="0"/>
-              <a:t>(1) </a:t>
-            </a:r>
-            <a:r>
-              <a:rPr lang="ko-KR" altLang="en-US" sz="1600" dirty="0"/>
-              <a:t>시각적 신호에서 컨텍스트 인과 관계를 추출하는 작업을 공식적으로 정의</a:t>
-            </a:r>
-            <a:r>
-              <a:rPr lang="en-US" altLang="ko-KR" sz="1600" dirty="0"/>
-              <a:t>.</a:t>
-            </a:r>
-            <a:endParaRPr lang="ko-KR" altLang="en-US" sz="1600" dirty="0"/>
-          </a:p>
-          <a:p>
-            <a:pPr lvl="1" fontAlgn="base">
-              <a:lnSpc>
-                <a:spcPct val="150000"/>
-              </a:lnSpc>
-            </a:pPr>
-            <a:r>
-              <a:rPr lang="en-US" altLang="ko-KR" sz="1600" dirty="0"/>
-              <a:t>(2) </a:t>
-            </a:r>
-            <a:r>
-              <a:rPr lang="ko-KR" altLang="en-US" sz="1600" dirty="0"/>
-              <a:t>데이터 세트 </a:t>
-            </a:r>
-            <a:r>
-              <a:rPr lang="en-US" altLang="ko-KR" sz="1600" dirty="0"/>
-              <a:t>Vis-Causal</a:t>
-            </a:r>
-            <a:r>
-              <a:rPr lang="ko-KR" altLang="en-US" sz="1600" dirty="0"/>
-              <a:t> 제시</a:t>
-            </a:r>
-            <a:r>
-              <a:rPr lang="en-US" altLang="ko-KR" sz="1600" dirty="0"/>
-              <a:t>.</a:t>
-            </a:r>
-            <a:endParaRPr lang="ko-KR" altLang="en-US" sz="1600" dirty="0"/>
-          </a:p>
-          <a:p>
-            <a:pPr lvl="1" fontAlgn="base">
-              <a:lnSpc>
-                <a:spcPct val="150000"/>
-              </a:lnSpc>
-            </a:pPr>
-            <a:r>
-              <a:rPr lang="en-US" altLang="ko-KR" sz="1600" dirty="0"/>
-              <a:t>(3) Vision-Contextual Causal(VCC) </a:t>
-            </a:r>
-            <a:r>
-              <a:rPr lang="ko-KR" altLang="en-US" sz="1600" dirty="0"/>
-              <a:t>모델 제안</a:t>
-            </a:r>
-            <a:r>
-              <a:rPr lang="en-US" altLang="ko-KR" sz="1600" dirty="0"/>
-              <a:t>.</a:t>
-            </a:r>
-          </a:p>
-          <a:p>
-            <a:pPr lvl="1" fontAlgn="base">
-              <a:lnSpc>
-                <a:spcPct val="150000"/>
-              </a:lnSpc>
-            </a:pPr>
-            <a:endParaRPr lang="en-US" altLang="ko-KR" sz="1600" dirty="0"/>
-          </a:p>
-          <a:p>
-            <a:pPr marL="285750" indent="-285750" fontAlgn="base">
-              <a:lnSpc>
-                <a:spcPct val="150000"/>
-              </a:lnSpc>
-              <a:buFont typeface="Arial" panose="020B0604020202020204" pitchFamily="34" charset="0"/>
-              <a:buChar char="•"/>
-            </a:pPr>
-            <a:r>
-              <a:rPr lang="ko-KR" altLang="en-US" sz="1600" dirty="0"/>
-              <a:t>목표는 한 비디오에서 잘린 시간 연속 프레임</a:t>
-            </a:r>
-            <a:r>
-              <a:rPr lang="en-US" altLang="ko-KR" sz="1600" dirty="0"/>
-              <a:t>(</a:t>
-            </a:r>
-            <a:r>
-              <a:rPr lang="ko-KR" altLang="en-US" sz="1600" dirty="0"/>
-              <a:t>이미지</a:t>
-            </a:r>
-            <a:r>
-              <a:rPr lang="en-US" altLang="ko-KR" sz="1600" dirty="0"/>
-              <a:t>)</a:t>
-            </a:r>
-            <a:r>
-              <a:rPr lang="ko-KR" altLang="en-US" sz="1600" dirty="0"/>
-              <a:t>에서의 가능한 모든 인과 관계를 찾아내는 것</a:t>
-            </a:r>
-            <a:r>
-              <a:rPr lang="en-US" altLang="ko-KR" sz="1600" dirty="0"/>
-              <a:t>.</a:t>
-            </a:r>
-            <a:endParaRPr lang="en-US" altLang="ko-KR" dirty="0"/>
-          </a:p>
-        </p:txBody>
-      </p:sp>
-      <p:sp>
-        <p:nvSpPr>
-          <p:cNvPr id="4" name="슬라이드 번호 개체 틀 3">
-            <a:extLst>
-              <a:ext uri="{FF2B5EF4-FFF2-40B4-BE49-F238E27FC236}">
-                <a16:creationId xmlns:a16="http://schemas.microsoft.com/office/drawing/2014/main" id="{B11A7AB9-7540-40FD-94B6-0135A3ED289C}"/>
-              </a:ext>
-            </a:extLst>
-          </p:cNvPr>
-          <p:cNvSpPr>
-            <a:spLocks noGrp="1"/>
-          </p:cNvSpPr>
-          <p:nvPr>
-            <p:ph type="sldNum" sz="quarter" idx="12"/>
-          </p:nvPr>
-        </p:nvSpPr>
-        <p:spPr>
-          <a:xfrm>
-            <a:off x="8563187" y="6379936"/>
-            <a:ext cx="2743200" cy="365125"/>
-          </a:xfrm>
-        </p:spPr>
-        <p:txBody>
-          <a:bodyPr/>
-          <a:lstStyle/>
-          <a:p>
-            <a:fld id="{C3EC3709-AF19-4BC3-8020-8E9C5E0E1F7D}" type="slidenum">
-              <a:rPr lang="ko-KR" altLang="en-US" smtClean="0"/>
-              <a:t>2</a:t>
-            </a:fld>
-            <a:endParaRPr lang="ko-KR" altLang="en-US" dirty="0"/>
-          </a:p>
-        </p:txBody>
-      </p:sp>
+      </p:pic>
     </p:spTree>
     <p:extLst>
       <p:ext uri="{BB962C8B-B14F-4D97-AF65-F5344CB8AC3E}">
-        <p14:creationId xmlns:p14="http://schemas.microsoft.com/office/powerpoint/2010/main" val="2766472176"/>
+        <p14:creationId xmlns:p14="http://schemas.microsoft.com/office/powerpoint/2010/main" val="1040332507"/>
       </p:ext>
     </p:extLst>
   </p:cSld>
@@ -6596,7 +7677,7 @@
 </p:sld>
 </file>
 
-<file path=ppt/slides/slide3.xml><?xml version="1.0" encoding="utf-8"?>
+<file path=ppt/slides/slide2.xml><?xml version="1.0" encoding="utf-8"?>
 <p:sld xmlns:a="http://schemas.openxmlformats.org/drawingml/2006/main" xmlns:r="http://schemas.openxmlformats.org/officeDocument/2006/relationships" xmlns:p="http://schemas.openxmlformats.org/presentationml/2006/main">
   <p:cSld>
     <p:spTree>
@@ -6675,6 +7756,550 @@
       </p:sp>
       <p:sp>
         <p:nvSpPr>
+          <p:cNvPr id="9" name="TextBox 8">
+            <a:extLst>
+              <a:ext uri="{FF2B5EF4-FFF2-40B4-BE49-F238E27FC236}">
+                <a16:creationId xmlns:a16="http://schemas.microsoft.com/office/drawing/2014/main" id="{6751EDA1-7052-4FC5-90E8-A7950631D08D}"/>
+              </a:ext>
+            </a:extLst>
+          </p:cNvPr>
+          <p:cNvSpPr txBox="1"/>
+          <p:nvPr/>
+        </p:nvSpPr>
+        <p:spPr>
+          <a:xfrm>
+            <a:off x="231339" y="182031"/>
+            <a:ext cx="11782163" cy="461665"/>
+          </a:xfrm>
+          <a:prstGeom prst="rect">
+            <a:avLst/>
+          </a:prstGeom>
+          <a:noFill/>
+        </p:spPr>
+        <p:txBody>
+          <a:bodyPr wrap="square" rtlCol="0">
+            <a:spAutoFit/>
+          </a:bodyPr>
+          <a:lstStyle/>
+          <a:p>
+            <a:r>
+              <a:rPr lang="en-US" altLang="ko-KR" sz="2400" dirty="0"/>
+              <a:t>Introduction </a:t>
+            </a:r>
+            <a:endParaRPr lang="ko-KR" altLang="en-US" sz="2400" dirty="0"/>
+          </a:p>
+        </p:txBody>
+      </p:sp>
+      <p:sp>
+        <p:nvSpPr>
+          <p:cNvPr id="6" name="TextBox 5">
+            <a:extLst>
+              <a:ext uri="{FF2B5EF4-FFF2-40B4-BE49-F238E27FC236}">
+                <a16:creationId xmlns:a16="http://schemas.microsoft.com/office/drawing/2014/main" id="{1D6E4ECC-748D-4C14-934B-E2D3728E0594}"/>
+              </a:ext>
+            </a:extLst>
+          </p:cNvPr>
+          <p:cNvSpPr txBox="1"/>
+          <p:nvPr/>
+        </p:nvSpPr>
+        <p:spPr>
+          <a:xfrm>
+            <a:off x="257759" y="1127181"/>
+            <a:ext cx="11729322" cy="5584670"/>
+          </a:xfrm>
+          <a:prstGeom prst="rect">
+            <a:avLst/>
+          </a:prstGeom>
+          <a:noFill/>
+        </p:spPr>
+        <p:txBody>
+          <a:bodyPr wrap="square" rtlCol="0">
+            <a:spAutoFit/>
+          </a:bodyPr>
+          <a:lstStyle/>
+          <a:p>
+            <a:pPr marL="285750" indent="-285750">
+              <a:lnSpc>
+                <a:spcPct val="150000"/>
+              </a:lnSpc>
+              <a:buFont typeface="Arial" panose="020B0604020202020204" pitchFamily="34" charset="0"/>
+              <a:buChar char="•"/>
+            </a:pPr>
+            <a:r>
+              <a:rPr lang="en-US" altLang="ko-KR" sz="1600" dirty="0"/>
+              <a:t>LEARNING CONTEXTUAL CAUSALITY FROM TIME-CONSECUTIVE IMAGES. </a:t>
+            </a:r>
+            <a:r>
+              <a:rPr lang="en-US" altLang="ko-KR" sz="1600" dirty="0" err="1"/>
+              <a:t>ArXiv</a:t>
+            </a:r>
+            <a:r>
+              <a:rPr lang="en-US" altLang="ko-KR" sz="1600" dirty="0"/>
+              <a:t> </a:t>
+            </a:r>
+            <a:r>
+              <a:rPr lang="ko-KR" altLang="en-US" sz="1600" dirty="0"/>
+              <a:t>버전</a:t>
+            </a:r>
+            <a:r>
+              <a:rPr lang="en-US" altLang="ko-KR" sz="1600" dirty="0"/>
+              <a:t>. December 15, 2020</a:t>
+            </a:r>
+          </a:p>
+          <a:p>
+            <a:pPr>
+              <a:lnSpc>
+                <a:spcPct val="150000"/>
+              </a:lnSpc>
+            </a:pPr>
+            <a:r>
+              <a:rPr lang="en-US" altLang="ko-KR" sz="1600" dirty="0" err="1"/>
+              <a:t>Hongming</a:t>
+            </a:r>
+            <a:r>
+              <a:rPr lang="en-US" altLang="ko-KR" sz="1600" dirty="0"/>
+              <a:t> Zhang, </a:t>
+            </a:r>
+            <a:r>
+              <a:rPr lang="en-US" altLang="ko-KR" sz="1600" dirty="0" err="1"/>
+              <a:t>Yintong</a:t>
+            </a:r>
+            <a:r>
+              <a:rPr lang="en-US" altLang="ko-KR" sz="1600" dirty="0"/>
+              <a:t> </a:t>
+            </a:r>
+            <a:r>
+              <a:rPr lang="en-US" altLang="ko-KR" sz="1600" dirty="0" err="1"/>
+              <a:t>Huo,Department</a:t>
+            </a:r>
+            <a:r>
+              <a:rPr lang="en-US" altLang="ko-KR" sz="1600" dirty="0"/>
+              <a:t> of Computer Science and Engineering, HKUST ,Department of Computer Science and Engineering, CUHK</a:t>
+            </a:r>
+          </a:p>
+          <a:p>
+            <a:pPr marL="285750" indent="-285750">
+              <a:lnSpc>
+                <a:spcPct val="150000"/>
+              </a:lnSpc>
+              <a:buFont typeface="Arial" panose="020B0604020202020204" pitchFamily="34" charset="0"/>
+              <a:buChar char="•"/>
+            </a:pPr>
+            <a:endParaRPr lang="en-US" altLang="ko-KR" sz="1600" dirty="0"/>
+          </a:p>
+          <a:p>
+            <a:pPr marL="285750" indent="-285750">
+              <a:lnSpc>
+                <a:spcPct val="150000"/>
+              </a:lnSpc>
+              <a:buFont typeface="Arial" panose="020B0604020202020204" pitchFamily="34" charset="0"/>
+              <a:buChar char="•"/>
+            </a:pPr>
+            <a:r>
+              <a:rPr lang="ko-KR" altLang="en-US" sz="1600" dirty="0"/>
+              <a:t>텍스트 기반 인과성 지식 획득 방법 보다 확장 가능한 방법을 탐색</a:t>
+            </a:r>
+            <a:r>
+              <a:rPr lang="en-US" altLang="ko-KR" sz="1600" dirty="0"/>
+              <a:t>-&gt; </a:t>
+            </a:r>
+            <a:r>
+              <a:rPr lang="ko-KR" altLang="en-US" sz="1600" dirty="0"/>
+              <a:t>시각적 신호에서 인과 관계를 학습한다</a:t>
+            </a:r>
+            <a:r>
+              <a:rPr lang="en-US" altLang="ko-KR" sz="1600" dirty="0"/>
+              <a:t>.</a:t>
+            </a:r>
+          </a:p>
+          <a:p>
+            <a:pPr lvl="1">
+              <a:lnSpc>
+                <a:spcPct val="150000"/>
+              </a:lnSpc>
+            </a:pPr>
+            <a:r>
+              <a:rPr lang="en-US" altLang="ko-KR" sz="1600" dirty="0"/>
+              <a:t>Ex.</a:t>
+            </a:r>
+            <a:r>
+              <a:rPr lang="ko-KR" altLang="en-US" sz="1600" dirty="0"/>
+              <a:t> </a:t>
+            </a:r>
+            <a:r>
+              <a:rPr lang="en-US" altLang="ko-KR" sz="1600" dirty="0"/>
+              <a:t>‘In</a:t>
+            </a:r>
+            <a:r>
+              <a:rPr lang="ko-KR" altLang="en-US" sz="1600" dirty="0"/>
+              <a:t> </a:t>
+            </a:r>
+            <a:r>
+              <a:rPr lang="en-US" altLang="ko-KR" sz="1600" dirty="0"/>
+              <a:t>meeting</a:t>
+            </a:r>
+            <a:r>
+              <a:rPr lang="ko-KR" altLang="en-US" sz="1600" dirty="0"/>
+              <a:t> </a:t>
+            </a:r>
+            <a:r>
+              <a:rPr lang="en-US" altLang="ko-KR" sz="1600" dirty="0"/>
+              <a:t>situation’ , ‘</a:t>
+            </a:r>
+            <a:r>
+              <a:rPr lang="en-US" altLang="ko-KR" sz="1600" dirty="0" err="1"/>
+              <a:t>Threy</a:t>
+            </a:r>
+            <a:r>
+              <a:rPr lang="ko-KR" altLang="en-US" sz="1600" dirty="0"/>
+              <a:t> </a:t>
+            </a:r>
+            <a:r>
+              <a:rPr lang="en-US" altLang="ko-KR" sz="1600" dirty="0"/>
+              <a:t>are</a:t>
+            </a:r>
+            <a:r>
+              <a:rPr lang="ko-KR" altLang="en-US" sz="1600" dirty="0"/>
+              <a:t>  </a:t>
+            </a:r>
+            <a:r>
+              <a:rPr lang="en-US" altLang="ko-KR" sz="1600" dirty="0"/>
+              <a:t>hungry’. Ai </a:t>
+            </a:r>
+            <a:r>
+              <a:rPr lang="ko-KR" altLang="en-US" sz="1600" dirty="0"/>
+              <a:t>비서는</a:t>
+            </a:r>
+            <a:r>
+              <a:rPr lang="en-US" altLang="ko-KR" sz="1600" dirty="0"/>
+              <a:t> ‘order</a:t>
+            </a:r>
+            <a:r>
+              <a:rPr lang="ko-KR" altLang="en-US" sz="1600" dirty="0"/>
+              <a:t> </a:t>
+            </a:r>
+            <a:r>
+              <a:rPr lang="en-US" altLang="ko-KR" sz="1600" dirty="0"/>
+              <a:t>food.’ </a:t>
+            </a:r>
+            <a:r>
+              <a:rPr lang="ko-KR" altLang="en-US" sz="1600" dirty="0"/>
+              <a:t>를 제안할 것이다</a:t>
+            </a:r>
+            <a:r>
+              <a:rPr lang="en-US" altLang="ko-KR" sz="1600" dirty="0"/>
+              <a:t>. (‘being</a:t>
+            </a:r>
+            <a:r>
+              <a:rPr lang="ko-KR" altLang="en-US" sz="1600" dirty="0"/>
+              <a:t> </a:t>
+            </a:r>
+            <a:r>
+              <a:rPr lang="en-US" altLang="ko-KR" sz="1600" dirty="0"/>
+              <a:t>hungry’</a:t>
+            </a:r>
+            <a:r>
+              <a:rPr lang="ko-KR" altLang="en-US" sz="1600" dirty="0"/>
+              <a:t>가</a:t>
+            </a:r>
+            <a:r>
+              <a:rPr lang="en-US" altLang="ko-KR" sz="1600" dirty="0"/>
+              <a:t> ‘eat food’</a:t>
+            </a:r>
+            <a:r>
+              <a:rPr lang="ko-KR" altLang="en-US" sz="1600" dirty="0"/>
+              <a:t>의 원인이 되었기 때문</a:t>
+            </a:r>
+            <a:r>
+              <a:rPr lang="en-US" altLang="ko-KR" sz="1600" dirty="0"/>
+              <a:t>) </a:t>
+            </a:r>
+            <a:r>
+              <a:rPr lang="ko-KR" altLang="en-US" sz="1600" dirty="0"/>
+              <a:t>그러나 맥락을 파악한다면 회의 후에 </a:t>
+            </a:r>
+            <a:r>
+              <a:rPr lang="en-US" altLang="ko-KR" sz="1600" dirty="0"/>
+              <a:t>‘order food’</a:t>
+            </a:r>
+            <a:r>
+              <a:rPr lang="ko-KR" altLang="en-US" sz="1600" dirty="0"/>
+              <a:t> 를 추천할 것이다</a:t>
+            </a:r>
+            <a:r>
+              <a:rPr lang="en-US" altLang="ko-KR" sz="1600" dirty="0"/>
+              <a:t>.</a:t>
+            </a:r>
+            <a:r>
+              <a:rPr lang="ko-KR" altLang="en-US" sz="1600" dirty="0"/>
+              <a:t> 두 문장의 인과관계는 회의 중에서는 어울리지 않기 때문</a:t>
+            </a:r>
+            <a:r>
+              <a:rPr lang="en-US" altLang="ko-KR" sz="1600" dirty="0"/>
+              <a:t> </a:t>
+            </a:r>
+          </a:p>
+          <a:p>
+            <a:pPr marL="285750" indent="-285750">
+              <a:lnSpc>
+                <a:spcPct val="150000"/>
+              </a:lnSpc>
+              <a:buFont typeface="Arial" panose="020B0604020202020204" pitchFamily="34" charset="0"/>
+              <a:buChar char="•"/>
+            </a:pPr>
+            <a:endParaRPr lang="en-US" altLang="ko-KR" sz="1600" dirty="0"/>
+          </a:p>
+          <a:p>
+            <a:pPr marL="285750" indent="-285750" fontAlgn="base">
+              <a:lnSpc>
+                <a:spcPct val="150000"/>
+              </a:lnSpc>
+              <a:buFont typeface="Arial" panose="020B0604020202020204" pitchFamily="34" charset="0"/>
+              <a:buChar char="•"/>
+            </a:pPr>
+            <a:r>
+              <a:rPr lang="ko-KR" altLang="en-US" sz="1600" dirty="0"/>
+              <a:t>이 논문의 기여</a:t>
+            </a:r>
+            <a:endParaRPr lang="en-US" altLang="ko-KR" sz="1600" dirty="0"/>
+          </a:p>
+          <a:p>
+            <a:pPr lvl="1" fontAlgn="base">
+              <a:lnSpc>
+                <a:spcPct val="150000"/>
+              </a:lnSpc>
+            </a:pPr>
+            <a:r>
+              <a:rPr lang="en-US" altLang="ko-KR" sz="1600" dirty="0"/>
+              <a:t>(1) </a:t>
+            </a:r>
+            <a:r>
+              <a:rPr lang="ko-KR" altLang="en-US" sz="1600" dirty="0"/>
+              <a:t>시각적 신호에서 컨텍스트 인과 관계를 추출하는 작업을 공식적으로 정의</a:t>
+            </a:r>
+            <a:r>
+              <a:rPr lang="en-US" altLang="ko-KR" sz="1600" dirty="0"/>
+              <a:t>.</a:t>
+            </a:r>
+            <a:endParaRPr lang="ko-KR" altLang="en-US" sz="1600" dirty="0"/>
+          </a:p>
+          <a:p>
+            <a:pPr lvl="1" fontAlgn="base">
+              <a:lnSpc>
+                <a:spcPct val="150000"/>
+              </a:lnSpc>
+            </a:pPr>
+            <a:r>
+              <a:rPr lang="en-US" altLang="ko-KR" sz="1600" dirty="0"/>
+              <a:t>(2) </a:t>
+            </a:r>
+            <a:r>
+              <a:rPr lang="ko-KR" altLang="en-US" sz="1600" dirty="0"/>
+              <a:t>데이터 세트 </a:t>
+            </a:r>
+            <a:r>
+              <a:rPr lang="en-US" altLang="ko-KR" sz="1600" dirty="0"/>
+              <a:t>Vis-Causal</a:t>
+            </a:r>
+            <a:r>
+              <a:rPr lang="ko-KR" altLang="en-US" sz="1600" dirty="0"/>
+              <a:t> 제시</a:t>
+            </a:r>
+            <a:r>
+              <a:rPr lang="en-US" altLang="ko-KR" sz="1600" dirty="0"/>
+              <a:t>.</a:t>
+            </a:r>
+            <a:endParaRPr lang="ko-KR" altLang="en-US" sz="1600" dirty="0"/>
+          </a:p>
+          <a:p>
+            <a:pPr lvl="1" fontAlgn="base">
+              <a:lnSpc>
+                <a:spcPct val="150000"/>
+              </a:lnSpc>
+            </a:pPr>
+            <a:r>
+              <a:rPr lang="en-US" altLang="ko-KR" sz="1600" dirty="0"/>
+              <a:t>(3) Vision-Contextual Causal(VCC) </a:t>
+            </a:r>
+            <a:r>
+              <a:rPr lang="ko-KR" altLang="en-US" sz="1600" dirty="0"/>
+              <a:t>모델 제안</a:t>
+            </a:r>
+            <a:r>
+              <a:rPr lang="en-US" altLang="ko-KR" sz="1600" dirty="0"/>
+              <a:t>.</a:t>
+            </a:r>
+          </a:p>
+          <a:p>
+            <a:pPr lvl="1" fontAlgn="base">
+              <a:lnSpc>
+                <a:spcPct val="150000"/>
+              </a:lnSpc>
+            </a:pPr>
+            <a:endParaRPr lang="en-US" altLang="ko-KR" sz="1600" dirty="0"/>
+          </a:p>
+          <a:p>
+            <a:pPr marL="285750" indent="-285750" fontAlgn="base">
+              <a:lnSpc>
+                <a:spcPct val="150000"/>
+              </a:lnSpc>
+              <a:buFont typeface="Arial" panose="020B0604020202020204" pitchFamily="34" charset="0"/>
+              <a:buChar char="•"/>
+            </a:pPr>
+            <a:r>
+              <a:rPr lang="ko-KR" altLang="en-US" sz="1600" dirty="0"/>
+              <a:t>목표는 한 비디오에서 잘린 시간 연속 프레임</a:t>
+            </a:r>
+            <a:r>
+              <a:rPr lang="en-US" altLang="ko-KR" sz="1600" dirty="0"/>
+              <a:t>(</a:t>
+            </a:r>
+            <a:r>
+              <a:rPr lang="ko-KR" altLang="en-US" sz="1600" dirty="0"/>
+              <a:t>이미지</a:t>
+            </a:r>
+            <a:r>
+              <a:rPr lang="en-US" altLang="ko-KR" sz="1600" dirty="0"/>
+              <a:t>)</a:t>
+            </a:r>
+            <a:r>
+              <a:rPr lang="ko-KR" altLang="en-US" sz="1600" dirty="0"/>
+              <a:t>에서의 가능한 모든 인과 관계를 찾아내는 것</a:t>
+            </a:r>
+            <a:r>
+              <a:rPr lang="en-US" altLang="ko-KR" sz="1600" dirty="0"/>
+              <a:t>.</a:t>
+            </a:r>
+            <a:endParaRPr lang="en-US" altLang="ko-KR" dirty="0"/>
+          </a:p>
+        </p:txBody>
+      </p:sp>
+      <p:sp>
+        <p:nvSpPr>
+          <p:cNvPr id="4" name="슬라이드 번호 개체 틀 3">
+            <a:extLst>
+              <a:ext uri="{FF2B5EF4-FFF2-40B4-BE49-F238E27FC236}">
+                <a16:creationId xmlns:a16="http://schemas.microsoft.com/office/drawing/2014/main" id="{B11A7AB9-7540-40FD-94B6-0135A3ED289C}"/>
+              </a:ext>
+            </a:extLst>
+          </p:cNvPr>
+          <p:cNvSpPr>
+            <a:spLocks noGrp="1"/>
+          </p:cNvSpPr>
+          <p:nvPr>
+            <p:ph type="sldNum" sz="quarter" idx="12"/>
+          </p:nvPr>
+        </p:nvSpPr>
+        <p:spPr>
+          <a:xfrm>
+            <a:off x="8563187" y="6379936"/>
+            <a:ext cx="2743200" cy="365125"/>
+          </a:xfrm>
+        </p:spPr>
+        <p:txBody>
+          <a:bodyPr/>
+          <a:lstStyle/>
+          <a:p>
+            <a:fld id="{C3EC3709-AF19-4BC3-8020-8E9C5E0E1F7D}" type="slidenum">
+              <a:rPr lang="ko-KR" altLang="en-US" smtClean="0"/>
+              <a:t>2</a:t>
+            </a:fld>
+            <a:endParaRPr lang="ko-KR" altLang="en-US" dirty="0"/>
+          </a:p>
+        </p:txBody>
+      </p:sp>
+    </p:spTree>
+    <p:extLst>
+      <p:ext uri="{BB962C8B-B14F-4D97-AF65-F5344CB8AC3E}">
+        <p14:creationId xmlns:p14="http://schemas.microsoft.com/office/powerpoint/2010/main" val="2766472176"/>
+      </p:ext>
+    </p:extLst>
+  </p:cSld>
+  <p:clrMapOvr>
+    <a:masterClrMapping/>
+  </p:clrMapOvr>
+</p:sld>
+</file>
+
+<file path=ppt/slides/slide3.xml><?xml version="1.0" encoding="utf-8"?>
+<p:sld xmlns:a="http://schemas.openxmlformats.org/drawingml/2006/main" xmlns:r="http://schemas.openxmlformats.org/officeDocument/2006/relationships" xmlns:p="http://schemas.openxmlformats.org/presentationml/2006/main">
+  <p:cSld>
+    <p:spTree>
+      <p:nvGrpSpPr>
+        <p:cNvPr id="1" name=""/>
+        <p:cNvGrpSpPr/>
+        <p:nvPr/>
+      </p:nvGrpSpPr>
+      <p:grpSpPr>
+        <a:xfrm>
+          <a:off x="0" y="0"/>
+          <a:ext cx="0" cy="0"/>
+          <a:chOff x="0" y="0"/>
+          <a:chExt cx="0" cy="0"/>
+        </a:xfrm>
+      </p:grpSpPr>
+      <p:sp>
+        <p:nvSpPr>
+          <p:cNvPr id="8" name="직사각형 7">
+            <a:extLst>
+              <a:ext uri="{FF2B5EF4-FFF2-40B4-BE49-F238E27FC236}">
+                <a16:creationId xmlns:a16="http://schemas.microsoft.com/office/drawing/2014/main" id="{212AE0A1-5F92-478A-A843-443E581BDF91}"/>
+              </a:ext>
+            </a:extLst>
+          </p:cNvPr>
+          <p:cNvSpPr/>
+          <p:nvPr/>
+        </p:nvSpPr>
+        <p:spPr>
+          <a:xfrm>
+            <a:off x="0" y="-1"/>
+            <a:ext cx="12192000" cy="825731"/>
+          </a:xfrm>
+          <a:prstGeom prst="rect">
+            <a:avLst/>
+          </a:prstGeom>
+          <a:solidFill>
+            <a:schemeClr val="accent6">
+              <a:lumMod val="40000"/>
+              <a:lumOff val="60000"/>
+            </a:schemeClr>
+          </a:solidFill>
+          <a:ln>
+            <a:solidFill>
+              <a:schemeClr val="accent6">
+                <a:lumMod val="40000"/>
+                <a:lumOff val="60000"/>
+              </a:schemeClr>
+            </a:solidFill>
+          </a:ln>
+        </p:spPr>
+        <p:style>
+          <a:lnRef idx="2">
+            <a:schemeClr val="accent1">
+              <a:shade val="50000"/>
+            </a:schemeClr>
+          </a:lnRef>
+          <a:fillRef idx="1">
+            <a:schemeClr val="accent1"/>
+          </a:fillRef>
+          <a:effectRef idx="0">
+            <a:schemeClr val="accent1"/>
+          </a:effectRef>
+          <a:fontRef idx="minor">
+            <a:schemeClr val="lt1"/>
+          </a:fontRef>
+        </p:style>
+        <p:txBody>
+          <a:bodyPr rtlCol="0" anchor="ctr"/>
+          <a:lstStyle/>
+          <a:p>
+            <a:pPr algn="ctr"/>
+            <a:endParaRPr lang="ko-KR" altLang="en-US"/>
+          </a:p>
+        </p:txBody>
+      </p:sp>
+      <p:sp>
+        <p:nvSpPr>
           <p:cNvPr id="4" name="슬라이드 번호 개체 틀 3">
             <a:extLst>
               <a:ext uri="{FF2B5EF4-FFF2-40B4-BE49-F238E27FC236}">
@@ -6776,15 +8401,7 @@
             </a:pPr>
             <a:r>
               <a:rPr lang="ko-KR" altLang="en-US" dirty="0"/>
-              <a:t>옆에 있는 두개의 이미지를 </a:t>
-            </a:r>
-            <a:r>
-              <a:rPr lang="en-US" altLang="ko-KR" dirty="0"/>
-              <a:t>pair</a:t>
-            </a:r>
-            <a:r>
-              <a:rPr lang="ko-KR" altLang="en-US" dirty="0"/>
-              <a:t>로 한다</a:t>
+              <a:t>옆에 있는 두개의 이미지를 인접하다고 한다</a:t>
             </a:r>
             <a:r>
               <a:rPr lang="en-US" altLang="ko-KR" dirty="0"/>
@@ -6813,11 +8430,11 @@
             </a:r>
             <a:r>
               <a:rPr lang="ko-KR" altLang="en-US" dirty="0"/>
-              <a:t>개 이미지 </a:t>
+              <a:t>개 이미지 쌍</a:t>
             </a:r>
             <a:r>
               <a:rPr lang="en-US" altLang="ko-KR" dirty="0"/>
-              <a:t>pair </a:t>
+              <a:t> </a:t>
             </a:r>
             <a:r>
               <a:rPr lang="ko-KR" altLang="en-US" dirty="0"/>
@@ -8172,7 +9789,7 @@
             </a:r>
             <a:r>
               <a:rPr lang="en-US" altLang="ko-KR" sz="1600" dirty="0"/>
-              <a:t>( without context)</a:t>
+              <a:t>(without context)</a:t>
             </a:r>
             <a:r>
               <a:rPr lang="ko-KR" altLang="en-US" sz="1600" dirty="0"/>
@@ -8298,36 +9915,6 @@
           <a:chExt cx="0" cy="0"/>
         </a:xfrm>
       </p:grpSpPr>
-      <p:pic>
-        <p:nvPicPr>
-          <p:cNvPr id="5" name="그림 4">
-            <a:extLst>
-              <a:ext uri="{FF2B5EF4-FFF2-40B4-BE49-F238E27FC236}">
-                <a16:creationId xmlns:a16="http://schemas.microsoft.com/office/drawing/2014/main" id="{D613511E-A179-4799-B8A2-C2121B5E1CDB}"/>
-              </a:ext>
-            </a:extLst>
-          </p:cNvPr>
-          <p:cNvPicPr>
-            <a:picLocks noChangeAspect="1"/>
-          </p:cNvPicPr>
-          <p:nvPr/>
-        </p:nvPicPr>
-        <p:blipFill>
-          <a:blip r:embed="rId2"/>
-          <a:stretch>
-            <a:fillRect/>
-          </a:stretch>
-        </p:blipFill>
-        <p:spPr>
-          <a:xfrm>
-            <a:off x="5156199" y="925068"/>
-            <a:ext cx="6637845" cy="3527804"/>
-          </a:xfrm>
-          <a:prstGeom prst="rect">
-            <a:avLst/>
-          </a:prstGeom>
-        </p:spPr>
-      </p:pic>
       <p:sp>
         <p:nvSpPr>
           <p:cNvPr id="8" name="직사각형 7">
@@ -8390,54 +9977,20 @@
       </p:sp>
       <p:sp>
         <p:nvSpPr>
-          <p:cNvPr id="4" name="슬라이드 번호 개체 틀 3">
-            <a:extLst>
-              <a:ext uri="{FF2B5EF4-FFF2-40B4-BE49-F238E27FC236}">
-                <a16:creationId xmlns:a16="http://schemas.microsoft.com/office/drawing/2014/main" id="{B11A7AB9-7540-40FD-94B6-0135A3ED289C}"/>
-              </a:ext>
-            </a:extLst>
-          </p:cNvPr>
-          <p:cNvSpPr>
-            <a:spLocks noGrp="1"/>
-          </p:cNvSpPr>
-          <p:nvPr>
-            <p:ph type="sldNum" sz="quarter" idx="12"/>
-          </p:nvPr>
+          <p:cNvPr id="6" name="TextBox 5">
+            <a:extLst>
+              <a:ext uri="{FF2B5EF4-FFF2-40B4-BE49-F238E27FC236}">
+                <a16:creationId xmlns:a16="http://schemas.microsoft.com/office/drawing/2014/main" id="{1D6E4ECC-748D-4C14-934B-E2D3728E0594}"/>
+              </a:ext>
+            </a:extLst>
+          </p:cNvPr>
+          <p:cNvSpPr txBox="1"/>
+          <p:nvPr/>
         </p:nvSpPr>
         <p:spPr>
           <a:xfrm>
-            <a:off x="8563187" y="6379936"/>
-            <a:ext cx="2743200" cy="365125"/>
-          </a:xfrm>
-        </p:spPr>
-        <p:txBody>
-          <a:bodyPr/>
-          <a:lstStyle/>
-          <a:p>
-            <a:fld id="{C3EC3709-AF19-4BC3-8020-8E9C5E0E1F7D}" type="slidenum">
-              <a:rPr lang="ko-KR" altLang="en-US" smtClean="0"/>
-              <a:t>5</a:t>
-            </a:fld>
-            <a:endParaRPr lang="ko-KR" altLang="en-US"/>
-          </a:p>
-        </p:txBody>
-      </p:sp>
-      <p:sp>
-        <p:nvSpPr>
-          <p:cNvPr id="30" name="TextBox 29">
-            <a:extLst>
-              <a:ext uri="{FF2B5EF4-FFF2-40B4-BE49-F238E27FC236}">
-                <a16:creationId xmlns:a16="http://schemas.microsoft.com/office/drawing/2014/main" id="{889DE760-1A4A-4B81-A215-5E5C244D347A}"/>
-              </a:ext>
-            </a:extLst>
-          </p:cNvPr>
-          <p:cNvSpPr txBox="1"/>
-          <p:nvPr/>
-        </p:nvSpPr>
-        <p:spPr>
-          <a:xfrm>
-            <a:off x="361045" y="1062057"/>
-            <a:ext cx="11082483" cy="5584670"/>
+            <a:off x="578834" y="1319219"/>
+            <a:ext cx="11435601" cy="3958007"/>
           </a:xfrm>
           <a:prstGeom prst="rect">
             <a:avLst/>
@@ -8450,1120 +10003,182 @@
           </a:bodyPr>
           <a:lstStyle/>
           <a:p>
-            <a:pPr marL="285750" indent="-285750">
+            <a:r>
+              <a:rPr lang="en-US" altLang="ko-KR" dirty="0"/>
+              <a:t>Vis-Causal Dataset</a:t>
+            </a:r>
+          </a:p>
+          <a:p>
+            <a:endParaRPr lang="en-US" altLang="ko-KR" dirty="0"/>
+          </a:p>
+          <a:p>
+            <a:endParaRPr lang="en-US" altLang="ko-KR" dirty="0"/>
+          </a:p>
+          <a:p>
+            <a:pPr algn="just" fontAlgn="base">
               <a:lnSpc>
-                <a:spcPct val="150000"/>
+                <a:spcPct val="160000"/>
               </a:lnSpc>
-              <a:buFont typeface="Arial" panose="020B0604020202020204" pitchFamily="34" charset="0"/>
-              <a:buChar char="•"/>
             </a:pPr>
             <a:r>
-              <a:rPr lang="en-US" altLang="ko-KR" sz="1600" kern="0" dirty="0">
+              <a:rPr lang="en-US" altLang="ko-KR" sz="1400" kern="0" dirty="0">
                 <a:solidFill>
                   <a:srgbClr val="000000"/>
                 </a:solidFill>
-                <a:uFill>
-                  <a:solidFill>
-                    <a:srgbClr val="000000"/>
-                  </a:solidFill>
-                </a:uFill>
-                <a:latin typeface="+mn-ea"/>
-                <a:cs typeface="맑은 고딕 Semilight" panose="020B0502040204020203" pitchFamily="50" charset="-127"/>
-              </a:rPr>
-              <a:t>Causality text</a:t>
-            </a:r>
-            <a:r>
-              <a:rPr lang="ko-KR" altLang="en-US" sz="1600" kern="0" dirty="0">
+                <a:latin typeface="맑은 고딕 Semilight" panose="020B0502040204020203" pitchFamily="50" charset="-127"/>
+                <a:ea typeface="맑은 고딕 Semilight" panose="020B0502040204020203" pitchFamily="50" charset="-127"/>
+              </a:rPr>
+              <a:t>image_1": </a:t>
+            </a:r>
+          </a:p>
+          <a:p>
+            <a:pPr algn="just" fontAlgn="base">
+              <a:lnSpc>
+                <a:spcPct val="160000"/>
+              </a:lnSpc>
+            </a:pPr>
+            <a:r>
+              <a:rPr lang="en-US" altLang="ko-KR" sz="1400" kern="0" dirty="0">
                 <a:solidFill>
                   <a:srgbClr val="000000"/>
                 </a:solidFill>
-                <a:uFill>
-                  <a:solidFill>
-                    <a:srgbClr val="000000"/>
-                  </a:solidFill>
-                </a:uFill>
-                <a:latin typeface="+mn-ea"/>
-                <a:cs typeface="맑은 고딕 Semilight" panose="020B0502040204020203" pitchFamily="50" charset="-127"/>
-              </a:rPr>
-              <a:t>에서 </a:t>
-            </a:r>
-            <a:r>
-              <a:rPr lang="en-US" altLang="ko-KR" sz="1600" kern="0" dirty="0">
+                <a:latin typeface="맑은 고딕 Semilight" panose="020B0502040204020203" pitchFamily="50" charset="-127"/>
+                <a:ea typeface="맑은 고딕 Semilight" panose="020B0502040204020203" pitchFamily="50" charset="-127"/>
+              </a:rPr>
+              <a:t>{</a:t>
+            </a:r>
+          </a:p>
+          <a:p>
+            <a:pPr algn="just" fontAlgn="base">
+              <a:lnSpc>
+                <a:spcPct val="160000"/>
+              </a:lnSpc>
+            </a:pPr>
+            <a:r>
+              <a:rPr lang="en-US" altLang="ko-KR" sz="1400" kern="0" dirty="0">
                 <a:solidFill>
                   <a:srgbClr val="000000"/>
                 </a:solidFill>
-                <a:uFill>
-                  <a:solidFill>
-                    <a:srgbClr val="000000"/>
-                  </a:solidFill>
-                </a:uFill>
-                <a:latin typeface="+mn-ea"/>
-                <a:cs typeface="맑은 고딕 Semilight" panose="020B0502040204020203" pitchFamily="50" charset="-127"/>
-              </a:rPr>
-              <a:t>Context</a:t>
-            </a:r>
-            <a:r>
-              <a:rPr lang="ko-KR" altLang="en-US" sz="1600" kern="0" dirty="0">
-                <a:solidFill>
-                  <a:srgbClr val="000000"/>
-                </a:solidFill>
-                <a:uFill>
-                  <a:solidFill>
-                    <a:srgbClr val="000000"/>
-                  </a:solidFill>
-                </a:uFill>
-                <a:latin typeface="+mn-ea"/>
-                <a:cs typeface="맑은 고딕 Semilight" panose="020B0502040204020203" pitchFamily="50" charset="-127"/>
-              </a:rPr>
-              <a:t> 영향조사</a:t>
-            </a:r>
-            <a:endParaRPr lang="en-US" altLang="ko-KR" sz="1600" kern="0" dirty="0">
+                <a:latin typeface="맑은 고딕 Semilight" panose="020B0502040204020203" pitchFamily="50" charset="-127"/>
+                <a:ea typeface="맑은 고딕 Semilight" panose="020B0502040204020203" pitchFamily="50" charset="-127"/>
+              </a:rPr>
+              <a:t>"entity": {"man": 0.4155610633921273, "building": 0.68810488779749, "leaf": 0.4959944162342506, "tree": 0.832587724520954, "window": 0.7762394739372568, "beach": 0.22491798294614407, "rock": 0.20255080373836484, "shirt": 0.5135474643024482, "fence": 0.16829996415725537, "pole": 0.10635410946508468, "track": 0.12555851471070892, "short": 0.5676629611283379, "street": 0.1365042762653402}, </a:t>
+            </a:r>
+            <a:endParaRPr lang="en-US" altLang="ko-KR" sz="1400" kern="0" dirty="0">
               <a:solidFill>
                 <a:srgbClr val="000000"/>
               </a:solidFill>
-              <a:uFill>
+              <a:latin typeface="함초롬바탕" panose="02030604000101010101" pitchFamily="18" charset="-127"/>
+            </a:endParaRPr>
+          </a:p>
+          <a:p>
+            <a:pPr algn="just" fontAlgn="base">
+              <a:lnSpc>
+                <a:spcPct val="160000"/>
+              </a:lnSpc>
+            </a:pPr>
+            <a:r>
+              <a:rPr lang="en-US" altLang="ko-KR" sz="1400" kern="0" dirty="0">
                 <a:solidFill>
                   <a:srgbClr val="000000"/>
                 </a:solidFill>
-              </a:uFill>
-              <a:latin typeface="+mn-ea"/>
-              <a:cs typeface="맑은 고딕 Semilight" panose="020B0502040204020203" pitchFamily="50" charset="-127"/>
-            </a:endParaRPr>
-          </a:p>
-          <a:p>
-            <a:pPr marL="285750" indent="-285750">
-              <a:lnSpc>
-                <a:spcPct val="150000"/>
-              </a:lnSpc>
-              <a:buFontTx/>
-              <a:buChar char="-"/>
-            </a:pPr>
-            <a:r>
-              <a:rPr lang="en-US" altLang="ko-KR" sz="1600" kern="0" dirty="0">
-                <a:solidFill>
-                  <a:srgbClr val="000000"/>
-                </a:solidFill>
-                <a:uFill>
-                  <a:solidFill>
-                    <a:srgbClr val="000000"/>
-                  </a:solidFill>
-                </a:uFill>
-                <a:latin typeface="+mn-ea"/>
-                <a:cs typeface="맑은 고딕 Semilight" panose="020B0502040204020203" pitchFamily="50" charset="-127"/>
-              </a:rPr>
-              <a:t>“with context”, “without context” </a:t>
-            </a:r>
-            <a:r>
-              <a:rPr lang="ko-KR" altLang="en-US" sz="1600" kern="0" dirty="0">
-                <a:solidFill>
-                  <a:srgbClr val="000000"/>
-                </a:solidFill>
-                <a:uFill>
-                  <a:solidFill>
-                    <a:srgbClr val="000000"/>
-                  </a:solidFill>
-                </a:uFill>
-                <a:latin typeface="+mn-ea"/>
-                <a:cs typeface="맑은 고딕 Semilight" panose="020B0502040204020203" pitchFamily="50" charset="-127"/>
-              </a:rPr>
-              <a:t>상황 </a:t>
-            </a:r>
-            <a:endParaRPr lang="en-US" altLang="ko-KR" sz="1600" kern="0" dirty="0">
+                <a:latin typeface="맑은 고딕 Semilight" panose="020B0502040204020203" pitchFamily="50" charset="-127"/>
+                <a:ea typeface="맑은 고딕 Semilight" panose="020B0502040204020203" pitchFamily="50" charset="-127"/>
+              </a:rPr>
+              <a:t>"event": {}, </a:t>
+            </a:r>
+            <a:endParaRPr lang="en-US" altLang="ko-KR" sz="1400" kern="0" dirty="0">
               <a:solidFill>
                 <a:srgbClr val="000000"/>
               </a:solidFill>
-              <a:uFill>
-                <a:solidFill>
-                  <a:srgbClr val="000000"/>
-                </a:solidFill>
-              </a:uFill>
-              <a:latin typeface="+mn-ea"/>
-              <a:cs typeface="맑은 고딕 Semilight" panose="020B0502040204020203" pitchFamily="50" charset="-127"/>
+              <a:latin typeface="함초롬바탕" panose="02030604000101010101" pitchFamily="18" charset="-127"/>
             </a:endParaRPr>
           </a:p>
           <a:p>
-            <a:pPr marL="285750" indent="-285750">
+            <a:pPr algn="just" fontAlgn="base">
               <a:lnSpc>
-                <a:spcPct val="150000"/>
-              </a:lnSpc>
-              <a:buFontTx/>
-              <a:buChar char="-"/>
-            </a:pPr>
-            <a:r>
-              <a:rPr lang="en-US" altLang="ko-KR" sz="1600" dirty="0">
-                <a:latin typeface="+mn-ea"/>
-                <a:cs typeface="맑은 고딕 Semilight" panose="020B0502040204020203" pitchFamily="50" charset="-127"/>
-              </a:rPr>
-              <a:t>5</a:t>
-            </a:r>
-            <a:r>
-              <a:rPr lang="ko-KR" altLang="en-US" sz="1600" dirty="0">
-                <a:latin typeface="+mn-ea"/>
-                <a:cs typeface="맑은 고딕 Semilight" panose="020B0502040204020203" pitchFamily="50" charset="-127"/>
-              </a:rPr>
-              <a:t>명 중 </a:t>
-            </a:r>
-            <a:r>
-              <a:rPr lang="en-US" altLang="ko-KR" sz="1600" dirty="0">
-                <a:latin typeface="+mn-ea"/>
-                <a:cs typeface="맑은 고딕 Semilight" panose="020B0502040204020203" pitchFamily="50" charset="-127"/>
-              </a:rPr>
-              <a:t>4</a:t>
-            </a:r>
-            <a:r>
-              <a:rPr lang="ko-KR" altLang="en-US" sz="1600" dirty="0">
-                <a:latin typeface="+mn-ea"/>
-                <a:cs typeface="맑은 고딕 Semilight" panose="020B0502040204020203" pitchFamily="50" charset="-127"/>
-              </a:rPr>
-              <a:t>명이 ＂인과 관계</a:t>
-            </a:r>
-            <a:r>
-              <a:rPr lang="en-US" altLang="ko-KR" sz="1600" dirty="0">
-                <a:latin typeface="+mn-ea"/>
-                <a:cs typeface="맑은 고딕 Semilight" panose="020B0502040204020203" pitchFamily="50" charset="-127"/>
-              </a:rPr>
-              <a:t>” </a:t>
-            </a:r>
-            <a:r>
-              <a:rPr lang="ko-KR" altLang="en-US" sz="1600" dirty="0">
-                <a:latin typeface="+mn-ea"/>
-                <a:cs typeface="맑은 고딕 Semilight" panose="020B0502040204020203" pitchFamily="50" charset="-127"/>
-              </a:rPr>
-              <a:t>에 투표하면</a:t>
-            </a:r>
-            <a:endParaRPr lang="en-US" altLang="ko-KR" sz="1600" dirty="0">
-              <a:latin typeface="+mn-ea"/>
-              <a:cs typeface="맑은 고딕 Semilight" panose="020B0502040204020203" pitchFamily="50" charset="-127"/>
-            </a:endParaRPr>
-          </a:p>
-          <a:p>
-            <a:pPr>
-              <a:lnSpc>
-                <a:spcPct val="150000"/>
+                <a:spcPct val="160000"/>
               </a:lnSpc>
             </a:pPr>
             <a:r>
-              <a:rPr lang="en-US" altLang="ko-KR" sz="1600" dirty="0">
-                <a:latin typeface="+mn-ea"/>
-                <a:cs typeface="맑은 고딕 Semilight" panose="020B0502040204020203" pitchFamily="50" charset="-127"/>
-              </a:rPr>
-              <a:t>    </a:t>
-            </a:r>
-            <a:r>
-              <a:rPr lang="ko-KR" altLang="en-US" sz="1600" dirty="0">
-                <a:latin typeface="+mn-ea"/>
-                <a:cs typeface="맑은 고딕 Semilight" panose="020B0502040204020203" pitchFamily="50" charset="-127"/>
-              </a:rPr>
-              <a:t>인과 타당성은 </a:t>
-            </a:r>
-            <a:r>
-              <a:rPr lang="en-US" altLang="ko-KR" sz="1600" dirty="0">
-                <a:latin typeface="+mn-ea"/>
-                <a:cs typeface="맑은 고딕 Semilight" panose="020B0502040204020203" pitchFamily="50" charset="-127"/>
-              </a:rPr>
-              <a:t>0.8.</a:t>
-            </a:r>
-          </a:p>
-          <a:p>
-            <a:pPr marL="285750" indent="-285750">
+              <a:rPr lang="en-US" altLang="ko-KR" sz="1400" kern="0" dirty="0">
+                <a:solidFill>
+                  <a:srgbClr val="000000"/>
+                </a:solidFill>
+                <a:latin typeface="맑은 고딕 Semilight" panose="020B0502040204020203" pitchFamily="50" charset="-127"/>
+                <a:ea typeface="맑은 고딕 Semilight" panose="020B0502040204020203" pitchFamily="50" charset="-127"/>
+              </a:rPr>
+              <a:t>"path": "images/validation/v0_im1.jpg“</a:t>
+            </a:r>
+          </a:p>
+          <a:p>
+            <a:pPr algn="just" fontAlgn="base">
               <a:lnSpc>
-                <a:spcPct val="150000"/>
-              </a:lnSpc>
-              <a:buFontTx/>
-              <a:buChar char="-"/>
-            </a:pPr>
-            <a:r>
-              <a:rPr lang="en-US" altLang="ko-KR" sz="1600" kern="0" dirty="0">
-                <a:solidFill>
-                  <a:srgbClr val="000000"/>
-                </a:solidFill>
-                <a:uFill>
-                  <a:solidFill>
-                    <a:srgbClr val="000000"/>
-                  </a:solidFill>
-                </a:uFill>
-                <a:latin typeface="+mn-ea"/>
-                <a:cs typeface="맑은 고딕 Semilight" panose="020B0502040204020203" pitchFamily="50" charset="-127"/>
-              </a:rPr>
-              <a:t>“without context” &gt; “with context” : </a:t>
-            </a:r>
-          </a:p>
-          <a:p>
-            <a:pPr lvl="1">
-              <a:lnSpc>
-                <a:spcPct val="150000"/>
+                <a:spcPct val="160000"/>
               </a:lnSpc>
             </a:pPr>
             <a:r>
-              <a:rPr lang="ko-KR" altLang="en-US" sz="1600" kern="0" dirty="0">
+              <a:rPr lang="en-US" altLang="ko-KR" sz="1400" kern="0" dirty="0">
                 <a:solidFill>
                   <a:srgbClr val="000000"/>
                 </a:solidFill>
-                <a:uFill>
-                  <a:solidFill>
-                    <a:srgbClr val="000000"/>
-                  </a:solidFill>
-                </a:uFill>
-                <a:latin typeface="+mn-ea"/>
-                <a:cs typeface="맑은 고딕 Semilight" panose="020B0502040204020203" pitchFamily="50" charset="-127"/>
-              </a:rPr>
-              <a:t>사람의 경우 </a:t>
-            </a:r>
-            <a:r>
-              <a:rPr lang="en-US" altLang="ko-KR" sz="1600" kern="0" dirty="0" err="1">
-                <a:solidFill>
-                  <a:srgbClr val="000000"/>
-                </a:solidFill>
-                <a:uFill>
-                  <a:solidFill>
-                    <a:srgbClr val="000000"/>
-                  </a:solidFill>
-                </a:uFill>
-                <a:latin typeface="+mn-ea"/>
-                <a:cs typeface="맑은 고딕 Semilight" panose="020B0502040204020203" pitchFamily="50" charset="-127"/>
-              </a:rPr>
-              <a:t>여러</a:t>
-            </a:r>
-            <a:r>
-              <a:rPr lang="en-US" altLang="ko-KR" sz="1600" kern="0" dirty="0">
-                <a:solidFill>
-                  <a:srgbClr val="000000"/>
-                </a:solidFill>
-                <a:uFill>
-                  <a:solidFill>
-                    <a:srgbClr val="000000"/>
-                  </a:solidFill>
-                </a:uFill>
-                <a:latin typeface="+mn-ea"/>
-                <a:cs typeface="맑은 고딕 Semilight" panose="020B0502040204020203" pitchFamily="50" charset="-127"/>
-              </a:rPr>
-              <a:t> </a:t>
-            </a:r>
-            <a:r>
-              <a:rPr lang="ko-KR" altLang="en-US" sz="1600" kern="0" dirty="0">
-                <a:solidFill>
-                  <a:srgbClr val="000000"/>
-                </a:solidFill>
-                <a:uFill>
-                  <a:solidFill>
-                    <a:srgbClr val="000000"/>
-                  </a:solidFill>
-                </a:uFill>
-                <a:latin typeface="+mn-ea"/>
-                <a:cs typeface="맑은 고딕 Semilight" panose="020B0502040204020203" pitchFamily="50" charset="-127"/>
-              </a:rPr>
-              <a:t>상황에 </a:t>
-            </a:r>
-            <a:r>
-              <a:rPr lang="en-US" altLang="ko-KR" sz="1600" kern="0" dirty="0" err="1">
-                <a:solidFill>
-                  <a:srgbClr val="000000"/>
-                </a:solidFill>
-                <a:uFill>
-                  <a:solidFill>
-                    <a:srgbClr val="000000"/>
-                  </a:solidFill>
-                </a:uFill>
-                <a:latin typeface="+mn-ea"/>
-                <a:cs typeface="맑은 고딕 Semilight" panose="020B0502040204020203" pitchFamily="50" charset="-127"/>
-              </a:rPr>
-              <a:t>대해</a:t>
-            </a:r>
-            <a:r>
-              <a:rPr lang="en-US" altLang="ko-KR" sz="1600" kern="0" dirty="0">
-                <a:solidFill>
-                  <a:srgbClr val="000000"/>
-                </a:solidFill>
-                <a:uFill>
-                  <a:solidFill>
-                    <a:srgbClr val="000000"/>
-                  </a:solidFill>
-                </a:uFill>
-                <a:latin typeface="+mn-ea"/>
-                <a:cs typeface="맑은 고딕 Semilight" panose="020B0502040204020203" pitchFamily="50" charset="-127"/>
-              </a:rPr>
-              <a:t> </a:t>
-            </a:r>
-            <a:r>
-              <a:rPr lang="en-US" altLang="ko-KR" sz="1600" kern="0" dirty="0" err="1">
-                <a:solidFill>
-                  <a:srgbClr val="000000"/>
-                </a:solidFill>
-                <a:uFill>
-                  <a:solidFill>
-                    <a:srgbClr val="000000"/>
-                  </a:solidFill>
-                </a:uFill>
-                <a:latin typeface="+mn-ea"/>
-                <a:cs typeface="맑은 고딕 Semilight" panose="020B0502040204020203" pitchFamily="50" charset="-127"/>
-              </a:rPr>
-              <a:t>생각하고</a:t>
-            </a:r>
-            <a:r>
-              <a:rPr lang="en-US" altLang="ko-KR" sz="1600" kern="0" dirty="0">
-                <a:solidFill>
-                  <a:srgbClr val="000000"/>
-                </a:solidFill>
-                <a:uFill>
-                  <a:solidFill>
-                    <a:srgbClr val="000000"/>
-                  </a:solidFill>
-                </a:uFill>
-                <a:latin typeface="+mn-ea"/>
-                <a:cs typeface="맑은 고딕 Semilight" panose="020B0502040204020203" pitchFamily="50" charset="-127"/>
-              </a:rPr>
-              <a:t> </a:t>
-            </a:r>
-            <a:r>
-              <a:rPr lang="en-US" altLang="ko-KR" sz="1600" kern="0" dirty="0" err="1">
-                <a:solidFill>
-                  <a:srgbClr val="000000"/>
-                </a:solidFill>
-                <a:uFill>
-                  <a:solidFill>
-                    <a:srgbClr val="000000"/>
-                  </a:solidFill>
-                </a:uFill>
-                <a:latin typeface="+mn-ea"/>
-                <a:cs typeface="맑은 고딕 Semilight" panose="020B0502040204020203" pitchFamily="50" charset="-127"/>
-              </a:rPr>
-              <a:t>해당</a:t>
-            </a:r>
-            <a:r>
-              <a:rPr lang="en-US" altLang="ko-KR" sz="1600" kern="0" dirty="0">
-                <a:solidFill>
-                  <a:srgbClr val="000000"/>
-                </a:solidFill>
-                <a:uFill>
-                  <a:solidFill>
-                    <a:srgbClr val="000000"/>
-                  </a:solidFill>
-                </a:uFill>
-                <a:latin typeface="+mn-ea"/>
-                <a:cs typeface="맑은 고딕 Semilight" panose="020B0502040204020203" pitchFamily="50" charset="-127"/>
-              </a:rPr>
-              <a:t> </a:t>
-            </a:r>
-          </a:p>
-          <a:p>
-            <a:pPr lvl="1">
-              <a:lnSpc>
-                <a:spcPct val="150000"/>
-              </a:lnSpc>
-            </a:pPr>
-            <a:r>
-              <a:rPr lang="en-US" altLang="ko-KR" sz="1600" kern="0" dirty="0" err="1">
-                <a:solidFill>
-                  <a:srgbClr val="000000"/>
-                </a:solidFill>
-                <a:uFill>
-                  <a:solidFill>
-                    <a:srgbClr val="000000"/>
-                  </a:solidFill>
-                </a:uFill>
-                <a:latin typeface="+mn-ea"/>
-                <a:cs typeface="맑은 고딕 Semilight" panose="020B0502040204020203" pitchFamily="50" charset="-127"/>
-              </a:rPr>
-              <a:t>시나리오에서</a:t>
-            </a:r>
-            <a:r>
-              <a:rPr lang="en-US" altLang="ko-KR" sz="1600" kern="0" dirty="0">
-                <a:solidFill>
-                  <a:srgbClr val="000000"/>
-                </a:solidFill>
-                <a:uFill>
-                  <a:solidFill>
-                    <a:srgbClr val="000000"/>
-                  </a:solidFill>
-                </a:uFill>
-                <a:latin typeface="+mn-ea"/>
-                <a:cs typeface="맑은 고딕 Semilight" panose="020B0502040204020203" pitchFamily="50" charset="-127"/>
-              </a:rPr>
-              <a:t> </a:t>
-            </a:r>
-            <a:r>
-              <a:rPr lang="en-US" altLang="ko-KR" sz="1600" kern="0" dirty="0" err="1">
-                <a:solidFill>
-                  <a:srgbClr val="000000"/>
-                </a:solidFill>
-                <a:uFill>
-                  <a:solidFill>
-                    <a:srgbClr val="000000"/>
-                  </a:solidFill>
-                </a:uFill>
-                <a:latin typeface="+mn-ea"/>
-                <a:cs typeface="맑은 고딕 Semilight" panose="020B0502040204020203" pitchFamily="50" charset="-127"/>
-              </a:rPr>
-              <a:t>인과관계가</a:t>
-            </a:r>
-            <a:r>
-              <a:rPr lang="en-US" altLang="ko-KR" sz="1600" kern="0" dirty="0">
-                <a:solidFill>
-                  <a:srgbClr val="000000"/>
-                </a:solidFill>
-                <a:uFill>
-                  <a:solidFill>
-                    <a:srgbClr val="000000"/>
-                  </a:solidFill>
-                </a:uFill>
-                <a:latin typeface="+mn-ea"/>
-                <a:cs typeface="맑은 고딕 Semilight" panose="020B0502040204020203" pitchFamily="50" charset="-127"/>
-              </a:rPr>
-              <a:t> </a:t>
-            </a:r>
-            <a:r>
-              <a:rPr lang="en-US" altLang="ko-KR" sz="1600" kern="0" dirty="0" err="1">
-                <a:solidFill>
-                  <a:srgbClr val="000000"/>
-                </a:solidFill>
-                <a:uFill>
-                  <a:solidFill>
-                    <a:srgbClr val="000000"/>
-                  </a:solidFill>
-                </a:uFill>
-                <a:latin typeface="+mn-ea"/>
-                <a:cs typeface="맑은 고딕 Semilight" panose="020B0502040204020203" pitchFamily="50" charset="-127"/>
-              </a:rPr>
-              <a:t>그럴듯하도록</a:t>
-            </a:r>
-            <a:r>
-              <a:rPr lang="en-US" altLang="ko-KR" sz="1600" kern="0" dirty="0">
-                <a:solidFill>
-                  <a:srgbClr val="000000"/>
-                </a:solidFill>
-                <a:uFill>
-                  <a:solidFill>
-                    <a:srgbClr val="000000"/>
-                  </a:solidFill>
-                </a:uFill>
-                <a:latin typeface="+mn-ea"/>
-                <a:cs typeface="맑은 고딕 Semilight" panose="020B0502040204020203" pitchFamily="50" charset="-127"/>
-              </a:rPr>
-              <a:t> </a:t>
-            </a:r>
-          </a:p>
-          <a:p>
-            <a:pPr lvl="1">
-              <a:lnSpc>
-                <a:spcPct val="150000"/>
-              </a:lnSpc>
-            </a:pPr>
-            <a:r>
-              <a:rPr lang="en-US" altLang="ko-KR" sz="1600" kern="0" dirty="0" err="1">
-                <a:solidFill>
-                  <a:srgbClr val="000000"/>
-                </a:solidFill>
-                <a:uFill>
-                  <a:solidFill>
-                    <a:srgbClr val="000000"/>
-                  </a:solidFill>
-                </a:uFill>
-                <a:latin typeface="+mn-ea"/>
-                <a:cs typeface="맑은 고딕 Semilight" panose="020B0502040204020203" pitchFamily="50" charset="-127"/>
-              </a:rPr>
-              <a:t>가장</a:t>
-            </a:r>
-            <a:r>
-              <a:rPr lang="en-US" altLang="ko-KR" sz="1600" kern="0" dirty="0">
-                <a:solidFill>
-                  <a:srgbClr val="000000"/>
-                </a:solidFill>
-                <a:uFill>
-                  <a:solidFill>
-                    <a:srgbClr val="000000"/>
-                  </a:solidFill>
-                </a:uFill>
-                <a:latin typeface="+mn-ea"/>
-                <a:cs typeface="맑은 고딕 Semilight" panose="020B0502040204020203" pitchFamily="50" charset="-127"/>
-              </a:rPr>
-              <a:t> </a:t>
-            </a:r>
-            <a:r>
-              <a:rPr lang="en-US" altLang="ko-KR" sz="1600" kern="0" dirty="0" err="1">
-                <a:solidFill>
-                  <a:srgbClr val="000000"/>
-                </a:solidFill>
-                <a:uFill>
-                  <a:solidFill>
-                    <a:srgbClr val="000000"/>
-                  </a:solidFill>
-                </a:uFill>
-                <a:latin typeface="+mn-ea"/>
-                <a:cs typeface="맑은 고딕 Semilight" panose="020B0502040204020203" pitchFamily="50" charset="-127"/>
-              </a:rPr>
-              <a:t>적합한</a:t>
-            </a:r>
-            <a:r>
-              <a:rPr lang="en-US" altLang="ko-KR" sz="1600" kern="0" dirty="0">
-                <a:solidFill>
-                  <a:srgbClr val="000000"/>
-                </a:solidFill>
-                <a:uFill>
-                  <a:solidFill>
-                    <a:srgbClr val="000000"/>
-                  </a:solidFill>
-                </a:uFill>
-                <a:latin typeface="+mn-ea"/>
-                <a:cs typeface="맑은 고딕 Semilight" panose="020B0502040204020203" pitchFamily="50" charset="-127"/>
-              </a:rPr>
-              <a:t> </a:t>
-            </a:r>
-            <a:r>
-              <a:rPr lang="en-US" altLang="ko-KR" sz="1600" kern="0" dirty="0" err="1">
-                <a:solidFill>
-                  <a:srgbClr val="000000"/>
-                </a:solidFill>
-                <a:uFill>
-                  <a:solidFill>
-                    <a:srgbClr val="000000"/>
-                  </a:solidFill>
-                </a:uFill>
-                <a:latin typeface="+mn-ea"/>
-                <a:cs typeface="맑은 고딕 Semilight" panose="020B0502040204020203" pitchFamily="50" charset="-127"/>
-              </a:rPr>
-              <a:t>컨텍스트를</a:t>
-            </a:r>
-            <a:r>
-              <a:rPr lang="en-US" altLang="ko-KR" sz="1600" kern="0" dirty="0">
-                <a:solidFill>
-                  <a:srgbClr val="000000"/>
-                </a:solidFill>
-                <a:uFill>
-                  <a:solidFill>
-                    <a:srgbClr val="000000"/>
-                  </a:solidFill>
-                </a:uFill>
-                <a:latin typeface="+mn-ea"/>
-                <a:cs typeface="맑은 고딕 Semilight" panose="020B0502040204020203" pitchFamily="50" charset="-127"/>
-              </a:rPr>
-              <a:t> 찾</a:t>
-            </a:r>
-            <a:r>
-              <a:rPr lang="ko-KR" altLang="en-US" sz="1600" kern="0" dirty="0">
-                <a:solidFill>
-                  <a:srgbClr val="000000"/>
-                </a:solidFill>
-                <a:uFill>
-                  <a:solidFill>
-                    <a:srgbClr val="000000"/>
-                  </a:solidFill>
-                </a:uFill>
-                <a:latin typeface="+mn-ea"/>
-                <a:cs typeface="맑은 고딕 Semilight" panose="020B0502040204020203" pitchFamily="50" charset="-127"/>
-              </a:rPr>
-              <a:t>은 것으로 볼 수 있다</a:t>
-            </a:r>
-            <a:r>
-              <a:rPr lang="en-US" altLang="ko-KR" sz="1600" kern="0" dirty="0">
-                <a:solidFill>
-                  <a:srgbClr val="000000"/>
-                </a:solidFill>
-                <a:uFill>
-                  <a:solidFill>
-                    <a:srgbClr val="000000"/>
-                  </a:solidFill>
-                </a:uFill>
-                <a:latin typeface="+mn-ea"/>
-                <a:cs typeface="맑은 고딕 Semilight" panose="020B0502040204020203" pitchFamily="50" charset="-127"/>
-              </a:rPr>
-              <a:t>.</a:t>
-            </a:r>
-          </a:p>
-          <a:p>
-            <a:pPr lvl="1">
-              <a:lnSpc>
-                <a:spcPct val="150000"/>
-              </a:lnSpc>
-            </a:pPr>
-            <a:r>
-              <a:rPr lang="en-US" altLang="ko-KR" sz="1600" kern="0" dirty="0">
-                <a:solidFill>
-                  <a:srgbClr val="000000"/>
-                </a:solidFill>
-                <a:uFill>
-                  <a:solidFill>
-                    <a:srgbClr val="000000"/>
-                  </a:solidFill>
-                </a:uFill>
-                <a:latin typeface="+mn-ea"/>
-                <a:cs typeface="맑은 고딕 Semilight" panose="020B0502040204020203" pitchFamily="50" charset="-127"/>
-              </a:rPr>
-              <a:t> </a:t>
-            </a:r>
-          </a:p>
-          <a:p>
-            <a:pPr marL="285750" indent="-285750">
-              <a:lnSpc>
-                <a:spcPct val="150000"/>
-              </a:lnSpc>
-              <a:buFont typeface="Arial" panose="020B0604020202020204" pitchFamily="34" charset="0"/>
-              <a:buChar char="•"/>
-            </a:pPr>
-            <a:r>
-              <a:rPr lang="en-US" altLang="ko-KR" sz="1600" kern="0" dirty="0">
-                <a:solidFill>
-                  <a:srgbClr val="000000"/>
-                </a:solidFill>
-                <a:uFill>
-                  <a:solidFill>
-                    <a:srgbClr val="000000"/>
-                  </a:solidFill>
-                </a:uFill>
-                <a:latin typeface="+mn-ea"/>
-                <a:cs typeface="맑은 고딕 Semilight" panose="020B0502040204020203" pitchFamily="50" charset="-127"/>
-              </a:rPr>
-              <a:t>Dataset</a:t>
-            </a:r>
-            <a:r>
-              <a:rPr lang="ko-KR" altLang="en-US" sz="1600" kern="0" dirty="0">
-                <a:solidFill>
-                  <a:srgbClr val="000000"/>
-                </a:solidFill>
-                <a:uFill>
-                  <a:solidFill>
-                    <a:srgbClr val="000000"/>
-                  </a:solidFill>
-                </a:uFill>
-                <a:latin typeface="+mn-ea"/>
-                <a:cs typeface="맑은 고딕 Semilight" panose="020B0502040204020203" pitchFamily="50" charset="-127"/>
-              </a:rPr>
-              <a:t> </a:t>
-            </a:r>
-            <a:r>
-              <a:rPr lang="en-US" altLang="ko-KR" sz="1600" kern="0" dirty="0">
-                <a:solidFill>
-                  <a:srgbClr val="000000"/>
-                </a:solidFill>
-                <a:uFill>
-                  <a:solidFill>
-                    <a:srgbClr val="000000"/>
-                  </a:solidFill>
-                </a:uFill>
-                <a:latin typeface="+mn-ea"/>
-                <a:cs typeface="맑은 고딕 Semilight" panose="020B0502040204020203" pitchFamily="50" charset="-127"/>
-              </a:rPr>
-              <a:t>statistic</a:t>
-            </a:r>
-          </a:p>
-          <a:p>
-            <a:pPr marL="285750" indent="-285750">
-              <a:lnSpc>
-                <a:spcPct val="150000"/>
-              </a:lnSpc>
-              <a:buFontTx/>
-              <a:buChar char="-"/>
-            </a:pPr>
-            <a:r>
-              <a:rPr lang="en-US" altLang="ko-KR" sz="1600" kern="0" dirty="0">
-                <a:solidFill>
-                  <a:srgbClr val="000000"/>
-                </a:solidFill>
-                <a:uFill>
-                  <a:solidFill>
-                    <a:srgbClr val="000000"/>
-                  </a:solidFill>
-                </a:uFill>
-                <a:latin typeface="+mn-ea"/>
-                <a:cs typeface="맑은 고딕 Semilight" panose="020B0502040204020203" pitchFamily="50" charset="-127"/>
-              </a:rPr>
-              <a:t>1000</a:t>
-            </a:r>
-            <a:r>
-              <a:rPr lang="ko-KR" altLang="en-US" sz="1600" kern="0" dirty="0">
-                <a:solidFill>
-                  <a:srgbClr val="000000"/>
-                </a:solidFill>
-                <a:uFill>
-                  <a:solidFill>
-                    <a:srgbClr val="000000"/>
-                  </a:solidFill>
-                </a:uFill>
-                <a:latin typeface="+mn-ea"/>
-                <a:cs typeface="맑은 고딕 Semilight" panose="020B0502040204020203" pitchFamily="50" charset="-127"/>
-              </a:rPr>
-              <a:t>개 </a:t>
-            </a:r>
-            <a:r>
-              <a:rPr lang="en-US" altLang="ko-KR" sz="1600" kern="0" dirty="0">
-                <a:solidFill>
-                  <a:srgbClr val="000000"/>
-                </a:solidFill>
-                <a:uFill>
-                  <a:solidFill>
-                    <a:srgbClr val="000000"/>
-                  </a:solidFill>
-                </a:uFill>
-                <a:latin typeface="+mn-ea"/>
-                <a:cs typeface="맑은 고딕 Semilight" panose="020B0502040204020203" pitchFamily="50" charset="-127"/>
-              </a:rPr>
-              <a:t>video</a:t>
-            </a:r>
-          </a:p>
-          <a:p>
-            <a:pPr marL="285750" indent="-285750">
-              <a:lnSpc>
-                <a:spcPct val="150000"/>
-              </a:lnSpc>
-              <a:buFontTx/>
-              <a:buChar char="-"/>
-            </a:pPr>
-            <a:r>
-              <a:rPr lang="ko-KR" altLang="en-US" sz="1600" kern="0" dirty="0">
-                <a:solidFill>
-                  <a:srgbClr val="000000"/>
-                </a:solidFill>
-                <a:uFill>
-                  <a:solidFill>
-                    <a:srgbClr val="000000"/>
-                  </a:solidFill>
-                </a:uFill>
-                <a:latin typeface="+mn-ea"/>
-                <a:cs typeface="맑은 고딕 Semilight" panose="020B0502040204020203" pitchFamily="50" charset="-127"/>
-              </a:rPr>
-              <a:t>각 비디오에 대해 </a:t>
-            </a:r>
-            <a:r>
-              <a:rPr lang="en-US" altLang="ko-KR" sz="1600" kern="0" dirty="0">
-                <a:solidFill>
-                  <a:srgbClr val="000000"/>
-                </a:solidFill>
-                <a:uFill>
-                  <a:solidFill>
-                    <a:srgbClr val="000000"/>
-                  </a:solidFill>
-                </a:uFill>
-                <a:latin typeface="+mn-ea"/>
-                <a:cs typeface="맑은 고딕 Semilight" panose="020B0502040204020203" pitchFamily="50" charset="-127"/>
-              </a:rPr>
-              <a:t>5</a:t>
-            </a:r>
-            <a:r>
-              <a:rPr lang="ko-KR" altLang="en-US" sz="1600" kern="0" dirty="0">
-                <a:solidFill>
-                  <a:srgbClr val="000000"/>
-                </a:solidFill>
-                <a:uFill>
-                  <a:solidFill>
-                    <a:srgbClr val="000000"/>
-                  </a:solidFill>
-                </a:uFill>
-                <a:latin typeface="+mn-ea"/>
-                <a:cs typeface="맑은 고딕 Semilight" panose="020B0502040204020203" pitchFamily="50" charset="-127"/>
-              </a:rPr>
-              <a:t>개 이미지 추출</a:t>
-            </a:r>
-            <a:endParaRPr lang="en-US" altLang="ko-KR" sz="1600" kern="0" dirty="0">
+                <a:latin typeface="맑은 고딕 Semilight" panose="020B0502040204020203" pitchFamily="50" charset="-127"/>
+                <a:ea typeface="맑은 고딕 Semilight" panose="020B0502040204020203" pitchFamily="50" charset="-127"/>
+              </a:rPr>
+              <a:t>}, </a:t>
+            </a:r>
+            <a:endParaRPr lang="en-US" altLang="ko-KR" sz="1400" kern="0" dirty="0">
               <a:solidFill>
                 <a:srgbClr val="000000"/>
               </a:solidFill>
-              <a:uFill>
-                <a:solidFill>
-                  <a:srgbClr val="000000"/>
-                </a:solidFill>
-              </a:uFill>
-              <a:latin typeface="+mn-ea"/>
-              <a:cs typeface="맑은 고딕 Semilight" panose="020B0502040204020203" pitchFamily="50" charset="-127"/>
+              <a:latin typeface="함초롬바탕" panose="02030604000101010101" pitchFamily="18" charset="-127"/>
             </a:endParaRPr>
           </a:p>
           <a:p>
-            <a:pPr marL="285750" indent="-285750">
-              <a:lnSpc>
-                <a:spcPct val="150000"/>
-              </a:lnSpc>
-              <a:buFontTx/>
-              <a:buChar char="-"/>
-            </a:pPr>
-            <a:r>
-              <a:rPr lang="en-US" altLang="ko-KR" sz="1600" kern="0" dirty="0">
-                <a:solidFill>
-                  <a:srgbClr val="000000"/>
-                </a:solidFill>
-                <a:uFill>
-                  <a:solidFill>
-                    <a:srgbClr val="000000"/>
-                  </a:solidFill>
-                </a:uFill>
-                <a:latin typeface="+mn-ea"/>
-                <a:cs typeface="맑은 고딕 Semilight" panose="020B0502040204020203" pitchFamily="50" charset="-127"/>
-              </a:rPr>
+            <a:endParaRPr lang="en-US" altLang="ko-KR" dirty="0"/>
+          </a:p>
+        </p:txBody>
+      </p:sp>
+      <p:sp>
+        <p:nvSpPr>
+          <p:cNvPr id="4" name="슬라이드 번호 개체 틀 3">
+            <a:extLst>
+              <a:ext uri="{FF2B5EF4-FFF2-40B4-BE49-F238E27FC236}">
+                <a16:creationId xmlns:a16="http://schemas.microsoft.com/office/drawing/2014/main" id="{B11A7AB9-7540-40FD-94B6-0135A3ED289C}"/>
+              </a:ext>
+            </a:extLst>
+          </p:cNvPr>
+          <p:cNvSpPr>
+            <a:spLocks noGrp="1"/>
+          </p:cNvSpPr>
+          <p:nvPr>
+            <p:ph type="sldNum" sz="quarter" idx="12"/>
+          </p:nvPr>
+        </p:nvSpPr>
+        <p:spPr>
+          <a:xfrm>
+            <a:off x="8563187" y="6379936"/>
+            <a:ext cx="2743200" cy="365125"/>
+          </a:xfrm>
+        </p:spPr>
+        <p:txBody>
+          <a:bodyPr/>
+          <a:lstStyle/>
+          <a:p>
+            <a:fld id="{C3EC3709-AF19-4BC3-8020-8E9C5E0E1F7D}" type="slidenum">
+              <a:rPr lang="ko-KR" altLang="en-US" smtClean="0"/>
               <a:t>5</a:t>
-            </a:r>
-            <a:r>
-              <a:rPr lang="ko-KR" altLang="en-US" sz="1600" kern="0" dirty="0">
-                <a:solidFill>
-                  <a:srgbClr val="000000"/>
-                </a:solidFill>
-                <a:uFill>
-                  <a:solidFill>
-                    <a:srgbClr val="000000"/>
-                  </a:solidFill>
-                </a:uFill>
-                <a:latin typeface="+mn-ea"/>
-                <a:cs typeface="맑은 고딕 Semilight" panose="020B0502040204020203" pitchFamily="50" charset="-127"/>
-              </a:rPr>
-              <a:t>개 이미지에서 인접한 </a:t>
-            </a:r>
-            <a:r>
-              <a:rPr lang="en-US" altLang="ko-KR" sz="1600" kern="0" dirty="0">
-                <a:solidFill>
-                  <a:srgbClr val="000000"/>
-                </a:solidFill>
-                <a:uFill>
-                  <a:solidFill>
-                    <a:srgbClr val="000000"/>
-                  </a:solidFill>
-                </a:uFill>
-                <a:latin typeface="+mn-ea"/>
-                <a:cs typeface="맑은 고딕 Semilight" panose="020B0502040204020203" pitchFamily="50" charset="-127"/>
-              </a:rPr>
-              <a:t>2</a:t>
-            </a:r>
-            <a:r>
-              <a:rPr lang="ko-KR" altLang="en-US" sz="1600" kern="0" dirty="0">
-                <a:solidFill>
-                  <a:srgbClr val="000000"/>
-                </a:solidFill>
-                <a:uFill>
-                  <a:solidFill>
-                    <a:srgbClr val="000000"/>
-                  </a:solidFill>
-                </a:uFill>
-                <a:latin typeface="+mn-ea"/>
-                <a:cs typeface="맑은 고딕 Semilight" panose="020B0502040204020203" pitchFamily="50" charset="-127"/>
-              </a:rPr>
-              <a:t>개 이미지 쌍</a:t>
-            </a:r>
-            <a:r>
-              <a:rPr lang="en-US" altLang="ko-KR" sz="1600" kern="0" dirty="0">
-                <a:solidFill>
-                  <a:srgbClr val="000000"/>
-                </a:solidFill>
-                <a:uFill>
-                  <a:solidFill>
-                    <a:srgbClr val="000000"/>
-                  </a:solidFill>
-                </a:uFill>
-                <a:latin typeface="+mn-ea"/>
-                <a:cs typeface="맑은 고딕 Semilight" panose="020B0502040204020203" pitchFamily="50" charset="-127"/>
-              </a:rPr>
-              <a:t> </a:t>
-            </a:r>
-            <a:r>
-              <a:rPr lang="ko-KR" altLang="en-US" sz="1600" kern="0" dirty="0">
-                <a:solidFill>
-                  <a:srgbClr val="000000"/>
-                </a:solidFill>
-                <a:uFill>
-                  <a:solidFill>
-                    <a:srgbClr val="000000"/>
-                  </a:solidFill>
-                </a:uFill>
-                <a:latin typeface="+mn-ea"/>
-                <a:cs typeface="맑은 고딕 Semilight" panose="020B0502040204020203" pitchFamily="50" charset="-127"/>
-              </a:rPr>
-              <a:t>추출</a:t>
-            </a:r>
-            <a:endParaRPr lang="en-US" altLang="ko-KR" sz="1600" kern="0" dirty="0">
-              <a:solidFill>
-                <a:srgbClr val="000000"/>
-              </a:solidFill>
-              <a:uFill>
-                <a:solidFill>
-                  <a:srgbClr val="000000"/>
-                </a:solidFill>
-              </a:uFill>
-              <a:latin typeface="+mn-ea"/>
-              <a:cs typeface="맑은 고딕 Semilight" panose="020B0502040204020203" pitchFamily="50" charset="-127"/>
-            </a:endParaRPr>
-          </a:p>
-          <a:p>
-            <a:pPr marL="285750" indent="-285750">
-              <a:lnSpc>
-                <a:spcPct val="150000"/>
-              </a:lnSpc>
-              <a:buFontTx/>
-              <a:buChar char="-"/>
-            </a:pPr>
-            <a:r>
-              <a:rPr lang="en-US" altLang="ko-KR" sz="1600" kern="0" dirty="0">
-                <a:solidFill>
-                  <a:srgbClr val="000000"/>
-                </a:solidFill>
-                <a:uFill>
-                  <a:solidFill>
-                    <a:srgbClr val="000000"/>
-                  </a:solidFill>
-                </a:uFill>
-                <a:latin typeface="+mn-ea"/>
-                <a:cs typeface="맑은 고딕 Semilight" panose="020B0502040204020203" pitchFamily="50" charset="-127"/>
-              </a:rPr>
-              <a:t>“With context”</a:t>
-            </a:r>
-            <a:r>
-              <a:rPr lang="ko-KR" altLang="en-US" sz="1600" kern="0" dirty="0">
-                <a:solidFill>
-                  <a:srgbClr val="000000"/>
-                </a:solidFill>
-                <a:uFill>
-                  <a:solidFill>
-                    <a:srgbClr val="000000"/>
-                  </a:solidFill>
-                </a:uFill>
-                <a:latin typeface="+mn-ea"/>
-                <a:cs typeface="맑은 고딕 Semilight" panose="020B0502040204020203" pitchFamily="50" charset="-127"/>
-              </a:rPr>
-              <a:t>설정에서 이미지 쌍에서 </a:t>
-            </a:r>
-            <a:r>
-              <a:rPr lang="ko-KR" altLang="en-US" sz="1600" kern="0" dirty="0" err="1">
-                <a:solidFill>
-                  <a:srgbClr val="000000"/>
-                </a:solidFill>
-                <a:uFill>
-                  <a:solidFill>
-                    <a:srgbClr val="000000"/>
-                  </a:solidFill>
-                </a:uFill>
-                <a:latin typeface="+mn-ea"/>
-                <a:cs typeface="맑은 고딕 Semilight" panose="020B0502040204020203" pitchFamily="50" charset="-127"/>
-              </a:rPr>
-              <a:t>주석가</a:t>
-            </a:r>
-            <a:r>
-              <a:rPr lang="ko-KR" altLang="en-US" sz="1600" kern="0" dirty="0">
-                <a:solidFill>
-                  <a:srgbClr val="000000"/>
-                </a:solidFill>
-                <a:uFill>
-                  <a:solidFill>
-                    <a:srgbClr val="000000"/>
-                  </a:solidFill>
-                </a:uFill>
-                <a:latin typeface="+mn-ea"/>
-                <a:cs typeface="맑은 고딕 Semilight" panose="020B0502040204020203" pitchFamily="50" charset="-127"/>
-              </a:rPr>
-              <a:t> </a:t>
-            </a:r>
-            <a:r>
-              <a:rPr lang="en-US" altLang="ko-KR" sz="1600" kern="0" dirty="0">
-                <a:solidFill>
-                  <a:srgbClr val="000000"/>
-                </a:solidFill>
-                <a:uFill>
-                  <a:solidFill>
-                    <a:srgbClr val="000000"/>
-                  </a:solidFill>
-                </a:uFill>
-                <a:latin typeface="+mn-ea"/>
-                <a:cs typeface="맑은 고딕 Semilight" panose="020B0502040204020203" pitchFamily="50" charset="-127"/>
-              </a:rPr>
-              <a:t>4/5</a:t>
-            </a:r>
-            <a:r>
-              <a:rPr lang="ko-KR" altLang="en-US" sz="1600" kern="0" dirty="0">
-                <a:solidFill>
-                  <a:srgbClr val="000000"/>
-                </a:solidFill>
-                <a:uFill>
-                  <a:solidFill>
-                    <a:srgbClr val="000000"/>
-                  </a:solidFill>
-                </a:uFill>
-                <a:latin typeface="+mn-ea"/>
-                <a:cs typeface="맑은 고딕 Semilight" panose="020B0502040204020203" pitchFamily="50" charset="-127"/>
-              </a:rPr>
-              <a:t>이 </a:t>
-            </a:r>
-            <a:r>
-              <a:rPr lang="en-US" altLang="ko-KR" sz="1600" kern="0" dirty="0">
-                <a:solidFill>
-                  <a:srgbClr val="000000"/>
-                </a:solidFill>
-                <a:uFill>
-                  <a:solidFill>
-                    <a:srgbClr val="000000"/>
-                  </a:solidFill>
-                </a:uFill>
-                <a:latin typeface="+mn-ea"/>
-                <a:cs typeface="맑은 고딕 Semilight" panose="020B0502040204020203" pitchFamily="50" charset="-127"/>
-              </a:rPr>
-              <a:t>contextual </a:t>
-            </a:r>
-            <a:r>
-              <a:rPr lang="ko-KR" altLang="en-US" sz="1600" kern="0" dirty="0">
-                <a:solidFill>
-                  <a:srgbClr val="000000"/>
-                </a:solidFill>
-                <a:uFill>
-                  <a:solidFill>
-                    <a:srgbClr val="000000"/>
-                  </a:solidFill>
-                </a:uFill>
-                <a:latin typeface="+mn-ea"/>
-                <a:cs typeface="맑은 고딕 Semilight" panose="020B0502040204020203" pitchFamily="50" charset="-127"/>
-              </a:rPr>
-              <a:t>하다고 선택한 </a:t>
-            </a:r>
-            <a:r>
-              <a:rPr lang="en-US" altLang="ko-KR" sz="1600" kern="0" dirty="0">
-                <a:solidFill>
-                  <a:srgbClr val="000000"/>
-                </a:solidFill>
-                <a:uFill>
-                  <a:solidFill>
-                    <a:srgbClr val="000000"/>
-                  </a:solidFill>
-                </a:uFill>
-                <a:latin typeface="+mn-ea"/>
-                <a:cs typeface="맑은 고딕 Semilight" panose="020B0502040204020203" pitchFamily="50" charset="-127"/>
-              </a:rPr>
-              <a:t>pair = positives</a:t>
-            </a:r>
-          </a:p>
-          <a:p>
-            <a:pPr marL="285750" indent="-285750">
-              <a:lnSpc>
-                <a:spcPct val="150000"/>
-              </a:lnSpc>
-              <a:buFontTx/>
-              <a:buChar char="-"/>
-            </a:pPr>
-            <a:r>
-              <a:rPr lang="ko-KR" altLang="en-US" sz="1600" kern="0" dirty="0">
-                <a:solidFill>
-                  <a:srgbClr val="000000"/>
-                </a:solidFill>
-                <a:uFill>
-                  <a:solidFill>
-                    <a:srgbClr val="000000"/>
-                  </a:solidFill>
-                </a:uFill>
-                <a:latin typeface="+mn-ea"/>
-                <a:cs typeface="맑은 고딕 Semilight" panose="020B0502040204020203" pitchFamily="50" charset="-127"/>
-              </a:rPr>
-              <a:t>이미지 쌍에서 나온 후보 이벤트 쌍</a:t>
-            </a:r>
-            <a:endParaRPr lang="en-US" altLang="ko-KR" sz="1600" kern="0" dirty="0">
-              <a:solidFill>
-                <a:srgbClr val="000000"/>
-              </a:solidFill>
-              <a:uFill>
-                <a:solidFill>
-                  <a:srgbClr val="000000"/>
-                </a:solidFill>
-              </a:uFill>
-              <a:latin typeface="+mn-ea"/>
-              <a:cs typeface="맑은 고딕 Semilight" panose="020B0502040204020203" pitchFamily="50" charset="-127"/>
-            </a:endParaRPr>
+            </a:fld>
+            <a:endParaRPr lang="ko-KR" altLang="en-US"/>
           </a:p>
         </p:txBody>
       </p:sp>
       <p:sp>
         <p:nvSpPr>
-          <p:cNvPr id="55" name="TextBox 54">
-            <a:extLst>
-              <a:ext uri="{FF2B5EF4-FFF2-40B4-BE49-F238E27FC236}">
-                <a16:creationId xmlns:a16="http://schemas.microsoft.com/office/drawing/2014/main" id="{CBBBF288-44D8-4FF6-993A-6C8D9DC5BA53}"/>
+          <p:cNvPr id="24" name="TextBox 23">
+            <a:extLst>
+              <a:ext uri="{FF2B5EF4-FFF2-40B4-BE49-F238E27FC236}">
+                <a16:creationId xmlns:a16="http://schemas.microsoft.com/office/drawing/2014/main" id="{299DE50D-4CE3-4279-998B-FF7DC271F1E3}"/>
               </a:ext>
             </a:extLst>
           </p:cNvPr>
@@ -9572,8 +10187,8 @@
         </p:nvSpPr>
         <p:spPr>
           <a:xfrm>
-            <a:off x="231339" y="182031"/>
-            <a:ext cx="11782163" cy="461665"/>
+            <a:off x="360218" y="160712"/>
+            <a:ext cx="4017818" cy="523220"/>
           </a:xfrm>
           <a:prstGeom prst="rect">
             <a:avLst/>
@@ -9587,62 +10202,21 @@
           <a:lstStyle/>
           <a:p>
             <a:r>
-              <a:rPr lang="en-US" altLang="ko-KR" sz="2400" dirty="0"/>
-              <a:t>Dataset</a:t>
-            </a:r>
-            <a:r>
-              <a:rPr lang="ko-KR" altLang="en-US" sz="2400" dirty="0"/>
+              <a:rPr lang="en-US" altLang="ko-KR" sz="2800" dirty="0"/>
               <a:t> </a:t>
             </a:r>
             <a:r>
-              <a:rPr lang="en-US" altLang="ko-KR" sz="2400" dirty="0"/>
-              <a:t>–</a:t>
-            </a:r>
-            <a:r>
-              <a:rPr lang="ko-KR" altLang="en-US" sz="2400" dirty="0"/>
-              <a:t> </a:t>
-            </a:r>
-            <a:r>
-              <a:rPr lang="en-US" altLang="ko-KR" sz="2400" dirty="0"/>
-              <a:t>Vis-Causal analysis </a:t>
-            </a:r>
-            <a:endParaRPr lang="ko-KR" altLang="en-US" sz="2400" dirty="0"/>
+              <a:rPr lang="en-US" altLang="ko-KR" sz="2800" dirty="0" err="1"/>
+              <a:t>DataSet</a:t>
+            </a:r>
+            <a:endParaRPr lang="ko-KR" altLang="en-US" sz="2800" dirty="0"/>
           </a:p>
         </p:txBody>
       </p:sp>
-      <p:pic>
-        <p:nvPicPr>
-          <p:cNvPr id="6" name="그림 5">
-            <a:extLst>
-              <a:ext uri="{FF2B5EF4-FFF2-40B4-BE49-F238E27FC236}">
-                <a16:creationId xmlns:a16="http://schemas.microsoft.com/office/drawing/2014/main" id="{57B4F001-BB4B-4E26-A3D3-C1BA36E1BD58}"/>
-              </a:ext>
-            </a:extLst>
-          </p:cNvPr>
-          <p:cNvPicPr>
-            <a:picLocks noChangeAspect="1"/>
-          </p:cNvPicPr>
-          <p:nvPr/>
-        </p:nvPicPr>
-        <p:blipFill rotWithShape="1">
-          <a:blip r:embed="rId3"/>
-          <a:srcRect r="9703"/>
-          <a:stretch/>
-        </p:blipFill>
-        <p:spPr>
-          <a:xfrm>
-            <a:off x="7318043" y="4739999"/>
-            <a:ext cx="4157677" cy="1099949"/>
-          </a:xfrm>
-          <a:prstGeom prst="rect">
-            <a:avLst/>
-          </a:prstGeom>
-        </p:spPr>
-      </p:pic>
     </p:spTree>
     <p:extLst>
       <p:ext uri="{BB962C8B-B14F-4D97-AF65-F5344CB8AC3E}">
-        <p14:creationId xmlns:p14="http://schemas.microsoft.com/office/powerpoint/2010/main" val="3818905041"/>
+        <p14:creationId xmlns:p14="http://schemas.microsoft.com/office/powerpoint/2010/main" val="2837819447"/>
       </p:ext>
     </p:extLst>
   </p:cSld>
@@ -9669,6 +10243,36 @@
           <a:chExt cx="0" cy="0"/>
         </a:xfrm>
       </p:grpSpPr>
+      <p:pic>
+        <p:nvPicPr>
+          <p:cNvPr id="5" name="그림 4">
+            <a:extLst>
+              <a:ext uri="{FF2B5EF4-FFF2-40B4-BE49-F238E27FC236}">
+                <a16:creationId xmlns:a16="http://schemas.microsoft.com/office/drawing/2014/main" id="{D613511E-A179-4799-B8A2-C2121B5E1CDB}"/>
+              </a:ext>
+            </a:extLst>
+          </p:cNvPr>
+          <p:cNvPicPr>
+            <a:picLocks noChangeAspect="1"/>
+          </p:cNvPicPr>
+          <p:nvPr/>
+        </p:nvPicPr>
+        <p:blipFill>
+          <a:blip r:embed="rId2"/>
+          <a:stretch>
+            <a:fillRect/>
+          </a:stretch>
+        </p:blipFill>
+        <p:spPr>
+          <a:xfrm>
+            <a:off x="5156199" y="925068"/>
+            <a:ext cx="6637845" cy="3527804"/>
+          </a:xfrm>
+          <a:prstGeom prst="rect">
+            <a:avLst/>
+          </a:prstGeom>
+        </p:spPr>
+      </p:pic>
       <p:sp>
         <p:nvSpPr>
           <p:cNvPr id="8" name="직사각형 7">
@@ -9765,6 +10369,1217 @@
       </p:sp>
       <p:sp>
         <p:nvSpPr>
+          <p:cNvPr id="30" name="TextBox 29">
+            <a:extLst>
+              <a:ext uri="{FF2B5EF4-FFF2-40B4-BE49-F238E27FC236}">
+                <a16:creationId xmlns:a16="http://schemas.microsoft.com/office/drawing/2014/main" id="{889DE760-1A4A-4B81-A215-5E5C244D347A}"/>
+              </a:ext>
+            </a:extLst>
+          </p:cNvPr>
+          <p:cNvSpPr txBox="1"/>
+          <p:nvPr/>
+        </p:nvSpPr>
+        <p:spPr>
+          <a:xfrm>
+            <a:off x="361045" y="1062057"/>
+            <a:ext cx="11082483" cy="5584670"/>
+          </a:xfrm>
+          <a:prstGeom prst="rect">
+            <a:avLst/>
+          </a:prstGeom>
+          <a:noFill/>
+        </p:spPr>
+        <p:txBody>
+          <a:bodyPr wrap="square" rtlCol="0">
+            <a:spAutoFit/>
+          </a:bodyPr>
+          <a:lstStyle/>
+          <a:p>
+            <a:pPr marL="285750" indent="-285750">
+              <a:lnSpc>
+                <a:spcPct val="150000"/>
+              </a:lnSpc>
+              <a:buFont typeface="Arial" panose="020B0604020202020204" pitchFamily="34" charset="0"/>
+              <a:buChar char="•"/>
+            </a:pPr>
+            <a:r>
+              <a:rPr lang="en-US" altLang="ko-KR" sz="1600" kern="0" dirty="0">
+                <a:solidFill>
+                  <a:srgbClr val="000000"/>
+                </a:solidFill>
+                <a:uFill>
+                  <a:solidFill>
+                    <a:srgbClr val="000000"/>
+                  </a:solidFill>
+                </a:uFill>
+                <a:latin typeface="+mn-ea"/>
+                <a:cs typeface="맑은 고딕 Semilight" panose="020B0502040204020203" pitchFamily="50" charset="-127"/>
+              </a:rPr>
+              <a:t>Causality text</a:t>
+            </a:r>
+            <a:r>
+              <a:rPr lang="ko-KR" altLang="en-US" sz="1600" kern="0" dirty="0">
+                <a:solidFill>
+                  <a:srgbClr val="000000"/>
+                </a:solidFill>
+                <a:uFill>
+                  <a:solidFill>
+                    <a:srgbClr val="000000"/>
+                  </a:solidFill>
+                </a:uFill>
+                <a:latin typeface="+mn-ea"/>
+                <a:cs typeface="맑은 고딕 Semilight" panose="020B0502040204020203" pitchFamily="50" charset="-127"/>
+              </a:rPr>
+              <a:t>에서 </a:t>
+            </a:r>
+            <a:r>
+              <a:rPr lang="en-US" altLang="ko-KR" sz="1600" kern="0" dirty="0">
+                <a:solidFill>
+                  <a:srgbClr val="000000"/>
+                </a:solidFill>
+                <a:uFill>
+                  <a:solidFill>
+                    <a:srgbClr val="000000"/>
+                  </a:solidFill>
+                </a:uFill>
+                <a:latin typeface="+mn-ea"/>
+                <a:cs typeface="맑은 고딕 Semilight" panose="020B0502040204020203" pitchFamily="50" charset="-127"/>
+              </a:rPr>
+              <a:t>Context</a:t>
+            </a:r>
+            <a:r>
+              <a:rPr lang="ko-KR" altLang="en-US" sz="1600" kern="0" dirty="0">
+                <a:solidFill>
+                  <a:srgbClr val="000000"/>
+                </a:solidFill>
+                <a:uFill>
+                  <a:solidFill>
+                    <a:srgbClr val="000000"/>
+                  </a:solidFill>
+                </a:uFill>
+                <a:latin typeface="+mn-ea"/>
+                <a:cs typeface="맑은 고딕 Semilight" panose="020B0502040204020203" pitchFamily="50" charset="-127"/>
+              </a:rPr>
+              <a:t> 영향조사</a:t>
+            </a:r>
+            <a:endParaRPr lang="en-US" altLang="ko-KR" sz="1600" kern="0" dirty="0">
+              <a:solidFill>
+                <a:srgbClr val="000000"/>
+              </a:solidFill>
+              <a:uFill>
+                <a:solidFill>
+                  <a:srgbClr val="000000"/>
+                </a:solidFill>
+              </a:uFill>
+              <a:latin typeface="+mn-ea"/>
+              <a:cs typeface="맑은 고딕 Semilight" panose="020B0502040204020203" pitchFamily="50" charset="-127"/>
+            </a:endParaRPr>
+          </a:p>
+          <a:p>
+            <a:pPr marL="285750" indent="-285750">
+              <a:lnSpc>
+                <a:spcPct val="150000"/>
+              </a:lnSpc>
+              <a:buFontTx/>
+              <a:buChar char="-"/>
+            </a:pPr>
+            <a:r>
+              <a:rPr lang="en-US" altLang="ko-KR" sz="1600" kern="0" dirty="0">
+                <a:solidFill>
+                  <a:srgbClr val="000000"/>
+                </a:solidFill>
+                <a:uFill>
+                  <a:solidFill>
+                    <a:srgbClr val="000000"/>
+                  </a:solidFill>
+                </a:uFill>
+                <a:latin typeface="+mn-ea"/>
+                <a:cs typeface="맑은 고딕 Semilight" panose="020B0502040204020203" pitchFamily="50" charset="-127"/>
+              </a:rPr>
+              <a:t>“with context”, “without context” </a:t>
+            </a:r>
+            <a:r>
+              <a:rPr lang="ko-KR" altLang="en-US" sz="1600" kern="0" dirty="0">
+                <a:solidFill>
+                  <a:srgbClr val="000000"/>
+                </a:solidFill>
+                <a:uFill>
+                  <a:solidFill>
+                    <a:srgbClr val="000000"/>
+                  </a:solidFill>
+                </a:uFill>
+                <a:latin typeface="+mn-ea"/>
+                <a:cs typeface="맑은 고딕 Semilight" panose="020B0502040204020203" pitchFamily="50" charset="-127"/>
+              </a:rPr>
+              <a:t>상황 </a:t>
+            </a:r>
+            <a:endParaRPr lang="en-US" altLang="ko-KR" sz="1600" kern="0" dirty="0">
+              <a:solidFill>
+                <a:srgbClr val="000000"/>
+              </a:solidFill>
+              <a:uFill>
+                <a:solidFill>
+                  <a:srgbClr val="000000"/>
+                </a:solidFill>
+              </a:uFill>
+              <a:latin typeface="+mn-ea"/>
+              <a:cs typeface="맑은 고딕 Semilight" panose="020B0502040204020203" pitchFamily="50" charset="-127"/>
+            </a:endParaRPr>
+          </a:p>
+          <a:p>
+            <a:pPr marL="285750" indent="-285750">
+              <a:lnSpc>
+                <a:spcPct val="150000"/>
+              </a:lnSpc>
+              <a:buFontTx/>
+              <a:buChar char="-"/>
+            </a:pPr>
+            <a:r>
+              <a:rPr lang="en-US" altLang="ko-KR" sz="1600" dirty="0">
+                <a:latin typeface="+mn-ea"/>
+                <a:cs typeface="맑은 고딕 Semilight" panose="020B0502040204020203" pitchFamily="50" charset="-127"/>
+              </a:rPr>
+              <a:t>5</a:t>
+            </a:r>
+            <a:r>
+              <a:rPr lang="ko-KR" altLang="en-US" sz="1600" dirty="0">
+                <a:latin typeface="+mn-ea"/>
+                <a:cs typeface="맑은 고딕 Semilight" panose="020B0502040204020203" pitchFamily="50" charset="-127"/>
+              </a:rPr>
+              <a:t>명 중 </a:t>
+            </a:r>
+            <a:r>
+              <a:rPr lang="en-US" altLang="ko-KR" sz="1600" dirty="0">
+                <a:latin typeface="+mn-ea"/>
+                <a:cs typeface="맑은 고딕 Semilight" panose="020B0502040204020203" pitchFamily="50" charset="-127"/>
+              </a:rPr>
+              <a:t>4</a:t>
+            </a:r>
+            <a:r>
+              <a:rPr lang="ko-KR" altLang="en-US" sz="1600" dirty="0">
+                <a:latin typeface="+mn-ea"/>
+                <a:cs typeface="맑은 고딕 Semilight" panose="020B0502040204020203" pitchFamily="50" charset="-127"/>
+              </a:rPr>
+              <a:t>명이 ＂인과 관계</a:t>
+            </a:r>
+            <a:r>
+              <a:rPr lang="en-US" altLang="ko-KR" sz="1600" dirty="0">
+                <a:latin typeface="+mn-ea"/>
+                <a:cs typeface="맑은 고딕 Semilight" panose="020B0502040204020203" pitchFamily="50" charset="-127"/>
+              </a:rPr>
+              <a:t>” </a:t>
+            </a:r>
+            <a:r>
+              <a:rPr lang="ko-KR" altLang="en-US" sz="1600" dirty="0">
+                <a:latin typeface="+mn-ea"/>
+                <a:cs typeface="맑은 고딕 Semilight" panose="020B0502040204020203" pitchFamily="50" charset="-127"/>
+              </a:rPr>
+              <a:t>에 투표하면</a:t>
+            </a:r>
+            <a:endParaRPr lang="en-US" altLang="ko-KR" sz="1600" dirty="0">
+              <a:latin typeface="+mn-ea"/>
+              <a:cs typeface="맑은 고딕 Semilight" panose="020B0502040204020203" pitchFamily="50" charset="-127"/>
+            </a:endParaRPr>
+          </a:p>
+          <a:p>
+            <a:pPr>
+              <a:lnSpc>
+                <a:spcPct val="150000"/>
+              </a:lnSpc>
+            </a:pPr>
+            <a:r>
+              <a:rPr lang="en-US" altLang="ko-KR" sz="1600" dirty="0">
+                <a:latin typeface="+mn-ea"/>
+                <a:cs typeface="맑은 고딕 Semilight" panose="020B0502040204020203" pitchFamily="50" charset="-127"/>
+              </a:rPr>
+              <a:t>    </a:t>
+            </a:r>
+            <a:r>
+              <a:rPr lang="ko-KR" altLang="en-US" sz="1600" dirty="0">
+                <a:latin typeface="+mn-ea"/>
+                <a:cs typeface="맑은 고딕 Semilight" panose="020B0502040204020203" pitchFamily="50" charset="-127"/>
+              </a:rPr>
+              <a:t>인과 타당성은 </a:t>
+            </a:r>
+            <a:r>
+              <a:rPr lang="en-US" altLang="ko-KR" sz="1600" dirty="0">
+                <a:latin typeface="+mn-ea"/>
+                <a:cs typeface="맑은 고딕 Semilight" panose="020B0502040204020203" pitchFamily="50" charset="-127"/>
+              </a:rPr>
+              <a:t>0.8.</a:t>
+            </a:r>
+          </a:p>
+          <a:p>
+            <a:pPr marL="285750" indent="-285750">
+              <a:lnSpc>
+                <a:spcPct val="150000"/>
+              </a:lnSpc>
+              <a:buFontTx/>
+              <a:buChar char="-"/>
+            </a:pPr>
+            <a:r>
+              <a:rPr lang="en-US" altLang="ko-KR" sz="1600" kern="0" dirty="0">
+                <a:solidFill>
+                  <a:srgbClr val="000000"/>
+                </a:solidFill>
+                <a:uFill>
+                  <a:solidFill>
+                    <a:srgbClr val="000000"/>
+                  </a:solidFill>
+                </a:uFill>
+                <a:latin typeface="+mn-ea"/>
+                <a:cs typeface="맑은 고딕 Semilight" panose="020B0502040204020203" pitchFamily="50" charset="-127"/>
+              </a:rPr>
+              <a:t>“without context” &gt; “with context” : </a:t>
+            </a:r>
+          </a:p>
+          <a:p>
+            <a:pPr lvl="1">
+              <a:lnSpc>
+                <a:spcPct val="150000"/>
+              </a:lnSpc>
+            </a:pPr>
+            <a:r>
+              <a:rPr lang="ko-KR" altLang="en-US" sz="1600" kern="0" dirty="0">
+                <a:solidFill>
+                  <a:srgbClr val="000000"/>
+                </a:solidFill>
+                <a:uFill>
+                  <a:solidFill>
+                    <a:srgbClr val="000000"/>
+                  </a:solidFill>
+                </a:uFill>
+                <a:latin typeface="+mn-ea"/>
+                <a:cs typeface="맑은 고딕 Semilight" panose="020B0502040204020203" pitchFamily="50" charset="-127"/>
+              </a:rPr>
+              <a:t>사람의 경우 </a:t>
+            </a:r>
+            <a:r>
+              <a:rPr lang="en-US" altLang="ko-KR" sz="1600" kern="0" dirty="0" err="1">
+                <a:solidFill>
+                  <a:srgbClr val="000000"/>
+                </a:solidFill>
+                <a:uFill>
+                  <a:solidFill>
+                    <a:srgbClr val="000000"/>
+                  </a:solidFill>
+                </a:uFill>
+                <a:latin typeface="+mn-ea"/>
+                <a:cs typeface="맑은 고딕 Semilight" panose="020B0502040204020203" pitchFamily="50" charset="-127"/>
+              </a:rPr>
+              <a:t>여러</a:t>
+            </a:r>
+            <a:r>
+              <a:rPr lang="en-US" altLang="ko-KR" sz="1600" kern="0" dirty="0">
+                <a:solidFill>
+                  <a:srgbClr val="000000"/>
+                </a:solidFill>
+                <a:uFill>
+                  <a:solidFill>
+                    <a:srgbClr val="000000"/>
+                  </a:solidFill>
+                </a:uFill>
+                <a:latin typeface="+mn-ea"/>
+                <a:cs typeface="맑은 고딕 Semilight" panose="020B0502040204020203" pitchFamily="50" charset="-127"/>
+              </a:rPr>
+              <a:t> </a:t>
+            </a:r>
+            <a:r>
+              <a:rPr lang="ko-KR" altLang="en-US" sz="1600" kern="0" dirty="0">
+                <a:solidFill>
+                  <a:srgbClr val="000000"/>
+                </a:solidFill>
+                <a:uFill>
+                  <a:solidFill>
+                    <a:srgbClr val="000000"/>
+                  </a:solidFill>
+                </a:uFill>
+                <a:latin typeface="+mn-ea"/>
+                <a:cs typeface="맑은 고딕 Semilight" panose="020B0502040204020203" pitchFamily="50" charset="-127"/>
+              </a:rPr>
+              <a:t>상황에 </a:t>
+            </a:r>
+            <a:r>
+              <a:rPr lang="en-US" altLang="ko-KR" sz="1600" kern="0" dirty="0" err="1">
+                <a:solidFill>
+                  <a:srgbClr val="000000"/>
+                </a:solidFill>
+                <a:uFill>
+                  <a:solidFill>
+                    <a:srgbClr val="000000"/>
+                  </a:solidFill>
+                </a:uFill>
+                <a:latin typeface="+mn-ea"/>
+                <a:cs typeface="맑은 고딕 Semilight" panose="020B0502040204020203" pitchFamily="50" charset="-127"/>
+              </a:rPr>
+              <a:t>대해</a:t>
+            </a:r>
+            <a:r>
+              <a:rPr lang="en-US" altLang="ko-KR" sz="1600" kern="0" dirty="0">
+                <a:solidFill>
+                  <a:srgbClr val="000000"/>
+                </a:solidFill>
+                <a:uFill>
+                  <a:solidFill>
+                    <a:srgbClr val="000000"/>
+                  </a:solidFill>
+                </a:uFill>
+                <a:latin typeface="+mn-ea"/>
+                <a:cs typeface="맑은 고딕 Semilight" panose="020B0502040204020203" pitchFamily="50" charset="-127"/>
+              </a:rPr>
+              <a:t> </a:t>
+            </a:r>
+            <a:r>
+              <a:rPr lang="en-US" altLang="ko-KR" sz="1600" kern="0" dirty="0" err="1">
+                <a:solidFill>
+                  <a:srgbClr val="000000"/>
+                </a:solidFill>
+                <a:uFill>
+                  <a:solidFill>
+                    <a:srgbClr val="000000"/>
+                  </a:solidFill>
+                </a:uFill>
+                <a:latin typeface="+mn-ea"/>
+                <a:cs typeface="맑은 고딕 Semilight" panose="020B0502040204020203" pitchFamily="50" charset="-127"/>
+              </a:rPr>
+              <a:t>생각하고</a:t>
+            </a:r>
+            <a:r>
+              <a:rPr lang="en-US" altLang="ko-KR" sz="1600" kern="0" dirty="0">
+                <a:solidFill>
+                  <a:srgbClr val="000000"/>
+                </a:solidFill>
+                <a:uFill>
+                  <a:solidFill>
+                    <a:srgbClr val="000000"/>
+                  </a:solidFill>
+                </a:uFill>
+                <a:latin typeface="+mn-ea"/>
+                <a:cs typeface="맑은 고딕 Semilight" panose="020B0502040204020203" pitchFamily="50" charset="-127"/>
+              </a:rPr>
+              <a:t> </a:t>
+            </a:r>
+            <a:r>
+              <a:rPr lang="en-US" altLang="ko-KR" sz="1600" kern="0" dirty="0" err="1">
+                <a:solidFill>
+                  <a:srgbClr val="000000"/>
+                </a:solidFill>
+                <a:uFill>
+                  <a:solidFill>
+                    <a:srgbClr val="000000"/>
+                  </a:solidFill>
+                </a:uFill>
+                <a:latin typeface="+mn-ea"/>
+                <a:cs typeface="맑은 고딕 Semilight" panose="020B0502040204020203" pitchFamily="50" charset="-127"/>
+              </a:rPr>
+              <a:t>해당</a:t>
+            </a:r>
+            <a:r>
+              <a:rPr lang="en-US" altLang="ko-KR" sz="1600" kern="0" dirty="0">
+                <a:solidFill>
+                  <a:srgbClr val="000000"/>
+                </a:solidFill>
+                <a:uFill>
+                  <a:solidFill>
+                    <a:srgbClr val="000000"/>
+                  </a:solidFill>
+                </a:uFill>
+                <a:latin typeface="+mn-ea"/>
+                <a:cs typeface="맑은 고딕 Semilight" panose="020B0502040204020203" pitchFamily="50" charset="-127"/>
+              </a:rPr>
+              <a:t> </a:t>
+            </a:r>
+          </a:p>
+          <a:p>
+            <a:pPr lvl="1">
+              <a:lnSpc>
+                <a:spcPct val="150000"/>
+              </a:lnSpc>
+            </a:pPr>
+            <a:r>
+              <a:rPr lang="en-US" altLang="ko-KR" sz="1600" kern="0" dirty="0" err="1">
+                <a:solidFill>
+                  <a:srgbClr val="000000"/>
+                </a:solidFill>
+                <a:uFill>
+                  <a:solidFill>
+                    <a:srgbClr val="000000"/>
+                  </a:solidFill>
+                </a:uFill>
+                <a:latin typeface="+mn-ea"/>
+                <a:cs typeface="맑은 고딕 Semilight" panose="020B0502040204020203" pitchFamily="50" charset="-127"/>
+              </a:rPr>
+              <a:t>시나리오에서</a:t>
+            </a:r>
+            <a:r>
+              <a:rPr lang="en-US" altLang="ko-KR" sz="1600" kern="0" dirty="0">
+                <a:solidFill>
+                  <a:srgbClr val="000000"/>
+                </a:solidFill>
+                <a:uFill>
+                  <a:solidFill>
+                    <a:srgbClr val="000000"/>
+                  </a:solidFill>
+                </a:uFill>
+                <a:latin typeface="+mn-ea"/>
+                <a:cs typeface="맑은 고딕 Semilight" panose="020B0502040204020203" pitchFamily="50" charset="-127"/>
+              </a:rPr>
+              <a:t> </a:t>
+            </a:r>
+            <a:r>
+              <a:rPr lang="en-US" altLang="ko-KR" sz="1600" kern="0" dirty="0" err="1">
+                <a:solidFill>
+                  <a:srgbClr val="000000"/>
+                </a:solidFill>
+                <a:uFill>
+                  <a:solidFill>
+                    <a:srgbClr val="000000"/>
+                  </a:solidFill>
+                </a:uFill>
+                <a:latin typeface="+mn-ea"/>
+                <a:cs typeface="맑은 고딕 Semilight" panose="020B0502040204020203" pitchFamily="50" charset="-127"/>
+              </a:rPr>
+              <a:t>인과관계가</a:t>
+            </a:r>
+            <a:r>
+              <a:rPr lang="en-US" altLang="ko-KR" sz="1600" kern="0" dirty="0">
+                <a:solidFill>
+                  <a:srgbClr val="000000"/>
+                </a:solidFill>
+                <a:uFill>
+                  <a:solidFill>
+                    <a:srgbClr val="000000"/>
+                  </a:solidFill>
+                </a:uFill>
+                <a:latin typeface="+mn-ea"/>
+                <a:cs typeface="맑은 고딕 Semilight" panose="020B0502040204020203" pitchFamily="50" charset="-127"/>
+              </a:rPr>
+              <a:t> </a:t>
+            </a:r>
+            <a:r>
+              <a:rPr lang="en-US" altLang="ko-KR" sz="1600" kern="0" dirty="0" err="1">
+                <a:solidFill>
+                  <a:srgbClr val="000000"/>
+                </a:solidFill>
+                <a:uFill>
+                  <a:solidFill>
+                    <a:srgbClr val="000000"/>
+                  </a:solidFill>
+                </a:uFill>
+                <a:latin typeface="+mn-ea"/>
+                <a:cs typeface="맑은 고딕 Semilight" panose="020B0502040204020203" pitchFamily="50" charset="-127"/>
+              </a:rPr>
+              <a:t>그럴듯하도록</a:t>
+            </a:r>
+            <a:r>
+              <a:rPr lang="en-US" altLang="ko-KR" sz="1600" kern="0" dirty="0">
+                <a:solidFill>
+                  <a:srgbClr val="000000"/>
+                </a:solidFill>
+                <a:uFill>
+                  <a:solidFill>
+                    <a:srgbClr val="000000"/>
+                  </a:solidFill>
+                </a:uFill>
+                <a:latin typeface="+mn-ea"/>
+                <a:cs typeface="맑은 고딕 Semilight" panose="020B0502040204020203" pitchFamily="50" charset="-127"/>
+              </a:rPr>
+              <a:t> </a:t>
+            </a:r>
+          </a:p>
+          <a:p>
+            <a:pPr lvl="1">
+              <a:lnSpc>
+                <a:spcPct val="150000"/>
+              </a:lnSpc>
+            </a:pPr>
+            <a:r>
+              <a:rPr lang="en-US" altLang="ko-KR" sz="1600" kern="0" dirty="0" err="1">
+                <a:solidFill>
+                  <a:srgbClr val="000000"/>
+                </a:solidFill>
+                <a:uFill>
+                  <a:solidFill>
+                    <a:srgbClr val="000000"/>
+                  </a:solidFill>
+                </a:uFill>
+                <a:latin typeface="+mn-ea"/>
+                <a:cs typeface="맑은 고딕 Semilight" panose="020B0502040204020203" pitchFamily="50" charset="-127"/>
+              </a:rPr>
+              <a:t>가장</a:t>
+            </a:r>
+            <a:r>
+              <a:rPr lang="en-US" altLang="ko-KR" sz="1600" kern="0" dirty="0">
+                <a:solidFill>
+                  <a:srgbClr val="000000"/>
+                </a:solidFill>
+                <a:uFill>
+                  <a:solidFill>
+                    <a:srgbClr val="000000"/>
+                  </a:solidFill>
+                </a:uFill>
+                <a:latin typeface="+mn-ea"/>
+                <a:cs typeface="맑은 고딕 Semilight" panose="020B0502040204020203" pitchFamily="50" charset="-127"/>
+              </a:rPr>
+              <a:t> </a:t>
+            </a:r>
+            <a:r>
+              <a:rPr lang="en-US" altLang="ko-KR" sz="1600" kern="0" dirty="0" err="1">
+                <a:solidFill>
+                  <a:srgbClr val="000000"/>
+                </a:solidFill>
+                <a:uFill>
+                  <a:solidFill>
+                    <a:srgbClr val="000000"/>
+                  </a:solidFill>
+                </a:uFill>
+                <a:latin typeface="+mn-ea"/>
+                <a:cs typeface="맑은 고딕 Semilight" panose="020B0502040204020203" pitchFamily="50" charset="-127"/>
+              </a:rPr>
+              <a:t>적합한</a:t>
+            </a:r>
+            <a:r>
+              <a:rPr lang="en-US" altLang="ko-KR" sz="1600" kern="0" dirty="0">
+                <a:solidFill>
+                  <a:srgbClr val="000000"/>
+                </a:solidFill>
+                <a:uFill>
+                  <a:solidFill>
+                    <a:srgbClr val="000000"/>
+                  </a:solidFill>
+                </a:uFill>
+                <a:latin typeface="+mn-ea"/>
+                <a:cs typeface="맑은 고딕 Semilight" panose="020B0502040204020203" pitchFamily="50" charset="-127"/>
+              </a:rPr>
+              <a:t> </a:t>
+            </a:r>
+            <a:r>
+              <a:rPr lang="en-US" altLang="ko-KR" sz="1600" kern="0" dirty="0" err="1">
+                <a:solidFill>
+                  <a:srgbClr val="000000"/>
+                </a:solidFill>
+                <a:uFill>
+                  <a:solidFill>
+                    <a:srgbClr val="000000"/>
+                  </a:solidFill>
+                </a:uFill>
+                <a:latin typeface="+mn-ea"/>
+                <a:cs typeface="맑은 고딕 Semilight" panose="020B0502040204020203" pitchFamily="50" charset="-127"/>
+              </a:rPr>
+              <a:t>컨텍스트를</a:t>
+            </a:r>
+            <a:r>
+              <a:rPr lang="en-US" altLang="ko-KR" sz="1600" kern="0" dirty="0">
+                <a:solidFill>
+                  <a:srgbClr val="000000"/>
+                </a:solidFill>
+                <a:uFill>
+                  <a:solidFill>
+                    <a:srgbClr val="000000"/>
+                  </a:solidFill>
+                </a:uFill>
+                <a:latin typeface="+mn-ea"/>
+                <a:cs typeface="맑은 고딕 Semilight" panose="020B0502040204020203" pitchFamily="50" charset="-127"/>
+              </a:rPr>
+              <a:t> 찾</a:t>
+            </a:r>
+            <a:r>
+              <a:rPr lang="ko-KR" altLang="en-US" sz="1600" kern="0" dirty="0">
+                <a:solidFill>
+                  <a:srgbClr val="000000"/>
+                </a:solidFill>
+                <a:uFill>
+                  <a:solidFill>
+                    <a:srgbClr val="000000"/>
+                  </a:solidFill>
+                </a:uFill>
+                <a:latin typeface="+mn-ea"/>
+                <a:cs typeface="맑은 고딕 Semilight" panose="020B0502040204020203" pitchFamily="50" charset="-127"/>
+              </a:rPr>
+              <a:t>은 것으로 볼 수 있다</a:t>
+            </a:r>
+            <a:r>
+              <a:rPr lang="en-US" altLang="ko-KR" sz="1600" kern="0" dirty="0">
+                <a:solidFill>
+                  <a:srgbClr val="000000"/>
+                </a:solidFill>
+                <a:uFill>
+                  <a:solidFill>
+                    <a:srgbClr val="000000"/>
+                  </a:solidFill>
+                </a:uFill>
+                <a:latin typeface="+mn-ea"/>
+                <a:cs typeface="맑은 고딕 Semilight" panose="020B0502040204020203" pitchFamily="50" charset="-127"/>
+              </a:rPr>
+              <a:t>.</a:t>
+            </a:r>
+          </a:p>
+          <a:p>
+            <a:pPr lvl="1">
+              <a:lnSpc>
+                <a:spcPct val="150000"/>
+              </a:lnSpc>
+            </a:pPr>
+            <a:r>
+              <a:rPr lang="en-US" altLang="ko-KR" sz="1600" kern="0" dirty="0">
+                <a:solidFill>
+                  <a:srgbClr val="000000"/>
+                </a:solidFill>
+                <a:uFill>
+                  <a:solidFill>
+                    <a:srgbClr val="000000"/>
+                  </a:solidFill>
+                </a:uFill>
+                <a:latin typeface="+mn-ea"/>
+                <a:cs typeface="맑은 고딕 Semilight" panose="020B0502040204020203" pitchFamily="50" charset="-127"/>
+              </a:rPr>
+              <a:t> </a:t>
+            </a:r>
+          </a:p>
+          <a:p>
+            <a:pPr marL="285750" indent="-285750">
+              <a:lnSpc>
+                <a:spcPct val="150000"/>
+              </a:lnSpc>
+              <a:buFont typeface="Arial" panose="020B0604020202020204" pitchFamily="34" charset="0"/>
+              <a:buChar char="•"/>
+            </a:pPr>
+            <a:r>
+              <a:rPr lang="en-US" altLang="ko-KR" sz="1600" kern="0" dirty="0">
+                <a:solidFill>
+                  <a:srgbClr val="000000"/>
+                </a:solidFill>
+                <a:uFill>
+                  <a:solidFill>
+                    <a:srgbClr val="000000"/>
+                  </a:solidFill>
+                </a:uFill>
+                <a:latin typeface="+mn-ea"/>
+                <a:cs typeface="맑은 고딕 Semilight" panose="020B0502040204020203" pitchFamily="50" charset="-127"/>
+              </a:rPr>
+              <a:t>Dataset</a:t>
+            </a:r>
+            <a:r>
+              <a:rPr lang="ko-KR" altLang="en-US" sz="1600" kern="0" dirty="0">
+                <a:solidFill>
+                  <a:srgbClr val="000000"/>
+                </a:solidFill>
+                <a:uFill>
+                  <a:solidFill>
+                    <a:srgbClr val="000000"/>
+                  </a:solidFill>
+                </a:uFill>
+                <a:latin typeface="+mn-ea"/>
+                <a:cs typeface="맑은 고딕 Semilight" panose="020B0502040204020203" pitchFamily="50" charset="-127"/>
+              </a:rPr>
+              <a:t> </a:t>
+            </a:r>
+            <a:r>
+              <a:rPr lang="en-US" altLang="ko-KR" sz="1600" kern="0" dirty="0">
+                <a:solidFill>
+                  <a:srgbClr val="000000"/>
+                </a:solidFill>
+                <a:uFill>
+                  <a:solidFill>
+                    <a:srgbClr val="000000"/>
+                  </a:solidFill>
+                </a:uFill>
+                <a:latin typeface="+mn-ea"/>
+                <a:cs typeface="맑은 고딕 Semilight" panose="020B0502040204020203" pitchFamily="50" charset="-127"/>
+              </a:rPr>
+              <a:t>statistic</a:t>
+            </a:r>
+          </a:p>
+          <a:p>
+            <a:pPr marL="285750" indent="-285750">
+              <a:lnSpc>
+                <a:spcPct val="150000"/>
+              </a:lnSpc>
+              <a:buFontTx/>
+              <a:buChar char="-"/>
+            </a:pPr>
+            <a:r>
+              <a:rPr lang="en-US" altLang="ko-KR" sz="1600" kern="0" dirty="0">
+                <a:solidFill>
+                  <a:srgbClr val="000000"/>
+                </a:solidFill>
+                <a:uFill>
+                  <a:solidFill>
+                    <a:srgbClr val="000000"/>
+                  </a:solidFill>
+                </a:uFill>
+                <a:latin typeface="+mn-ea"/>
+                <a:cs typeface="맑은 고딕 Semilight" panose="020B0502040204020203" pitchFamily="50" charset="-127"/>
+              </a:rPr>
+              <a:t>Videos : 1000</a:t>
+            </a:r>
+            <a:r>
+              <a:rPr lang="ko-KR" altLang="en-US" sz="1600" kern="0" dirty="0">
+                <a:solidFill>
+                  <a:srgbClr val="000000"/>
+                </a:solidFill>
+                <a:uFill>
+                  <a:solidFill>
+                    <a:srgbClr val="000000"/>
+                  </a:solidFill>
+                </a:uFill>
+                <a:latin typeface="+mn-ea"/>
+                <a:cs typeface="맑은 고딕 Semilight" panose="020B0502040204020203" pitchFamily="50" charset="-127"/>
+              </a:rPr>
+              <a:t>개 </a:t>
+            </a:r>
+            <a:r>
+              <a:rPr lang="en-US" altLang="ko-KR" sz="1600" kern="0" dirty="0">
+                <a:solidFill>
+                  <a:srgbClr val="000000"/>
+                </a:solidFill>
+                <a:uFill>
+                  <a:solidFill>
+                    <a:srgbClr val="000000"/>
+                  </a:solidFill>
+                </a:uFill>
+                <a:latin typeface="+mn-ea"/>
+                <a:cs typeface="맑은 고딕 Semilight" panose="020B0502040204020203" pitchFamily="50" charset="-127"/>
+              </a:rPr>
+              <a:t>video</a:t>
+            </a:r>
+          </a:p>
+          <a:p>
+            <a:pPr marL="285750" indent="-285750">
+              <a:lnSpc>
+                <a:spcPct val="150000"/>
+              </a:lnSpc>
+              <a:buFontTx/>
+              <a:buChar char="-"/>
+            </a:pPr>
+            <a:r>
+              <a:rPr lang="en-US" altLang="ko-KR" sz="1600" kern="0" dirty="0">
+                <a:solidFill>
+                  <a:srgbClr val="000000"/>
+                </a:solidFill>
+                <a:uFill>
+                  <a:solidFill>
+                    <a:srgbClr val="000000"/>
+                  </a:solidFill>
+                </a:uFill>
+                <a:latin typeface="+mn-ea"/>
+                <a:cs typeface="맑은 고딕 Semilight" panose="020B0502040204020203" pitchFamily="50" charset="-127"/>
+              </a:rPr>
+              <a:t>Images : </a:t>
+            </a:r>
+            <a:r>
+              <a:rPr lang="ko-KR" altLang="en-US" sz="1600" kern="0" dirty="0">
+                <a:solidFill>
+                  <a:srgbClr val="000000"/>
+                </a:solidFill>
+                <a:uFill>
+                  <a:solidFill>
+                    <a:srgbClr val="000000"/>
+                  </a:solidFill>
+                </a:uFill>
+                <a:latin typeface="+mn-ea"/>
+                <a:cs typeface="맑은 고딕 Semilight" panose="020B0502040204020203" pitchFamily="50" charset="-127"/>
+              </a:rPr>
+              <a:t>각 비디오에 대해 </a:t>
+            </a:r>
+            <a:r>
+              <a:rPr lang="en-US" altLang="ko-KR" sz="1600" kern="0" dirty="0">
+                <a:solidFill>
+                  <a:srgbClr val="000000"/>
+                </a:solidFill>
+                <a:uFill>
+                  <a:solidFill>
+                    <a:srgbClr val="000000"/>
+                  </a:solidFill>
+                </a:uFill>
+                <a:latin typeface="+mn-ea"/>
+                <a:cs typeface="맑은 고딕 Semilight" panose="020B0502040204020203" pitchFamily="50" charset="-127"/>
+              </a:rPr>
+              <a:t>5</a:t>
+            </a:r>
+            <a:r>
+              <a:rPr lang="ko-KR" altLang="en-US" sz="1600" kern="0" dirty="0">
+                <a:solidFill>
+                  <a:srgbClr val="000000"/>
+                </a:solidFill>
+                <a:uFill>
+                  <a:solidFill>
+                    <a:srgbClr val="000000"/>
+                  </a:solidFill>
+                </a:uFill>
+                <a:latin typeface="+mn-ea"/>
+                <a:cs typeface="맑은 고딕 Semilight" panose="020B0502040204020203" pitchFamily="50" charset="-127"/>
+              </a:rPr>
+              <a:t>개 이미지 추출</a:t>
+            </a:r>
+            <a:endParaRPr lang="en-US" altLang="ko-KR" sz="1600" kern="0" dirty="0">
+              <a:solidFill>
+                <a:srgbClr val="000000"/>
+              </a:solidFill>
+              <a:uFill>
+                <a:solidFill>
+                  <a:srgbClr val="000000"/>
+                </a:solidFill>
+              </a:uFill>
+              <a:latin typeface="+mn-ea"/>
+              <a:cs typeface="맑은 고딕 Semilight" panose="020B0502040204020203" pitchFamily="50" charset="-127"/>
+            </a:endParaRPr>
+          </a:p>
+          <a:p>
+            <a:pPr marL="285750" indent="-285750">
+              <a:lnSpc>
+                <a:spcPct val="150000"/>
+              </a:lnSpc>
+              <a:buFontTx/>
+              <a:buChar char="-"/>
+            </a:pPr>
+            <a:r>
+              <a:rPr lang="en-US" altLang="ko-KR" sz="1600" kern="0" dirty="0">
+                <a:solidFill>
+                  <a:srgbClr val="000000"/>
+                </a:solidFill>
+                <a:uFill>
+                  <a:solidFill>
+                    <a:srgbClr val="000000"/>
+                  </a:solidFill>
+                </a:uFill>
+                <a:latin typeface="+mn-ea"/>
+                <a:cs typeface="맑은 고딕 Semilight" panose="020B0502040204020203" pitchFamily="50" charset="-127"/>
+              </a:rPr>
+              <a:t>Pair : 5</a:t>
+            </a:r>
+            <a:r>
+              <a:rPr lang="ko-KR" altLang="en-US" sz="1600" kern="0" dirty="0">
+                <a:solidFill>
+                  <a:srgbClr val="000000"/>
+                </a:solidFill>
+                <a:uFill>
+                  <a:solidFill>
+                    <a:srgbClr val="000000"/>
+                  </a:solidFill>
+                </a:uFill>
+                <a:latin typeface="+mn-ea"/>
+                <a:cs typeface="맑은 고딕 Semilight" panose="020B0502040204020203" pitchFamily="50" charset="-127"/>
+              </a:rPr>
+              <a:t>개 이미지에서 인접한 </a:t>
+            </a:r>
+            <a:r>
+              <a:rPr lang="en-US" altLang="ko-KR" sz="1600" kern="0" dirty="0">
+                <a:solidFill>
+                  <a:srgbClr val="000000"/>
+                </a:solidFill>
+                <a:uFill>
+                  <a:solidFill>
+                    <a:srgbClr val="000000"/>
+                  </a:solidFill>
+                </a:uFill>
+                <a:latin typeface="+mn-ea"/>
+                <a:cs typeface="맑은 고딕 Semilight" panose="020B0502040204020203" pitchFamily="50" charset="-127"/>
+              </a:rPr>
+              <a:t>2</a:t>
+            </a:r>
+            <a:r>
+              <a:rPr lang="ko-KR" altLang="en-US" sz="1600" kern="0" dirty="0">
+                <a:solidFill>
+                  <a:srgbClr val="000000"/>
+                </a:solidFill>
+                <a:uFill>
+                  <a:solidFill>
+                    <a:srgbClr val="000000"/>
+                  </a:solidFill>
+                </a:uFill>
+                <a:latin typeface="+mn-ea"/>
+                <a:cs typeface="맑은 고딕 Semilight" panose="020B0502040204020203" pitchFamily="50" charset="-127"/>
+              </a:rPr>
+              <a:t>개 이미지 쌍</a:t>
+            </a:r>
+            <a:r>
+              <a:rPr lang="en-US" altLang="ko-KR" sz="1600" kern="0" dirty="0">
+                <a:solidFill>
+                  <a:srgbClr val="000000"/>
+                </a:solidFill>
+                <a:uFill>
+                  <a:solidFill>
+                    <a:srgbClr val="000000"/>
+                  </a:solidFill>
+                </a:uFill>
+                <a:latin typeface="+mn-ea"/>
+                <a:cs typeface="맑은 고딕 Semilight" panose="020B0502040204020203" pitchFamily="50" charset="-127"/>
+              </a:rPr>
+              <a:t> </a:t>
+            </a:r>
+            <a:r>
+              <a:rPr lang="ko-KR" altLang="en-US" sz="1600" kern="0" dirty="0">
+                <a:solidFill>
+                  <a:srgbClr val="000000"/>
+                </a:solidFill>
+                <a:uFill>
+                  <a:solidFill>
+                    <a:srgbClr val="000000"/>
+                  </a:solidFill>
+                </a:uFill>
+                <a:latin typeface="+mn-ea"/>
+                <a:cs typeface="맑은 고딕 Semilight" panose="020B0502040204020203" pitchFamily="50" charset="-127"/>
+              </a:rPr>
+              <a:t>추출 </a:t>
+            </a:r>
+            <a:r>
+              <a:rPr lang="en-US" altLang="ko-KR" sz="1600" kern="0" dirty="0">
+                <a:solidFill>
+                  <a:srgbClr val="000000"/>
+                </a:solidFill>
+                <a:uFill>
+                  <a:solidFill>
+                    <a:srgbClr val="000000"/>
+                  </a:solidFill>
+                </a:uFill>
+                <a:latin typeface="+mn-ea"/>
+                <a:cs typeface="맑은 고딕 Semilight" panose="020B0502040204020203" pitchFamily="50" charset="-127"/>
+              </a:rPr>
+              <a:t>(0.1,1.2..,3.4)</a:t>
+            </a:r>
+          </a:p>
+          <a:p>
+            <a:pPr marL="285750" indent="-285750">
+              <a:lnSpc>
+                <a:spcPct val="150000"/>
+              </a:lnSpc>
+              <a:buFontTx/>
+              <a:buChar char="-"/>
+            </a:pPr>
+            <a:r>
+              <a:rPr lang="en-US" altLang="ko-KR" sz="1600" kern="0" dirty="0">
+                <a:solidFill>
+                  <a:srgbClr val="000000"/>
+                </a:solidFill>
+                <a:uFill>
+                  <a:solidFill>
+                    <a:srgbClr val="000000"/>
+                  </a:solidFill>
+                </a:uFill>
+                <a:latin typeface="+mn-ea"/>
+                <a:cs typeface="맑은 고딕 Semilight" panose="020B0502040204020203" pitchFamily="50" charset="-127"/>
+              </a:rPr>
+              <a:t>Positives : “With context”</a:t>
+            </a:r>
+            <a:r>
+              <a:rPr lang="ko-KR" altLang="en-US" sz="1600" kern="0" dirty="0">
+                <a:solidFill>
+                  <a:srgbClr val="000000"/>
+                </a:solidFill>
+                <a:uFill>
+                  <a:solidFill>
+                    <a:srgbClr val="000000"/>
+                  </a:solidFill>
+                </a:uFill>
+                <a:latin typeface="+mn-ea"/>
+                <a:cs typeface="맑은 고딕 Semilight" panose="020B0502040204020203" pitchFamily="50" charset="-127"/>
+              </a:rPr>
+              <a:t>설정에서 </a:t>
+            </a:r>
+            <a:r>
+              <a:rPr lang="ko-KR" altLang="en-US" sz="1600" kern="0" dirty="0" err="1">
+                <a:solidFill>
+                  <a:srgbClr val="000000"/>
+                </a:solidFill>
+                <a:uFill>
+                  <a:solidFill>
+                    <a:srgbClr val="000000"/>
+                  </a:solidFill>
+                </a:uFill>
+                <a:latin typeface="+mn-ea"/>
+                <a:cs typeface="맑은 고딕 Semilight" panose="020B0502040204020203" pitchFamily="50" charset="-127"/>
+              </a:rPr>
+              <a:t>주석가</a:t>
+            </a:r>
+            <a:r>
+              <a:rPr lang="ko-KR" altLang="en-US" sz="1600" kern="0" dirty="0">
+                <a:solidFill>
+                  <a:srgbClr val="000000"/>
+                </a:solidFill>
+                <a:uFill>
+                  <a:solidFill>
+                    <a:srgbClr val="000000"/>
+                  </a:solidFill>
+                </a:uFill>
+                <a:latin typeface="+mn-ea"/>
+                <a:cs typeface="맑은 고딕 Semilight" panose="020B0502040204020203" pitchFamily="50" charset="-127"/>
+              </a:rPr>
+              <a:t> </a:t>
+            </a:r>
+            <a:r>
+              <a:rPr lang="en-US" altLang="ko-KR" sz="1600" kern="0" dirty="0">
+                <a:solidFill>
+                  <a:srgbClr val="000000"/>
+                </a:solidFill>
+                <a:uFill>
+                  <a:solidFill>
+                    <a:srgbClr val="000000"/>
+                  </a:solidFill>
+                </a:uFill>
+                <a:latin typeface="+mn-ea"/>
+                <a:cs typeface="맑은 고딕 Semilight" panose="020B0502040204020203" pitchFamily="50" charset="-127"/>
+              </a:rPr>
+              <a:t>4/5</a:t>
+            </a:r>
+            <a:r>
+              <a:rPr lang="ko-KR" altLang="en-US" sz="1600" kern="0" dirty="0">
+                <a:solidFill>
+                  <a:srgbClr val="000000"/>
+                </a:solidFill>
+                <a:uFill>
+                  <a:solidFill>
+                    <a:srgbClr val="000000"/>
+                  </a:solidFill>
+                </a:uFill>
+                <a:latin typeface="+mn-ea"/>
+                <a:cs typeface="맑은 고딕 Semilight" panose="020B0502040204020203" pitchFamily="50" charset="-127"/>
+              </a:rPr>
+              <a:t>이 </a:t>
+            </a:r>
+            <a:r>
+              <a:rPr lang="en-US" altLang="ko-KR" sz="1600" kern="0" dirty="0">
+                <a:solidFill>
+                  <a:srgbClr val="000000"/>
+                </a:solidFill>
+                <a:uFill>
+                  <a:solidFill>
+                    <a:srgbClr val="000000"/>
+                  </a:solidFill>
+                </a:uFill>
+                <a:latin typeface="+mn-ea"/>
+                <a:cs typeface="맑은 고딕 Semilight" panose="020B0502040204020203" pitchFamily="50" charset="-127"/>
+              </a:rPr>
+              <a:t>contextual </a:t>
+            </a:r>
+            <a:r>
+              <a:rPr lang="ko-KR" altLang="en-US" sz="1600" kern="0" dirty="0">
+                <a:solidFill>
+                  <a:srgbClr val="000000"/>
+                </a:solidFill>
+                <a:uFill>
+                  <a:solidFill>
+                    <a:srgbClr val="000000"/>
+                  </a:solidFill>
+                </a:uFill>
+                <a:latin typeface="+mn-ea"/>
+                <a:cs typeface="맑은 고딕 Semilight" panose="020B0502040204020203" pitchFamily="50" charset="-127"/>
+              </a:rPr>
+              <a:t>하다고 선택한</a:t>
+            </a:r>
+            <a:r>
+              <a:rPr lang="en-US" altLang="ko-KR" sz="1600" kern="0" dirty="0">
+                <a:solidFill>
+                  <a:srgbClr val="000000"/>
+                </a:solidFill>
+                <a:uFill>
+                  <a:solidFill>
+                    <a:srgbClr val="000000"/>
+                  </a:solidFill>
+                </a:uFill>
+                <a:latin typeface="+mn-ea"/>
+                <a:cs typeface="맑은 고딕 Semilight" panose="020B0502040204020203" pitchFamily="50" charset="-127"/>
+              </a:rPr>
+              <a:t> </a:t>
+            </a:r>
+            <a:r>
+              <a:rPr lang="ko-KR" altLang="en-US" sz="1600" kern="0" dirty="0">
+                <a:solidFill>
+                  <a:srgbClr val="000000"/>
+                </a:solidFill>
+                <a:uFill>
+                  <a:solidFill>
+                    <a:srgbClr val="000000"/>
+                  </a:solidFill>
+                </a:uFill>
+                <a:latin typeface="+mn-ea"/>
+                <a:cs typeface="맑은 고딕 Semilight" panose="020B0502040204020203" pitchFamily="50" charset="-127"/>
+              </a:rPr>
+              <a:t>이미지 쌍</a:t>
+            </a:r>
+            <a:endParaRPr lang="en-US" altLang="ko-KR" sz="1600" kern="0" dirty="0">
+              <a:solidFill>
+                <a:srgbClr val="000000"/>
+              </a:solidFill>
+              <a:uFill>
+                <a:solidFill>
+                  <a:srgbClr val="000000"/>
+                </a:solidFill>
+              </a:uFill>
+              <a:latin typeface="+mn-ea"/>
+              <a:cs typeface="맑은 고딕 Semilight" panose="020B0502040204020203" pitchFamily="50" charset="-127"/>
+            </a:endParaRPr>
+          </a:p>
+          <a:p>
+            <a:pPr marL="285750" indent="-285750">
+              <a:lnSpc>
+                <a:spcPct val="150000"/>
+              </a:lnSpc>
+              <a:buFontTx/>
+              <a:buChar char="-"/>
+            </a:pPr>
+            <a:r>
+              <a:rPr lang="en-US" altLang="ko-KR" sz="1600" kern="0" dirty="0" err="1">
+                <a:solidFill>
+                  <a:srgbClr val="000000"/>
+                </a:solidFill>
+                <a:uFill>
+                  <a:solidFill>
+                    <a:srgbClr val="000000"/>
+                  </a:solidFill>
+                </a:uFill>
+                <a:latin typeface="+mn-ea"/>
+                <a:cs typeface="맑은 고딕 Semilight" panose="020B0502040204020203" pitchFamily="50" charset="-127"/>
+              </a:rPr>
+              <a:t>Cand</a:t>
+            </a:r>
+            <a:r>
+              <a:rPr lang="en-US" altLang="ko-KR" sz="1600" kern="0" dirty="0">
+                <a:solidFill>
+                  <a:srgbClr val="000000"/>
+                </a:solidFill>
+                <a:uFill>
+                  <a:solidFill>
+                    <a:srgbClr val="000000"/>
+                  </a:solidFill>
+                </a:uFill>
+                <a:latin typeface="+mn-ea"/>
+                <a:cs typeface="맑은 고딕 Semilight" panose="020B0502040204020203" pitchFamily="50" charset="-127"/>
+              </a:rPr>
+              <a:t>. :</a:t>
+            </a:r>
+            <a:r>
+              <a:rPr lang="ko-KR" altLang="en-US" sz="1600" kern="0" dirty="0">
+                <a:solidFill>
+                  <a:srgbClr val="000000"/>
+                </a:solidFill>
+                <a:uFill>
+                  <a:solidFill>
+                    <a:srgbClr val="000000"/>
+                  </a:solidFill>
+                </a:uFill>
+                <a:latin typeface="+mn-ea"/>
+                <a:cs typeface="맑은 고딕 Semilight" panose="020B0502040204020203" pitchFamily="50" charset="-127"/>
+              </a:rPr>
+              <a:t>이미지 쌍에서 나온 후보 이벤트 쌍</a:t>
+            </a:r>
+            <a:endParaRPr lang="en-US" altLang="ko-KR" sz="1600" kern="0" dirty="0">
+              <a:solidFill>
+                <a:srgbClr val="000000"/>
+              </a:solidFill>
+              <a:uFill>
+                <a:solidFill>
+                  <a:srgbClr val="000000"/>
+                </a:solidFill>
+              </a:uFill>
+              <a:latin typeface="+mn-ea"/>
+              <a:cs typeface="맑은 고딕 Semilight" panose="020B0502040204020203" pitchFamily="50" charset="-127"/>
+            </a:endParaRPr>
+          </a:p>
+        </p:txBody>
+      </p:sp>
+      <p:sp>
+        <p:nvSpPr>
           <p:cNvPr id="55" name="TextBox 54">
             <a:extLst>
               <a:ext uri="{FF2B5EF4-FFF2-40B4-BE49-F238E27FC236}">
@@ -9793,7 +11608,23 @@
           <a:p>
             <a:r>
               <a:rPr lang="en-US" altLang="ko-KR" sz="2400" dirty="0"/>
-              <a:t>Model – Vision-Contextual Causal (VCC)</a:t>
+              <a:t>Dataset</a:t>
+            </a:r>
+            <a:r>
+              <a:rPr lang="ko-KR" altLang="en-US" sz="2400" dirty="0"/>
+              <a:t> </a:t>
+            </a:r>
+            <a:r>
+              <a:rPr lang="en-US" altLang="ko-KR" sz="2400" dirty="0"/>
+              <a:t>–</a:t>
+            </a:r>
+            <a:r>
+              <a:rPr lang="ko-KR" altLang="en-US" sz="2400" dirty="0"/>
+              <a:t> </a:t>
+            </a:r>
+            <a:r>
+              <a:rPr lang="en-US" altLang="ko-KR" sz="2400" dirty="0"/>
+              <a:t>Vis-Causal analysis </a:t>
             </a:r>
             <a:endParaRPr lang="ko-KR" altLang="en-US" sz="2400" dirty="0"/>
           </a:p>
@@ -9801,10 +11632,10 @@
       </p:sp>
       <p:pic>
         <p:nvPicPr>
-          <p:cNvPr id="2" name="그림 1">
-            <a:extLst>
-              <a:ext uri="{FF2B5EF4-FFF2-40B4-BE49-F238E27FC236}">
-                <a16:creationId xmlns:a16="http://schemas.microsoft.com/office/drawing/2014/main" id="{ADEA7DE5-6650-44A4-B2FC-CF06DED6F1C4}"/>
+          <p:cNvPr id="6" name="그림 5">
+            <a:extLst>
+              <a:ext uri="{FF2B5EF4-FFF2-40B4-BE49-F238E27FC236}">
+                <a16:creationId xmlns:a16="http://schemas.microsoft.com/office/drawing/2014/main" id="{57B4F001-BB4B-4E26-A3D3-C1BA36E1BD58}"/>
               </a:ext>
             </a:extLst>
           </p:cNvPr>
@@ -9814,175 +11645,24 @@
           <p:nvPr/>
         </p:nvPicPr>
         <p:blipFill rotWithShape="1">
-          <a:blip r:embed="rId2"/>
-          <a:srcRect l="9419" t="-104" r="12972" b="104"/>
+          <a:blip r:embed="rId3"/>
+          <a:srcRect r="9703"/>
           <a:stretch/>
         </p:blipFill>
         <p:spPr>
           <a:xfrm>
-            <a:off x="7112001" y="1104654"/>
-            <a:ext cx="5080000" cy="5173380"/>
+            <a:off x="7318043" y="4739999"/>
+            <a:ext cx="4157677" cy="1099949"/>
           </a:xfrm>
           <a:prstGeom prst="rect">
             <a:avLst/>
           </a:prstGeom>
         </p:spPr>
       </p:pic>
-      <p:sp>
-        <p:nvSpPr>
-          <p:cNvPr id="3" name="TextBox 2">
-            <a:extLst>
-              <a:ext uri="{FF2B5EF4-FFF2-40B4-BE49-F238E27FC236}">
-                <a16:creationId xmlns:a16="http://schemas.microsoft.com/office/drawing/2014/main" id="{2C5B06A3-6BDD-43AF-B788-0416C5CEABA2}"/>
-              </a:ext>
-            </a:extLst>
-          </p:cNvPr>
-          <p:cNvSpPr txBox="1"/>
-          <p:nvPr/>
-        </p:nvSpPr>
-        <p:spPr>
-          <a:xfrm>
-            <a:off x="231339" y="1784952"/>
-            <a:ext cx="6994962" cy="3970318"/>
-          </a:xfrm>
-          <a:prstGeom prst="rect">
-            <a:avLst/>
-          </a:prstGeom>
-          <a:noFill/>
-        </p:spPr>
-        <p:txBody>
-          <a:bodyPr wrap="square" rtlCol="0">
-            <a:spAutoFit/>
-          </a:bodyPr>
-          <a:lstStyle/>
-          <a:p>
-            <a:pPr fontAlgn="base"/>
-            <a:r>
-              <a:rPr lang="ko-KR" altLang="en-US" dirty="0"/>
-              <a:t>총 세 가지 주요 구성</a:t>
-            </a:r>
-            <a:endParaRPr lang="en-US" altLang="ko-KR" dirty="0"/>
-          </a:p>
-          <a:p>
-            <a:pPr fontAlgn="base"/>
-            <a:endParaRPr lang="en-US" altLang="ko-KR" dirty="0"/>
-          </a:p>
-          <a:p>
-            <a:pPr fontAlgn="base"/>
-            <a:endParaRPr lang="en-US" altLang="ko-KR" dirty="0"/>
-          </a:p>
-          <a:p>
-            <a:pPr fontAlgn="base"/>
-            <a:endParaRPr lang="ko-KR" altLang="en-US" dirty="0"/>
-          </a:p>
-          <a:p>
-            <a:pPr marL="342900" indent="-342900" fontAlgn="base">
-              <a:buFont typeface="+mj-lt"/>
-              <a:buAutoNum type="arabicPeriod"/>
-            </a:pPr>
-            <a:r>
-              <a:rPr lang="ko-KR" altLang="en-US" dirty="0"/>
-              <a:t>예측을 위해 두 이벤트를 벡터로 인코딩하는</a:t>
-            </a:r>
-            <a:r>
-              <a:rPr lang="en-US" altLang="ko-KR" dirty="0"/>
-              <a:t> event encoding</a:t>
-            </a:r>
-          </a:p>
-          <a:p>
-            <a:pPr marL="342900" indent="-342900" fontAlgn="base">
-              <a:buFont typeface="+mj-lt"/>
-              <a:buAutoNum type="arabicPeriod"/>
-            </a:pPr>
-            <a:endParaRPr lang="en-US" altLang="ko-KR" dirty="0"/>
-          </a:p>
-          <a:p>
-            <a:pPr marL="342900" indent="-342900" fontAlgn="base">
-              <a:buFont typeface="+mj-lt"/>
-              <a:buAutoNum type="arabicPeriod"/>
-            </a:pPr>
-            <a:endParaRPr lang="en-US" altLang="ko-KR" dirty="0"/>
-          </a:p>
-          <a:p>
-            <a:pPr marL="342900" indent="-342900" fontAlgn="base">
-              <a:buFont typeface="+mj-lt"/>
-              <a:buAutoNum type="arabicPeriod"/>
-            </a:pPr>
-            <a:r>
-              <a:rPr lang="en-US" altLang="ko-KR" dirty="0"/>
-              <a:t>Context</a:t>
-            </a:r>
-            <a:r>
-              <a:rPr lang="ko-KR" altLang="en-US" dirty="0"/>
-              <a:t>가 모델에서 활용될 수 있도록 컨텍스트 프레임을     인코딩하는</a:t>
-            </a:r>
-            <a:r>
-              <a:rPr lang="en-US" altLang="ko-KR" dirty="0"/>
-              <a:t> Visual  Context Encoding</a:t>
-            </a:r>
-          </a:p>
-          <a:p>
-            <a:pPr marL="342900" indent="-342900" fontAlgn="base">
-              <a:buFont typeface="+mj-lt"/>
-              <a:buAutoNum type="arabicPeriod"/>
-            </a:pPr>
-            <a:endParaRPr lang="en-US" altLang="ko-KR" dirty="0"/>
-          </a:p>
-          <a:p>
-            <a:pPr marL="342900" indent="-342900" fontAlgn="base">
-              <a:buFont typeface="+mj-lt"/>
-              <a:buAutoNum type="arabicPeriod"/>
-            </a:pPr>
-            <a:endParaRPr lang="en-US" altLang="ko-KR" dirty="0"/>
-          </a:p>
-          <a:p>
-            <a:pPr marL="342900" indent="-342900" fontAlgn="base">
-              <a:buFont typeface="+mj-lt"/>
-              <a:buAutoNum type="arabicPeriod"/>
-            </a:pPr>
-            <a:r>
-              <a:rPr lang="en-US" altLang="ko-KR" dirty="0"/>
-              <a:t>Attention mechanism</a:t>
-            </a:r>
-            <a:r>
-              <a:rPr lang="ko-KR" altLang="en-US" dirty="0"/>
-              <a:t>을 통해 </a:t>
-            </a:r>
-            <a:r>
-              <a:rPr lang="en-US" altLang="ko-KR" dirty="0"/>
-              <a:t>context</a:t>
-            </a:r>
-            <a:r>
-              <a:rPr lang="ko-KR" altLang="en-US" dirty="0"/>
-              <a:t>와 </a:t>
-            </a:r>
-            <a:r>
-              <a:rPr lang="en-US" altLang="ko-KR" dirty="0"/>
-              <a:t>text event</a:t>
-            </a:r>
-            <a:r>
-              <a:rPr lang="ko-KR" altLang="en-US" dirty="0"/>
-              <a:t> 표현을 찾는 </a:t>
-            </a:r>
-            <a:r>
-              <a:rPr lang="en-US" altLang="ko-KR" dirty="0"/>
-              <a:t>cross attention. </a:t>
-            </a:r>
-            <a:endParaRPr lang="ko-KR" altLang="en-US" dirty="0"/>
-          </a:p>
-          <a:p>
-            <a:r>
-              <a:rPr lang="en-US" altLang="ko-KR" dirty="0"/>
-              <a:t>   </a:t>
-            </a:r>
-            <a:endParaRPr lang="ko-KR" altLang="en-US" dirty="0"/>
-          </a:p>
-        </p:txBody>
-      </p:sp>
     </p:spTree>
     <p:extLst>
       <p:ext uri="{BB962C8B-B14F-4D97-AF65-F5344CB8AC3E}">
-        <p14:creationId xmlns:p14="http://schemas.microsoft.com/office/powerpoint/2010/main" val="3413575429"/>
+        <p14:creationId xmlns:p14="http://schemas.microsoft.com/office/powerpoint/2010/main" val="3818905041"/>
       </p:ext>
     </p:extLst>
   </p:cSld>
@@ -10154,14 +11834,14 @@
           <p:nvPr/>
         </p:nvPicPr>
         <p:blipFill rotWithShape="1">
-          <a:blip r:embed="rId2"/>
+          <a:blip r:embed="rId3"/>
           <a:srcRect l="9419" t="-104" r="12972" b="104"/>
           <a:stretch/>
         </p:blipFill>
         <p:spPr>
           <a:xfrm>
-            <a:off x="9774767" y="1007762"/>
-            <a:ext cx="2078568" cy="2116776"/>
+            <a:off x="7112001" y="1104654"/>
+            <a:ext cx="5080000" cy="5173380"/>
           </a:xfrm>
           <a:prstGeom prst="rect">
             <a:avLst/>
@@ -10183,7 +11863,7 @@
         <p:spPr>
           <a:xfrm>
             <a:off x="231339" y="1784952"/>
-            <a:ext cx="6994962" cy="1477328"/>
+            <a:ext cx="6994962" cy="3738011"/>
           </a:xfrm>
           <a:prstGeom prst="rect">
             <a:avLst/>
@@ -10196,63 +11876,139 @@
           </a:bodyPr>
           <a:lstStyle/>
           <a:p>
-            <a:pPr fontAlgn="base"/>
-            <a:r>
-              <a:rPr lang="en-US" altLang="ko-KR" dirty="0"/>
-              <a:t>- </a:t>
-            </a:r>
-            <a:r>
-              <a:rPr lang="ko-KR" altLang="en-US" dirty="0"/>
+            <a:pPr fontAlgn="base">
+              <a:lnSpc>
+                <a:spcPct val="150000"/>
+              </a:lnSpc>
+            </a:pPr>
+            <a:r>
+              <a:rPr lang="ko-KR" altLang="en-US" sz="1600" dirty="0"/>
+              <a:t>총 세 가지 주요 구성</a:t>
+            </a:r>
+            <a:endParaRPr lang="en-US" altLang="ko-KR" sz="1600" dirty="0"/>
+          </a:p>
+          <a:p>
+            <a:pPr fontAlgn="base">
+              <a:lnSpc>
+                <a:spcPct val="150000"/>
+              </a:lnSpc>
+            </a:pPr>
+            <a:endParaRPr lang="ko-KR" altLang="en-US" sz="1600" dirty="0"/>
+          </a:p>
+          <a:p>
+            <a:pPr marL="342900" indent="-342900" fontAlgn="base">
+              <a:lnSpc>
+                <a:spcPct val="150000"/>
+              </a:lnSpc>
+              <a:buFont typeface="+mj-lt"/>
+              <a:buAutoNum type="arabicPeriod"/>
+            </a:pPr>
+            <a:r>
+              <a:rPr lang="ko-KR" altLang="en-US" sz="1600" dirty="0"/>
               <a:t>예측을 위해 두 이벤트를 벡터로 인코딩하는</a:t>
             </a:r>
             <a:r>
-              <a:rPr lang="en-US" altLang="ko-KR" dirty="0"/>
+              <a:rPr lang="en-US" altLang="ko-KR" sz="1600" dirty="0"/>
               <a:t> event encoding</a:t>
             </a:r>
           </a:p>
           <a:p>
-            <a:pPr marL="285750" indent="-285750" fontAlgn="base">
-              <a:buFontTx/>
-              <a:buChar char="-"/>
+            <a:pPr marL="342900" indent="-342900" fontAlgn="base">
+              <a:lnSpc>
+                <a:spcPct val="150000"/>
+              </a:lnSpc>
+              <a:buFont typeface="+mj-lt"/>
+              <a:buAutoNum type="arabicPeriod"/>
             </a:pPr>
-            <a:r>
-              <a:rPr lang="en-US" altLang="ko-KR" dirty="0"/>
-              <a:t>Textual Event Encoding</a:t>
-            </a:r>
-          </a:p>
-          <a:p>
-            <a:pPr marL="285750" indent="-285750" fontAlgn="base">
-              <a:buFontTx/>
-              <a:buChar char="-"/>
+            <a:endParaRPr lang="en-US" altLang="ko-KR" sz="1600" dirty="0"/>
+          </a:p>
+          <a:p>
+            <a:pPr marL="342900" indent="-342900" fontAlgn="base">
+              <a:lnSpc>
+                <a:spcPct val="150000"/>
+              </a:lnSpc>
+              <a:buFont typeface="+mj-lt"/>
+              <a:buAutoNum type="arabicPeriod"/>
             </a:pPr>
             <a:r>
-              <a:rPr lang="en-US" altLang="ko-KR" dirty="0"/>
-              <a:t>Vector </a:t>
-            </a:r>
-            <a:r>
-              <a:rPr lang="ko-KR" altLang="en-US" dirty="0"/>
-              <a:t>표현으로 변환 </a:t>
-            </a:r>
-            <a:r>
-              <a:rPr lang="en-US" altLang="ko-KR" dirty="0" err="1"/>
-              <a:t>bert</a:t>
-            </a:r>
-            <a:endParaRPr lang="en-US" altLang="ko-KR" dirty="0"/>
-          </a:p>
-          <a:p>
-            <a:pPr fontAlgn="base"/>
-            <a:endParaRPr lang="en-US" altLang="ko-KR" dirty="0"/>
-          </a:p>
-          <a:p>
-            <a:pPr fontAlgn="base"/>
-            <a:endParaRPr lang="ko-KR" altLang="en-US" dirty="0"/>
+              <a:rPr lang="en-US" altLang="ko-KR" sz="1600" dirty="0"/>
+              <a:t>Context</a:t>
+            </a:r>
+            <a:r>
+              <a:rPr lang="ko-KR" altLang="en-US" sz="1600" dirty="0"/>
+              <a:t>가 모델에서 활용될 수 있도록 컨텍스트 프레임을 인코딩하는</a:t>
+            </a:r>
+            <a:r>
+              <a:rPr lang="en-US" altLang="ko-KR" sz="1600" dirty="0"/>
+              <a:t> Visual  Context Encoding</a:t>
+            </a:r>
+          </a:p>
+          <a:p>
+            <a:pPr marL="342900" indent="-342900" fontAlgn="base">
+              <a:lnSpc>
+                <a:spcPct val="150000"/>
+              </a:lnSpc>
+              <a:buFont typeface="+mj-lt"/>
+              <a:buAutoNum type="arabicPeriod"/>
+            </a:pPr>
+            <a:endParaRPr lang="en-US" altLang="ko-KR" sz="1600" dirty="0"/>
+          </a:p>
+          <a:p>
+            <a:pPr marL="342900" indent="-342900" fontAlgn="base">
+              <a:lnSpc>
+                <a:spcPct val="150000"/>
+              </a:lnSpc>
+              <a:buFont typeface="+mj-lt"/>
+              <a:buAutoNum type="arabicPeriod"/>
+            </a:pPr>
+            <a:r>
+              <a:rPr lang="en-US" altLang="ko-KR" sz="1600" dirty="0"/>
+              <a:t>Attention mechanism</a:t>
+            </a:r>
+            <a:r>
+              <a:rPr lang="ko-KR" altLang="en-US" sz="1600" dirty="0"/>
+              <a:t>을 통해 </a:t>
+            </a:r>
+            <a:r>
+              <a:rPr lang="en-US" altLang="ko-KR" sz="1600" dirty="0"/>
+              <a:t>context</a:t>
+            </a:r>
+            <a:r>
+              <a:rPr lang="ko-KR" altLang="en-US" sz="1600" dirty="0"/>
+              <a:t>와 </a:t>
+            </a:r>
+            <a:r>
+              <a:rPr lang="en-US" altLang="ko-KR" sz="1600" dirty="0"/>
+              <a:t>text event</a:t>
+            </a:r>
+            <a:r>
+              <a:rPr lang="ko-KR" altLang="en-US" sz="1600" dirty="0"/>
+              <a:t> 표현을 찾는 </a:t>
+            </a:r>
+            <a:r>
+              <a:rPr lang="en-US" altLang="ko-KR" sz="1600" dirty="0"/>
+              <a:t>cross attention. </a:t>
+            </a:r>
+            <a:endParaRPr lang="ko-KR" altLang="en-US" sz="1600" dirty="0"/>
+          </a:p>
+          <a:p>
+            <a:pPr>
+              <a:lnSpc>
+                <a:spcPct val="150000"/>
+              </a:lnSpc>
+            </a:pPr>
+            <a:r>
+              <a:rPr lang="en-US" altLang="ko-KR" sz="1600" dirty="0"/>
+              <a:t>   </a:t>
+            </a:r>
+            <a:endParaRPr lang="ko-KR" altLang="en-US" sz="1600" dirty="0"/>
           </a:p>
         </p:txBody>
       </p:sp>
     </p:spTree>
     <p:extLst>
       <p:ext uri="{BB962C8B-B14F-4D97-AF65-F5344CB8AC3E}">
-        <p14:creationId xmlns:p14="http://schemas.microsoft.com/office/powerpoint/2010/main" val="209028630"/>
+        <p14:creationId xmlns:p14="http://schemas.microsoft.com/office/powerpoint/2010/main" val="3413575429"/>
       </p:ext>
     </p:extLst>
   </p:cSld>
@@ -10375,10 +12131,10 @@
       </p:sp>
       <p:sp>
         <p:nvSpPr>
-          <p:cNvPr id="9" name="TextBox 8">
-            <a:extLst>
-              <a:ext uri="{FF2B5EF4-FFF2-40B4-BE49-F238E27FC236}">
-                <a16:creationId xmlns:a16="http://schemas.microsoft.com/office/drawing/2014/main" id="{19B6216F-12C7-418D-A944-6484C1992BBE}"/>
+          <p:cNvPr id="55" name="TextBox 54">
+            <a:extLst>
+              <a:ext uri="{FF2B5EF4-FFF2-40B4-BE49-F238E27FC236}">
+                <a16:creationId xmlns:a16="http://schemas.microsoft.com/office/drawing/2014/main" id="{CBBBF288-44D8-4FF6-993A-6C8D9DC5BA53}"/>
               </a:ext>
             </a:extLst>
           </p:cNvPr>
@@ -10403,29 +12159,18 @@
           <a:p>
             <a:r>
               <a:rPr lang="en-US" altLang="ko-KR" sz="2400" dirty="0"/>
-              <a:t>test Result </a:t>
-            </a:r>
-            <a:r>
-              <a:rPr lang="ko-KR" altLang="en-US" sz="2400" dirty="0"/>
-              <a:t>일치 </a:t>
-            </a:r>
-            <a:r>
-              <a:rPr lang="ko-KR" altLang="en-US" sz="2400" dirty="0" err="1"/>
-              <a:t>안했을</a:t>
-            </a:r>
-            <a:r>
-              <a:rPr lang="ko-KR" altLang="en-US" sz="2400" dirty="0"/>
-              <a:t> 때 결과</a:t>
-            </a:r>
+              <a:t>Model – Vision-Contextual Causal (VCC)</a:t>
+            </a:r>
+            <a:endParaRPr lang="ko-KR" altLang="en-US" sz="2400" dirty="0"/>
           </a:p>
         </p:txBody>
       </p:sp>
       <p:pic>
         <p:nvPicPr>
-          <p:cNvPr id="11" name="Picture 3">
-            <a:extLst>
-              <a:ext uri="{FF2B5EF4-FFF2-40B4-BE49-F238E27FC236}">
-                <a16:creationId xmlns:a16="http://schemas.microsoft.com/office/drawing/2014/main" id="{B1537176-CF14-4EBA-B2AF-0337A722EA85}"/>
+          <p:cNvPr id="2" name="그림 1">
+            <a:extLst>
+              <a:ext uri="{FF2B5EF4-FFF2-40B4-BE49-F238E27FC236}">
+                <a16:creationId xmlns:a16="http://schemas.microsoft.com/office/drawing/2014/main" id="{ADEA7DE5-6650-44A4-B2FC-CF06DED6F1C4}"/>
               </a:ext>
             </a:extLst>
           </p:cNvPr>
@@ -10434,33 +12179,244 @@
           </p:cNvPicPr>
           <p:nvPr/>
         </p:nvPicPr>
-        <p:blipFill>
-          <a:blip r:embed="rId2">
-            <a:extLst/>
-          </a:blip>
-          <a:stretch>
-            <a:fillRect/>
-          </a:stretch>
+        <p:blipFill rotWithShape="1">
+          <a:blip r:embed="rId2"/>
+          <a:srcRect l="9419" t="-104" r="12972" b="104"/>
+          <a:stretch/>
         </p:blipFill>
         <p:spPr>
           <a:xfrm>
-            <a:off x="571499" y="1195160"/>
-            <a:ext cx="10428291" cy="5549901"/>
+            <a:off x="8181348" y="1559257"/>
+            <a:ext cx="3671987" cy="3739485"/>
+          </a:xfrm>
+          <a:prstGeom prst="rect">
+            <a:avLst/>
+          </a:prstGeom>
+        </p:spPr>
+      </p:pic>
+      <p:sp>
+        <p:nvSpPr>
+          <p:cNvPr id="3" name="TextBox 2">
+            <a:extLst>
+              <a:ext uri="{FF2B5EF4-FFF2-40B4-BE49-F238E27FC236}">
+                <a16:creationId xmlns:a16="http://schemas.microsoft.com/office/drawing/2014/main" id="{2C5B06A3-6BDD-43AF-B788-0416C5CEABA2}"/>
+              </a:ext>
+            </a:extLst>
+          </p:cNvPr>
+          <p:cNvSpPr txBox="1"/>
+          <p:nvPr/>
+        </p:nvSpPr>
+        <p:spPr>
+          <a:xfrm>
+            <a:off x="338665" y="1559257"/>
+            <a:ext cx="9640991" cy="3739485"/>
           </a:xfrm>
           <a:prstGeom prst="rect">
             <a:avLst/>
           </a:prstGeom>
           <a:noFill/>
-          <a:ln>
-            <a:noFill/>
-          </a:ln>
-          <a:effectLst/>
         </p:spPr>
-      </p:pic>
+        <p:txBody>
+          <a:bodyPr wrap="square" rtlCol="0">
+            <a:spAutoFit/>
+          </a:bodyPr>
+          <a:lstStyle/>
+          <a:p>
+            <a:pPr fontAlgn="base">
+              <a:lnSpc>
+                <a:spcPct val="150000"/>
+              </a:lnSpc>
+            </a:pPr>
+            <a:r>
+              <a:rPr lang="en-US" altLang="ko-KR" dirty="0"/>
+              <a:t>1</a:t>
+            </a:r>
+            <a:r>
+              <a:rPr lang="en-US" altLang="ko-KR" sz="1600" dirty="0"/>
+              <a:t>. Textual Event Encoding</a:t>
+            </a:r>
+          </a:p>
+          <a:p>
+            <a:pPr fontAlgn="base">
+              <a:lnSpc>
+                <a:spcPct val="150000"/>
+              </a:lnSpc>
+            </a:pPr>
+            <a:endParaRPr lang="en-US" altLang="ko-KR" sz="1600" dirty="0"/>
+          </a:p>
+          <a:p>
+            <a:pPr marL="285750" indent="-285750" fontAlgn="base">
+              <a:lnSpc>
+                <a:spcPct val="150000"/>
+              </a:lnSpc>
+              <a:buFontTx/>
+              <a:buChar char="-"/>
+            </a:pPr>
+            <a:r>
+              <a:rPr lang="ko-KR" altLang="en-US" sz="1600" dirty="0"/>
+              <a:t>두 이벤트를 벡터로 인코딩한다</a:t>
+            </a:r>
+            <a:r>
+              <a:rPr lang="en-US" altLang="ko-KR" sz="1600" dirty="0"/>
+              <a:t>.</a:t>
+            </a:r>
+          </a:p>
+          <a:p>
+            <a:pPr marL="285750" indent="-285750" fontAlgn="base">
+              <a:lnSpc>
+                <a:spcPct val="150000"/>
+              </a:lnSpc>
+              <a:buFontTx/>
+              <a:buChar char="-"/>
+            </a:pPr>
+            <a:r>
+              <a:rPr lang="ko-KR" altLang="en-US" sz="1600" dirty="0" err="1"/>
+              <a:t>임베딩</a:t>
+            </a:r>
+            <a:r>
+              <a:rPr lang="ko-KR" altLang="en-US" sz="1600" dirty="0"/>
+              <a:t> 방법으로 </a:t>
+            </a:r>
+            <a:r>
+              <a:rPr lang="en-US" altLang="ko-KR" sz="1600" dirty="0"/>
+              <a:t>Pre-trained</a:t>
+            </a:r>
+            <a:r>
+              <a:rPr lang="ko-KR" altLang="en-US" sz="1600" dirty="0"/>
+              <a:t> </a:t>
+            </a:r>
+            <a:r>
+              <a:rPr lang="en-US" altLang="ko-KR" sz="1600" dirty="0" err="1"/>
+              <a:t>bert</a:t>
+            </a:r>
+            <a:r>
+              <a:rPr lang="en-US" altLang="ko-KR" sz="1600" dirty="0"/>
+              <a:t> </a:t>
+            </a:r>
+            <a:r>
+              <a:rPr lang="ko-KR" altLang="en-US" sz="1600" dirty="0"/>
+              <a:t>사용한다</a:t>
+            </a:r>
+            <a:r>
+              <a:rPr lang="en-US" altLang="ko-KR" sz="1600" dirty="0"/>
+              <a:t>.</a:t>
+            </a:r>
+          </a:p>
+          <a:p>
+            <a:pPr fontAlgn="base">
+              <a:lnSpc>
+                <a:spcPct val="150000"/>
+              </a:lnSpc>
+            </a:pPr>
+            <a:endParaRPr lang="en-US" altLang="ko-KR" sz="1600" dirty="0"/>
+          </a:p>
+          <a:p>
+            <a:pPr fontAlgn="base">
+              <a:lnSpc>
+                <a:spcPct val="150000"/>
+              </a:lnSpc>
+            </a:pPr>
+            <a:r>
+              <a:rPr lang="en-US" altLang="ko-KR" sz="1600" dirty="0"/>
+              <a:t>2. Visual Context Encoding</a:t>
+            </a:r>
+          </a:p>
+          <a:p>
+            <a:pPr marL="285750" indent="-285750" fontAlgn="base">
+              <a:lnSpc>
+                <a:spcPct val="150000"/>
+              </a:lnSpc>
+              <a:buFontTx/>
+              <a:buChar char="-"/>
+            </a:pPr>
+            <a:r>
+              <a:rPr lang="ko-KR" altLang="en-US" sz="1600" dirty="0"/>
+              <a:t>이미지에서 추출된 객체를 사용한다</a:t>
+            </a:r>
+            <a:r>
+              <a:rPr lang="en-US" altLang="ko-KR" sz="1600" dirty="0"/>
+              <a:t>.</a:t>
+            </a:r>
+          </a:p>
+          <a:p>
+            <a:pPr marL="285750" indent="-285750" fontAlgn="base">
+              <a:lnSpc>
+                <a:spcPct val="150000"/>
+              </a:lnSpc>
+              <a:buFontTx/>
+              <a:buChar char="-"/>
+            </a:pPr>
+            <a:r>
+              <a:rPr lang="ko-KR" altLang="en-US" sz="1600" dirty="0"/>
+              <a:t>이미지에서 추출된 객체에서 신뢰도 점수에 따라 상위 </a:t>
+            </a:r>
+            <a:r>
+              <a:rPr lang="en-US" altLang="ko-KR" sz="1600" dirty="0"/>
+              <a:t>10 </a:t>
+            </a:r>
+            <a:r>
+              <a:rPr lang="ko-KR" altLang="en-US" sz="1600" dirty="0"/>
+              <a:t>개의 객체</a:t>
+            </a:r>
+            <a:r>
+              <a:rPr lang="en-US" altLang="ko-KR" sz="1600" dirty="0"/>
+              <a:t>.</a:t>
+            </a:r>
+          </a:p>
+          <a:p>
+            <a:pPr marL="285750" indent="-285750" fontAlgn="base">
+              <a:lnSpc>
+                <a:spcPct val="150000"/>
+              </a:lnSpc>
+              <a:buFontTx/>
+              <a:buChar char="-"/>
+            </a:pPr>
+            <a:r>
+              <a:rPr lang="ko-KR" altLang="en-US" sz="1600" dirty="0" err="1"/>
+              <a:t>임베딩</a:t>
+            </a:r>
+            <a:r>
+              <a:rPr lang="ko-KR" altLang="en-US" sz="1600" dirty="0"/>
+              <a:t> 방법으로 동일한 </a:t>
+            </a:r>
+            <a:r>
+              <a:rPr lang="en-US" altLang="ko-KR" sz="1600" dirty="0"/>
+              <a:t>Pre-trained</a:t>
+            </a:r>
+            <a:r>
+              <a:rPr lang="ko-KR" altLang="en-US" sz="1600" dirty="0"/>
+              <a:t> </a:t>
+            </a:r>
+            <a:r>
+              <a:rPr lang="en-US" altLang="ko-KR" sz="1600" dirty="0" err="1"/>
+              <a:t>bert</a:t>
+            </a:r>
+            <a:r>
+              <a:rPr lang="en-US" altLang="ko-KR" sz="1600" dirty="0"/>
+              <a:t> </a:t>
+            </a:r>
+            <a:r>
+              <a:rPr lang="ko-KR" altLang="en-US" sz="1600" dirty="0"/>
+              <a:t>사용한다</a:t>
+            </a:r>
+            <a:r>
+              <a:rPr lang="en-US" altLang="ko-KR" sz="1600" dirty="0"/>
+              <a:t>.</a:t>
+            </a:r>
+          </a:p>
+          <a:p>
+            <a:pPr marL="285750" indent="-285750" fontAlgn="base">
+              <a:buFontTx/>
+              <a:buChar char="-"/>
+            </a:pPr>
+            <a:endParaRPr lang="en-US" altLang="ko-KR" dirty="0"/>
+          </a:p>
+        </p:txBody>
+      </p:sp>
     </p:spTree>
     <p:extLst>
       <p:ext uri="{BB962C8B-B14F-4D97-AF65-F5344CB8AC3E}">
-        <p14:creationId xmlns:p14="http://schemas.microsoft.com/office/powerpoint/2010/main" val="227201468"/>
+        <p14:creationId xmlns:p14="http://schemas.microsoft.com/office/powerpoint/2010/main" val="209028630"/>
       </p:ext>
     </p:extLst>
   </p:cSld>
@@ -10487,6 +12443,36 @@
           <a:chExt cx="0" cy="0"/>
         </a:xfrm>
       </p:grpSpPr>
+      <p:pic>
+        <p:nvPicPr>
+          <p:cNvPr id="14" name="그림 13">
+            <a:extLst>
+              <a:ext uri="{FF2B5EF4-FFF2-40B4-BE49-F238E27FC236}">
+                <a16:creationId xmlns:a16="http://schemas.microsoft.com/office/drawing/2014/main" id="{68515297-A36E-40A7-9476-703EBCAC75DD}"/>
+              </a:ext>
+            </a:extLst>
+          </p:cNvPr>
+          <p:cNvPicPr>
+            <a:picLocks noChangeAspect="1"/>
+          </p:cNvPicPr>
+          <p:nvPr/>
+        </p:nvPicPr>
+        <p:blipFill>
+          <a:blip r:embed="rId2"/>
+          <a:stretch>
+            <a:fillRect/>
+          </a:stretch>
+        </p:blipFill>
+        <p:spPr>
+          <a:xfrm>
+            <a:off x="5099573" y="5727359"/>
+            <a:ext cx="6913929" cy="915752"/>
+          </a:xfrm>
+          <a:prstGeom prst="rect">
+            <a:avLst/>
+          </a:prstGeom>
+        </p:spPr>
+      </p:pic>
       <p:sp>
         <p:nvSpPr>
           <p:cNvPr id="8" name="직사각형 7">
@@ -10583,10 +12569,10 @@
       </p:sp>
       <p:sp>
         <p:nvSpPr>
-          <p:cNvPr id="9" name="TextBox 8">
-            <a:extLst>
-              <a:ext uri="{FF2B5EF4-FFF2-40B4-BE49-F238E27FC236}">
-                <a16:creationId xmlns:a16="http://schemas.microsoft.com/office/drawing/2014/main" id="{19B6216F-12C7-418D-A944-6484C1992BBE}"/>
+          <p:cNvPr id="55" name="TextBox 54">
+            <a:extLst>
+              <a:ext uri="{FF2B5EF4-FFF2-40B4-BE49-F238E27FC236}">
+                <a16:creationId xmlns:a16="http://schemas.microsoft.com/office/drawing/2014/main" id="{CBBBF288-44D8-4FF6-993A-6C8D9DC5BA53}"/>
               </a:ext>
             </a:extLst>
           </p:cNvPr>
@@ -10611,34 +12597,462 @@
           <a:p>
             <a:r>
               <a:rPr lang="en-US" altLang="ko-KR" sz="2400" dirty="0"/>
-              <a:t>Dataset</a:t>
-            </a:r>
-            <a:r>
-              <a:rPr lang="ko-KR" altLang="en-US" sz="2400" dirty="0"/>
+              <a:t>Model – Vision-Contextual Causal (VCC)</a:t>
+            </a:r>
+            <a:endParaRPr lang="ko-KR" altLang="en-US" sz="2400" dirty="0"/>
+          </a:p>
+        </p:txBody>
+      </p:sp>
+      <p:sp>
+        <p:nvSpPr>
+          <p:cNvPr id="3" name="TextBox 2">
+            <a:extLst>
+              <a:ext uri="{FF2B5EF4-FFF2-40B4-BE49-F238E27FC236}">
+                <a16:creationId xmlns:a16="http://schemas.microsoft.com/office/drawing/2014/main" id="{2C5B06A3-6BDD-43AF-B788-0416C5CEABA2}"/>
+              </a:ext>
+            </a:extLst>
+          </p:cNvPr>
+          <p:cNvSpPr txBox="1"/>
+          <p:nvPr/>
+        </p:nvSpPr>
+        <p:spPr>
+          <a:xfrm>
+            <a:off x="231340" y="1028343"/>
+            <a:ext cx="9917438" cy="5954002"/>
+          </a:xfrm>
+          <a:prstGeom prst="rect">
+            <a:avLst/>
+          </a:prstGeom>
+          <a:noFill/>
+        </p:spPr>
+        <p:txBody>
+          <a:bodyPr wrap="square" rtlCol="0">
+            <a:spAutoFit/>
+          </a:bodyPr>
+          <a:lstStyle/>
+          <a:p>
+            <a:pPr fontAlgn="base">
+              <a:lnSpc>
+                <a:spcPct val="150000"/>
+              </a:lnSpc>
+            </a:pPr>
+            <a:r>
+              <a:rPr lang="en-US" altLang="ko-KR" sz="1600" dirty="0"/>
+              <a:t>3. Cross Attention module </a:t>
+            </a:r>
+          </a:p>
+          <a:p>
+            <a:pPr fontAlgn="base">
+              <a:lnSpc>
+                <a:spcPct val="150000"/>
+              </a:lnSpc>
+            </a:pPr>
+            <a:r>
+              <a:rPr lang="en-US" altLang="ko-KR" sz="1600" dirty="0"/>
+              <a:t>Context </a:t>
+            </a:r>
+            <a:r>
+              <a:rPr lang="ko-KR" altLang="en-US" sz="1600" dirty="0"/>
+              <a:t>개체를 사용하여 </a:t>
+            </a:r>
+            <a:r>
+              <a:rPr lang="en-US" altLang="ko-KR" sz="1600" dirty="0"/>
+              <a:t>event</a:t>
+            </a:r>
+            <a:r>
+              <a:rPr lang="ko-KR" altLang="en-US" sz="1600" dirty="0"/>
+              <a:t>에서 중요한 정보 토큰을 선택하여 노이즈의 영한을 최소화한다</a:t>
+            </a:r>
+            <a:r>
+              <a:rPr lang="en-US" altLang="ko-KR" sz="1600" dirty="0"/>
+              <a:t>.</a:t>
+            </a:r>
+          </a:p>
+          <a:p>
+            <a:pPr marL="108000" fontAlgn="base">
+              <a:lnSpc>
+                <a:spcPct val="150000"/>
+              </a:lnSpc>
+            </a:pPr>
+            <a:endParaRPr lang="en-US" altLang="ko-KR" sz="1600" dirty="0"/>
+          </a:p>
+          <a:p>
+            <a:pPr marL="294300" indent="-285750" algn="just" fontAlgn="base">
+              <a:lnSpc>
+                <a:spcPct val="150000"/>
+              </a:lnSpc>
+              <a:buFont typeface="Arial" panose="020B0604020202020204" pitchFamily="34" charset="0"/>
+              <a:buChar char="•"/>
+            </a:pPr>
+            <a:r>
+              <a:rPr lang="en-US" altLang="ko-KR" sz="1600" dirty="0"/>
+              <a:t>Context Representation : Object</a:t>
+            </a:r>
+            <a:r>
+              <a:rPr lang="ko-KR" altLang="en-US" sz="1600" dirty="0"/>
+              <a:t>의 </a:t>
+            </a:r>
+            <a:r>
+              <a:rPr lang="en-US" altLang="ko-KR" sz="1600" dirty="0"/>
+              <a:t>event</a:t>
+            </a:r>
+            <a:r>
+              <a:rPr lang="ko-KR" altLang="en-US" sz="1600" dirty="0"/>
+              <a:t>에서 중요도 계산</a:t>
+            </a:r>
+            <a:endParaRPr lang="en-US" altLang="ko-KR" sz="1600" dirty="0"/>
+          </a:p>
+          <a:p>
+            <a:pPr marL="294300" indent="-285750" algn="just" fontAlgn="base">
+              <a:lnSpc>
+                <a:spcPct val="150000"/>
+              </a:lnSpc>
+              <a:buFontTx/>
+              <a:buChar char="-"/>
+            </a:pPr>
+            <a:r>
+              <a:rPr lang="en-US" altLang="ko-KR" sz="1600" dirty="0"/>
+              <a:t>~w : </a:t>
+            </a:r>
+            <a:r>
+              <a:rPr lang="ko-KR" altLang="en-US" sz="1600" dirty="0"/>
+              <a:t>이벤트 </a:t>
+            </a:r>
+            <a:r>
+              <a:rPr lang="en-US" altLang="ko-KR" sz="1600" dirty="0"/>
+              <a:t>e</a:t>
+            </a:r>
+            <a:r>
+              <a:rPr lang="ko-KR" altLang="en-US" sz="1600" dirty="0"/>
+              <a:t>에 대해 모든 토큰의 평균을 취하고 결과 평균 벡터</a:t>
+            </a:r>
+            <a:r>
+              <a:rPr lang="en-US" altLang="ko-KR" sz="1600" dirty="0"/>
+              <a:t>.</a:t>
+            </a:r>
+          </a:p>
+          <a:p>
+            <a:pPr marL="294300" indent="-285750" algn="just" fontAlgn="base">
+              <a:lnSpc>
+                <a:spcPct val="150000"/>
+              </a:lnSpc>
+              <a:buFontTx/>
+              <a:buChar char="-"/>
+            </a:pPr>
+            <a:r>
+              <a:rPr lang="en-US" altLang="ko-KR" sz="1600" dirty="0"/>
+              <a:t>O : </a:t>
+            </a:r>
+            <a:r>
+              <a:rPr lang="ko-KR" altLang="en-US" sz="1600" dirty="0"/>
+              <a:t>선택된 모든 객체의 벡터 표현 세트</a:t>
+            </a:r>
+            <a:r>
+              <a:rPr lang="en-US" altLang="ko-KR" sz="1600" dirty="0"/>
+              <a:t>. </a:t>
+            </a:r>
+          </a:p>
+          <a:p>
+            <a:pPr marL="294300" indent="-285750" algn="just" fontAlgn="base">
+              <a:lnSpc>
+                <a:spcPct val="150000"/>
+              </a:lnSpc>
+              <a:buFontTx/>
+              <a:buChar char="-"/>
+            </a:pPr>
+            <a:r>
+              <a:rPr lang="en-US" altLang="ko-KR" sz="1600" dirty="0"/>
+              <a:t>a : o</a:t>
+            </a:r>
+            <a:r>
+              <a:rPr lang="ko-KR" altLang="en-US" sz="1600" dirty="0"/>
+              <a:t>＇에 대한 </a:t>
+            </a:r>
+            <a:r>
+              <a:rPr lang="en-US" altLang="ko-KR" sz="1600" dirty="0"/>
+              <a:t>attention </a:t>
+            </a:r>
+            <a:r>
+              <a:rPr lang="ko-KR" altLang="en-US" sz="1600" dirty="0"/>
+              <a:t>가중치</a:t>
+            </a:r>
+            <a:r>
+              <a:rPr lang="en-US" altLang="ko-KR" sz="1600" dirty="0"/>
+              <a:t>.</a:t>
+            </a:r>
+          </a:p>
+          <a:p>
+            <a:pPr marL="294300" indent="-285750" algn="just" fontAlgn="base">
+              <a:lnSpc>
+                <a:spcPct val="150000"/>
+              </a:lnSpc>
+              <a:buFontTx/>
+              <a:buChar char="-"/>
+            </a:pPr>
+            <a:r>
+              <a:rPr lang="en-US" altLang="ko-KR" sz="1600" dirty="0"/>
+              <a:t>attention </a:t>
+            </a:r>
+            <a:r>
+              <a:rPr lang="ko-KR" altLang="en-US" sz="1600" dirty="0"/>
+              <a:t>가중치 </a:t>
+            </a:r>
+            <a:r>
+              <a:rPr lang="en-US" altLang="ko-KR" sz="1600" dirty="0"/>
+              <a:t>: NN</a:t>
+            </a:r>
+            <a:r>
+              <a:rPr lang="ko-KR" altLang="en-US" sz="1600" dirty="0"/>
+              <a:t>은 표준 </a:t>
+            </a:r>
+            <a:r>
+              <a:rPr lang="en-US" altLang="ko-KR" sz="1600" dirty="0"/>
+              <a:t>2</a:t>
+            </a:r>
+            <a:r>
+              <a:rPr lang="ko-KR" altLang="en-US" sz="1600" dirty="0"/>
+              <a:t>계층 </a:t>
+            </a:r>
+            <a:r>
+              <a:rPr lang="en-US" altLang="ko-KR" sz="1600" dirty="0"/>
+              <a:t>feed forward </a:t>
+            </a:r>
+            <a:r>
+              <a:rPr lang="ko-KR" altLang="en-US" sz="1600" dirty="0"/>
+              <a:t>신경망 계층이고 </a:t>
+            </a:r>
+            <a:r>
+              <a:rPr lang="en-US" altLang="ko-KR" sz="1600" dirty="0"/>
+              <a:t>[,]</a:t>
+            </a:r>
+            <a:r>
+              <a:rPr lang="ko-KR" altLang="en-US" sz="1600" dirty="0"/>
+              <a:t>는 연결</a:t>
+            </a:r>
+            <a:endParaRPr lang="en-US" altLang="ko-KR" sz="1600" dirty="0"/>
+          </a:p>
+          <a:p>
+            <a:pPr indent="-277200" algn="just" fontAlgn="base">
+              <a:lnSpc>
+                <a:spcPct val="150000"/>
+              </a:lnSpc>
+            </a:pPr>
+            <a:endParaRPr lang="en-US" altLang="ko-KR" sz="1600" dirty="0"/>
+          </a:p>
+          <a:p>
+            <a:pPr marL="294300" indent="-285750" algn="just" fontAlgn="base">
+              <a:lnSpc>
+                <a:spcPct val="150000"/>
+              </a:lnSpc>
+              <a:buFont typeface="Arial" panose="020B0604020202020204" pitchFamily="34" charset="0"/>
+              <a:buChar char="•"/>
+            </a:pPr>
+            <a:r>
+              <a:rPr lang="en-US" altLang="ko-KR" sz="1600" dirty="0"/>
+              <a:t>Event Representation : Event token</a:t>
+            </a:r>
+            <a:r>
+              <a:rPr lang="ko-KR" altLang="en-US" sz="1600" dirty="0"/>
+              <a:t>의 </a:t>
+            </a:r>
+            <a:r>
+              <a:rPr lang="en-US" altLang="ko-KR" sz="1600" dirty="0"/>
+              <a:t>object</a:t>
+            </a:r>
+            <a:r>
+              <a:rPr lang="ko-KR" altLang="en-US" sz="1600" dirty="0"/>
+              <a:t>에서 중요도</a:t>
+            </a:r>
+            <a:r>
+              <a:rPr lang="en-US" altLang="ko-KR" sz="1600" dirty="0"/>
               <a:t> </a:t>
             </a:r>
             <a:r>
-              <a:rPr lang="en-US" altLang="ko-KR" sz="2400" dirty="0"/>
-              <a:t>–</a:t>
-            </a:r>
-            <a:r>
-              <a:rPr lang="ko-KR" altLang="en-US" sz="2400" dirty="0"/>
-              <a:t> </a:t>
-            </a:r>
-            <a:r>
-              <a:rPr lang="en-US" altLang="ko-KR" sz="2400" dirty="0"/>
-              <a:t>Vis-Causal analysis </a:t>
-            </a:r>
-            <a:endParaRPr lang="ko-KR" altLang="en-US" sz="2400" dirty="0"/>
+              <a:rPr lang="ko-KR" altLang="en-US" sz="1600" dirty="0"/>
+              <a:t>계산</a:t>
+            </a:r>
+            <a:endParaRPr lang="en-US" altLang="ko-KR" sz="1600" dirty="0"/>
+          </a:p>
+          <a:p>
+            <a:pPr marL="294300" indent="-285750" algn="just" fontAlgn="base">
+              <a:lnSpc>
+                <a:spcPct val="150000"/>
+              </a:lnSpc>
+              <a:buFontTx/>
+              <a:buChar char="-"/>
+            </a:pPr>
+            <a:r>
+              <a:rPr lang="en-US" altLang="ko-KR" sz="1600" dirty="0"/>
+              <a:t>b: w</a:t>
+            </a:r>
+            <a:r>
+              <a:rPr lang="ko-KR" altLang="en-US" sz="1600" dirty="0"/>
+              <a:t>’에 대한 </a:t>
+            </a:r>
+            <a:r>
+              <a:rPr lang="en-US" altLang="ko-KR" sz="1600" dirty="0"/>
+              <a:t>o</a:t>
+            </a:r>
+            <a:r>
+              <a:rPr lang="ko-KR" altLang="en-US" sz="1600" dirty="0"/>
+              <a:t>의 </a:t>
+            </a:r>
+            <a:r>
+              <a:rPr lang="en-US" altLang="ko-KR" sz="1600" dirty="0"/>
+              <a:t>attention </a:t>
+            </a:r>
+            <a:r>
+              <a:rPr lang="ko-KR" altLang="en-US" sz="1600" dirty="0"/>
+              <a:t>가중치</a:t>
+            </a:r>
+            <a:endParaRPr lang="en-US" altLang="ko-KR" sz="1600" dirty="0"/>
+          </a:p>
+          <a:p>
+            <a:pPr marL="294300" indent="-285750" algn="just" fontAlgn="base">
+              <a:lnSpc>
+                <a:spcPct val="150000"/>
+              </a:lnSpc>
+              <a:buFontTx/>
+              <a:buChar char="-"/>
+            </a:pPr>
+            <a:endParaRPr lang="en-US" altLang="ko-KR" sz="1600" dirty="0"/>
+          </a:p>
+          <a:p>
+            <a:pPr indent="-277200" algn="just" fontAlgn="base">
+              <a:lnSpc>
+                <a:spcPct val="150000"/>
+              </a:lnSpc>
+            </a:pPr>
+            <a:endParaRPr lang="en-US" altLang="ko-KR" sz="1600" dirty="0"/>
+          </a:p>
+          <a:p>
+            <a:pPr marL="294300" indent="-285750" algn="just" fontAlgn="base">
+              <a:lnSpc>
+                <a:spcPct val="150000"/>
+              </a:lnSpc>
+              <a:buFont typeface="Arial" panose="020B0604020202020204" pitchFamily="34" charset="0"/>
+              <a:buChar char="•"/>
+            </a:pPr>
+            <a:r>
+              <a:rPr lang="en-US" altLang="ko-KR" sz="1600" dirty="0"/>
+              <a:t>Causality prediction</a:t>
+            </a:r>
+          </a:p>
+          <a:p>
+            <a:pPr marL="8550" indent="-285750" algn="just" fontAlgn="base">
+              <a:lnSpc>
+                <a:spcPct val="150000"/>
+              </a:lnSpc>
+              <a:buFontTx/>
+              <a:buChar char="-"/>
+            </a:pPr>
+            <a:r>
+              <a:rPr lang="en-US" altLang="ko-KR" sz="1600" dirty="0"/>
+              <a:t>e1,e2</a:t>
+            </a:r>
+            <a:r>
+              <a:rPr lang="ko-KR" altLang="en-US" sz="1600" dirty="0"/>
+              <a:t>의 인과관계 확률 계산</a:t>
+            </a:r>
+            <a:endParaRPr lang="en-US" altLang="ko-KR" sz="1600" dirty="0"/>
+          </a:p>
+          <a:p>
+            <a:pPr algn="just" fontAlgn="base">
+              <a:lnSpc>
+                <a:spcPct val="150000"/>
+              </a:lnSpc>
+            </a:pPr>
+            <a:endParaRPr lang="en-US" altLang="ko-KR" sz="1600" dirty="0"/>
           </a:p>
         </p:txBody>
       </p:sp>
+      <p:grpSp>
+        <p:nvGrpSpPr>
+          <p:cNvPr id="15" name="그룹 14">
+            <a:extLst>
+              <a:ext uri="{FF2B5EF4-FFF2-40B4-BE49-F238E27FC236}">
+                <a16:creationId xmlns:a16="http://schemas.microsoft.com/office/drawing/2014/main" id="{E5D15F53-9AE2-4E02-8BF4-491924469DC9}"/>
+              </a:ext>
+            </a:extLst>
+          </p:cNvPr>
+          <p:cNvGrpSpPr/>
+          <p:nvPr/>
+        </p:nvGrpSpPr>
+        <p:grpSpPr>
+          <a:xfrm>
+            <a:off x="8563187" y="1582341"/>
+            <a:ext cx="3233638" cy="1753276"/>
+            <a:chOff x="9278796" y="1970437"/>
+            <a:chExt cx="2454234" cy="1343892"/>
+          </a:xfrm>
+        </p:grpSpPr>
+        <p:pic>
+          <p:nvPicPr>
+            <p:cNvPr id="6" name="그림 5">
+              <a:extLst>
+                <a:ext uri="{FF2B5EF4-FFF2-40B4-BE49-F238E27FC236}">
+                  <a16:creationId xmlns:a16="http://schemas.microsoft.com/office/drawing/2014/main" id="{DB03E36E-0296-474D-9847-EAEDEBACEB49}"/>
+                </a:ext>
+              </a:extLst>
+            </p:cNvPr>
+            <p:cNvPicPr>
+              <a:picLocks noChangeAspect="1"/>
+            </p:cNvPicPr>
+            <p:nvPr/>
+          </p:nvPicPr>
+          <p:blipFill>
+            <a:blip r:embed="rId3"/>
+            <a:stretch>
+              <a:fillRect/>
+            </a:stretch>
+          </p:blipFill>
+          <p:spPr>
+            <a:xfrm>
+              <a:off x="9278796" y="1970437"/>
+              <a:ext cx="2454234" cy="780298"/>
+            </a:xfrm>
+            <a:prstGeom prst="rect">
+              <a:avLst/>
+            </a:prstGeom>
+          </p:spPr>
+        </p:pic>
+        <p:pic>
+          <p:nvPicPr>
+            <p:cNvPr id="12" name="그림 11">
+              <a:extLst>
+                <a:ext uri="{FF2B5EF4-FFF2-40B4-BE49-F238E27FC236}">
+                  <a16:creationId xmlns:a16="http://schemas.microsoft.com/office/drawing/2014/main" id="{AA58826F-26A6-4A4E-B6CB-443F5A92E1FE}"/>
+                </a:ext>
+              </a:extLst>
+            </p:cNvPr>
+            <p:cNvPicPr>
+              <a:picLocks noChangeAspect="1"/>
+            </p:cNvPicPr>
+            <p:nvPr/>
+          </p:nvPicPr>
+          <p:blipFill>
+            <a:blip r:embed="rId4"/>
+            <a:stretch>
+              <a:fillRect/>
+            </a:stretch>
+          </p:blipFill>
+          <p:spPr>
+            <a:xfrm>
+              <a:off x="9278796" y="2712674"/>
+              <a:ext cx="2454234" cy="601655"/>
+            </a:xfrm>
+            <a:prstGeom prst="rect">
+              <a:avLst/>
+            </a:prstGeom>
+          </p:spPr>
+        </p:pic>
+      </p:grpSp>
       <p:pic>
         <p:nvPicPr>
-          <p:cNvPr id="6" name="Picture 5">
-            <a:extLst>
-              <a:ext uri="{FF2B5EF4-FFF2-40B4-BE49-F238E27FC236}">
-                <a16:creationId xmlns:a16="http://schemas.microsoft.com/office/drawing/2014/main" id="{3BB0137C-1E5A-41A6-BE2E-2BDB9FFDE2C8}"/>
+          <p:cNvPr id="13" name="그림 12">
+            <a:extLst>
+              <a:ext uri="{FF2B5EF4-FFF2-40B4-BE49-F238E27FC236}">
+                <a16:creationId xmlns:a16="http://schemas.microsoft.com/office/drawing/2014/main" id="{DA076754-251B-4544-8FB2-778DE75B659F}"/>
               </a:ext>
             </a:extLst>
           </p:cNvPr>
@@ -10647,33 +13061,25 @@
           </p:cNvPicPr>
           <p:nvPr/>
         </p:nvPicPr>
-        <p:blipFill>
-          <a:blip r:embed="rId2">
-            <a:extLst/>
-          </a:blip>
-          <a:stretch>
-            <a:fillRect/>
-          </a:stretch>
+        <p:blipFill rotWithShape="1">
+          <a:blip r:embed="rId5"/>
+          <a:srcRect r="6135"/>
+          <a:stretch/>
         </p:blipFill>
         <p:spPr>
           <a:xfrm>
-            <a:off x="499533" y="941160"/>
-            <a:ext cx="10893523" cy="5803901"/>
+            <a:off x="8023262" y="3538230"/>
+            <a:ext cx="3990240" cy="1542295"/>
           </a:xfrm>
           <a:prstGeom prst="rect">
             <a:avLst/>
           </a:prstGeom>
-          <a:noFill/>
-          <a:ln>
-            <a:noFill/>
-          </a:ln>
-          <a:effectLst/>
         </p:spPr>
       </p:pic>
     </p:spTree>
     <p:extLst>
       <p:ext uri="{BB962C8B-B14F-4D97-AF65-F5344CB8AC3E}">
-        <p14:creationId xmlns:p14="http://schemas.microsoft.com/office/powerpoint/2010/main" val="2529998378"/>
+        <p14:creationId xmlns:p14="http://schemas.microsoft.com/office/powerpoint/2010/main" val="588024653"/>
       </p:ext>
     </p:extLst>
   </p:cSld>

--- a/3주차.pptx
+++ b/3주차.pptx
@@ -5952,8 +5952,8 @@
         </p:nvSpPr>
         <p:spPr>
           <a:xfrm>
-            <a:off x="231339" y="1211445"/>
-            <a:ext cx="10411853" cy="4846007"/>
+            <a:off x="231340" y="1211445"/>
+            <a:ext cx="6772776" cy="5215338"/>
           </a:xfrm>
           <a:prstGeom prst="rect">
             <a:avLst/>
@@ -6023,6 +6023,14 @@
             </a:pPr>
             <a:r>
               <a:rPr lang="ko-KR" altLang="en-US" sz="1600" dirty="0"/>
+              <a:t>비디오 종류 별로 </a:t>
+            </a:r>
+            <a:r>
+              <a:rPr lang="en-US" altLang="ko-KR" sz="1600" dirty="0"/>
+              <a:t>k</a:t>
+            </a:r>
+            <a:r>
+              <a:rPr lang="ko-KR" altLang="en-US" sz="1600" dirty="0"/>
               <a:t>순위 안에 </a:t>
             </a:r>
             <a:r>
@@ -6031,11 +6039,78 @@
             </a:r>
             <a:r>
               <a:rPr lang="ko-KR" altLang="en-US" sz="1600" dirty="0"/>
-              <a:t>가 포함된 비율을 계산하고 비디오 종류 별로 평균 값 도출</a:t>
-            </a:r>
-            <a:r>
-              <a:rPr lang="en-US" altLang="ko-KR" sz="1600" dirty="0"/>
-              <a:t>.</a:t>
+              <a:t>가 포함된 비율을 계산</a:t>
+            </a:r>
+            <a:r>
+              <a:rPr lang="en-US" altLang="ko-KR" sz="1600" dirty="0"/>
+              <a:t>. </a:t>
+            </a:r>
+          </a:p>
+          <a:p>
+            <a:pPr fontAlgn="base">
+              <a:lnSpc>
+                <a:spcPct val="150000"/>
+              </a:lnSpc>
+            </a:pPr>
+            <a:r>
+              <a:rPr lang="en-US" altLang="ko-KR" sz="1600" dirty="0"/>
+              <a:t>( (</a:t>
+            </a:r>
+            <a:r>
+              <a:rPr lang="ko-KR" altLang="en-US" sz="1600" dirty="0"/>
+              <a:t>∑ </a:t>
+            </a:r>
+            <a:r>
+              <a:rPr lang="en-US" altLang="ko-KR" sz="1600" dirty="0"/>
+              <a:t>k </a:t>
+            </a:r>
+            <a:r>
+              <a:rPr lang="ko-KR" altLang="en-US" sz="1600" dirty="0"/>
+              <a:t>순위안에</a:t>
+            </a:r>
+            <a:r>
+              <a:rPr lang="en-US" altLang="ko-KR" sz="1600" dirty="0"/>
+              <a:t> </a:t>
+            </a:r>
+            <a:r>
+              <a:rPr lang="ko-KR" altLang="en-US" sz="1600" dirty="0"/>
+              <a:t>정답 예측 개수</a:t>
+            </a:r>
+            <a:r>
+              <a:rPr lang="en-US" altLang="ko-KR" sz="1600" dirty="0"/>
+              <a:t>)</a:t>
+            </a:r>
+            <a:r>
+              <a:rPr lang="ko-KR" altLang="en-US" sz="1600" dirty="0"/>
+              <a:t> </a:t>
+            </a:r>
+            <a:r>
+              <a:rPr lang="en-US" altLang="ko-KR" sz="1600" dirty="0"/>
+              <a:t>/ </a:t>
+            </a:r>
+            <a:r>
+              <a:rPr lang="ko-KR" altLang="en-US" sz="1600" dirty="0"/>
+              <a:t>비디오 안에 총 </a:t>
+            </a:r>
+            <a:r>
+              <a:rPr lang="en-US" altLang="ko-KR" sz="1600" dirty="0" err="1"/>
+              <a:t>gt</a:t>
+            </a:r>
+            <a:r>
+              <a:rPr lang="ko-KR" altLang="en-US" sz="1600" dirty="0"/>
+              <a:t>개수</a:t>
+            </a:r>
+            <a:r>
+              <a:rPr lang="en-US" altLang="ko-KR" sz="1600" dirty="0"/>
+              <a:t>, </a:t>
+            </a:r>
+            <a:r>
+              <a:rPr lang="en-US" altLang="ko-KR" sz="1600" dirty="0" err="1"/>
+              <a:t>R@k</a:t>
+            </a:r>
+            <a:r>
+              <a:rPr lang="en-US" altLang="ko-KR" sz="1600" dirty="0"/>
+              <a:t>)</a:t>
             </a:r>
           </a:p>
           <a:p>
@@ -6239,7 +6314,7 @@
         </p:blipFill>
         <p:spPr>
           <a:xfrm>
-            <a:off x="7212505" y="2506978"/>
+            <a:off x="7212504" y="1470631"/>
             <a:ext cx="4748156" cy="3245237"/>
           </a:xfrm>
           <a:prstGeom prst="rect">
@@ -6452,7 +6527,7 @@
         <p:spPr>
           <a:xfrm>
             <a:off x="479232" y="5075087"/>
-            <a:ext cx="9941442" cy="1200329"/>
+            <a:ext cx="9941442" cy="923330"/>
           </a:xfrm>
           <a:prstGeom prst="rect">
             <a:avLst/>
@@ -6464,41 +6539,6 @@
             <a:spAutoFit/>
           </a:bodyPr>
           <a:lstStyle/>
-          <a:p>
-            <a:pPr marL="285750" indent="-285750" fontAlgn="base">
-              <a:buFontTx/>
-              <a:buChar char="-"/>
-            </a:pPr>
-            <a:r>
-              <a:rPr lang="en-US" altLang="ko-KR" dirty="0" err="1"/>
-              <a:t>R@n</a:t>
-            </a:r>
-            <a:r>
-              <a:rPr lang="en-US" altLang="ko-KR" dirty="0"/>
-              <a:t> : </a:t>
-            </a:r>
-            <a:r>
-              <a:rPr lang="ko-KR" altLang="en-US" dirty="0"/>
-              <a:t>정답 문장이 </a:t>
-            </a:r>
-            <a:r>
-              <a:rPr lang="en-US" altLang="ko-KR" dirty="0"/>
-              <a:t>model</a:t>
-            </a:r>
-            <a:r>
-              <a:rPr lang="ko-KR" altLang="en-US" dirty="0"/>
-              <a:t>의 순위에서 </a:t>
-            </a:r>
-            <a:r>
-              <a:rPr lang="en-US" altLang="ko-KR" dirty="0"/>
-              <a:t>n</a:t>
-            </a:r>
-            <a:r>
-              <a:rPr lang="ko-KR" altLang="en-US" dirty="0"/>
-              <a:t>번째 순위에 들어있는 비율 </a:t>
-            </a:r>
-            <a:endParaRPr lang="en-US" altLang="ko-KR" dirty="0"/>
-          </a:p>
           <a:p>
             <a:pPr marL="285750" indent="-285750" fontAlgn="base">
               <a:buFontTx/>
@@ -6726,7 +6766,7 @@
         <p:spPr>
           <a:xfrm>
             <a:off x="231339" y="1043645"/>
-            <a:ext cx="10411853" cy="2031325"/>
+            <a:ext cx="10411853" cy="2260683"/>
           </a:xfrm>
           <a:prstGeom prst="rect">
             <a:avLst/>
@@ -6740,101 +6780,113 @@
           <a:lstStyle/>
           <a:p>
             <a:pPr marL="285750" indent="-285750" fontAlgn="base">
+              <a:lnSpc>
+                <a:spcPct val="150000"/>
+              </a:lnSpc>
               <a:buFont typeface="Arial" panose="020B0604020202020204" pitchFamily="34" charset="0"/>
               <a:buChar char="•"/>
             </a:pPr>
             <a:r>
-              <a:rPr lang="ko-KR" altLang="en-US" dirty="0"/>
+              <a:rPr lang="ko-KR" altLang="en-US" sz="1600" dirty="0"/>
               <a:t>시간에 따른 이미지로부터 인과관계 지식을 학습할 가능성을 탐구한다</a:t>
             </a:r>
             <a:r>
-              <a:rPr lang="en-US" altLang="ko-KR" dirty="0"/>
+              <a:rPr lang="en-US" altLang="ko-KR" sz="1600" dirty="0"/>
               <a:t>. </a:t>
             </a:r>
           </a:p>
           <a:p>
             <a:pPr marL="285750" indent="-285750" fontAlgn="base">
+              <a:lnSpc>
+                <a:spcPct val="150000"/>
+              </a:lnSpc>
               <a:buFont typeface="Arial" panose="020B0604020202020204" pitchFamily="34" charset="0"/>
               <a:buChar char="•"/>
             </a:pPr>
             <a:r>
-              <a:rPr lang="ko-KR" altLang="en-US" dirty="0"/>
-              <a:t>이를 위해 먼저 작업을 공식적으로 정의한 다음 두 가지 설정에서 </a:t>
-            </a:r>
-            <a:r>
-              <a:rPr lang="en-US" altLang="ko-KR" dirty="0"/>
+              <a:rPr lang="ko-KR" altLang="en-US" sz="1600" dirty="0"/>
+              <a:t>두 가지 설정에서 </a:t>
+            </a:r>
+            <a:r>
+              <a:rPr lang="en-US" altLang="ko-KR" sz="1600" dirty="0"/>
               <a:t>4,000</a:t>
             </a:r>
             <a:r>
-              <a:rPr lang="ko-KR" altLang="en-US" dirty="0"/>
+              <a:rPr lang="ko-KR" altLang="en-US" sz="1600" dirty="0"/>
               <a:t>개의 이미지 쌍</a:t>
             </a:r>
             <a:r>
-              <a:rPr lang="en-US" altLang="ko-KR" dirty="0"/>
+              <a:rPr lang="en-US" altLang="ko-KR" sz="1600" dirty="0"/>
               <a:t>, 23,558</a:t>
             </a:r>
             <a:r>
-              <a:rPr lang="ko-KR" altLang="en-US" dirty="0"/>
-              <a:t>개의 이벤트 쌍 및 인과 관계 주석을 포함하는 고품질 데이터 세트 </a:t>
-            </a:r>
-            <a:r>
-              <a:rPr lang="en-US" altLang="ko-KR" dirty="0"/>
+              <a:rPr lang="ko-KR" altLang="en-US" sz="1600" dirty="0"/>
+              <a:t>개의 이벤트 쌍 및 인과 관계 주석을 포함하는 데이터 세트 </a:t>
+            </a:r>
+            <a:r>
+              <a:rPr lang="en-US" altLang="ko-KR" sz="1600" dirty="0"/>
               <a:t>Vis-Causal</a:t>
             </a:r>
             <a:r>
-              <a:rPr lang="ko-KR" altLang="en-US" dirty="0"/>
+              <a:rPr lang="ko-KR" altLang="en-US" sz="1600" dirty="0"/>
               <a:t>을 생성합니다</a:t>
             </a:r>
             <a:r>
-              <a:rPr lang="en-US" altLang="ko-KR" dirty="0"/>
+              <a:rPr lang="en-US" altLang="ko-KR" sz="1600" dirty="0"/>
               <a:t>.</a:t>
             </a:r>
-            <a:endParaRPr lang="ko-KR" altLang="en-US" dirty="0"/>
+            <a:endParaRPr lang="ko-KR" altLang="en-US" sz="1600" dirty="0"/>
           </a:p>
           <a:p>
             <a:pPr marL="285750" indent="-285750" fontAlgn="base">
+              <a:lnSpc>
+                <a:spcPct val="150000"/>
+              </a:lnSpc>
               <a:buFont typeface="Arial" panose="020B0604020202020204" pitchFamily="34" charset="0"/>
               <a:buChar char="•"/>
             </a:pPr>
             <a:r>
-              <a:rPr lang="ko-KR" altLang="en-US" dirty="0"/>
+              <a:rPr lang="ko-KR" altLang="en-US" sz="1600" dirty="0"/>
               <a:t>수집된 데이터 세트 외에도 </a:t>
             </a:r>
             <a:r>
-              <a:rPr lang="en-US" altLang="ko-KR" dirty="0"/>
+              <a:rPr lang="en-US" altLang="ko-KR" sz="1600" dirty="0"/>
               <a:t>VCC(Vision-Contextual Causal) </a:t>
             </a:r>
             <a:r>
-              <a:rPr lang="ko-KR" altLang="en-US" dirty="0"/>
-              <a:t>모델을 제안하여 사전 훈련된 강력한 텍스트 및 시각적 표현과 세심한 훈련을 통해 시각적 신호에서 컨텍스트 인과 관계를 직접 획득할 수 있음을 보여줍니다</a:t>
-            </a:r>
-            <a:r>
-              <a:rPr lang="en-US" altLang="ko-KR" dirty="0"/>
+              <a:rPr lang="ko-KR" altLang="en-US" sz="1600" dirty="0"/>
+              <a:t>모델을 제안하여 사전 훈련된 텍스트 및 시각적 표현과 훈련을 통해 시각적 신호에서 컨텍스트 인과 관계를 직접 획득할 수 있음을 보여줍니다</a:t>
+            </a:r>
+            <a:r>
+              <a:rPr lang="en-US" altLang="ko-KR" sz="1600" dirty="0"/>
               <a:t>. </a:t>
             </a:r>
           </a:p>
           <a:p>
             <a:pPr marL="285750" indent="-285750" fontAlgn="base">
+              <a:lnSpc>
+                <a:spcPct val="150000"/>
+              </a:lnSpc>
               <a:buFont typeface="Arial" panose="020B0604020202020204" pitchFamily="34" charset="0"/>
               <a:buChar char="•"/>
             </a:pPr>
             <a:r>
-              <a:rPr lang="ko-KR" altLang="en-US" dirty="0"/>
-              <a:t>추가 분석에 따르면 </a:t>
-            </a:r>
-            <a:r>
-              <a:rPr lang="en-US" altLang="ko-KR" dirty="0"/>
+              <a:rPr lang="ko-KR" altLang="en-US" sz="1600" dirty="0"/>
+              <a:t>분석에 따르면 </a:t>
+            </a:r>
+            <a:r>
+              <a:rPr lang="en-US" altLang="ko-KR" sz="1600" dirty="0"/>
               <a:t>VCC</a:t>
             </a:r>
             <a:r>
-              <a:rPr lang="ko-KR" altLang="en-US" dirty="0"/>
-              <a:t>가 모든 기준 방법을 능가할 수 있지만 여전히 완벽하지는 않습니다</a:t>
-            </a:r>
-            <a:r>
-              <a:rPr lang="en-US" altLang="ko-KR" dirty="0"/>
+              <a:rPr lang="ko-KR" altLang="en-US" sz="1600" dirty="0"/>
+              <a:t>가 모든 기준 방법을 능가할 수 있지만 완벽하지는 않다</a:t>
+            </a:r>
+            <a:r>
+              <a:rPr lang="en-US" altLang="ko-KR" sz="1600" dirty="0"/>
               <a:t>. </a:t>
             </a:r>
-            <a:endParaRPr lang="ko-KR" altLang="en-US" dirty="0"/>
+            <a:endParaRPr lang="ko-KR" altLang="en-US" sz="1600" dirty="0"/>
           </a:p>
         </p:txBody>
       </p:sp>
@@ -7020,16 +7072,14 @@
           <p:nvPr/>
         </p:nvPicPr>
         <p:blipFill>
-          <a:blip r:embed="rId2">
-            <a:extLst/>
-          </a:blip>
+          <a:blip r:embed="rId2"/>
           <a:stretch>
             <a:fillRect/>
           </a:stretch>
         </p:blipFill>
         <p:spPr>
           <a:xfrm>
-            <a:off x="571499" y="1195160"/>
+            <a:off x="782346" y="1126068"/>
             <a:ext cx="10428291" cy="5549901"/>
           </a:xfrm>
           <a:prstGeom prst="rect">
@@ -7228,9 +7278,7 @@
           <p:nvPr/>
         </p:nvPicPr>
         <p:blipFill>
-          <a:blip r:embed="rId2">
-            <a:extLst/>
-          </a:blip>
+          <a:blip r:embed="rId2"/>
           <a:stretch>
             <a:fillRect/>
           </a:stretch>
@@ -7441,9 +7489,7 @@
           <p:nvPr/>
         </p:nvPicPr>
         <p:blipFill>
-          <a:blip r:embed="rId2">
-            <a:extLst/>
-          </a:blip>
+          <a:blip r:embed="rId2"/>
           <a:stretch>
             <a:fillRect/>
           </a:stretch>
@@ -9750,15 +9796,7 @@
             </a:r>
             <a:r>
               <a:rPr lang="ko-KR" altLang="en-US" sz="1600" dirty="0"/>
-              <a:t>속성을 조사하기위해 선택 시에</a:t>
-            </a:r>
-            <a:r>
-              <a:rPr lang="en-US" altLang="ko-KR" sz="1600" dirty="0"/>
-              <a:t> </a:t>
-            </a:r>
-            <a:r>
-              <a:rPr lang="ko-KR" altLang="en-US" sz="1600" dirty="0"/>
-              <a:t>사진을 보여주고 선택 </a:t>
+              <a:t>속성을 조사하기위해 선택 환경을 사진을 보여주고 선택 </a:t>
             </a:r>
             <a:r>
               <a:rPr lang="en-US" altLang="ko-KR" sz="1600" dirty="0"/>

--- a/3주차.pptx
+++ b/3주차.pptx
@@ -22,8 +22,8 @@
     <p:sldId id="281" r:id="rId13"/>
     <p:sldId id="282" r:id="rId14"/>
     <p:sldId id="273" r:id="rId15"/>
-    <p:sldId id="275" r:id="rId16"/>
-    <p:sldId id="277" r:id="rId17"/>
+    <p:sldId id="277" r:id="rId16"/>
+    <p:sldId id="275" r:id="rId17"/>
   </p:sldIdLst>
   <p:sldSz cx="12192000" cy="6858000"/>
   <p:notesSz cx="6858000" cy="9144000"/>
@@ -215,7 +215,7 @@
           <a:p>
             <a:fld id="{8403E68E-9B88-4DB5-BADA-D5AB9607083E}" type="datetimeFigureOut">
               <a:rPr lang="ko-KR" altLang="en-US" smtClean="0"/>
-              <a:t>2021-07-21</a:t>
+              <a:t>2021-07-22</a:t>
             </a:fld>
             <a:endParaRPr lang="ko-KR" altLang="en-US"/>
           </a:p>
@@ -526,6 +526,38 @@
           <a:bodyPr/>
           <a:lstStyle/>
           <a:p>
+            <a:r>
+              <a:rPr lang="en-US" altLang="ko-KR" dirty="0" err="1"/>
+              <a:t>Cvpr</a:t>
+            </a:r>
+            <a:r>
+              <a:rPr lang="ko-KR" altLang="en-US" dirty="0"/>
+              <a:t> </a:t>
+            </a:r>
+            <a:r>
+              <a:rPr lang="en-US" altLang="ko-KR" dirty="0"/>
+              <a:t>workshop 2021 </a:t>
+            </a:r>
+            <a:r>
+              <a:rPr lang="en-US" altLang="ko-KR" dirty="0" err="1"/>
+              <a:t>openacess</a:t>
+            </a:r>
+            <a:r>
+              <a:rPr lang="en-US" altLang="ko-KR" dirty="0"/>
+              <a:t> , </a:t>
+            </a:r>
+            <a:r>
+              <a:rPr lang="en-US" altLang="ko-KR" dirty="0" err="1"/>
+              <a:t>ieee</a:t>
+            </a:r>
+            <a:r>
+              <a:rPr lang="en-US" altLang="ko-KR" dirty="0"/>
+              <a:t> </a:t>
+            </a:r>
+            <a:r>
+              <a:rPr lang="en-US" altLang="ko-KR" dirty="0" err="1"/>
+              <a:t>xplore</a:t>
+            </a:r>
             <a:endParaRPr lang="ko-KR" altLang="en-US" dirty="0"/>
           </a:p>
         </p:txBody>
@@ -547,7 +579,7 @@
           <a:p>
             <a:fld id="{5FAAA766-79CA-47E4-9E45-0D897C7C3898}" type="slidenum">
               <a:rPr lang="ko-KR" altLang="en-US" smtClean="0"/>
-              <a:t>7</a:t>
+              <a:t>2</a:t>
             </a:fld>
             <a:endParaRPr lang="ko-KR" altLang="en-US"/>
           </a:p>
@@ -556,7 +588,7 @@
     </p:spTree>
     <p:extLst>
       <p:ext uri="{BB962C8B-B14F-4D97-AF65-F5344CB8AC3E}">
-        <p14:creationId xmlns:p14="http://schemas.microsoft.com/office/powerpoint/2010/main" val="3682945681"/>
+        <p14:creationId xmlns:p14="http://schemas.microsoft.com/office/powerpoint/2010/main" val="1031740012"/>
       </p:ext>
     </p:extLst>
   </p:cSld>
@@ -610,524 +642,16 @@
           <a:bodyPr/>
           <a:lstStyle/>
           <a:p>
-            <a:pPr fontAlgn="base" latinLnBrk="1"/>
-            <a:r>
-              <a:rPr lang="en-US" altLang="ko-KR" sz="1200" kern="1200" dirty="0">
-                <a:solidFill>
-                  <a:schemeClr val="tx1"/>
-                </a:solidFill>
-                <a:effectLst/>
-                <a:latin typeface="+mn-lt"/>
-                <a:ea typeface="+mn-ea"/>
-                <a:cs typeface="+mn-cs"/>
-              </a:rPr>
-              <a:t>1. </a:t>
-            </a:r>
-            <a:r>
-              <a:rPr lang="ko-KR" altLang="en-US" sz="1200" kern="1200" dirty="0">
-                <a:solidFill>
-                  <a:schemeClr val="tx1"/>
-                </a:solidFill>
-                <a:effectLst/>
-                <a:latin typeface="+mn-lt"/>
-                <a:ea typeface="+mn-ea"/>
-                <a:cs typeface="+mn-cs"/>
-              </a:rPr>
-              <a:t>모든 모델은 거의 모든 설정에서 </a:t>
-            </a:r>
-            <a:r>
-              <a:rPr lang="en-US" altLang="ko-KR" sz="1200" kern="1200" dirty="0">
-                <a:solidFill>
-                  <a:schemeClr val="tx1"/>
-                </a:solidFill>
-                <a:effectLst/>
-                <a:latin typeface="+mn-lt"/>
-                <a:ea typeface="+mn-ea"/>
-                <a:cs typeface="+mn-cs"/>
-              </a:rPr>
-              <a:t>"</a:t>
-            </a:r>
-            <a:r>
-              <a:rPr lang="ko-KR" altLang="en-US" sz="1200" kern="1200" dirty="0">
-                <a:solidFill>
-                  <a:schemeClr val="tx1"/>
-                </a:solidFill>
-                <a:effectLst/>
-                <a:latin typeface="+mn-lt"/>
-                <a:ea typeface="+mn-ea"/>
-                <a:cs typeface="+mn-cs"/>
-              </a:rPr>
-              <a:t>무작위 추측</a:t>
-            </a:r>
-            <a:r>
-              <a:rPr lang="en-US" altLang="ko-KR" sz="1200" kern="1200" dirty="0">
-                <a:solidFill>
-                  <a:schemeClr val="tx1"/>
-                </a:solidFill>
-                <a:effectLst/>
-                <a:latin typeface="+mn-lt"/>
-                <a:ea typeface="+mn-ea"/>
-                <a:cs typeface="+mn-cs"/>
-              </a:rPr>
-              <a:t>" </a:t>
-            </a:r>
-            <a:r>
-              <a:rPr lang="ko-KR" altLang="en-US" sz="1200" kern="1200" dirty="0">
-                <a:solidFill>
-                  <a:schemeClr val="tx1"/>
-                </a:solidFill>
-                <a:effectLst/>
-                <a:latin typeface="+mn-lt"/>
-                <a:ea typeface="+mn-ea"/>
-                <a:cs typeface="+mn-cs"/>
-              </a:rPr>
-              <a:t>기준선을 크게 능가합니다</a:t>
-            </a:r>
-            <a:r>
-              <a:rPr lang="en-US" altLang="ko-KR" sz="1200" kern="1200" dirty="0">
-                <a:solidFill>
-                  <a:schemeClr val="tx1"/>
-                </a:solidFill>
-                <a:effectLst/>
-                <a:latin typeface="+mn-lt"/>
-                <a:ea typeface="+mn-ea"/>
-                <a:cs typeface="+mn-cs"/>
-              </a:rPr>
-              <a:t>. </a:t>
-            </a:r>
-            <a:r>
-              <a:rPr lang="ko-KR" altLang="en-US" sz="1200" kern="1200" dirty="0">
-                <a:solidFill>
-                  <a:schemeClr val="tx1"/>
-                </a:solidFill>
-                <a:effectLst/>
-                <a:latin typeface="+mn-lt"/>
-                <a:ea typeface="+mn-ea"/>
-                <a:cs typeface="+mn-cs"/>
-              </a:rPr>
-              <a:t>이는 모델이 이러한 시간 연속 이미지에서 의미 있는 인과 관계 지식을 추출하는 방법을 학습할 수 있고 시각적 신호에서 학습 인과 관계 지식이 현재 미래의 인과관계 지식을 얻기 위한 텍스트 기반 접근에 대한 좋은 보완이 될 수 있음을 보여줍니다</a:t>
-            </a:r>
-            <a:r>
-              <a:rPr lang="en-US" altLang="ko-KR" sz="1200" kern="1200" dirty="0">
-                <a:solidFill>
-                  <a:schemeClr val="tx1"/>
-                </a:solidFill>
-                <a:effectLst/>
-                <a:latin typeface="+mn-lt"/>
-                <a:ea typeface="+mn-ea"/>
-                <a:cs typeface="+mn-cs"/>
-              </a:rPr>
-              <a:t>. </a:t>
-            </a:r>
-            <a:endParaRPr lang="ko-KR" altLang="en-US" sz="1200" kern="1200" dirty="0">
-              <a:solidFill>
-                <a:schemeClr val="tx1"/>
-              </a:solidFill>
-              <a:effectLst/>
-              <a:latin typeface="+mn-lt"/>
-              <a:ea typeface="+mn-ea"/>
-              <a:cs typeface="+mn-cs"/>
-            </a:endParaRPr>
-          </a:p>
-          <a:p>
-            <a:pPr fontAlgn="base" latinLnBrk="1"/>
-            <a:r>
-              <a:rPr lang="en-US" altLang="ko-KR" sz="1200" kern="1200" dirty="0">
-                <a:solidFill>
-                  <a:schemeClr val="tx1"/>
-                </a:solidFill>
-                <a:effectLst/>
-                <a:latin typeface="+mn-lt"/>
-                <a:ea typeface="+mn-ea"/>
-                <a:cs typeface="+mn-cs"/>
-              </a:rPr>
-              <a:t>2. </a:t>
-            </a:r>
-            <a:r>
-              <a:rPr lang="ko-KR" altLang="en-US" sz="1200" kern="1200" dirty="0">
-                <a:solidFill>
-                  <a:schemeClr val="tx1"/>
-                </a:solidFill>
-                <a:effectLst/>
-                <a:latin typeface="+mn-lt"/>
-                <a:ea typeface="+mn-ea"/>
-                <a:cs typeface="+mn-cs"/>
-              </a:rPr>
-              <a:t>컨텍스트 정보의 도움으로 </a:t>
-            </a:r>
-            <a:r>
-              <a:rPr lang="en-US" altLang="ko-KR" sz="1200" kern="1200" dirty="0">
-                <a:solidFill>
-                  <a:schemeClr val="tx1"/>
-                </a:solidFill>
-                <a:effectLst/>
-                <a:latin typeface="+mn-lt"/>
-                <a:ea typeface="+mn-ea"/>
-                <a:cs typeface="+mn-cs"/>
-              </a:rPr>
-              <a:t>VCC</a:t>
-            </a:r>
-            <a:r>
-              <a:rPr lang="ko-KR" altLang="en-US" sz="1200" kern="1200" dirty="0">
-                <a:solidFill>
-                  <a:schemeClr val="tx1"/>
-                </a:solidFill>
-                <a:effectLst/>
-                <a:latin typeface="+mn-lt"/>
-                <a:ea typeface="+mn-ea"/>
-                <a:cs typeface="+mn-cs"/>
-              </a:rPr>
-              <a:t>는 대부분의 실험 설정에서 기준선 </a:t>
-            </a:r>
-            <a:r>
-              <a:rPr lang="en-US" altLang="ko-KR" sz="1200" kern="1200" dirty="0">
-                <a:solidFill>
-                  <a:schemeClr val="tx1"/>
-                </a:solidFill>
-                <a:effectLst/>
-                <a:latin typeface="+mn-lt"/>
-                <a:ea typeface="+mn-ea"/>
-                <a:cs typeface="+mn-cs"/>
-              </a:rPr>
-              <a:t>'</a:t>
-            </a:r>
-            <a:r>
-              <a:rPr lang="ko-KR" altLang="en-US" sz="1200" kern="1200" dirty="0">
-                <a:solidFill>
-                  <a:schemeClr val="tx1"/>
-                </a:solidFill>
-                <a:effectLst/>
-                <a:latin typeface="+mn-lt"/>
-                <a:ea typeface="+mn-ea"/>
-                <a:cs typeface="+mn-cs"/>
-              </a:rPr>
-              <a:t>컨텍스트 없음</a:t>
-            </a:r>
-            <a:r>
-              <a:rPr lang="en-US" altLang="ko-KR" sz="1200" kern="1200" dirty="0">
-                <a:solidFill>
-                  <a:schemeClr val="tx1"/>
-                </a:solidFill>
-                <a:effectLst/>
-                <a:latin typeface="+mn-lt"/>
-                <a:ea typeface="+mn-ea"/>
-                <a:cs typeface="+mn-cs"/>
-              </a:rPr>
-              <a:t>' </a:t>
-            </a:r>
-            <a:r>
-              <a:rPr lang="ko-KR" altLang="en-US" sz="1200" kern="1200" dirty="0">
-                <a:solidFill>
-                  <a:schemeClr val="tx1"/>
-                </a:solidFill>
-                <a:effectLst/>
-                <a:latin typeface="+mn-lt"/>
-                <a:ea typeface="+mn-ea"/>
-                <a:cs typeface="+mn-cs"/>
-              </a:rPr>
-              <a:t>모델을 능가합니다</a:t>
-            </a:r>
-            <a:r>
-              <a:rPr lang="en-US" altLang="ko-KR" sz="1200" kern="1200" dirty="0">
-                <a:solidFill>
-                  <a:schemeClr val="tx1"/>
-                </a:solidFill>
-                <a:effectLst/>
-                <a:latin typeface="+mn-lt"/>
-                <a:ea typeface="+mn-ea"/>
-                <a:cs typeface="+mn-cs"/>
-              </a:rPr>
-              <a:t>. </a:t>
-            </a:r>
-            <a:r>
-              <a:rPr lang="ko-KR" altLang="en-US" sz="1200" kern="1200" dirty="0">
-                <a:solidFill>
-                  <a:schemeClr val="tx1"/>
-                </a:solidFill>
-                <a:effectLst/>
-                <a:latin typeface="+mn-lt"/>
-                <a:ea typeface="+mn-ea"/>
-                <a:cs typeface="+mn-cs"/>
-              </a:rPr>
-              <a:t>이는 컨텍스트의 중요성을 증명하고 일부 인과 관계는 특정 컨텍스트에서만 의미가 있다는 이전 관찰과 일치합니다</a:t>
-            </a:r>
-            <a:r>
-              <a:rPr lang="en-US" altLang="ko-KR" sz="1200" kern="1200" dirty="0">
-                <a:solidFill>
-                  <a:schemeClr val="tx1"/>
-                </a:solidFill>
-                <a:effectLst/>
-                <a:latin typeface="+mn-lt"/>
-                <a:ea typeface="+mn-ea"/>
-                <a:cs typeface="+mn-cs"/>
-              </a:rPr>
-              <a:t>.</a:t>
-            </a:r>
-            <a:endParaRPr lang="ko-KR" altLang="en-US" sz="1200" kern="1200" dirty="0">
-              <a:solidFill>
-                <a:schemeClr val="tx1"/>
-              </a:solidFill>
-              <a:effectLst/>
-              <a:latin typeface="+mn-lt"/>
-              <a:ea typeface="+mn-ea"/>
-              <a:cs typeface="+mn-cs"/>
-            </a:endParaRPr>
-          </a:p>
-          <a:p>
-            <a:pPr fontAlgn="base" latinLnBrk="1"/>
-            <a:r>
-              <a:rPr lang="en-US" altLang="ko-KR" sz="1200" kern="1200" dirty="0">
-                <a:solidFill>
-                  <a:schemeClr val="tx1"/>
-                </a:solidFill>
-                <a:effectLst/>
-                <a:latin typeface="+mn-lt"/>
-                <a:ea typeface="+mn-ea"/>
-                <a:cs typeface="+mn-cs"/>
-              </a:rPr>
-              <a:t>3. </a:t>
-            </a:r>
-            <a:r>
-              <a:rPr lang="ko-KR" altLang="en-US" sz="1200" kern="1200" dirty="0">
-                <a:solidFill>
-                  <a:schemeClr val="tx1"/>
-                </a:solidFill>
-                <a:effectLst/>
-                <a:latin typeface="+mn-lt"/>
-                <a:ea typeface="+mn-ea"/>
-                <a:cs typeface="+mn-cs"/>
-              </a:rPr>
-              <a:t>제안된 </a:t>
-            </a:r>
-            <a:r>
-              <a:rPr lang="en-US" altLang="ko-KR" sz="1200" kern="1200" dirty="0">
-                <a:solidFill>
-                  <a:schemeClr val="tx1"/>
-                </a:solidFill>
-                <a:effectLst/>
-                <a:latin typeface="+mn-lt"/>
-                <a:ea typeface="+mn-ea"/>
-                <a:cs typeface="+mn-cs"/>
-              </a:rPr>
-              <a:t>VCC </a:t>
-            </a:r>
-            <a:r>
-              <a:rPr lang="ko-KR" altLang="en-US" sz="1200" kern="1200" dirty="0">
-                <a:solidFill>
-                  <a:schemeClr val="tx1"/>
-                </a:solidFill>
-                <a:effectLst/>
-                <a:latin typeface="+mn-lt"/>
-                <a:ea typeface="+mn-ea"/>
-                <a:cs typeface="+mn-cs"/>
-              </a:rPr>
-              <a:t>모델은 </a:t>
-            </a:r>
-            <a:r>
-              <a:rPr lang="en-US" altLang="ko-KR" sz="1200" kern="1200" dirty="0">
-                <a:solidFill>
-                  <a:schemeClr val="tx1"/>
-                </a:solidFill>
-                <a:effectLst/>
-                <a:latin typeface="+mn-lt"/>
-                <a:ea typeface="+mn-ea"/>
-                <a:cs typeface="+mn-cs"/>
-              </a:rPr>
-              <a:t>'No Attention' </a:t>
-            </a:r>
-            <a:r>
-              <a:rPr lang="ko-KR" altLang="en-US" sz="1200" kern="1200" dirty="0">
-                <a:solidFill>
-                  <a:schemeClr val="tx1"/>
-                </a:solidFill>
-                <a:effectLst/>
-                <a:latin typeface="+mn-lt"/>
-                <a:ea typeface="+mn-ea"/>
-                <a:cs typeface="+mn-cs"/>
-              </a:rPr>
-              <a:t>모델보다 훨씬 우수한 성능을 보여 물체 감지 모듈에 의해 도입된 노이즈의 영향과 제안된 교차 주의 모듈의 효율성을 보여줍니다</a:t>
-            </a:r>
-            <a:r>
-              <a:rPr lang="en-US" altLang="ko-KR" sz="1200" kern="1200" dirty="0">
-                <a:solidFill>
-                  <a:schemeClr val="tx1"/>
-                </a:solidFill>
-                <a:effectLst/>
-                <a:latin typeface="+mn-lt"/>
-                <a:ea typeface="+mn-ea"/>
-                <a:cs typeface="+mn-cs"/>
-              </a:rPr>
-              <a:t>.</a:t>
-            </a:r>
-            <a:endParaRPr lang="ko-KR" altLang="en-US" sz="1200" kern="1200" dirty="0">
-              <a:solidFill>
-                <a:schemeClr val="tx1"/>
-              </a:solidFill>
-              <a:effectLst/>
-              <a:latin typeface="+mn-lt"/>
-              <a:ea typeface="+mn-ea"/>
-              <a:cs typeface="+mn-cs"/>
-            </a:endParaRPr>
-          </a:p>
-          <a:p>
-            <a:pPr marL="0" marR="0" lvl="0" indent="0" algn="l" defTabSz="914400" rtl="0" eaLnBrk="1" fontAlgn="auto" latinLnBrk="1" hangingPunct="1">
-              <a:lnSpc>
-                <a:spcPct val="100000"/>
-              </a:lnSpc>
-              <a:spcBef>
-                <a:spcPts val="0"/>
-              </a:spcBef>
-              <a:spcAft>
-                <a:spcPts val="0"/>
-              </a:spcAft>
-              <a:buClrTx/>
-              <a:buSzTx/>
-              <a:buFontTx/>
-              <a:buNone/>
-              <a:tabLst/>
-              <a:defRPr/>
-            </a:pPr>
-            <a:r>
-              <a:rPr lang="en-US" altLang="ko-KR" sz="1200" kern="1200" dirty="0">
-                <a:solidFill>
-                  <a:schemeClr val="tx1"/>
-                </a:solidFill>
-                <a:effectLst/>
-                <a:latin typeface="+mn-lt"/>
-                <a:ea typeface="+mn-ea"/>
-                <a:cs typeface="+mn-cs"/>
-              </a:rPr>
-              <a:t>4.</a:t>
-            </a:r>
-            <a:r>
-              <a:rPr lang="ko-KR" altLang="en-US" sz="1200" kern="1200" dirty="0">
-                <a:solidFill>
-                  <a:schemeClr val="tx1"/>
-                </a:solidFill>
-                <a:effectLst/>
-                <a:latin typeface="+mn-lt"/>
-                <a:ea typeface="+mn-ea"/>
-                <a:cs typeface="+mn-cs"/>
-              </a:rPr>
-              <a:t>이벤트 텍스트 표현과 </a:t>
-            </a:r>
-            <a:r>
-              <a:rPr lang="en-US" altLang="ko-KR" sz="1200" kern="1200" dirty="0" err="1">
-                <a:solidFill>
-                  <a:schemeClr val="tx1"/>
-                </a:solidFill>
-                <a:effectLst/>
-                <a:latin typeface="+mn-lt"/>
-                <a:ea typeface="+mn-ea"/>
-                <a:cs typeface="+mn-cs"/>
-              </a:rPr>
-              <a:t>ResNet</a:t>
-            </a:r>
-            <a:r>
-              <a:rPr lang="ko-KR" altLang="en-US" sz="1200" kern="1200" dirty="0">
-                <a:solidFill>
-                  <a:schemeClr val="tx1"/>
-                </a:solidFill>
-                <a:effectLst/>
-                <a:latin typeface="+mn-lt"/>
-                <a:ea typeface="+mn-ea"/>
-                <a:cs typeface="+mn-cs"/>
-              </a:rPr>
-              <a:t>으로 </a:t>
-            </a:r>
-            <a:r>
-              <a:rPr lang="ko-KR" altLang="en-US" sz="1200" kern="1200" dirty="0" err="1">
-                <a:solidFill>
-                  <a:schemeClr val="tx1"/>
-                </a:solidFill>
-                <a:effectLst/>
-                <a:latin typeface="+mn-lt"/>
-                <a:ea typeface="+mn-ea"/>
-                <a:cs typeface="+mn-cs"/>
-              </a:rPr>
-              <a:t>인코딩된</a:t>
-            </a:r>
-            <a:r>
-              <a:rPr lang="ko-KR" altLang="en-US" sz="1200" kern="1200" dirty="0">
-                <a:solidFill>
-                  <a:schemeClr val="tx1"/>
-                </a:solidFill>
-                <a:effectLst/>
-                <a:latin typeface="+mn-lt"/>
-                <a:ea typeface="+mn-ea"/>
-                <a:cs typeface="+mn-cs"/>
-              </a:rPr>
-              <a:t> 이미지 표현이 서로 완벽하게 일치하지 않을 수 있는 서로 다른 의미 공간</a:t>
-            </a:r>
-            <a:r>
-              <a:rPr lang="en-US" altLang="ko-KR" sz="1200" kern="1200" dirty="0">
-                <a:solidFill>
-                  <a:schemeClr val="tx1"/>
-                </a:solidFill>
-                <a:effectLst/>
-                <a:latin typeface="+mn-lt"/>
-                <a:ea typeface="+mn-ea"/>
-                <a:cs typeface="+mn-cs"/>
-              </a:rPr>
-              <a:t>(</a:t>
-            </a:r>
-            <a:r>
-              <a:rPr lang="ko-KR" altLang="en-US" sz="1200" kern="1200" dirty="0">
-                <a:solidFill>
-                  <a:schemeClr val="tx1"/>
-                </a:solidFill>
-                <a:effectLst/>
-                <a:latin typeface="+mn-lt"/>
-                <a:ea typeface="+mn-ea"/>
-                <a:cs typeface="+mn-cs"/>
-              </a:rPr>
-              <a:t>하나는 언어 및 하나는 비전</a:t>
-            </a:r>
-            <a:r>
-              <a:rPr lang="en-US" altLang="ko-KR" sz="1200" kern="1200" dirty="0">
-                <a:solidFill>
-                  <a:schemeClr val="tx1"/>
-                </a:solidFill>
-                <a:effectLst/>
-                <a:latin typeface="+mn-lt"/>
-                <a:ea typeface="+mn-ea"/>
-                <a:cs typeface="+mn-cs"/>
-              </a:rPr>
-              <a:t>)</a:t>
-            </a:r>
-            <a:r>
-              <a:rPr lang="ko-KR" altLang="en-US" sz="1200" kern="1200" dirty="0">
-                <a:solidFill>
-                  <a:schemeClr val="tx1"/>
-                </a:solidFill>
-                <a:effectLst/>
-                <a:latin typeface="+mn-lt"/>
-                <a:ea typeface="+mn-ea"/>
-                <a:cs typeface="+mn-cs"/>
-              </a:rPr>
-              <a:t>에 있는 벡터라는 것입니다</a:t>
-            </a:r>
-            <a:r>
-              <a:rPr lang="en-US" altLang="ko-KR" sz="1200" kern="1200" dirty="0">
-                <a:solidFill>
-                  <a:schemeClr val="tx1"/>
-                </a:solidFill>
-                <a:effectLst/>
-                <a:latin typeface="+mn-lt"/>
-                <a:ea typeface="+mn-ea"/>
-                <a:cs typeface="+mn-cs"/>
-              </a:rPr>
-              <a:t>.</a:t>
-            </a:r>
-            <a:endParaRPr lang="ko-KR" altLang="en-US" sz="1200" kern="1200" dirty="0">
-              <a:solidFill>
-                <a:schemeClr val="tx1"/>
-              </a:solidFill>
-              <a:effectLst/>
-              <a:latin typeface="+mn-lt"/>
-              <a:ea typeface="+mn-ea"/>
-              <a:cs typeface="+mn-cs"/>
-            </a:endParaRPr>
+            <a:r>
+              <a:rPr lang="en-US" altLang="ko-KR" dirty="0"/>
+              <a:t>Contextual : some relations only make sense in a certain context</a:t>
+            </a:r>
+          </a:p>
+          <a:p>
+            <a:r>
+              <a:rPr lang="en-US" altLang="ko-KR" dirty="0"/>
+              <a:t>Contributory : the cause is strongly contributes to the effect</a:t>
+            </a:r>
           </a:p>
           <a:p>
             <a:endParaRPr lang="ko-KR" altLang="en-US" dirty="0"/>
@@ -1151,7 +675,7 @@
           <a:p>
             <a:fld id="{5FAAA766-79CA-47E4-9E45-0D897C7C3898}" type="slidenum">
               <a:rPr lang="ko-KR" altLang="en-US" smtClean="0"/>
-              <a:t>10</a:t>
+              <a:t>6</a:t>
             </a:fld>
             <a:endParaRPr lang="ko-KR" altLang="en-US"/>
           </a:p>
@@ -1160,7 +684,7 @@
     </p:spTree>
     <p:extLst>
       <p:ext uri="{BB962C8B-B14F-4D97-AF65-F5344CB8AC3E}">
-        <p14:creationId xmlns:p14="http://schemas.microsoft.com/office/powerpoint/2010/main" val="3126392580"/>
+        <p14:creationId xmlns:p14="http://schemas.microsoft.com/office/powerpoint/2010/main" val="3073392927"/>
       </p:ext>
     </p:extLst>
   </p:cSld>
@@ -1214,6 +738,90 @@
           <a:bodyPr/>
           <a:lstStyle/>
           <a:p>
+            <a:endParaRPr lang="ko-KR" altLang="en-US" dirty="0"/>
+          </a:p>
+        </p:txBody>
+      </p:sp>
+      <p:sp>
+        <p:nvSpPr>
+          <p:cNvPr id="4" name="슬라이드 번호 개체 틀 3"/>
+          <p:cNvSpPr>
+            <a:spLocks noGrp="1"/>
+          </p:cNvSpPr>
+          <p:nvPr>
+            <p:ph type="sldNum" sz="quarter" idx="5"/>
+          </p:nvPr>
+        </p:nvSpPr>
+        <p:spPr/>
+        <p:txBody>
+          <a:bodyPr/>
+          <a:lstStyle/>
+          <a:p>
+            <a:fld id="{5FAAA766-79CA-47E4-9E45-0D897C7C3898}" type="slidenum">
+              <a:rPr lang="ko-KR" altLang="en-US" smtClean="0"/>
+              <a:t>7</a:t>
+            </a:fld>
+            <a:endParaRPr lang="ko-KR" altLang="en-US"/>
+          </a:p>
+        </p:txBody>
+      </p:sp>
+    </p:spTree>
+    <p:extLst>
+      <p:ext uri="{BB962C8B-B14F-4D97-AF65-F5344CB8AC3E}">
+        <p14:creationId xmlns:p14="http://schemas.microsoft.com/office/powerpoint/2010/main" val="3682945681"/>
+      </p:ext>
+    </p:extLst>
+  </p:cSld>
+  <p:clrMapOvr>
+    <a:masterClrMapping/>
+  </p:clrMapOvr>
+</p:notes>
+</file>
+
+<file path=ppt/notesSlides/notesSlide4.xml><?xml version="1.0" encoding="utf-8"?>
+<p:notes xmlns:a="http://schemas.openxmlformats.org/drawingml/2006/main" xmlns:r="http://schemas.openxmlformats.org/officeDocument/2006/relationships" xmlns:p="http://schemas.openxmlformats.org/presentationml/2006/main">
+  <p:cSld>
+    <p:spTree>
+      <p:nvGrpSpPr>
+        <p:cNvPr id="1" name=""/>
+        <p:cNvGrpSpPr/>
+        <p:nvPr/>
+      </p:nvGrpSpPr>
+      <p:grpSpPr>
+        <a:xfrm>
+          <a:off x="0" y="0"/>
+          <a:ext cx="0" cy="0"/>
+          <a:chOff x="0" y="0"/>
+          <a:chExt cx="0" cy="0"/>
+        </a:xfrm>
+      </p:grpSpPr>
+      <p:sp>
+        <p:nvSpPr>
+          <p:cNvPr id="2" name="슬라이드 이미지 개체 틀 1"/>
+          <p:cNvSpPr>
+            <a:spLocks noGrp="1" noRot="1" noChangeAspect="1"/>
+          </p:cNvSpPr>
+          <p:nvPr>
+            <p:ph type="sldImg"/>
+          </p:nvPr>
+        </p:nvSpPr>
+        <p:spPr/>
+      </p:sp>
+      <p:sp>
+        <p:nvSpPr>
+          <p:cNvPr id="3" name="슬라이드 노트 개체 틀 2"/>
+          <p:cNvSpPr>
+            <a:spLocks noGrp="1"/>
+          </p:cNvSpPr>
+          <p:nvPr>
+            <p:ph type="body" idx="1"/>
+          </p:nvPr>
+        </p:nvSpPr>
+        <p:spPr/>
+        <p:txBody>
+          <a:bodyPr/>
+          <a:lstStyle/>
+          <a:p>
             <a:pPr fontAlgn="base" latinLnBrk="1"/>
             <a:r>
               <a:rPr lang="en-US" altLang="ko-KR" sz="1200" kern="1200" dirty="0">
@@ -1755,6 +1363,610 @@
           <a:p>
             <a:fld id="{5FAAA766-79CA-47E4-9E45-0D897C7C3898}" type="slidenum">
               <a:rPr lang="ko-KR" altLang="en-US" smtClean="0"/>
+              <a:t>10</a:t>
+            </a:fld>
+            <a:endParaRPr lang="ko-KR" altLang="en-US"/>
+          </a:p>
+        </p:txBody>
+      </p:sp>
+    </p:spTree>
+    <p:extLst>
+      <p:ext uri="{BB962C8B-B14F-4D97-AF65-F5344CB8AC3E}">
+        <p14:creationId xmlns:p14="http://schemas.microsoft.com/office/powerpoint/2010/main" val="3126392580"/>
+      </p:ext>
+    </p:extLst>
+  </p:cSld>
+  <p:clrMapOvr>
+    <a:masterClrMapping/>
+  </p:clrMapOvr>
+</p:notes>
+</file>
+
+<file path=ppt/notesSlides/notesSlide5.xml><?xml version="1.0" encoding="utf-8"?>
+<p:notes xmlns:a="http://schemas.openxmlformats.org/drawingml/2006/main" xmlns:r="http://schemas.openxmlformats.org/officeDocument/2006/relationships" xmlns:p="http://schemas.openxmlformats.org/presentationml/2006/main">
+  <p:cSld>
+    <p:spTree>
+      <p:nvGrpSpPr>
+        <p:cNvPr id="1" name=""/>
+        <p:cNvGrpSpPr/>
+        <p:nvPr/>
+      </p:nvGrpSpPr>
+      <p:grpSpPr>
+        <a:xfrm>
+          <a:off x="0" y="0"/>
+          <a:ext cx="0" cy="0"/>
+          <a:chOff x="0" y="0"/>
+          <a:chExt cx="0" cy="0"/>
+        </a:xfrm>
+      </p:grpSpPr>
+      <p:sp>
+        <p:nvSpPr>
+          <p:cNvPr id="2" name="슬라이드 이미지 개체 틀 1"/>
+          <p:cNvSpPr>
+            <a:spLocks noGrp="1" noRot="1" noChangeAspect="1"/>
+          </p:cNvSpPr>
+          <p:nvPr>
+            <p:ph type="sldImg"/>
+          </p:nvPr>
+        </p:nvSpPr>
+        <p:spPr/>
+      </p:sp>
+      <p:sp>
+        <p:nvSpPr>
+          <p:cNvPr id="3" name="슬라이드 노트 개체 틀 2"/>
+          <p:cNvSpPr>
+            <a:spLocks noGrp="1"/>
+          </p:cNvSpPr>
+          <p:nvPr>
+            <p:ph type="body" idx="1"/>
+          </p:nvPr>
+        </p:nvSpPr>
+        <p:spPr/>
+        <p:txBody>
+          <a:bodyPr/>
+          <a:lstStyle/>
+          <a:p>
+            <a:pPr fontAlgn="base" latinLnBrk="1"/>
+            <a:r>
+              <a:rPr lang="en-US" altLang="ko-KR" sz="1200" kern="1200" dirty="0">
+                <a:solidFill>
+                  <a:schemeClr val="tx1"/>
+                </a:solidFill>
+                <a:effectLst/>
+                <a:latin typeface="+mn-lt"/>
+                <a:ea typeface="+mn-ea"/>
+                <a:cs typeface="+mn-cs"/>
+              </a:rPr>
+              <a:t>1. </a:t>
+            </a:r>
+            <a:r>
+              <a:rPr lang="ko-KR" altLang="en-US" sz="1200" kern="1200" dirty="0">
+                <a:solidFill>
+                  <a:schemeClr val="tx1"/>
+                </a:solidFill>
+                <a:effectLst/>
+                <a:latin typeface="+mn-lt"/>
+                <a:ea typeface="+mn-ea"/>
+                <a:cs typeface="+mn-cs"/>
+              </a:rPr>
+              <a:t>모든 모델은 거의 모든 설정에서 </a:t>
+            </a:r>
+            <a:r>
+              <a:rPr lang="en-US" altLang="ko-KR" sz="1200" kern="1200" dirty="0">
+                <a:solidFill>
+                  <a:schemeClr val="tx1"/>
+                </a:solidFill>
+                <a:effectLst/>
+                <a:latin typeface="+mn-lt"/>
+                <a:ea typeface="+mn-ea"/>
+                <a:cs typeface="+mn-cs"/>
+              </a:rPr>
+              <a:t>"</a:t>
+            </a:r>
+            <a:r>
+              <a:rPr lang="ko-KR" altLang="en-US" sz="1200" kern="1200" dirty="0">
+                <a:solidFill>
+                  <a:schemeClr val="tx1"/>
+                </a:solidFill>
+                <a:effectLst/>
+                <a:latin typeface="+mn-lt"/>
+                <a:ea typeface="+mn-ea"/>
+                <a:cs typeface="+mn-cs"/>
+              </a:rPr>
+              <a:t>무작위 추측</a:t>
+            </a:r>
+            <a:r>
+              <a:rPr lang="en-US" altLang="ko-KR" sz="1200" kern="1200" dirty="0">
+                <a:solidFill>
+                  <a:schemeClr val="tx1"/>
+                </a:solidFill>
+                <a:effectLst/>
+                <a:latin typeface="+mn-lt"/>
+                <a:ea typeface="+mn-ea"/>
+                <a:cs typeface="+mn-cs"/>
+              </a:rPr>
+              <a:t>" </a:t>
+            </a:r>
+            <a:r>
+              <a:rPr lang="ko-KR" altLang="en-US" sz="1200" kern="1200" dirty="0">
+                <a:solidFill>
+                  <a:schemeClr val="tx1"/>
+                </a:solidFill>
+                <a:effectLst/>
+                <a:latin typeface="+mn-lt"/>
+                <a:ea typeface="+mn-ea"/>
+                <a:cs typeface="+mn-cs"/>
+              </a:rPr>
+              <a:t>기준선을 크게 능가합니다</a:t>
+            </a:r>
+            <a:r>
+              <a:rPr lang="en-US" altLang="ko-KR" sz="1200" kern="1200" dirty="0">
+                <a:solidFill>
+                  <a:schemeClr val="tx1"/>
+                </a:solidFill>
+                <a:effectLst/>
+                <a:latin typeface="+mn-lt"/>
+                <a:ea typeface="+mn-ea"/>
+                <a:cs typeface="+mn-cs"/>
+              </a:rPr>
+              <a:t>. </a:t>
+            </a:r>
+            <a:r>
+              <a:rPr lang="ko-KR" altLang="en-US" sz="1200" kern="1200" dirty="0">
+                <a:solidFill>
+                  <a:schemeClr val="tx1"/>
+                </a:solidFill>
+                <a:effectLst/>
+                <a:latin typeface="+mn-lt"/>
+                <a:ea typeface="+mn-ea"/>
+                <a:cs typeface="+mn-cs"/>
+              </a:rPr>
+              <a:t>이는 모델이 이러한 시간 연속 이미지에서 의미 있는 인과 관계 지식을 추출하는 방법을 학습할 수 있고 시각적 신호에서 학습 인과 관계 지식이 현재 미래의 인과관계 지식을 얻기 위한 텍스트 기반 접근에 대한 좋은 보완이 될 수 있음을 보여줍니다</a:t>
+            </a:r>
+            <a:r>
+              <a:rPr lang="en-US" altLang="ko-KR" sz="1200" kern="1200" dirty="0">
+                <a:solidFill>
+                  <a:schemeClr val="tx1"/>
+                </a:solidFill>
+                <a:effectLst/>
+                <a:latin typeface="+mn-lt"/>
+                <a:ea typeface="+mn-ea"/>
+                <a:cs typeface="+mn-cs"/>
+              </a:rPr>
+              <a:t>. </a:t>
+            </a:r>
+            <a:endParaRPr lang="ko-KR" altLang="en-US" sz="1200" kern="1200" dirty="0">
+              <a:solidFill>
+                <a:schemeClr val="tx1"/>
+              </a:solidFill>
+              <a:effectLst/>
+              <a:latin typeface="+mn-lt"/>
+              <a:ea typeface="+mn-ea"/>
+              <a:cs typeface="+mn-cs"/>
+            </a:endParaRPr>
+          </a:p>
+          <a:p>
+            <a:pPr fontAlgn="base" latinLnBrk="1"/>
+            <a:r>
+              <a:rPr lang="en-US" altLang="ko-KR" sz="1200" kern="1200" dirty="0">
+                <a:solidFill>
+                  <a:schemeClr val="tx1"/>
+                </a:solidFill>
+                <a:effectLst/>
+                <a:latin typeface="+mn-lt"/>
+                <a:ea typeface="+mn-ea"/>
+                <a:cs typeface="+mn-cs"/>
+              </a:rPr>
+              <a:t>2. </a:t>
+            </a:r>
+            <a:r>
+              <a:rPr lang="ko-KR" altLang="en-US" sz="1200" kern="1200" dirty="0">
+                <a:solidFill>
+                  <a:schemeClr val="tx1"/>
+                </a:solidFill>
+                <a:effectLst/>
+                <a:latin typeface="+mn-lt"/>
+                <a:ea typeface="+mn-ea"/>
+                <a:cs typeface="+mn-cs"/>
+              </a:rPr>
+              <a:t>컨텍스트 정보의 도움으로 </a:t>
+            </a:r>
+            <a:r>
+              <a:rPr lang="en-US" altLang="ko-KR" sz="1200" kern="1200" dirty="0">
+                <a:solidFill>
+                  <a:schemeClr val="tx1"/>
+                </a:solidFill>
+                <a:effectLst/>
+                <a:latin typeface="+mn-lt"/>
+                <a:ea typeface="+mn-ea"/>
+                <a:cs typeface="+mn-cs"/>
+              </a:rPr>
+              <a:t>VCC</a:t>
+            </a:r>
+            <a:r>
+              <a:rPr lang="ko-KR" altLang="en-US" sz="1200" kern="1200" dirty="0">
+                <a:solidFill>
+                  <a:schemeClr val="tx1"/>
+                </a:solidFill>
+                <a:effectLst/>
+                <a:latin typeface="+mn-lt"/>
+                <a:ea typeface="+mn-ea"/>
+                <a:cs typeface="+mn-cs"/>
+              </a:rPr>
+              <a:t>는 대부분의 실험 설정에서 기준선 </a:t>
+            </a:r>
+            <a:r>
+              <a:rPr lang="en-US" altLang="ko-KR" sz="1200" kern="1200" dirty="0">
+                <a:solidFill>
+                  <a:schemeClr val="tx1"/>
+                </a:solidFill>
+                <a:effectLst/>
+                <a:latin typeface="+mn-lt"/>
+                <a:ea typeface="+mn-ea"/>
+                <a:cs typeface="+mn-cs"/>
+              </a:rPr>
+              <a:t>'</a:t>
+            </a:r>
+            <a:r>
+              <a:rPr lang="ko-KR" altLang="en-US" sz="1200" kern="1200" dirty="0">
+                <a:solidFill>
+                  <a:schemeClr val="tx1"/>
+                </a:solidFill>
+                <a:effectLst/>
+                <a:latin typeface="+mn-lt"/>
+                <a:ea typeface="+mn-ea"/>
+                <a:cs typeface="+mn-cs"/>
+              </a:rPr>
+              <a:t>컨텍스트 없음</a:t>
+            </a:r>
+            <a:r>
+              <a:rPr lang="en-US" altLang="ko-KR" sz="1200" kern="1200" dirty="0">
+                <a:solidFill>
+                  <a:schemeClr val="tx1"/>
+                </a:solidFill>
+                <a:effectLst/>
+                <a:latin typeface="+mn-lt"/>
+                <a:ea typeface="+mn-ea"/>
+                <a:cs typeface="+mn-cs"/>
+              </a:rPr>
+              <a:t>' </a:t>
+            </a:r>
+            <a:r>
+              <a:rPr lang="ko-KR" altLang="en-US" sz="1200" kern="1200" dirty="0">
+                <a:solidFill>
+                  <a:schemeClr val="tx1"/>
+                </a:solidFill>
+                <a:effectLst/>
+                <a:latin typeface="+mn-lt"/>
+                <a:ea typeface="+mn-ea"/>
+                <a:cs typeface="+mn-cs"/>
+              </a:rPr>
+              <a:t>모델을 능가합니다</a:t>
+            </a:r>
+            <a:r>
+              <a:rPr lang="en-US" altLang="ko-KR" sz="1200" kern="1200" dirty="0">
+                <a:solidFill>
+                  <a:schemeClr val="tx1"/>
+                </a:solidFill>
+                <a:effectLst/>
+                <a:latin typeface="+mn-lt"/>
+                <a:ea typeface="+mn-ea"/>
+                <a:cs typeface="+mn-cs"/>
+              </a:rPr>
+              <a:t>. </a:t>
+            </a:r>
+            <a:r>
+              <a:rPr lang="ko-KR" altLang="en-US" sz="1200" kern="1200" dirty="0">
+                <a:solidFill>
+                  <a:schemeClr val="tx1"/>
+                </a:solidFill>
+                <a:effectLst/>
+                <a:latin typeface="+mn-lt"/>
+                <a:ea typeface="+mn-ea"/>
+                <a:cs typeface="+mn-cs"/>
+              </a:rPr>
+              <a:t>이는 컨텍스트의 중요성을 증명하고 일부 인과 관계는 특정 컨텍스트에서만 의미가 있다는 이전 관찰과 일치합니다</a:t>
+            </a:r>
+            <a:r>
+              <a:rPr lang="en-US" altLang="ko-KR" sz="1200" kern="1200" dirty="0">
+                <a:solidFill>
+                  <a:schemeClr val="tx1"/>
+                </a:solidFill>
+                <a:effectLst/>
+                <a:latin typeface="+mn-lt"/>
+                <a:ea typeface="+mn-ea"/>
+                <a:cs typeface="+mn-cs"/>
+              </a:rPr>
+              <a:t>.</a:t>
+            </a:r>
+            <a:endParaRPr lang="ko-KR" altLang="en-US" sz="1200" kern="1200" dirty="0">
+              <a:solidFill>
+                <a:schemeClr val="tx1"/>
+              </a:solidFill>
+              <a:effectLst/>
+              <a:latin typeface="+mn-lt"/>
+              <a:ea typeface="+mn-ea"/>
+              <a:cs typeface="+mn-cs"/>
+            </a:endParaRPr>
+          </a:p>
+          <a:p>
+            <a:pPr fontAlgn="base" latinLnBrk="1"/>
+            <a:r>
+              <a:rPr lang="en-US" altLang="ko-KR" sz="1200" kern="1200" dirty="0">
+                <a:solidFill>
+                  <a:schemeClr val="tx1"/>
+                </a:solidFill>
+                <a:effectLst/>
+                <a:latin typeface="+mn-lt"/>
+                <a:ea typeface="+mn-ea"/>
+                <a:cs typeface="+mn-cs"/>
+              </a:rPr>
+              <a:t>3. </a:t>
+            </a:r>
+            <a:r>
+              <a:rPr lang="ko-KR" altLang="en-US" sz="1200" kern="1200" dirty="0">
+                <a:solidFill>
+                  <a:schemeClr val="tx1"/>
+                </a:solidFill>
+                <a:effectLst/>
+                <a:latin typeface="+mn-lt"/>
+                <a:ea typeface="+mn-ea"/>
+                <a:cs typeface="+mn-cs"/>
+              </a:rPr>
+              <a:t>제안된 </a:t>
+            </a:r>
+            <a:r>
+              <a:rPr lang="en-US" altLang="ko-KR" sz="1200" kern="1200" dirty="0">
+                <a:solidFill>
+                  <a:schemeClr val="tx1"/>
+                </a:solidFill>
+                <a:effectLst/>
+                <a:latin typeface="+mn-lt"/>
+                <a:ea typeface="+mn-ea"/>
+                <a:cs typeface="+mn-cs"/>
+              </a:rPr>
+              <a:t>VCC </a:t>
+            </a:r>
+            <a:r>
+              <a:rPr lang="ko-KR" altLang="en-US" sz="1200" kern="1200" dirty="0">
+                <a:solidFill>
+                  <a:schemeClr val="tx1"/>
+                </a:solidFill>
+                <a:effectLst/>
+                <a:latin typeface="+mn-lt"/>
+                <a:ea typeface="+mn-ea"/>
+                <a:cs typeface="+mn-cs"/>
+              </a:rPr>
+              <a:t>모델은 </a:t>
+            </a:r>
+            <a:r>
+              <a:rPr lang="en-US" altLang="ko-KR" sz="1200" kern="1200" dirty="0">
+                <a:solidFill>
+                  <a:schemeClr val="tx1"/>
+                </a:solidFill>
+                <a:effectLst/>
+                <a:latin typeface="+mn-lt"/>
+                <a:ea typeface="+mn-ea"/>
+                <a:cs typeface="+mn-cs"/>
+              </a:rPr>
+              <a:t>'No Attention' </a:t>
+            </a:r>
+            <a:r>
+              <a:rPr lang="ko-KR" altLang="en-US" sz="1200" kern="1200" dirty="0">
+                <a:solidFill>
+                  <a:schemeClr val="tx1"/>
+                </a:solidFill>
+                <a:effectLst/>
+                <a:latin typeface="+mn-lt"/>
+                <a:ea typeface="+mn-ea"/>
+                <a:cs typeface="+mn-cs"/>
+              </a:rPr>
+              <a:t>모델보다 훨씬 우수한 성능을 보여 물체 감지 모듈에 의해 도입된 노이즈의 영향과 제안된 교차 주의 모듈의 효율성을 보여줍니다</a:t>
+            </a:r>
+            <a:r>
+              <a:rPr lang="en-US" altLang="ko-KR" sz="1200" kern="1200" dirty="0">
+                <a:solidFill>
+                  <a:schemeClr val="tx1"/>
+                </a:solidFill>
+                <a:effectLst/>
+                <a:latin typeface="+mn-lt"/>
+                <a:ea typeface="+mn-ea"/>
+                <a:cs typeface="+mn-cs"/>
+              </a:rPr>
+              <a:t>.</a:t>
+            </a:r>
+            <a:endParaRPr lang="ko-KR" altLang="en-US" sz="1200" kern="1200" dirty="0">
+              <a:solidFill>
+                <a:schemeClr val="tx1"/>
+              </a:solidFill>
+              <a:effectLst/>
+              <a:latin typeface="+mn-lt"/>
+              <a:ea typeface="+mn-ea"/>
+              <a:cs typeface="+mn-cs"/>
+            </a:endParaRPr>
+          </a:p>
+          <a:p>
+            <a:pPr marL="0" marR="0" lvl="0" indent="0" algn="l" defTabSz="914400" rtl="0" eaLnBrk="1" fontAlgn="auto" latinLnBrk="1" hangingPunct="1">
+              <a:lnSpc>
+                <a:spcPct val="100000"/>
+              </a:lnSpc>
+              <a:spcBef>
+                <a:spcPts val="0"/>
+              </a:spcBef>
+              <a:spcAft>
+                <a:spcPts val="0"/>
+              </a:spcAft>
+              <a:buClrTx/>
+              <a:buSzTx/>
+              <a:buFontTx/>
+              <a:buNone/>
+              <a:tabLst/>
+              <a:defRPr/>
+            </a:pPr>
+            <a:r>
+              <a:rPr lang="en-US" altLang="ko-KR" sz="1200" kern="1200" dirty="0">
+                <a:solidFill>
+                  <a:schemeClr val="tx1"/>
+                </a:solidFill>
+                <a:effectLst/>
+                <a:latin typeface="+mn-lt"/>
+                <a:ea typeface="+mn-ea"/>
+                <a:cs typeface="+mn-cs"/>
+              </a:rPr>
+              <a:t>4.</a:t>
+            </a:r>
+            <a:r>
+              <a:rPr lang="ko-KR" altLang="en-US" sz="1200" kern="1200" dirty="0">
+                <a:solidFill>
+                  <a:schemeClr val="tx1"/>
+                </a:solidFill>
+                <a:effectLst/>
+                <a:latin typeface="+mn-lt"/>
+                <a:ea typeface="+mn-ea"/>
+                <a:cs typeface="+mn-cs"/>
+              </a:rPr>
+              <a:t>이벤트 텍스트 표현과 </a:t>
+            </a:r>
+            <a:r>
+              <a:rPr lang="en-US" altLang="ko-KR" sz="1200" kern="1200" dirty="0" err="1">
+                <a:solidFill>
+                  <a:schemeClr val="tx1"/>
+                </a:solidFill>
+                <a:effectLst/>
+                <a:latin typeface="+mn-lt"/>
+                <a:ea typeface="+mn-ea"/>
+                <a:cs typeface="+mn-cs"/>
+              </a:rPr>
+              <a:t>ResNet</a:t>
+            </a:r>
+            <a:r>
+              <a:rPr lang="ko-KR" altLang="en-US" sz="1200" kern="1200" dirty="0">
+                <a:solidFill>
+                  <a:schemeClr val="tx1"/>
+                </a:solidFill>
+                <a:effectLst/>
+                <a:latin typeface="+mn-lt"/>
+                <a:ea typeface="+mn-ea"/>
+                <a:cs typeface="+mn-cs"/>
+              </a:rPr>
+              <a:t>으로 </a:t>
+            </a:r>
+            <a:r>
+              <a:rPr lang="ko-KR" altLang="en-US" sz="1200" kern="1200" dirty="0" err="1">
+                <a:solidFill>
+                  <a:schemeClr val="tx1"/>
+                </a:solidFill>
+                <a:effectLst/>
+                <a:latin typeface="+mn-lt"/>
+                <a:ea typeface="+mn-ea"/>
+                <a:cs typeface="+mn-cs"/>
+              </a:rPr>
+              <a:t>인코딩된</a:t>
+            </a:r>
+            <a:r>
+              <a:rPr lang="ko-KR" altLang="en-US" sz="1200" kern="1200" dirty="0">
+                <a:solidFill>
+                  <a:schemeClr val="tx1"/>
+                </a:solidFill>
+                <a:effectLst/>
+                <a:latin typeface="+mn-lt"/>
+                <a:ea typeface="+mn-ea"/>
+                <a:cs typeface="+mn-cs"/>
+              </a:rPr>
+              <a:t> 이미지 표현이 서로 완벽하게 일치하지 않을 수 있는 서로 다른 의미 공간</a:t>
+            </a:r>
+            <a:r>
+              <a:rPr lang="en-US" altLang="ko-KR" sz="1200" kern="1200" dirty="0">
+                <a:solidFill>
+                  <a:schemeClr val="tx1"/>
+                </a:solidFill>
+                <a:effectLst/>
+                <a:latin typeface="+mn-lt"/>
+                <a:ea typeface="+mn-ea"/>
+                <a:cs typeface="+mn-cs"/>
+              </a:rPr>
+              <a:t>(</a:t>
+            </a:r>
+            <a:r>
+              <a:rPr lang="ko-KR" altLang="en-US" sz="1200" kern="1200" dirty="0">
+                <a:solidFill>
+                  <a:schemeClr val="tx1"/>
+                </a:solidFill>
+                <a:effectLst/>
+                <a:latin typeface="+mn-lt"/>
+                <a:ea typeface="+mn-ea"/>
+                <a:cs typeface="+mn-cs"/>
+              </a:rPr>
+              <a:t>하나는 언어 및 하나는 비전</a:t>
+            </a:r>
+            <a:r>
+              <a:rPr lang="en-US" altLang="ko-KR" sz="1200" kern="1200" dirty="0">
+                <a:solidFill>
+                  <a:schemeClr val="tx1"/>
+                </a:solidFill>
+                <a:effectLst/>
+                <a:latin typeface="+mn-lt"/>
+                <a:ea typeface="+mn-ea"/>
+                <a:cs typeface="+mn-cs"/>
+              </a:rPr>
+              <a:t>)</a:t>
+            </a:r>
+            <a:r>
+              <a:rPr lang="ko-KR" altLang="en-US" sz="1200" kern="1200" dirty="0">
+                <a:solidFill>
+                  <a:schemeClr val="tx1"/>
+                </a:solidFill>
+                <a:effectLst/>
+                <a:latin typeface="+mn-lt"/>
+                <a:ea typeface="+mn-ea"/>
+                <a:cs typeface="+mn-cs"/>
+              </a:rPr>
+              <a:t>에 있는 벡터라는 것입니다</a:t>
+            </a:r>
+            <a:r>
+              <a:rPr lang="en-US" altLang="ko-KR" sz="1200" kern="1200" dirty="0">
+                <a:solidFill>
+                  <a:schemeClr val="tx1"/>
+                </a:solidFill>
+                <a:effectLst/>
+                <a:latin typeface="+mn-lt"/>
+                <a:ea typeface="+mn-ea"/>
+                <a:cs typeface="+mn-cs"/>
+              </a:rPr>
+              <a:t>.</a:t>
+            </a:r>
+            <a:endParaRPr lang="ko-KR" altLang="en-US" sz="1200" kern="1200" dirty="0">
+              <a:solidFill>
+                <a:schemeClr val="tx1"/>
+              </a:solidFill>
+              <a:effectLst/>
+              <a:latin typeface="+mn-lt"/>
+              <a:ea typeface="+mn-ea"/>
+              <a:cs typeface="+mn-cs"/>
+            </a:endParaRPr>
+          </a:p>
+          <a:p>
+            <a:endParaRPr lang="ko-KR" altLang="en-US" dirty="0"/>
+          </a:p>
+        </p:txBody>
+      </p:sp>
+      <p:sp>
+        <p:nvSpPr>
+          <p:cNvPr id="4" name="슬라이드 번호 개체 틀 3"/>
+          <p:cNvSpPr>
+            <a:spLocks noGrp="1"/>
+          </p:cNvSpPr>
+          <p:nvPr>
+            <p:ph type="sldNum" sz="quarter" idx="5"/>
+          </p:nvPr>
+        </p:nvSpPr>
+        <p:spPr/>
+        <p:txBody>
+          <a:bodyPr/>
+          <a:lstStyle/>
+          <a:p>
+            <a:fld id="{5FAAA766-79CA-47E4-9E45-0D897C7C3898}" type="slidenum">
+              <a:rPr lang="ko-KR" altLang="en-US" smtClean="0"/>
               <a:t>11</a:t>
             </a:fld>
             <a:endParaRPr lang="ko-KR" altLang="en-US"/>
@@ -1774,7 +1986,7 @@
 </p:notes>
 </file>
 
-<file path=ppt/notesSlides/notesSlide4.xml><?xml version="1.0" encoding="utf-8"?>
+<file path=ppt/notesSlides/notesSlide6.xml><?xml version="1.0" encoding="utf-8"?>
 <p:notes xmlns:a="http://schemas.openxmlformats.org/drawingml/2006/main" xmlns:r="http://schemas.openxmlformats.org/officeDocument/2006/relationships" xmlns:p="http://schemas.openxmlformats.org/presentationml/2006/main">
   <p:cSld>
     <p:spTree>
@@ -2525,7 +2737,7 @@
           <a:p>
             <a:fld id="{81824485-37D6-4A4E-B3C2-55E690D391A0}" type="datetime1">
               <a:rPr lang="ko-KR" altLang="en-US" smtClean="0"/>
-              <a:t>2021-07-21</a:t>
+              <a:t>2021-07-22</a:t>
             </a:fld>
             <a:endParaRPr lang="ko-KR" altLang="en-US"/>
           </a:p>
@@ -2723,7 +2935,7 @@
           <a:p>
             <a:fld id="{3DF715B5-1D12-4CA6-88BA-3982FCF342B2}" type="datetime1">
               <a:rPr lang="ko-KR" altLang="en-US" smtClean="0"/>
-              <a:t>2021-07-21</a:t>
+              <a:t>2021-07-22</a:t>
             </a:fld>
             <a:endParaRPr lang="ko-KR" altLang="en-US"/>
           </a:p>
@@ -2931,7 +3143,7 @@
           <a:p>
             <a:fld id="{13D876F9-D66F-4450-8B0D-7B53B1CAD061}" type="datetime1">
               <a:rPr lang="ko-KR" altLang="en-US" smtClean="0"/>
-              <a:t>2021-07-21</a:t>
+              <a:t>2021-07-22</a:t>
             </a:fld>
             <a:endParaRPr lang="ko-KR" altLang="en-US"/>
           </a:p>
@@ -3129,7 +3341,7 @@
           <a:p>
             <a:fld id="{4DF80924-3D40-475B-A14E-A89456D8CB0D}" type="datetime1">
               <a:rPr lang="ko-KR" altLang="en-US" smtClean="0"/>
-              <a:t>2021-07-21</a:t>
+              <a:t>2021-07-22</a:t>
             </a:fld>
             <a:endParaRPr lang="ko-KR" altLang="en-US"/>
           </a:p>
@@ -3404,7 +3616,7 @@
           <a:p>
             <a:fld id="{27271DA4-6E68-43A7-BA9A-44AAD2A570A2}" type="datetime1">
               <a:rPr lang="ko-KR" altLang="en-US" smtClean="0"/>
-              <a:t>2021-07-21</a:t>
+              <a:t>2021-07-22</a:t>
             </a:fld>
             <a:endParaRPr lang="ko-KR" altLang="en-US"/>
           </a:p>
@@ -3669,7 +3881,7 @@
           <a:p>
             <a:fld id="{FB8660EF-7488-4688-B47B-499D7661BB9A}" type="datetime1">
               <a:rPr lang="ko-KR" altLang="en-US" smtClean="0"/>
-              <a:t>2021-07-21</a:t>
+              <a:t>2021-07-22</a:t>
             </a:fld>
             <a:endParaRPr lang="ko-KR" altLang="en-US"/>
           </a:p>
@@ -4081,7 +4293,7 @@
           <a:p>
             <a:fld id="{B2A0DCBC-07E3-4F51-A8B0-7DDB83A3B59C}" type="datetime1">
               <a:rPr lang="ko-KR" altLang="en-US" smtClean="0"/>
-              <a:t>2021-07-21</a:t>
+              <a:t>2021-07-22</a:t>
             </a:fld>
             <a:endParaRPr lang="ko-KR" altLang="en-US"/>
           </a:p>
@@ -4222,7 +4434,7 @@
           <a:p>
             <a:fld id="{B8772A87-66B2-4830-AD9F-DE65303EA9D0}" type="datetime1">
               <a:rPr lang="ko-KR" altLang="en-US" smtClean="0"/>
-              <a:t>2021-07-21</a:t>
+              <a:t>2021-07-22</a:t>
             </a:fld>
             <a:endParaRPr lang="ko-KR" altLang="en-US"/>
           </a:p>
@@ -4335,7 +4547,7 @@
           <a:p>
             <a:fld id="{C338DA32-DAFA-4ECD-8F80-B4DE9A5BE697}" type="datetime1">
               <a:rPr lang="ko-KR" altLang="en-US" smtClean="0"/>
-              <a:t>2021-07-21</a:t>
+              <a:t>2021-07-22</a:t>
             </a:fld>
             <a:endParaRPr lang="ko-KR" altLang="en-US"/>
           </a:p>
@@ -4646,7 +4858,7 @@
           <a:p>
             <a:fld id="{650E3E3D-B19B-4A86-A742-753C828A8F1C}" type="datetime1">
               <a:rPr lang="ko-KR" altLang="en-US" smtClean="0"/>
-              <a:t>2021-07-21</a:t>
+              <a:t>2021-07-22</a:t>
             </a:fld>
             <a:endParaRPr lang="ko-KR" altLang="en-US"/>
           </a:p>
@@ -4934,7 +5146,7 @@
           <a:p>
             <a:fld id="{95E62AEA-E495-403A-8773-B058821D500F}" type="datetime1">
               <a:rPr lang="ko-KR" altLang="en-US" smtClean="0"/>
-              <a:t>2021-07-21</a:t>
+              <a:t>2021-07-22</a:t>
             </a:fld>
             <a:endParaRPr lang="ko-KR" altLang="en-US"/>
           </a:p>
@@ -5175,7 +5387,7 @@
           <a:p>
             <a:fld id="{AD2AA275-37EC-4747-8BBB-86137B98CC85}" type="datetime1">
               <a:rPr lang="ko-KR" altLang="en-US" smtClean="0"/>
-              <a:t>2021-07-21</a:t>
+              <a:t>2021-07-22</a:t>
             </a:fld>
             <a:endParaRPr lang="ko-KR" altLang="en-US"/>
           </a:p>
@@ -6102,7 +6314,7 @@
             </a:r>
             <a:r>
               <a:rPr lang="en-US" altLang="ko-KR" sz="1600" dirty="0"/>
-              <a:t>, </a:t>
+              <a:t> = </a:t>
             </a:r>
             <a:r>
               <a:rPr lang="en-US" altLang="ko-KR" sz="1600" dirty="0" err="1"/>
@@ -6527,7 +6739,7 @@
         <p:spPr>
           <a:xfrm>
             <a:off x="479232" y="5075087"/>
-            <a:ext cx="9941442" cy="923330"/>
+            <a:ext cx="9941442" cy="1152688"/>
           </a:xfrm>
           <a:prstGeom prst="rect">
             <a:avLst/>
@@ -6541,51 +6753,60 @@
           <a:lstStyle/>
           <a:p>
             <a:pPr marL="285750" indent="-285750" fontAlgn="base">
+              <a:lnSpc>
+                <a:spcPct val="150000"/>
+              </a:lnSpc>
               <a:buFontTx/>
               <a:buChar char="-"/>
             </a:pPr>
             <a:r>
-              <a:rPr lang="en-US" altLang="ko-KR" dirty="0"/>
+              <a:rPr lang="en-US" altLang="ko-KR" sz="1600" dirty="0"/>
               <a:t>Random guess </a:t>
             </a:r>
             <a:r>
-              <a:rPr lang="ko-KR" altLang="en-US" dirty="0"/>
+              <a:rPr lang="ko-KR" altLang="en-US" sz="1600" dirty="0"/>
               <a:t>가장 하한 값</a:t>
             </a:r>
             <a:r>
-              <a:rPr lang="en-US" altLang="ko-KR" dirty="0"/>
+              <a:rPr lang="en-US" altLang="ko-KR" sz="1600" dirty="0"/>
               <a:t>.</a:t>
             </a:r>
           </a:p>
           <a:p>
             <a:pPr marL="285750" indent="-285750" fontAlgn="base">
+              <a:lnSpc>
+                <a:spcPct val="150000"/>
+              </a:lnSpc>
               <a:buFontTx/>
               <a:buChar char="-"/>
             </a:pPr>
             <a:r>
-              <a:rPr lang="ko-KR" altLang="en-US" dirty="0"/>
+              <a:rPr lang="ko-KR" altLang="en-US" sz="1600" dirty="0"/>
               <a:t>대부분 </a:t>
             </a:r>
             <a:r>
-              <a:rPr lang="en-US" altLang="ko-KR" dirty="0"/>
+              <a:rPr lang="en-US" altLang="ko-KR" sz="1600" dirty="0"/>
               <a:t>VCC model</a:t>
             </a:r>
             <a:r>
-              <a:rPr lang="ko-KR" altLang="en-US" dirty="0"/>
+              <a:rPr lang="ko-KR" altLang="en-US" sz="1600" dirty="0"/>
               <a:t>이 값이 크다</a:t>
             </a:r>
             <a:r>
-              <a:rPr lang="en-US" altLang="ko-KR" dirty="0"/>
+              <a:rPr lang="en-US" altLang="ko-KR" sz="1600" dirty="0"/>
               <a:t>.</a:t>
             </a:r>
           </a:p>
           <a:p>
             <a:pPr marL="285750" indent="-285750" fontAlgn="base">
+              <a:lnSpc>
+                <a:spcPct val="150000"/>
+              </a:lnSpc>
               <a:buFontTx/>
               <a:buChar char="-"/>
             </a:pPr>
             <a:r>
-              <a:rPr lang="en-US" altLang="ko-KR" dirty="0"/>
+              <a:rPr lang="en-US" altLang="ko-KR" sz="1600" dirty="0"/>
               <a:t>VCC &lt; ‘No context’</a:t>
             </a:r>
           </a:p>
@@ -6765,8 +6986,8 @@
         </p:nvSpPr>
         <p:spPr>
           <a:xfrm>
-            <a:off x="231339" y="1043645"/>
-            <a:ext cx="10411853" cy="2260683"/>
+            <a:off x="204918" y="2483324"/>
+            <a:ext cx="11782163" cy="1891352"/>
           </a:xfrm>
           <a:prstGeom prst="rect">
             <a:avLst/>
@@ -6788,7 +7009,7 @@
             </a:pPr>
             <a:r>
               <a:rPr lang="ko-KR" altLang="en-US" sz="1600" dirty="0"/>
-              <a:t>시간에 따른 이미지로부터 인과관계 지식을 학습할 가능성을 탐구한다</a:t>
+              <a:t>시간에 따른 이미지로부터 인과관계 지식을 학습할 가능성을 탐구</a:t>
             </a:r>
             <a:r>
               <a:rPr lang="en-US" altLang="ko-KR" sz="1600" dirty="0"/>
@@ -6829,7 +7050,7 @@
             </a:r>
             <a:r>
               <a:rPr lang="ko-KR" altLang="en-US" sz="1600" dirty="0"/>
-              <a:t>을 생성합니다</a:t>
+              <a:t>을 생성</a:t>
             </a:r>
             <a:r>
               <a:rPr lang="en-US" altLang="ko-KR" sz="1600" dirty="0"/>
@@ -6855,7 +7076,7 @@
             </a:r>
             <a:r>
               <a:rPr lang="ko-KR" altLang="en-US" sz="1600" dirty="0"/>
-              <a:t>모델을 제안하여 사전 훈련된 텍스트 및 시각적 표현과 훈련을 통해 시각적 신호에서 컨텍스트 인과 관계를 직접 획득할 수 있음을 보여줍니다</a:t>
+              <a:t>모델을 제안하여 시각적 신호에서 컨텍스트 인과 관계를 직접   획득할 수 있음을 보여준다</a:t>
             </a:r>
             <a:r>
               <a:rPr lang="en-US" altLang="ko-KR" sz="1600" dirty="0"/>
@@ -7452,34 +7673,29 @@
           <a:p>
             <a:r>
               <a:rPr lang="en-US" altLang="ko-KR" sz="2400" dirty="0"/>
-              <a:t>Dataset</a:t>
+              <a:t>Annotation – image </a:t>
             </a:r>
             <a:r>
               <a:rPr lang="ko-KR" altLang="en-US" sz="2400" dirty="0"/>
-              <a:t> </a:t>
-            </a:r>
-            <a:r>
-              <a:rPr lang="en-US" altLang="ko-KR" sz="2400" dirty="0"/>
-              <a:t>–</a:t>
+              <a:t>일치 시키고 </a:t>
+            </a:r>
+            <a:r>
+              <a:rPr lang="ko-KR" altLang="en-US" sz="2400" dirty="0" err="1"/>
+              <a:t>실행시</a:t>
             </a:r>
             <a:r>
               <a:rPr lang="ko-KR" altLang="en-US" sz="2400" dirty="0"/>
-              <a:t> </a:t>
-            </a:r>
-            <a:r>
-              <a:rPr lang="en-US" altLang="ko-KR" sz="2400" dirty="0"/>
-              <a:t>Vis-Causal analysis </a:t>
-            </a:r>
-            <a:endParaRPr lang="ko-KR" altLang="en-US" sz="2400" dirty="0"/>
+              <a:t> 결과</a:t>
+            </a:r>
           </a:p>
         </p:txBody>
       </p:sp>
       <p:pic>
         <p:nvPicPr>
-          <p:cNvPr id="6" name="Picture 5">
-            <a:extLst>
-              <a:ext uri="{FF2B5EF4-FFF2-40B4-BE49-F238E27FC236}">
-                <a16:creationId xmlns:a16="http://schemas.microsoft.com/office/drawing/2014/main" id="{3BB0137C-1E5A-41A6-BE2E-2BDB9FFDE2C8}"/>
+          <p:cNvPr id="2" name="그림 1">
+            <a:extLst>
+              <a:ext uri="{FF2B5EF4-FFF2-40B4-BE49-F238E27FC236}">
+                <a16:creationId xmlns:a16="http://schemas.microsoft.com/office/drawing/2014/main" id="{AAC592B9-43C4-4073-9083-C5465B887F5E}"/>
               </a:ext>
             </a:extLst>
           </p:cNvPr>
@@ -7496,23 +7712,18 @@
         </p:blipFill>
         <p:spPr>
           <a:xfrm>
-            <a:off x="499533" y="941160"/>
-            <a:ext cx="10893523" cy="5803901"/>
+            <a:off x="359833" y="1007762"/>
+            <a:ext cx="11011598" cy="5932033"/>
           </a:xfrm>
           <a:prstGeom prst="rect">
             <a:avLst/>
           </a:prstGeom>
-          <a:noFill/>
-          <a:ln>
-            <a:noFill/>
-          </a:ln>
-          <a:effectLst/>
         </p:spPr>
       </p:pic>
     </p:spTree>
     <p:extLst>
       <p:ext uri="{BB962C8B-B14F-4D97-AF65-F5344CB8AC3E}">
-        <p14:creationId xmlns:p14="http://schemas.microsoft.com/office/powerpoint/2010/main" val="2529998378"/>
+        <p14:creationId xmlns:p14="http://schemas.microsoft.com/office/powerpoint/2010/main" val="1040332507"/>
       </p:ext>
     </p:extLst>
   </p:cSld>
@@ -7663,29 +7874,34 @@
           <a:p>
             <a:r>
               <a:rPr lang="en-US" altLang="ko-KR" sz="2400" dirty="0"/>
-              <a:t>Annotation – image </a:t>
+              <a:t>Dataset</a:t>
             </a:r>
             <a:r>
               <a:rPr lang="ko-KR" altLang="en-US" sz="2400" dirty="0"/>
-              <a:t>일치 시키고 </a:t>
-            </a:r>
-            <a:r>
-              <a:rPr lang="ko-KR" altLang="en-US" sz="2400" dirty="0" err="1"/>
-              <a:t>실행시</a:t>
+              <a:t> </a:t>
+            </a:r>
+            <a:r>
+              <a:rPr lang="en-US" altLang="ko-KR" sz="2400" dirty="0"/>
+              <a:t>–</a:t>
             </a:r>
             <a:r>
               <a:rPr lang="ko-KR" altLang="en-US" sz="2400" dirty="0"/>
-              <a:t> 결과</a:t>
-            </a:r>
+              <a:t> </a:t>
+            </a:r>
+            <a:r>
+              <a:rPr lang="en-US" altLang="ko-KR" sz="2400" dirty="0"/>
+              <a:t>Vis-Causal analysis </a:t>
+            </a:r>
+            <a:endParaRPr lang="ko-KR" altLang="en-US" sz="2400" dirty="0"/>
           </a:p>
         </p:txBody>
       </p:sp>
       <p:pic>
         <p:nvPicPr>
-          <p:cNvPr id="2" name="그림 1">
-            <a:extLst>
-              <a:ext uri="{FF2B5EF4-FFF2-40B4-BE49-F238E27FC236}">
-                <a16:creationId xmlns:a16="http://schemas.microsoft.com/office/drawing/2014/main" id="{AAC592B9-43C4-4073-9083-C5465B887F5E}"/>
+          <p:cNvPr id="6" name="Picture 5">
+            <a:extLst>
+              <a:ext uri="{FF2B5EF4-FFF2-40B4-BE49-F238E27FC236}">
+                <a16:creationId xmlns:a16="http://schemas.microsoft.com/office/drawing/2014/main" id="{3BB0137C-1E5A-41A6-BE2E-2BDB9FFDE2C8}"/>
               </a:ext>
             </a:extLst>
           </p:cNvPr>
@@ -7702,18 +7918,23 @@
         </p:blipFill>
         <p:spPr>
           <a:xfrm>
-            <a:off x="359833" y="1007762"/>
-            <a:ext cx="11011598" cy="5932033"/>
+            <a:off x="499533" y="941160"/>
+            <a:ext cx="10893523" cy="5803901"/>
           </a:xfrm>
           <a:prstGeom prst="rect">
             <a:avLst/>
           </a:prstGeom>
+          <a:noFill/>
+          <a:ln>
+            <a:noFill/>
+          </a:ln>
+          <a:effectLst/>
         </p:spPr>
       </p:pic>
     </p:spTree>
     <p:extLst>
       <p:ext uri="{BB962C8B-B14F-4D97-AF65-F5344CB8AC3E}">
-        <p14:creationId xmlns:p14="http://schemas.microsoft.com/office/powerpoint/2010/main" val="1040332507"/>
+        <p14:creationId xmlns:p14="http://schemas.microsoft.com/office/powerpoint/2010/main" val="2529998378"/>
       </p:ext>
     </p:extLst>
   </p:cSld>
@@ -8447,7 +8668,7 @@
             </a:pPr>
             <a:r>
               <a:rPr lang="ko-KR" altLang="en-US" dirty="0"/>
-              <a:t>옆에 있는 두개의 이미지를 인접하다고 한다</a:t>
+              <a:t>옆에 있는 두 개의 이미지를 인접하다고 한다</a:t>
             </a:r>
             <a:r>
               <a:rPr lang="en-US" altLang="ko-KR" dirty="0"/>
@@ -8464,7 +8685,7 @@
             </a:pPr>
             <a:r>
               <a:rPr lang="en-US" altLang="ko-KR" dirty="0"/>
-              <a:t>1000</a:t>
+              <a:t>1,000</a:t>
             </a:r>
             <a:r>
               <a:rPr lang="ko-KR" altLang="en-US" dirty="0"/>
@@ -8472,7 +8693,7 @@
             </a:r>
             <a:r>
               <a:rPr lang="en-US" altLang="ko-KR" dirty="0"/>
-              <a:t>4000</a:t>
+              <a:t>4,000</a:t>
             </a:r>
             <a:r>
               <a:rPr lang="ko-KR" altLang="en-US" dirty="0"/>
@@ -9262,7 +9483,7 @@
         </p:blipFill>
         <p:spPr>
           <a:xfrm>
-            <a:off x="9007058" y="4606134"/>
+            <a:off x="9113194" y="4622248"/>
             <a:ext cx="2562676" cy="2053721"/>
           </a:xfrm>
           <a:prstGeom prst="rect">
@@ -9440,7 +9661,7 @@
             </a:r>
             <a:r>
               <a:rPr lang="ko-KR" altLang="en-US" sz="1600" dirty="0"/>
-              <a:t>이미지 쌍의 첫번째 이미지에서 일어날 수 있는 </a:t>
+              <a:t>이미지 쌍의 첫 번째 이미지에서 일어날 수 있는 </a:t>
             </a:r>
             <a:r>
               <a:rPr lang="en-US" altLang="ko-KR" sz="1600" dirty="0"/>
@@ -9492,7 +9713,7 @@
             </a:pPr>
             <a:r>
               <a:rPr lang="en-US" altLang="ko-KR" sz="1600" dirty="0"/>
-              <a:t>4000</a:t>
+              <a:t>4,000</a:t>
             </a:r>
             <a:r>
               <a:rPr lang="ko-KR" altLang="en-US" sz="1600" dirty="0"/>
@@ -9500,7 +9721,7 @@
             </a:r>
             <a:r>
               <a:rPr lang="en-US" altLang="ko-KR" sz="1600" dirty="0"/>
-              <a:t>12000</a:t>
+              <a:t>12,000</a:t>
             </a:r>
             <a:r>
               <a:rPr lang="ko-KR" altLang="en-US" sz="1600" dirty="0"/>
@@ -9538,7 +9759,7 @@
             </a:r>
             <a:r>
               <a:rPr lang="ko-KR" altLang="en-US" sz="1600" dirty="0"/>
-              <a:t>두번째 이미지에서 </a:t>
+              <a:t>두 번째 이미지에서 </a:t>
             </a:r>
             <a:r>
               <a:rPr lang="en-US" altLang="ko-KR" sz="1600" dirty="0"/>
@@ -9596,7 +9817,15 @@
             </a:r>
             <a:r>
               <a:rPr lang="en-US" altLang="ko-KR" sz="1600" dirty="0" err="1"/>
-              <a:t>이벤트에의해</a:t>
+              <a:t>이벤트에</a:t>
+            </a:r>
+            <a:r>
+              <a:rPr lang="en-US" altLang="ko-KR" sz="1600" dirty="0"/>
+              <a:t> </a:t>
+            </a:r>
+            <a:r>
+              <a:rPr lang="en-US" altLang="ko-KR" sz="1600" dirty="0" err="1"/>
+              <a:t>의해</a:t>
             </a:r>
             <a:r>
               <a:rPr lang="en-US" altLang="ko-KR" sz="1600" dirty="0"/>
@@ -9691,7 +9920,7 @@
             </a:r>
             <a:r>
               <a:rPr lang="en-US" altLang="ko-KR" sz="1600" dirty="0"/>
-              <a:t>23558</a:t>
+              <a:t>23,558</a:t>
             </a:r>
             <a:r>
               <a:rPr lang="ko-KR" altLang="en-US" sz="1600" dirty="0"/>
@@ -9796,7 +10025,7 @@
             </a:r>
             <a:r>
               <a:rPr lang="ko-KR" altLang="en-US" sz="1600" dirty="0"/>
-              <a:t>속성을 조사하기위해 선택 환경을 사진을 보여주고 선택 </a:t>
+              <a:t>속성을 조사하기 위해 선택 환경을 사진을 보여주고 선택 </a:t>
             </a:r>
             <a:r>
               <a:rPr lang="en-US" altLang="ko-KR" sz="1600" dirty="0"/>
@@ -9831,7 +10060,7 @@
             </a:r>
             <a:r>
               <a:rPr lang="ko-KR" altLang="en-US" sz="1600" dirty="0"/>
-              <a:t> 두가지로 나누었다</a:t>
+              <a:t> 두 가지로 나누었다</a:t>
             </a:r>
             <a:r>
               <a:rPr lang="en-US" altLang="ko-KR" sz="1600" dirty="0"/>
@@ -10296,7 +10525,7 @@
           <p:nvPr/>
         </p:nvPicPr>
         <p:blipFill>
-          <a:blip r:embed="rId2"/>
+          <a:blip r:embed="rId3"/>
           <a:stretch>
             <a:fillRect/>
           </a:stretch>
@@ -11149,7 +11378,7 @@
                 <a:latin typeface="+mn-ea"/>
                 <a:cs typeface="맑은 고딕 Semilight" panose="020B0502040204020203" pitchFamily="50" charset="-127"/>
               </a:rPr>
-              <a:t>Videos : 1000</a:t>
+              <a:t>Videos : 1,000</a:t>
             </a:r>
             <a:r>
               <a:rPr lang="ko-KR" altLang="en-US" sz="1600" kern="0" dirty="0">
@@ -11683,7 +11912,7 @@
           <p:nvPr/>
         </p:nvPicPr>
         <p:blipFill rotWithShape="1">
-          <a:blip r:embed="rId3"/>
+          <a:blip r:embed="rId4"/>
           <a:srcRect r="9703"/>
           <a:stretch/>
         </p:blipFill>
@@ -12373,7 +12602,7 @@
             </a:r>
             <a:r>
               <a:rPr lang="en-US" altLang="ko-KR" sz="1600" dirty="0"/>
-              <a:t>.</a:t>
+              <a:t>. Faster R - CNN</a:t>
             </a:r>
           </a:p>
           <a:p>
@@ -12481,6 +12710,87 @@
           <a:chExt cx="0" cy="0"/>
         </a:xfrm>
       </p:grpSpPr>
+      <p:grpSp>
+        <p:nvGrpSpPr>
+          <p:cNvPr id="15" name="그룹 14">
+            <a:extLst>
+              <a:ext uri="{FF2B5EF4-FFF2-40B4-BE49-F238E27FC236}">
+                <a16:creationId xmlns:a16="http://schemas.microsoft.com/office/drawing/2014/main" id="{E5D15F53-9AE2-4E02-8BF4-491924469DC9}"/>
+              </a:ext>
+            </a:extLst>
+          </p:cNvPr>
+          <p:cNvGrpSpPr/>
+          <p:nvPr/>
+        </p:nvGrpSpPr>
+        <p:grpSpPr>
+          <a:xfrm>
+            <a:off x="8563187" y="1583871"/>
+            <a:ext cx="3177056" cy="1751745"/>
+            <a:chOff x="9278796" y="1970437"/>
+            <a:chExt cx="2454234" cy="1343892"/>
+          </a:xfrm>
+        </p:grpSpPr>
+        <p:pic>
+          <p:nvPicPr>
+            <p:cNvPr id="6" name="그림 5">
+              <a:extLst>
+                <a:ext uri="{FF2B5EF4-FFF2-40B4-BE49-F238E27FC236}">
+                  <a16:creationId xmlns:a16="http://schemas.microsoft.com/office/drawing/2014/main" id="{DB03E36E-0296-474D-9847-EAEDEBACEB49}"/>
+                </a:ext>
+              </a:extLst>
+            </p:cNvPr>
+            <p:cNvPicPr>
+              <a:picLocks noChangeAspect="1"/>
+            </p:cNvPicPr>
+            <p:nvPr/>
+          </p:nvPicPr>
+          <p:blipFill>
+            <a:blip r:embed="rId2"/>
+            <a:stretch>
+              <a:fillRect/>
+            </a:stretch>
+          </p:blipFill>
+          <p:spPr>
+            <a:xfrm>
+              <a:off x="9278796" y="1970437"/>
+              <a:ext cx="2454234" cy="780298"/>
+            </a:xfrm>
+            <a:prstGeom prst="rect">
+              <a:avLst/>
+            </a:prstGeom>
+          </p:spPr>
+        </p:pic>
+        <p:pic>
+          <p:nvPicPr>
+            <p:cNvPr id="12" name="그림 11">
+              <a:extLst>
+                <a:ext uri="{FF2B5EF4-FFF2-40B4-BE49-F238E27FC236}">
+                  <a16:creationId xmlns:a16="http://schemas.microsoft.com/office/drawing/2014/main" id="{AA58826F-26A6-4A4E-B6CB-443F5A92E1FE}"/>
+                </a:ext>
+              </a:extLst>
+            </p:cNvPr>
+            <p:cNvPicPr>
+              <a:picLocks noChangeAspect="1"/>
+            </p:cNvPicPr>
+            <p:nvPr/>
+          </p:nvPicPr>
+          <p:blipFill>
+            <a:blip r:embed="rId3"/>
+            <a:stretch>
+              <a:fillRect/>
+            </a:stretch>
+          </p:blipFill>
+          <p:spPr>
+            <a:xfrm>
+              <a:off x="9278796" y="2712674"/>
+              <a:ext cx="2454234" cy="601655"/>
+            </a:xfrm>
+            <a:prstGeom prst="rect">
+              <a:avLst/>
+            </a:prstGeom>
+          </p:spPr>
+        </p:pic>
+      </p:grpSp>
       <p:pic>
         <p:nvPicPr>
           <p:cNvPr id="14" name="그림 13">
@@ -12496,7 +12806,7 @@
           <p:nvPr/>
         </p:nvPicPr>
         <p:blipFill>
-          <a:blip r:embed="rId2"/>
+          <a:blip r:embed="rId4"/>
           <a:stretch>
             <a:fillRect/>
           </a:stretch>
@@ -13004,87 +13314,6 @@
           </a:p>
         </p:txBody>
       </p:sp>
-      <p:grpSp>
-        <p:nvGrpSpPr>
-          <p:cNvPr id="15" name="그룹 14">
-            <a:extLst>
-              <a:ext uri="{FF2B5EF4-FFF2-40B4-BE49-F238E27FC236}">
-                <a16:creationId xmlns:a16="http://schemas.microsoft.com/office/drawing/2014/main" id="{E5D15F53-9AE2-4E02-8BF4-491924469DC9}"/>
-              </a:ext>
-            </a:extLst>
-          </p:cNvPr>
-          <p:cNvGrpSpPr/>
-          <p:nvPr/>
-        </p:nvGrpSpPr>
-        <p:grpSpPr>
-          <a:xfrm>
-            <a:off x="8563187" y="1582341"/>
-            <a:ext cx="3233638" cy="1753276"/>
-            <a:chOff x="9278796" y="1970437"/>
-            <a:chExt cx="2454234" cy="1343892"/>
-          </a:xfrm>
-        </p:grpSpPr>
-        <p:pic>
-          <p:nvPicPr>
-            <p:cNvPr id="6" name="그림 5">
-              <a:extLst>
-                <a:ext uri="{FF2B5EF4-FFF2-40B4-BE49-F238E27FC236}">
-                  <a16:creationId xmlns:a16="http://schemas.microsoft.com/office/drawing/2014/main" id="{DB03E36E-0296-474D-9847-EAEDEBACEB49}"/>
-                </a:ext>
-              </a:extLst>
-            </p:cNvPr>
-            <p:cNvPicPr>
-              <a:picLocks noChangeAspect="1"/>
-            </p:cNvPicPr>
-            <p:nvPr/>
-          </p:nvPicPr>
-          <p:blipFill>
-            <a:blip r:embed="rId3"/>
-            <a:stretch>
-              <a:fillRect/>
-            </a:stretch>
-          </p:blipFill>
-          <p:spPr>
-            <a:xfrm>
-              <a:off x="9278796" y="1970437"/>
-              <a:ext cx="2454234" cy="780298"/>
-            </a:xfrm>
-            <a:prstGeom prst="rect">
-              <a:avLst/>
-            </a:prstGeom>
-          </p:spPr>
-        </p:pic>
-        <p:pic>
-          <p:nvPicPr>
-            <p:cNvPr id="12" name="그림 11">
-              <a:extLst>
-                <a:ext uri="{FF2B5EF4-FFF2-40B4-BE49-F238E27FC236}">
-                  <a16:creationId xmlns:a16="http://schemas.microsoft.com/office/drawing/2014/main" id="{AA58826F-26A6-4A4E-B6CB-443F5A92E1FE}"/>
-                </a:ext>
-              </a:extLst>
-            </p:cNvPr>
-            <p:cNvPicPr>
-              <a:picLocks noChangeAspect="1"/>
-            </p:cNvPicPr>
-            <p:nvPr/>
-          </p:nvPicPr>
-          <p:blipFill>
-            <a:blip r:embed="rId4"/>
-            <a:stretch>
-              <a:fillRect/>
-            </a:stretch>
-          </p:blipFill>
-          <p:spPr>
-            <a:xfrm>
-              <a:off x="9278796" y="2712674"/>
-              <a:ext cx="2454234" cy="601655"/>
-            </a:xfrm>
-            <a:prstGeom prst="rect">
-              <a:avLst/>
-            </a:prstGeom>
-          </p:spPr>
-        </p:pic>
-      </p:grpSp>
       <p:pic>
         <p:nvPicPr>
           <p:cNvPr id="13" name="그림 12">

--- a/3주차.pptx
+++ b/3주차.pptx
@@ -215,7 +215,7 @@
           <a:p>
             <a:fld id="{8403E68E-9B88-4DB5-BADA-D5AB9607083E}" type="datetimeFigureOut">
               <a:rPr lang="ko-KR" altLang="en-US" smtClean="0"/>
-              <a:t>2021-07-22</a:t>
+              <a:t>2021-08-04</a:t>
             </a:fld>
             <a:endParaRPr lang="ko-KR" altLang="en-US"/>
           </a:p>
@@ -2737,7 +2737,7 @@
           <a:p>
             <a:fld id="{81824485-37D6-4A4E-B3C2-55E690D391A0}" type="datetime1">
               <a:rPr lang="ko-KR" altLang="en-US" smtClean="0"/>
-              <a:t>2021-07-22</a:t>
+              <a:t>2021-08-04</a:t>
             </a:fld>
             <a:endParaRPr lang="ko-KR" altLang="en-US"/>
           </a:p>
@@ -2935,7 +2935,7 @@
           <a:p>
             <a:fld id="{3DF715B5-1D12-4CA6-88BA-3982FCF342B2}" type="datetime1">
               <a:rPr lang="ko-KR" altLang="en-US" smtClean="0"/>
-              <a:t>2021-07-22</a:t>
+              <a:t>2021-08-04</a:t>
             </a:fld>
             <a:endParaRPr lang="ko-KR" altLang="en-US"/>
           </a:p>
@@ -3143,7 +3143,7 @@
           <a:p>
             <a:fld id="{13D876F9-D66F-4450-8B0D-7B53B1CAD061}" type="datetime1">
               <a:rPr lang="ko-KR" altLang="en-US" smtClean="0"/>
-              <a:t>2021-07-22</a:t>
+              <a:t>2021-08-04</a:t>
             </a:fld>
             <a:endParaRPr lang="ko-KR" altLang="en-US"/>
           </a:p>
@@ -3341,7 +3341,7 @@
           <a:p>
             <a:fld id="{4DF80924-3D40-475B-A14E-A89456D8CB0D}" type="datetime1">
               <a:rPr lang="ko-KR" altLang="en-US" smtClean="0"/>
-              <a:t>2021-07-22</a:t>
+              <a:t>2021-08-04</a:t>
             </a:fld>
             <a:endParaRPr lang="ko-KR" altLang="en-US"/>
           </a:p>
@@ -3616,7 +3616,7 @@
           <a:p>
             <a:fld id="{27271DA4-6E68-43A7-BA9A-44AAD2A570A2}" type="datetime1">
               <a:rPr lang="ko-KR" altLang="en-US" smtClean="0"/>
-              <a:t>2021-07-22</a:t>
+              <a:t>2021-08-04</a:t>
             </a:fld>
             <a:endParaRPr lang="ko-KR" altLang="en-US"/>
           </a:p>
@@ -3881,7 +3881,7 @@
           <a:p>
             <a:fld id="{FB8660EF-7488-4688-B47B-499D7661BB9A}" type="datetime1">
               <a:rPr lang="ko-KR" altLang="en-US" smtClean="0"/>
-              <a:t>2021-07-22</a:t>
+              <a:t>2021-08-04</a:t>
             </a:fld>
             <a:endParaRPr lang="ko-KR" altLang="en-US"/>
           </a:p>
@@ -4293,7 +4293,7 @@
           <a:p>
             <a:fld id="{B2A0DCBC-07E3-4F51-A8B0-7DDB83A3B59C}" type="datetime1">
               <a:rPr lang="ko-KR" altLang="en-US" smtClean="0"/>
-              <a:t>2021-07-22</a:t>
+              <a:t>2021-08-04</a:t>
             </a:fld>
             <a:endParaRPr lang="ko-KR" altLang="en-US"/>
           </a:p>
@@ -4434,7 +4434,7 @@
           <a:p>
             <a:fld id="{B8772A87-66B2-4830-AD9F-DE65303EA9D0}" type="datetime1">
               <a:rPr lang="ko-KR" altLang="en-US" smtClean="0"/>
-              <a:t>2021-07-22</a:t>
+              <a:t>2021-08-04</a:t>
             </a:fld>
             <a:endParaRPr lang="ko-KR" altLang="en-US"/>
           </a:p>
@@ -4547,7 +4547,7 @@
           <a:p>
             <a:fld id="{C338DA32-DAFA-4ECD-8F80-B4DE9A5BE697}" type="datetime1">
               <a:rPr lang="ko-KR" altLang="en-US" smtClean="0"/>
-              <a:t>2021-07-22</a:t>
+              <a:t>2021-08-04</a:t>
             </a:fld>
             <a:endParaRPr lang="ko-KR" altLang="en-US"/>
           </a:p>
@@ -4858,7 +4858,7 @@
           <a:p>
             <a:fld id="{650E3E3D-B19B-4A86-A742-753C828A8F1C}" type="datetime1">
               <a:rPr lang="ko-KR" altLang="en-US" smtClean="0"/>
-              <a:t>2021-07-22</a:t>
+              <a:t>2021-08-04</a:t>
             </a:fld>
             <a:endParaRPr lang="ko-KR" altLang="en-US"/>
           </a:p>
@@ -5146,7 +5146,7 @@
           <a:p>
             <a:fld id="{95E62AEA-E495-403A-8773-B058821D500F}" type="datetime1">
               <a:rPr lang="ko-KR" altLang="en-US" smtClean="0"/>
-              <a:t>2021-07-22</a:t>
+              <a:t>2021-08-04</a:t>
             </a:fld>
             <a:endParaRPr lang="ko-KR" altLang="en-US"/>
           </a:p>
@@ -5387,7 +5387,7 @@
           <a:p>
             <a:fld id="{AD2AA275-37EC-4747-8BBB-86137B98CC85}" type="datetime1">
               <a:rPr lang="ko-KR" altLang="en-US" smtClean="0"/>
-              <a:t>2021-07-22</a:t>
+              <a:t>2021-08-04</a:t>
             </a:fld>
             <a:endParaRPr lang="ko-KR" altLang="en-US"/>
           </a:p>
